--- a/workshop2/Kafka - 102.pptx
+++ b/workshop2/Kafka - 102.pptx
@@ -6,64 +6,24 @@
     <p:sldMasterId id="2147483674" r:id="rId2"/>
   </p:sldMasterIdLst>
   <p:notesMasterIdLst>
-    <p:notesMasterId r:id="rId58"/>
+    <p:notesMasterId r:id="rId18"/>
   </p:notesMasterIdLst>
   <p:sldIdLst>
     <p:sldId id="256" r:id="rId3"/>
     <p:sldId id="266" r:id="rId4"/>
-    <p:sldId id="300" r:id="rId5"/>
-    <p:sldId id="301" r:id="rId6"/>
-    <p:sldId id="302" r:id="rId7"/>
-    <p:sldId id="303" r:id="rId8"/>
-    <p:sldId id="304" r:id="rId9"/>
-    <p:sldId id="305" r:id="rId10"/>
-    <p:sldId id="306" r:id="rId11"/>
-    <p:sldId id="307" r:id="rId12"/>
-    <p:sldId id="311" r:id="rId13"/>
-    <p:sldId id="312" r:id="rId14"/>
-    <p:sldId id="309" r:id="rId15"/>
-    <p:sldId id="258" r:id="rId16"/>
-    <p:sldId id="257" r:id="rId17"/>
-    <p:sldId id="259" r:id="rId18"/>
-    <p:sldId id="260" r:id="rId19"/>
-    <p:sldId id="261" r:id="rId20"/>
-    <p:sldId id="263" r:id="rId21"/>
-    <p:sldId id="264" r:id="rId22"/>
-    <p:sldId id="265" r:id="rId23"/>
-    <p:sldId id="267" r:id="rId24"/>
-    <p:sldId id="268" r:id="rId25"/>
-    <p:sldId id="269" r:id="rId26"/>
-    <p:sldId id="270" r:id="rId27"/>
-    <p:sldId id="271" r:id="rId28"/>
-    <p:sldId id="272" r:id="rId29"/>
-    <p:sldId id="273" r:id="rId30"/>
-    <p:sldId id="274" r:id="rId31"/>
-    <p:sldId id="276" r:id="rId32"/>
-    <p:sldId id="277" r:id="rId33"/>
-    <p:sldId id="275" r:id="rId34"/>
-    <p:sldId id="278" r:id="rId35"/>
-    <p:sldId id="279" r:id="rId36"/>
-    <p:sldId id="280" r:id="rId37"/>
-    <p:sldId id="281" r:id="rId38"/>
-    <p:sldId id="282" r:id="rId39"/>
-    <p:sldId id="283" r:id="rId40"/>
-    <p:sldId id="284" r:id="rId41"/>
-    <p:sldId id="285" r:id="rId42"/>
-    <p:sldId id="286" r:id="rId43"/>
-    <p:sldId id="287" r:id="rId44"/>
-    <p:sldId id="288" r:id="rId45"/>
-    <p:sldId id="289" r:id="rId46"/>
-    <p:sldId id="290" r:id="rId47"/>
-    <p:sldId id="291" r:id="rId48"/>
-    <p:sldId id="292" r:id="rId49"/>
-    <p:sldId id="293" r:id="rId50"/>
-    <p:sldId id="294" r:id="rId51"/>
-    <p:sldId id="295" r:id="rId52"/>
-    <p:sldId id="296" r:id="rId53"/>
-    <p:sldId id="299" r:id="rId54"/>
-    <p:sldId id="313" r:id="rId55"/>
-    <p:sldId id="297" r:id="rId56"/>
-    <p:sldId id="298" r:id="rId57"/>
+    <p:sldId id="311" r:id="rId5"/>
+    <p:sldId id="314" r:id="rId6"/>
+    <p:sldId id="315" r:id="rId7"/>
+    <p:sldId id="275" r:id="rId8"/>
+    <p:sldId id="278" r:id="rId9"/>
+    <p:sldId id="309" r:id="rId10"/>
+    <p:sldId id="316" r:id="rId11"/>
+    <p:sldId id="264" r:id="rId12"/>
+    <p:sldId id="265" r:id="rId13"/>
+    <p:sldId id="299" r:id="rId14"/>
+    <p:sldId id="313" r:id="rId15"/>
+    <p:sldId id="297" r:id="rId16"/>
+    <p:sldId id="298" r:id="rId17"/>
   </p:sldIdLst>
   <p:sldSz cx="12192000" cy="6858000"/>
   <p:notesSz cx="6858000" cy="9144000"/>
@@ -252,7 +212,7 @@
           <a:p>
             <a:fld id="{40DD4001-F066-5A4B-8FD8-5427A0E88FF4}" type="datetimeFigureOut">
               <a:rPr lang="en-NO" smtClean="0"/>
-              <a:t>01/02/2024</a:t>
+              <a:t>02/19/2024</a:t>
             </a:fld>
             <a:endParaRPr lang="en-NO"/>
           </a:p>
@@ -604,597 +564,6 @@
 </p:notes>
 </file>
 
-<file path=ppt/notesSlides/notesSlide2.xml><?xml version="1.0" encoding="utf-8"?>
-<p:notes xmlns:a="http://schemas.openxmlformats.org/drawingml/2006/main" xmlns:r="http://schemas.openxmlformats.org/officeDocument/2006/relationships" xmlns:p="http://schemas.openxmlformats.org/presentationml/2006/main">
-  <p:cSld>
-    <p:spTree>
-      <p:nvGrpSpPr>
-        <p:cNvPr id="1" name=""/>
-        <p:cNvGrpSpPr/>
-        <p:nvPr/>
-      </p:nvGrpSpPr>
-      <p:grpSpPr>
-        <a:xfrm>
-          <a:off x="0" y="0"/>
-          <a:ext cx="0" cy="0"/>
-          <a:chOff x="0" y="0"/>
-          <a:chExt cx="0" cy="0"/>
-        </a:xfrm>
-      </p:grpSpPr>
-      <p:sp>
-        <p:nvSpPr>
-          <p:cNvPr id="2" name="Slide Image Placeholder 1"/>
-          <p:cNvSpPr>
-            <a:spLocks noGrp="1" noRot="1" noChangeAspect="1"/>
-          </p:cNvSpPr>
-          <p:nvPr>
-            <p:ph type="sldImg"/>
-          </p:nvPr>
-        </p:nvSpPr>
-        <p:spPr/>
-      </p:sp>
-      <p:sp>
-        <p:nvSpPr>
-          <p:cNvPr id="3" name="Notes Placeholder 2"/>
-          <p:cNvSpPr>
-            <a:spLocks noGrp="1"/>
-          </p:cNvSpPr>
-          <p:nvPr>
-            <p:ph type="body" idx="1"/>
-          </p:nvPr>
-        </p:nvSpPr>
-        <p:spPr/>
-        <p:txBody>
-          <a:bodyPr/>
-          <a:lstStyle/>
-          <a:p>
-            <a:pPr marL="285750" indent="-285750">
-              <a:buFont typeface="Arial"/>
-              <a:buChar char="•"/>
-            </a:pPr>
-            <a:r>
-              <a:rPr lang="en-US" b="1"/>
-              <a:t>Definition:</a:t>
-            </a:r>
-            <a:r>
-              <a:rPr lang="en-US"/>
-              <a:t> Docker is an open-source platform that automates the deployment, scaling, and management of applications inside lightweight, portable containers.</a:t>
-            </a:r>
-          </a:p>
-          <a:p>
-            <a:pPr marL="285750" indent="-285750">
-              <a:buFont typeface="Arial"/>
-              <a:buChar char="•"/>
-            </a:pPr>
-            <a:r>
-              <a:rPr lang="en-US" b="1"/>
-              <a:t>Key Concepts:</a:t>
-            </a:r>
-            <a:endParaRPr lang="en-US"/>
-          </a:p>
-          <a:p>
-            <a:pPr marL="285750" lvl="1" indent="-285750">
-              <a:buFont typeface="Arial"/>
-              <a:buChar char="•"/>
-            </a:pPr>
-            <a:r>
-              <a:rPr lang="en-US" i="1"/>
-              <a:t>Containerization:</a:t>
-            </a:r>
-            <a:r>
-              <a:rPr lang="en-US"/>
-              <a:t> A lightweight, standalone, executable package that includes everything needed to run a piece of software, including the code, runtime, libraries, and system tools.</a:t>
-            </a:r>
-            <a:endParaRPr lang="en-US">
-              <a:cs typeface="Calibri"/>
-            </a:endParaRPr>
-          </a:p>
-          <a:p>
-            <a:pPr marL="285750" lvl="1" indent="-285750">
-              <a:buFont typeface="Arial"/>
-              <a:buChar char="•"/>
-            </a:pPr>
-            <a:r>
-              <a:rPr lang="en-US" i="1"/>
-              <a:t>Isolation:</a:t>
-            </a:r>
-            <a:r>
-              <a:rPr lang="en-US"/>
-              <a:t> Containers encapsulate applications, ensuring they run consistently across various environments without dependency issues.</a:t>
-            </a:r>
-            <a:endParaRPr lang="en-US">
-              <a:cs typeface="Calibri"/>
-            </a:endParaRPr>
-          </a:p>
-          <a:p>
-            <a:pPr marL="285750" indent="-285750">
-              <a:buFont typeface="Arial"/>
-              <a:buChar char="•"/>
-            </a:pPr>
-            <a:r>
-              <a:rPr lang="en-US" b="1"/>
-              <a:t>Advantages:</a:t>
-            </a:r>
-            <a:endParaRPr lang="en-US"/>
-          </a:p>
-          <a:p>
-            <a:pPr marL="285750" lvl="1" indent="-285750">
-              <a:buFont typeface="Arial"/>
-              <a:buChar char="•"/>
-            </a:pPr>
-            <a:r>
-              <a:rPr lang="en-US" i="1"/>
-              <a:t>Portability:</a:t>
-            </a:r>
-            <a:r>
-              <a:rPr lang="en-US"/>
-              <a:t> Containers run consistently across different environments, promoting seamless migration and deployment.</a:t>
-            </a:r>
-            <a:endParaRPr lang="en-US">
-              <a:cs typeface="Calibri"/>
-            </a:endParaRPr>
-          </a:p>
-          <a:p>
-            <a:pPr marL="285750" lvl="1" indent="-285750">
-              <a:buFont typeface="Arial"/>
-              <a:buChar char="•"/>
-            </a:pPr>
-            <a:r>
-              <a:rPr lang="en-US" i="1"/>
-              <a:t>Resource Efficiency:</a:t>
-            </a:r>
-            <a:r>
-              <a:rPr lang="en-US"/>
-              <a:t> Containers share the host OS kernel, reducing overhead and optimizing resource utilization.</a:t>
-            </a:r>
-            <a:endParaRPr lang="en-US">
-              <a:cs typeface="Calibri"/>
-            </a:endParaRPr>
-          </a:p>
-          <a:p>
-            <a:pPr marL="285750" indent="-285750">
-              <a:buFont typeface="Arial"/>
-              <a:buChar char="•"/>
-            </a:pPr>
-            <a:r>
-              <a:rPr lang="en-US" b="1"/>
-              <a:t>Use Cases:</a:t>
-            </a:r>
-            <a:endParaRPr lang="en-US"/>
-          </a:p>
-          <a:p>
-            <a:pPr marL="285750" lvl="1" indent="-285750">
-              <a:buFont typeface="Arial"/>
-              <a:buChar char="•"/>
-            </a:pPr>
-            <a:r>
-              <a:rPr lang="en-US" i="1"/>
-              <a:t>Microservices Architecture:</a:t>
-            </a:r>
-            <a:r>
-              <a:rPr lang="en-US"/>
-              <a:t> Ideal for breaking down monolithic applications into smaller, manageable services.</a:t>
-            </a:r>
-            <a:endParaRPr lang="en-US">
-              <a:cs typeface="Calibri"/>
-            </a:endParaRPr>
-          </a:p>
-          <a:p>
-            <a:pPr marL="285750" lvl="1" indent="-285750">
-              <a:buFont typeface="Arial"/>
-              <a:buChar char="•"/>
-            </a:pPr>
-            <a:r>
-              <a:rPr lang="en-US" i="1"/>
-              <a:t>DevOps Practices:</a:t>
-            </a:r>
-            <a:r>
-              <a:rPr lang="en-US"/>
-              <a:t> Enhances collaboration between development and operations teams by providing a consistent environment for development, testing, and deployment.</a:t>
-            </a:r>
-            <a:endParaRPr lang="en-US">
-              <a:cs typeface="Calibri"/>
-            </a:endParaRPr>
-          </a:p>
-          <a:p>
-            <a:endParaRPr lang="en-US">
-              <a:cs typeface="Calibri"/>
-            </a:endParaRPr>
-          </a:p>
-        </p:txBody>
-      </p:sp>
-      <p:sp>
-        <p:nvSpPr>
-          <p:cNvPr id="4" name="Slide Number Placeholder 3"/>
-          <p:cNvSpPr>
-            <a:spLocks noGrp="1"/>
-          </p:cNvSpPr>
-          <p:nvPr>
-            <p:ph type="sldNum" sz="quarter" idx="5"/>
-          </p:nvPr>
-        </p:nvSpPr>
-        <p:spPr/>
-        <p:txBody>
-          <a:bodyPr/>
-          <a:lstStyle/>
-          <a:p>
-            <a:fld id="{5063FE40-A791-47DD-BF5F-4531FF157BB4}" type="slidenum">
-              <a:t>5</a:t>
-            </a:fld>
-            <a:endParaRPr lang="en-US"/>
-          </a:p>
-        </p:txBody>
-      </p:sp>
-    </p:spTree>
-    <p:extLst>
-      <p:ext uri="{BB962C8B-B14F-4D97-AF65-F5344CB8AC3E}">
-        <p14:creationId xmlns:p14="http://schemas.microsoft.com/office/powerpoint/2010/main" val="3061992110"/>
-      </p:ext>
-    </p:extLst>
-  </p:cSld>
-  <p:clrMapOvr>
-    <a:masterClrMapping/>
-  </p:clrMapOvr>
-</p:notes>
-</file>
-
-<file path=ppt/notesSlides/notesSlide3.xml><?xml version="1.0" encoding="utf-8"?>
-<p:notes xmlns:a="http://schemas.openxmlformats.org/drawingml/2006/main" xmlns:r="http://schemas.openxmlformats.org/officeDocument/2006/relationships" xmlns:p="http://schemas.openxmlformats.org/presentationml/2006/main">
-  <p:cSld>
-    <p:spTree>
-      <p:nvGrpSpPr>
-        <p:cNvPr id="1" name=""/>
-        <p:cNvGrpSpPr/>
-        <p:nvPr/>
-      </p:nvGrpSpPr>
-      <p:grpSpPr>
-        <a:xfrm>
-          <a:off x="0" y="0"/>
-          <a:ext cx="0" cy="0"/>
-          <a:chOff x="0" y="0"/>
-          <a:chExt cx="0" cy="0"/>
-        </a:xfrm>
-      </p:grpSpPr>
-      <p:sp>
-        <p:nvSpPr>
-          <p:cNvPr id="2" name="Slide Image Placeholder 1"/>
-          <p:cNvSpPr>
-            <a:spLocks noGrp="1" noRot="1" noChangeAspect="1"/>
-          </p:cNvSpPr>
-          <p:nvPr>
-            <p:ph type="sldImg"/>
-          </p:nvPr>
-        </p:nvSpPr>
-        <p:spPr/>
-      </p:sp>
-      <p:sp>
-        <p:nvSpPr>
-          <p:cNvPr id="3" name="Notes Placeholder 2"/>
-          <p:cNvSpPr>
-            <a:spLocks noGrp="1"/>
-          </p:cNvSpPr>
-          <p:nvPr>
-            <p:ph type="body" idx="1"/>
-          </p:nvPr>
-        </p:nvSpPr>
-        <p:spPr/>
-        <p:txBody>
-          <a:bodyPr/>
-          <a:lstStyle/>
-          <a:p>
-            <a:pPr>
-              <a:buFont typeface="Arial" panose="020B0604020202020204" pitchFamily="34" charset="0"/>
-              <a:buChar char="•"/>
-            </a:pPr>
-            <a:r>
-              <a:rPr lang="en-GB" b="1"/>
-              <a:t>Key</a:t>
-            </a:r>
-            <a:r>
-              <a:rPr lang="en-GB"/>
-              <a:t>. Key is optional in the Kafka message and it can be null. A key may be a string, number, or any object and then the key is serialized into binary format. </a:t>
-            </a:r>
-          </a:p>
-          <a:p>
-            <a:pPr>
-              <a:buFont typeface="Arial" panose="020B0604020202020204" pitchFamily="34" charset="0"/>
-              <a:buChar char="•"/>
-            </a:pPr>
-            <a:r>
-              <a:rPr lang="en-GB" b="1"/>
-              <a:t>Value</a:t>
-            </a:r>
-            <a:r>
-              <a:rPr lang="en-GB"/>
-              <a:t>. The value represents the content of the message and can also be null. The value format is arbitrary and is then also serialized into binary format.</a:t>
-            </a:r>
-          </a:p>
-          <a:p>
-            <a:pPr>
-              <a:buFont typeface="Arial" panose="020B0604020202020204" pitchFamily="34" charset="0"/>
-              <a:buChar char="•"/>
-            </a:pPr>
-            <a:r>
-              <a:rPr lang="en-GB" b="1"/>
-              <a:t>Compression Type</a:t>
-            </a:r>
-            <a:r>
-              <a:rPr lang="en-GB"/>
-              <a:t>. Kafka messages may be compressed. The compression type can be specified as part of the message. Options are none, </a:t>
-            </a:r>
-            <a:r>
-              <a:rPr lang="en-GB" err="1"/>
-              <a:t>gzip</a:t>
-            </a:r>
-            <a:r>
-              <a:rPr lang="en-GB"/>
-              <a:t>, lz4, snappy, and </a:t>
-            </a:r>
-            <a:r>
-              <a:rPr lang="en-GB" err="1"/>
-              <a:t>zstd</a:t>
-            </a:r>
-            <a:endParaRPr lang="en-GB"/>
-          </a:p>
-          <a:p>
-            <a:pPr>
-              <a:buFont typeface="Arial" panose="020B0604020202020204" pitchFamily="34" charset="0"/>
-              <a:buChar char="•"/>
-            </a:pPr>
-            <a:r>
-              <a:rPr lang="en-GB" b="1"/>
-              <a:t>Headers</a:t>
-            </a:r>
-            <a:r>
-              <a:rPr lang="en-GB"/>
-              <a:t>. There can be a list of optional Kafka message headers in the form of key-value pairs. It is common to add headers to specify metadata about the message, especially for tracing.</a:t>
-            </a:r>
-          </a:p>
-          <a:p>
-            <a:pPr>
-              <a:buFont typeface="Arial" panose="020B0604020202020204" pitchFamily="34" charset="0"/>
-              <a:buChar char="•"/>
-            </a:pPr>
-            <a:r>
-              <a:rPr lang="en-GB" b="1"/>
-              <a:t>Partition + Offset</a:t>
-            </a:r>
-            <a:r>
-              <a:rPr lang="en-GB"/>
-              <a:t>. Once a message is sent into a Kafka topic, it receives a partition number and an offset id. The combination of </a:t>
-            </a:r>
-            <a:r>
-              <a:rPr lang="en-GB" err="1"/>
-              <a:t>topic+partition+offset</a:t>
-            </a:r>
-            <a:r>
-              <a:rPr lang="en-GB"/>
-              <a:t> uniquely identifies the message</a:t>
-            </a:r>
-          </a:p>
-          <a:p>
-            <a:pPr>
-              <a:buFont typeface="Arial" panose="020B0604020202020204" pitchFamily="34" charset="0"/>
-              <a:buChar char="•"/>
-            </a:pPr>
-            <a:r>
-              <a:rPr lang="en-GB" b="1"/>
-              <a:t>Timestamp</a:t>
-            </a:r>
-            <a:r>
-              <a:rPr lang="en-GB"/>
-              <a:t>. A timestamp is added either by the user or the system in the message.</a:t>
-            </a:r>
-          </a:p>
-          <a:p>
-            <a:endParaRPr lang="en-NO"/>
-          </a:p>
-        </p:txBody>
-      </p:sp>
-      <p:sp>
-        <p:nvSpPr>
-          <p:cNvPr id="4" name="Slide Number Placeholder 3"/>
-          <p:cNvSpPr>
-            <a:spLocks noGrp="1"/>
-          </p:cNvSpPr>
-          <p:nvPr>
-            <p:ph type="sldNum" sz="quarter" idx="5"/>
-          </p:nvPr>
-        </p:nvSpPr>
-        <p:spPr/>
-        <p:txBody>
-          <a:bodyPr/>
-          <a:lstStyle/>
-          <a:p>
-            <a:fld id="{78729015-7DD2-604A-9DFB-9A8390412CB5}" type="slidenum">
-              <a:rPr lang="en-NO" smtClean="0"/>
-              <a:t>29</a:t>
-            </a:fld>
-            <a:endParaRPr lang="en-NO"/>
-          </a:p>
-        </p:txBody>
-      </p:sp>
-    </p:spTree>
-    <p:extLst>
-      <p:ext uri="{BB962C8B-B14F-4D97-AF65-F5344CB8AC3E}">
-        <p14:creationId xmlns:p14="http://schemas.microsoft.com/office/powerpoint/2010/main" val="2729618397"/>
-      </p:ext>
-    </p:extLst>
-  </p:cSld>
-  <p:clrMapOvr>
-    <a:masterClrMapping/>
-  </p:clrMapOvr>
-</p:notes>
-</file>
-
-<file path=ppt/notesSlides/notesSlide4.xml><?xml version="1.0" encoding="utf-8"?>
-<p:notes xmlns:a="http://schemas.openxmlformats.org/drawingml/2006/main" xmlns:r="http://schemas.openxmlformats.org/officeDocument/2006/relationships" xmlns:p="http://schemas.openxmlformats.org/presentationml/2006/main">
-  <p:cSld>
-    <p:spTree>
-      <p:nvGrpSpPr>
-        <p:cNvPr id="1" name=""/>
-        <p:cNvGrpSpPr/>
-        <p:nvPr/>
-      </p:nvGrpSpPr>
-      <p:grpSpPr>
-        <a:xfrm>
-          <a:off x="0" y="0"/>
-          <a:ext cx="0" cy="0"/>
-          <a:chOff x="0" y="0"/>
-          <a:chExt cx="0" cy="0"/>
-        </a:xfrm>
-      </p:grpSpPr>
-      <p:sp>
-        <p:nvSpPr>
-          <p:cNvPr id="2" name="Slide Image Placeholder 1"/>
-          <p:cNvSpPr>
-            <a:spLocks noGrp="1" noRot="1" noChangeAspect="1"/>
-          </p:cNvSpPr>
-          <p:nvPr>
-            <p:ph type="sldImg"/>
-          </p:nvPr>
-        </p:nvSpPr>
-        <p:spPr/>
-      </p:sp>
-      <p:sp>
-        <p:nvSpPr>
-          <p:cNvPr id="3" name="Notes Placeholder 2"/>
-          <p:cNvSpPr>
-            <a:spLocks noGrp="1"/>
-          </p:cNvSpPr>
-          <p:nvPr>
-            <p:ph type="body" idx="1"/>
-          </p:nvPr>
-        </p:nvSpPr>
-        <p:spPr/>
-        <p:txBody>
-          <a:bodyPr/>
-          <a:lstStyle/>
-          <a:p>
-            <a:endParaRPr lang="en-NO"/>
-          </a:p>
-        </p:txBody>
-      </p:sp>
-      <p:sp>
-        <p:nvSpPr>
-          <p:cNvPr id="4" name="Slide Number Placeholder 3"/>
-          <p:cNvSpPr>
-            <a:spLocks noGrp="1"/>
-          </p:cNvSpPr>
-          <p:nvPr>
-            <p:ph type="sldNum" sz="quarter" idx="5"/>
-          </p:nvPr>
-        </p:nvSpPr>
-        <p:spPr/>
-        <p:txBody>
-          <a:bodyPr/>
-          <a:lstStyle/>
-          <a:p>
-            <a:fld id="{78729015-7DD2-604A-9DFB-9A8390412CB5}" type="slidenum">
-              <a:rPr lang="en-NO" smtClean="0"/>
-              <a:t>45</a:t>
-            </a:fld>
-            <a:endParaRPr lang="en-NO"/>
-          </a:p>
-        </p:txBody>
-      </p:sp>
-    </p:spTree>
-    <p:extLst>
-      <p:ext uri="{BB962C8B-B14F-4D97-AF65-F5344CB8AC3E}">
-        <p14:creationId xmlns:p14="http://schemas.microsoft.com/office/powerpoint/2010/main" val="3328348582"/>
-      </p:ext>
-    </p:extLst>
-  </p:cSld>
-  <p:clrMapOvr>
-    <a:masterClrMapping/>
-  </p:clrMapOvr>
-</p:notes>
-</file>
-
-<file path=ppt/notesSlides/notesSlide5.xml><?xml version="1.0" encoding="utf-8"?>
-<p:notes xmlns:a="http://schemas.openxmlformats.org/drawingml/2006/main" xmlns:r="http://schemas.openxmlformats.org/officeDocument/2006/relationships" xmlns:p="http://schemas.openxmlformats.org/presentationml/2006/main">
-  <p:cSld>
-    <p:spTree>
-      <p:nvGrpSpPr>
-        <p:cNvPr id="1" name=""/>
-        <p:cNvGrpSpPr/>
-        <p:nvPr/>
-      </p:nvGrpSpPr>
-      <p:grpSpPr>
-        <a:xfrm>
-          <a:off x="0" y="0"/>
-          <a:ext cx="0" cy="0"/>
-          <a:chOff x="0" y="0"/>
-          <a:chExt cx="0" cy="0"/>
-        </a:xfrm>
-      </p:grpSpPr>
-      <p:sp>
-        <p:nvSpPr>
-          <p:cNvPr id="2" name="Slide Image Placeholder 1"/>
-          <p:cNvSpPr>
-            <a:spLocks noGrp="1" noRot="1" noChangeAspect="1"/>
-          </p:cNvSpPr>
-          <p:nvPr>
-            <p:ph type="sldImg"/>
-          </p:nvPr>
-        </p:nvSpPr>
-        <p:spPr/>
-      </p:sp>
-      <p:sp>
-        <p:nvSpPr>
-          <p:cNvPr id="3" name="Notes Placeholder 2"/>
-          <p:cNvSpPr>
-            <a:spLocks noGrp="1"/>
-          </p:cNvSpPr>
-          <p:nvPr>
-            <p:ph type="body" idx="1"/>
-          </p:nvPr>
-        </p:nvSpPr>
-        <p:spPr/>
-        <p:txBody>
-          <a:bodyPr/>
-          <a:lstStyle/>
-          <a:p>
-            <a:endParaRPr lang="en-NO"/>
-          </a:p>
-        </p:txBody>
-      </p:sp>
-      <p:sp>
-        <p:nvSpPr>
-          <p:cNvPr id="4" name="Slide Number Placeholder 3"/>
-          <p:cNvSpPr>
-            <a:spLocks noGrp="1"/>
-          </p:cNvSpPr>
-          <p:nvPr>
-            <p:ph type="sldNum" sz="quarter" idx="5"/>
-          </p:nvPr>
-        </p:nvSpPr>
-        <p:spPr/>
-        <p:txBody>
-          <a:bodyPr/>
-          <a:lstStyle/>
-          <a:p>
-            <a:fld id="{78729015-7DD2-604A-9DFB-9A8390412CB5}" type="slidenum">
-              <a:rPr lang="en-NO" smtClean="0"/>
-              <a:t>51</a:t>
-            </a:fld>
-            <a:endParaRPr lang="en-NO"/>
-          </a:p>
-        </p:txBody>
-      </p:sp>
-    </p:spTree>
-    <p:extLst>
-      <p:ext uri="{BB962C8B-B14F-4D97-AF65-F5344CB8AC3E}">
-        <p14:creationId xmlns:p14="http://schemas.microsoft.com/office/powerpoint/2010/main" val="112580869"/>
-      </p:ext>
-    </p:extLst>
-  </p:cSld>
-  <p:clrMapOvr>
-    <a:masterClrMapping/>
-  </p:clrMapOvr>
-</p:notes>
-</file>
-
 <file path=ppt/slideLayouts/slideLayout1.xml><?xml version="1.0" encoding="utf-8"?>
 <p:sldLayout xmlns:a="http://schemas.openxmlformats.org/drawingml/2006/main" xmlns:r="http://schemas.openxmlformats.org/officeDocument/2006/relationships" xmlns:p="http://schemas.openxmlformats.org/presentationml/2006/main" type="title" preserve="1">
   <p:cSld name="Title Slide">
@@ -1326,7 +695,7 @@
           <a:p>
             <a:fld id="{FAA3217B-91BF-F94E-9072-57BADD6D61A0}" type="datetimeFigureOut">
               <a:rPr lang="en-NO" smtClean="0"/>
-              <a:t>01/02/2024</a:t>
+              <a:t>02/19/2024</a:t>
             </a:fld>
             <a:endParaRPr lang="en-NO"/>
           </a:p>
@@ -1496,7 +865,7 @@
           <a:p>
             <a:fld id="{FAA3217B-91BF-F94E-9072-57BADD6D61A0}" type="datetimeFigureOut">
               <a:rPr lang="en-NO" smtClean="0"/>
-              <a:t>01/02/2024</a:t>
+              <a:t>02/19/2024</a:t>
             </a:fld>
             <a:endParaRPr lang="en-NO"/>
           </a:p>
@@ -1676,7 +1045,7 @@
           <a:p>
             <a:fld id="{FAA3217B-91BF-F94E-9072-57BADD6D61A0}" type="datetimeFigureOut">
               <a:rPr lang="en-NO" smtClean="0"/>
-              <a:t>01/02/2024</a:t>
+              <a:t>02/19/2024</a:t>
             </a:fld>
             <a:endParaRPr lang="en-NO"/>
           </a:p>
@@ -1855,7 +1224,7 @@
           <a:p>
             <a:fld id="{FAA3217B-91BF-F94E-9072-57BADD6D61A0}" type="datetimeFigureOut">
               <a:rPr lang="en-NO" smtClean="0"/>
-              <a:t>01/02/2024</a:t>
+              <a:t>02/19/2024</a:t>
             </a:fld>
             <a:endParaRPr lang="en-NO"/>
           </a:p>
@@ -1907,7 +1276,7 @@
           </a:ln>
           <a:extLst>
             <a:ext uri="{C572A759-6A51-4108-AA02-DFA0A04FC94B}">
-              <ma14:wrappingTextBoxFlag xmlns="" xmlns:ma14="http://schemas.microsoft.com/office/mac/drawingml/2011/main" xmlns:a14="http://schemas.microsoft.com/office/drawing/2010/main" xmlns:m="http://schemas.openxmlformats.org/officeDocument/2006/math" val="1"/>
+              <ma14:wrappingTextBoxFlag xmlns:m="http://schemas.openxmlformats.org/officeDocument/2006/math" xmlns:a14="http://schemas.microsoft.com/office/drawing/2010/main" xmlns:ma14="http://schemas.microsoft.com/office/mac/drawingml/2011/main" xmlns="" val="1"/>
             </a:ext>
           </a:extLst>
         </p:spPr>
@@ -2870,7 +2239,7 @@
           <a:p>
             <a:fld id="{02DE17F4-D0D5-4E2C-8597-85C7BFE7AC0B}" type="datetime1">
               <a:rPr lang="pl-PL" smtClean="0"/>
-              <a:t>1.02.2024</a:t>
+              <a:t>19.02.2024</a:t>
             </a:fld>
             <a:endParaRPr lang="pl-PL"/>
           </a:p>
@@ -3071,7 +2440,7 @@
           <a:p>
             <a:fld id="{F6F0DBF2-4E3F-4307-827E-F931818B4557}" type="datetime1">
               <a:rPr lang="pl-PL" smtClean="0"/>
-              <a:t>1.02.2024</a:t>
+              <a:t>19.02.2024</a:t>
             </a:fld>
             <a:endParaRPr lang="pl-PL"/>
           </a:p>
@@ -3271,7 +2640,7 @@
           <a:p>
             <a:fld id="{7373F14A-FC7E-480B-822C-BA8C5DA615C0}" type="datetime1">
               <a:rPr lang="pl-PL" smtClean="0"/>
-              <a:t>1.02.2024</a:t>
+              <a:t>19.02.2024</a:t>
             </a:fld>
             <a:endParaRPr lang="pl-PL"/>
           </a:p>
@@ -3464,7 +2833,7 @@
           <a:p>
             <a:fld id="{42A9F3EC-C24C-4081-BA47-5E7F86AA3CE6}" type="datetime1">
               <a:rPr lang="pl-PL" smtClean="0"/>
-              <a:t>1.02.2024</a:t>
+              <a:t>19.02.2024</a:t>
             </a:fld>
             <a:endParaRPr lang="pl-PL"/>
           </a:p>
@@ -3591,7 +2960,7 @@
           <a:p>
             <a:fld id="{907FD946-187B-41A2-9D40-F6F11A81833B}" type="datetime1">
               <a:rPr lang="pl-PL" smtClean="0"/>
-              <a:t>1.02.2024</a:t>
+              <a:t>19.02.2024</a:t>
             </a:fld>
             <a:endParaRPr lang="pl-PL"/>
           </a:p>
@@ -3879,7 +3248,7 @@
           <a:p>
             <a:fld id="{5D7D2D02-FF3B-48E0-9309-04F108A5B15B}" type="datetime1">
               <a:rPr lang="pl-PL" smtClean="0"/>
-              <a:t>1.02.2024</a:t>
+              <a:t>19.02.2024</a:t>
             </a:fld>
             <a:endParaRPr lang="pl-PL"/>
           </a:p>
@@ -4075,7 +3444,7 @@
           <a:p>
             <a:fld id="{FAA3217B-91BF-F94E-9072-57BADD6D61A0}" type="datetimeFigureOut">
               <a:rPr lang="en-NO" smtClean="0"/>
-              <a:t>01/02/2024</a:t>
+              <a:t>02/19/2024</a:t>
             </a:fld>
             <a:endParaRPr lang="en-NO"/>
           </a:p>
@@ -4284,7 +3653,7 @@
           <a:p>
             <a:fld id="{5D7D2D02-FF3B-48E0-9309-04F108A5B15B}" type="datetime1">
               <a:rPr lang="pl-PL" smtClean="0"/>
-              <a:t>1.02.2024</a:t>
+              <a:t>19.02.2024</a:t>
             </a:fld>
             <a:endParaRPr lang="pl-PL"/>
           </a:p>
@@ -4454,7 +3823,7 @@
           <a:p>
             <a:fld id="{DA7CBB30-D832-4AFC-867F-117970C9C65F}" type="datetime1">
               <a:rPr lang="pl-PL" smtClean="0"/>
-              <a:t>1.02.2024</a:t>
+              <a:t>19.02.2024</a:t>
             </a:fld>
             <a:endParaRPr lang="pl-PL"/>
           </a:p>
@@ -4699,7 +4068,7 @@
           <a:p>
             <a:fld id="{EBE8B8AC-E676-48F8-AA3A-5144F7A8CFD4}" type="datetime1">
               <a:rPr lang="pl-PL" smtClean="0"/>
-              <a:t>1.02.2024</a:t>
+              <a:t>19.02.2024</a:t>
             </a:fld>
             <a:endParaRPr lang="pl-PL"/>
           </a:p>
@@ -4992,7 +4361,7 @@
           <a:p>
             <a:fld id="{EBE8B8AC-E676-48F8-AA3A-5144F7A8CFD4}" type="datetime1">
               <a:rPr lang="pl-PL" smtClean="0"/>
-              <a:t>1.02.2024</a:t>
+              <a:t>19.02.2024</a:t>
             </a:fld>
             <a:endParaRPr lang="pl-PL"/>
           </a:p>
@@ -5330,7 +4699,7 @@
           <a:p>
             <a:fld id="{1B889DEC-8DF2-4E23-8749-BD25642BBF79}" type="datetime1">
               <a:rPr lang="pl-PL" smtClean="0"/>
-              <a:t>1.02.2024</a:t>
+              <a:t>19.02.2024</a:t>
             </a:fld>
             <a:endParaRPr lang="pl-PL"/>
           </a:p>
@@ -5652,7 +5021,7 @@
           <a:p>
             <a:fld id="{259DE82B-45A7-4884-9098-6241AA462119}" type="datetime1">
               <a:rPr lang="pl-PL" smtClean="0"/>
-              <a:t>1.02.2024</a:t>
+              <a:t>19.02.2024</a:t>
             </a:fld>
             <a:endParaRPr lang="pl-PL"/>
           </a:p>
@@ -5974,7 +5343,7 @@
           <a:p>
             <a:fld id="{885B33CE-67A7-4E67-8443-B8E3862ACA72}" type="datetime1">
               <a:rPr lang="pl-PL" smtClean="0"/>
-              <a:t>1.02.2024</a:t>
+              <a:t>19.02.2024</a:t>
             </a:fld>
             <a:endParaRPr lang="pl-PL"/>
           </a:p>
@@ -6197,7 +5566,7 @@
           <a:p>
             <a:fld id="{5E6DC864-14DF-4052-8C78-12E41B59E1E2}" type="datetime1">
               <a:rPr lang="pl-PL" smtClean="0"/>
-              <a:t>1.02.2024</a:t>
+              <a:t>19.02.2024</a:t>
             </a:fld>
             <a:endParaRPr lang="pl-PL"/>
           </a:p>
@@ -6324,7 +5693,7 @@
           <a:p>
             <a:fld id="{4FA73C87-E8FB-442F-BC6A-98CBB5A89EF0}" type="datetime1">
               <a:rPr lang="pl-PL" smtClean="0"/>
-              <a:t>1.02.2024</a:t>
+              <a:t>19.02.2024</a:t>
             </a:fld>
             <a:endParaRPr lang="pl-PL"/>
           </a:p>
@@ -6531,7 +5900,7 @@
           <a:p>
             <a:fld id="{30823703-2223-488E-ABAD-9B8A394F9C0A}" type="datetime1">
               <a:rPr lang="pl-PL" smtClean="0"/>
-              <a:t>1.02.2024</a:t>
+              <a:t>19.02.2024</a:t>
             </a:fld>
             <a:endParaRPr lang="pl-PL"/>
           </a:p>
@@ -7158,7 +6527,7 @@
           <a:p>
             <a:fld id="{FAA3217B-91BF-F94E-9072-57BADD6D61A0}" type="datetimeFigureOut">
               <a:rPr lang="en-NO" smtClean="0"/>
-              <a:t>01/02/2024</a:t>
+              <a:t>02/19/2024</a:t>
             </a:fld>
             <a:endParaRPr lang="en-NO"/>
           </a:p>
@@ -7309,7 +6678,7 @@
           <a:p>
             <a:fld id="{A28A6506-CC09-4B4B-A8E7-4DBBA09707C2}" type="datetime1">
               <a:rPr lang="pl-PL" smtClean="0"/>
-              <a:t>1.02.2024</a:t>
+              <a:t>19.02.2024</a:t>
             </a:fld>
             <a:endParaRPr lang="pl-PL"/>
           </a:p>
@@ -7513,7 +6882,7 @@
           <a:p>
             <a:fld id="{BA01875E-C1E7-4E10-821D-4F6DFAE23E8F}" type="datetime1">
               <a:rPr lang="pl-PL" smtClean="0"/>
-              <a:t>1.02.2024</a:t>
+              <a:t>19.02.2024</a:t>
             </a:fld>
             <a:endParaRPr lang="pl-PL"/>
           </a:p>
@@ -8144,7 +7513,7 @@
           <a:p>
             <a:fld id="{76688D13-9515-48D8-BEE2-06F436BECAC6}" type="datetime1">
               <a:rPr lang="pl-PL" smtClean="0"/>
-              <a:t>1.02.2024</a:t>
+              <a:t>19.02.2024</a:t>
             </a:fld>
             <a:endParaRPr lang="pl-PL"/>
           </a:p>
@@ -9789,7 +9158,7 @@
           <a:p>
             <a:fld id="{FC15615B-3397-4817-B3F7-A5049430E3CF}" type="datetime1">
               <a:rPr lang="pl-PL" smtClean="0"/>
-              <a:t>1.02.2024</a:t>
+              <a:t>19.02.2024</a:t>
             </a:fld>
             <a:endParaRPr lang="pl-PL"/>
           </a:p>
@@ -10600,7 +9969,7 @@
           </a:ln>
           <a:extLst>
             <a:ext uri="{C572A759-6A51-4108-AA02-DFA0A04FC94B}">
-              <ma14:wrappingTextBoxFlag xmlns="" xmlns:m="http://schemas.openxmlformats.org/officeDocument/2006/math" xmlns:a14="http://schemas.microsoft.com/office/drawing/2010/main" xmlns:ma14="http://schemas.microsoft.com/office/mac/drawingml/2011/main" val="1"/>
+              <ma14:wrappingTextBoxFlag xmlns:ma14="http://schemas.microsoft.com/office/mac/drawingml/2011/main" xmlns:a14="http://schemas.microsoft.com/office/drawing/2010/main" xmlns:m="http://schemas.openxmlformats.org/officeDocument/2006/math" xmlns="" val="1"/>
             </a:ext>
           </a:extLst>
         </p:spPr>
@@ -10670,7 +10039,7 @@
             <a:pPr algn="r"/>
             <a:fld id="{C9FEF3E5-3980-45FF-82C0-845747966C85}" type="datetime1">
               <a:rPr lang="pl-PL" noProof="0" smtClean="0"/>
-              <a:t>1.02.2024</a:t>
+              <a:t>19.02.2024</a:t>
             </a:fld>
             <a:endParaRPr lang="en-US" noProof="0"/>
           </a:p>
@@ -10884,7 +10253,7 @@
           </a:ln>
           <a:extLst>
             <a:ext uri="{C572A759-6A51-4108-AA02-DFA0A04FC94B}">
-              <ma14:wrappingTextBoxFlag xmlns="" xmlns:m="http://schemas.openxmlformats.org/officeDocument/2006/math" xmlns:a14="http://schemas.microsoft.com/office/drawing/2010/main" xmlns:ma14="http://schemas.microsoft.com/office/mac/drawingml/2011/main" val="1"/>
+              <ma14:wrappingTextBoxFlag xmlns:ma14="http://schemas.microsoft.com/office/mac/drawingml/2011/main" xmlns:a14="http://schemas.microsoft.com/office/drawing/2010/main" xmlns:m="http://schemas.openxmlformats.org/officeDocument/2006/math" xmlns="" val="1"/>
             </a:ext>
           </a:extLst>
         </p:spPr>
@@ -10954,7 +10323,7 @@
             <a:pPr algn="r"/>
             <a:fld id="{C9FEF3E5-3980-45FF-82C0-845747966C85}" type="datetime1">
               <a:rPr lang="pl-PL" noProof="0" smtClean="0"/>
-              <a:t>1.02.2024</a:t>
+              <a:t>19.02.2024</a:t>
             </a:fld>
             <a:endParaRPr lang="en-US" noProof="0"/>
           </a:p>
@@ -11168,7 +10537,7 @@
           </a:ln>
           <a:extLst>
             <a:ext uri="{C572A759-6A51-4108-AA02-DFA0A04FC94B}">
-              <ma14:wrappingTextBoxFlag xmlns="" xmlns:m="http://schemas.openxmlformats.org/officeDocument/2006/math" xmlns:a14="http://schemas.microsoft.com/office/drawing/2010/main" xmlns:ma14="http://schemas.microsoft.com/office/mac/drawingml/2011/main" val="1"/>
+              <ma14:wrappingTextBoxFlag xmlns:ma14="http://schemas.microsoft.com/office/mac/drawingml/2011/main" xmlns:a14="http://schemas.microsoft.com/office/drawing/2010/main" xmlns:m="http://schemas.openxmlformats.org/officeDocument/2006/math" xmlns="" val="1"/>
             </a:ext>
           </a:extLst>
         </p:spPr>
@@ -11238,7 +10607,7 @@
             <a:pPr algn="r"/>
             <a:fld id="{C9FEF3E5-3980-45FF-82C0-845747966C85}" type="datetime1">
               <a:rPr lang="pl-PL" noProof="0" smtClean="0"/>
-              <a:t>1.02.2024</a:t>
+              <a:t>19.02.2024</a:t>
             </a:fld>
             <a:endParaRPr lang="en-US" noProof="0"/>
           </a:p>
@@ -11552,7 +10921,7 @@
           </a:ln>
           <a:extLst>
             <a:ext uri="{C572A759-6A51-4108-AA02-DFA0A04FC94B}">
-              <ma14:wrappingTextBoxFlag xmlns="" xmlns:ma14="http://schemas.microsoft.com/office/mac/drawingml/2011/main" xmlns:a14="http://schemas.microsoft.com/office/drawing/2010/main" xmlns:m="http://schemas.openxmlformats.org/officeDocument/2006/math" val="1"/>
+              <ma14:wrappingTextBoxFlag xmlns:m="http://schemas.openxmlformats.org/officeDocument/2006/math" xmlns:a14="http://schemas.microsoft.com/office/drawing/2010/main" xmlns:ma14="http://schemas.microsoft.com/office/mac/drawingml/2011/main" xmlns="" val="1"/>
             </a:ext>
           </a:extLst>
         </p:spPr>
@@ -11622,7 +10991,7 @@
             <a:pPr algn="r"/>
             <a:fld id="{C9FEF3E5-3980-45FF-82C0-845747966C85}" type="datetime1">
               <a:rPr lang="pl-PL" noProof="0" smtClean="0"/>
-              <a:t>1.02.2024</a:t>
+              <a:t>19.02.2024</a:t>
             </a:fld>
             <a:endParaRPr lang="en-US" noProof="0"/>
           </a:p>
@@ -11813,7 +11182,7 @@
           <a:p>
             <a:fld id="{FAA3217B-91BF-F94E-9072-57BADD6D61A0}" type="datetimeFigureOut">
               <a:rPr lang="en-NO" smtClean="0"/>
-              <a:t>01/02/2024</a:t>
+              <a:t>02/19/2024</a:t>
             </a:fld>
             <a:endParaRPr lang="en-NO"/>
           </a:p>
@@ -12005,7 +11374,7 @@
           <a:p>
             <a:fld id="{FAA3217B-91BF-F94E-9072-57BADD6D61A0}" type="datetimeFigureOut">
               <a:rPr lang="en-NO" smtClean="0"/>
-              <a:t>01/02/2024</a:t>
+              <a:t>02/19/2024</a:t>
             </a:fld>
             <a:endParaRPr lang="en-NO"/>
           </a:p>
@@ -12175,7 +11544,7 @@
           <a:p>
             <a:fld id="{FAA3217B-91BF-F94E-9072-57BADD6D61A0}" type="datetimeFigureOut">
               <a:rPr lang="en-NO" smtClean="0"/>
-              <a:t>01/02/2024</a:t>
+              <a:t>02/19/2024</a:t>
             </a:fld>
             <a:endParaRPr lang="en-NO"/>
           </a:p>
@@ -12542,7 +11911,7 @@
           <a:p>
             <a:fld id="{FAA3217B-91BF-F94E-9072-57BADD6D61A0}" type="datetimeFigureOut">
               <a:rPr lang="en-NO" smtClean="0"/>
-              <a:t>01/02/2024</a:t>
+              <a:t>02/19/2024</a:t>
             </a:fld>
             <a:endParaRPr lang="en-NO"/>
           </a:p>
@@ -12660,7 +12029,7 @@
           <a:p>
             <a:fld id="{FAA3217B-91BF-F94E-9072-57BADD6D61A0}" type="datetimeFigureOut">
               <a:rPr lang="en-NO" smtClean="0"/>
-              <a:t>01/02/2024</a:t>
+              <a:t>02/19/2024</a:t>
             </a:fld>
             <a:endParaRPr lang="en-NO"/>
           </a:p>
@@ -12755,7 +12124,7 @@
           <a:p>
             <a:fld id="{FAA3217B-91BF-F94E-9072-57BADD6D61A0}" type="datetimeFigureOut">
               <a:rPr lang="en-NO" smtClean="0"/>
-              <a:t>01/02/2024</a:t>
+              <a:t>02/19/2024</a:t>
             </a:fld>
             <a:endParaRPr lang="en-NO"/>
           </a:p>
@@ -13032,7 +12401,7 @@
           <a:p>
             <a:fld id="{FAA3217B-91BF-F94E-9072-57BADD6D61A0}" type="datetimeFigureOut">
               <a:rPr lang="en-NO" smtClean="0"/>
-              <a:t>01/02/2024</a:t>
+              <a:t>02/19/2024</a:t>
             </a:fld>
             <a:endParaRPr lang="en-NO"/>
           </a:p>
@@ -13289,7 +12658,7 @@
           <a:p>
             <a:fld id="{FAA3217B-91BF-F94E-9072-57BADD6D61A0}" type="datetimeFigureOut">
               <a:rPr lang="en-NO" smtClean="0"/>
-              <a:t>01/02/2024</a:t>
+              <a:t>02/19/2024</a:t>
             </a:fld>
             <a:endParaRPr lang="en-NO"/>
           </a:p>
@@ -13502,7 +12871,7 @@
           <a:p>
             <a:fld id="{FAA3217B-91BF-F94E-9072-57BADD6D61A0}" type="datetimeFigureOut">
               <a:rPr lang="en-NO" smtClean="0"/>
-              <a:t>01/02/2024</a:t>
+              <a:t>02/19/2024</a:t>
             </a:fld>
             <a:endParaRPr lang="en-NO"/>
           </a:p>
@@ -13939,7 +13308,7 @@
           </a:ln>
           <a:extLst>
             <a:ext uri="{C572A759-6A51-4108-AA02-DFA0A04FC94B}">
-              <ma14:wrappingTextBoxFlag xmlns="" xmlns:m="http://schemas.openxmlformats.org/officeDocument/2006/math" xmlns:a14="http://schemas.microsoft.com/office/drawing/2010/main" xmlns:ma14="http://schemas.microsoft.com/office/mac/drawingml/2011/main" val="1"/>
+              <ma14:wrappingTextBoxFlag xmlns:ma14="http://schemas.microsoft.com/office/mac/drawingml/2011/main" xmlns:a14="http://schemas.microsoft.com/office/drawing/2010/main" xmlns:m="http://schemas.openxmlformats.org/officeDocument/2006/math" xmlns="" val="1"/>
             </a:ext>
           </a:extLst>
         </p:spPr>
@@ -14011,7 +13380,7 @@
           <a:p>
             <a:fld id="{A8AD308A-F818-43E1-AA9E-31340C71C4CE}" type="datetime1">
               <a:rPr lang="pl-PL" smtClean="0"/>
-              <a:t>1.02.2024</a:t>
+              <a:t>19.02.2024</a:t>
             </a:fld>
             <a:endParaRPr lang="pl-PL"/>
           </a:p>
@@ -14524,9 +13893,14 @@
           <a:lstStyle/>
           <a:p>
             <a:r>
-              <a:rPr lang="en-NO"/>
-              <a:t>Kafka – 101</a:t>
-            </a:r>
+              <a:rPr lang="en-NO" dirty="0"/>
+              <a:t>Kafka – 10</a:t>
+            </a:r>
+            <a:r>
+              <a:rPr lang="en-US" dirty="0"/>
+              <a:t>2</a:t>
+            </a:r>
+            <a:endParaRPr lang="en-NO" dirty="0"/>
           </a:p>
         </p:txBody>
       </p:sp>
@@ -14596,140 +13970,119 @@
           <a:chExt cx="0" cy="0"/>
         </a:xfrm>
       </p:grpSpPr>
-      <p:pic>
-        <p:nvPicPr>
-          <p:cNvPr id="3" name="Picture 2" descr="A screenshot of a computer&#10;&#10;Description automatically generated">
-            <a:extLst>
-              <a:ext uri="{FF2B5EF4-FFF2-40B4-BE49-F238E27FC236}">
-                <a16:creationId xmlns:a16="http://schemas.microsoft.com/office/drawing/2014/main" id="{625C1507-58BC-2F58-2D4D-118236D08A61}"/>
-              </a:ext>
-            </a:extLst>
-          </p:cNvPr>
-          <p:cNvPicPr>
-            <a:picLocks noChangeAspect="1"/>
-          </p:cNvPicPr>
-          <p:nvPr/>
-        </p:nvPicPr>
-        <p:blipFill rotWithShape="1">
-          <a:blip r:embed="rId2"/>
-          <a:srcRect r="23864" b="-63"/>
-          <a:stretch/>
-        </p:blipFill>
-        <p:spPr>
-          <a:xfrm>
-            <a:off x="241793" y="1138565"/>
-            <a:ext cx="4657352" cy="3787451"/>
-          </a:xfrm>
-          <a:prstGeom prst="rect">
-            <a:avLst/>
-          </a:prstGeom>
-        </p:spPr>
-      </p:pic>
-      <p:pic>
-        <p:nvPicPr>
-          <p:cNvPr id="4" name="Picture 3" descr="A screenshot of a phone&#10;&#10;Description automatically generated">
-            <a:extLst>
-              <a:ext uri="{FF2B5EF4-FFF2-40B4-BE49-F238E27FC236}">
-                <a16:creationId xmlns:a16="http://schemas.microsoft.com/office/drawing/2014/main" id="{EC8D3DB1-4B9D-7568-9B8B-49320F3C87DA}"/>
-              </a:ext>
-            </a:extLst>
-          </p:cNvPr>
-          <p:cNvPicPr>
-            <a:picLocks noChangeAspect="1"/>
-          </p:cNvPicPr>
-          <p:nvPr/>
-        </p:nvPicPr>
-        <p:blipFill>
-          <a:blip r:embed="rId3"/>
-          <a:stretch>
-            <a:fillRect/>
-          </a:stretch>
-        </p:blipFill>
-        <p:spPr>
-          <a:xfrm>
-            <a:off x="243434" y="4935538"/>
-            <a:ext cx="4659368" cy="1286861"/>
-          </a:xfrm>
-          <a:prstGeom prst="rect">
-            <a:avLst/>
-          </a:prstGeom>
-        </p:spPr>
-      </p:pic>
-      <p:pic>
-        <p:nvPicPr>
-          <p:cNvPr id="5" name="Picture 4" descr="A screenshot of a computer program&#10;&#10;Description automatically generated">
-            <a:extLst>
-              <a:ext uri="{FF2B5EF4-FFF2-40B4-BE49-F238E27FC236}">
-                <a16:creationId xmlns:a16="http://schemas.microsoft.com/office/drawing/2014/main" id="{4D82E3AF-A2C0-44F0-B9F9-F2663F1FFAF6}"/>
-              </a:ext>
-            </a:extLst>
-          </p:cNvPr>
-          <p:cNvPicPr>
-            <a:picLocks noChangeAspect="1"/>
-          </p:cNvPicPr>
-          <p:nvPr/>
-        </p:nvPicPr>
-        <p:blipFill>
-          <a:blip r:embed="rId4"/>
-          <a:stretch>
-            <a:fillRect/>
-          </a:stretch>
-        </p:blipFill>
-        <p:spPr>
-          <a:xfrm>
-            <a:off x="6304556" y="1130957"/>
-            <a:ext cx="5819027" cy="3836276"/>
-          </a:xfrm>
-          <a:prstGeom prst="rect">
-            <a:avLst/>
-          </a:prstGeom>
-        </p:spPr>
-      </p:pic>
-      <p:sp>
-        <p:nvSpPr>
-          <p:cNvPr id="7" name="TextBox 6">
-            <a:extLst>
-              <a:ext uri="{FF2B5EF4-FFF2-40B4-BE49-F238E27FC236}">
-                <a16:creationId xmlns:a16="http://schemas.microsoft.com/office/drawing/2014/main" id="{AF137646-87E6-EFCD-68E1-055671B31F34}"/>
-              </a:ext>
-            </a:extLst>
-          </p:cNvPr>
-          <p:cNvSpPr txBox="1"/>
-          <p:nvPr/>
-        </p:nvSpPr>
-        <p:spPr>
-          <a:xfrm>
-            <a:off x="1714499" y="193673"/>
-            <a:ext cx="8856662" cy="523220"/>
-          </a:xfrm>
-          <a:prstGeom prst="rect">
-            <a:avLst/>
-          </a:prstGeom>
-          <a:noFill/>
-        </p:spPr>
-        <p:txBody>
-          <a:bodyPr rot="0" spcFirstLastPara="0" vertOverflow="overflow" horzOverflow="overflow" vert="horz" wrap="square" lIns="91440" tIns="45720" rIns="91440" bIns="45720" numCol="1" spcCol="0" rtlCol="0" fromWordArt="0" anchor="t" anchorCtr="0" forceAA="0" compatLnSpc="1">
-            <a:prstTxWarp prst="textNoShape">
-              <a:avLst/>
-            </a:prstTxWarp>
-            <a:spAutoFit/>
+      <p:sp>
+        <p:nvSpPr>
+          <p:cNvPr id="2" name="Title 1">
+            <a:extLst>
+              <a:ext uri="{FF2B5EF4-FFF2-40B4-BE49-F238E27FC236}">
+                <a16:creationId xmlns:a16="http://schemas.microsoft.com/office/drawing/2014/main" id="{37380645-22C9-A597-03B4-AE73A414BCF0}"/>
+              </a:ext>
+            </a:extLst>
+          </p:cNvPr>
+          <p:cNvSpPr>
+            <a:spLocks noGrp="1"/>
+          </p:cNvSpPr>
+          <p:nvPr>
+            <p:ph type="title"/>
+          </p:nvPr>
+        </p:nvSpPr>
+        <p:spPr/>
+        <p:txBody>
+          <a:bodyPr/>
+          <a:lstStyle/>
+          <a:p>
+            <a:r>
+              <a:rPr lang="en-NO"/>
+              <a:t>Use cases</a:t>
+            </a:r>
+          </a:p>
+        </p:txBody>
+      </p:sp>
+      <p:sp>
+        <p:nvSpPr>
+          <p:cNvPr id="3" name="Content Placeholder 2">
+            <a:extLst>
+              <a:ext uri="{FF2B5EF4-FFF2-40B4-BE49-F238E27FC236}">
+                <a16:creationId xmlns:a16="http://schemas.microsoft.com/office/drawing/2014/main" id="{B112C914-164E-3750-EF68-11E92413ECDB}"/>
+              </a:ext>
+            </a:extLst>
+          </p:cNvPr>
+          <p:cNvSpPr>
+            <a:spLocks noGrp="1"/>
+          </p:cNvSpPr>
+          <p:nvPr>
+            <p:ph idx="1"/>
+          </p:nvPr>
+        </p:nvSpPr>
+        <p:spPr/>
+        <p:txBody>
+          <a:bodyPr>
+            <a:normAutofit lnSpcReduction="10000"/>
           </a:bodyPr>
           <a:lstStyle/>
           <a:p>
             <a:r>
-              <a:rPr lang="en-US" sz="2800" b="1">
-                <a:ea typeface="Calibri"/>
-                <a:cs typeface="Calibri"/>
-              </a:rPr>
-              <a:t>Docker-compose compared to plain docker commands</a:t>
-            </a:r>
+              <a:rPr lang="en-NO"/>
+              <a:t>Messaging service</a:t>
+            </a:r>
+          </a:p>
+          <a:p>
+            <a:r>
+              <a:rPr lang="en-NO"/>
+              <a:t>Acitivty Tracking</a:t>
+            </a:r>
+          </a:p>
+          <a:p>
+            <a:r>
+              <a:rPr lang="en-NO"/>
+              <a:t>Gathering metrics from many different localtions</a:t>
+            </a:r>
+          </a:p>
+          <a:p>
+            <a:r>
+              <a:rPr lang="en-NO"/>
+              <a:t>Application logs </a:t>
+            </a:r>
+          </a:p>
+          <a:p>
+            <a:r>
+              <a:rPr lang="en-NO"/>
+              <a:t>Stream processing (Kafka streams API)</a:t>
+            </a:r>
+          </a:p>
+          <a:p>
+            <a:r>
+              <a:rPr lang="en-NO"/>
+              <a:t>De-coupling of system dependencies</a:t>
+            </a:r>
+          </a:p>
+          <a:p>
+            <a:r>
+              <a:rPr lang="en-NO"/>
+              <a:t>Integrations with Spark, Flink, Storm, Hadoop and other Big data tech</a:t>
+            </a:r>
+          </a:p>
+          <a:p>
+            <a:r>
+              <a:rPr lang="en-NO"/>
+              <a:t>Mirco-services pub/sub</a:t>
+            </a:r>
+          </a:p>
+          <a:p>
+            <a:r>
+              <a:rPr lang="en-GB"/>
+              <a:t>Event-sourcing store</a:t>
+            </a:r>
+          </a:p>
+          <a:p>
+            <a:endParaRPr lang="en-NO"/>
           </a:p>
         </p:txBody>
       </p:sp>
     </p:spTree>
     <p:extLst>
       <p:ext uri="{BB962C8B-B14F-4D97-AF65-F5344CB8AC3E}">
-        <p14:creationId xmlns:p14="http://schemas.microsoft.com/office/powerpoint/2010/main" val="1236955116"/>
+        <p14:creationId xmlns:p14="http://schemas.microsoft.com/office/powerpoint/2010/main" val="3465574249"/>
       </p:ext>
     </p:extLst>
   </p:cSld>
@@ -14761,15 +14114,15 @@
           <p:cNvPr id="2" name="Title 1">
             <a:extLst>
               <a:ext uri="{FF2B5EF4-FFF2-40B4-BE49-F238E27FC236}">
-                <a16:creationId xmlns:a16="http://schemas.microsoft.com/office/drawing/2014/main" id="{E09F3442-1068-96F5-011D-90D9E1F2C8FF}"/>
-              </a:ext>
-            </a:extLst>
-          </p:cNvPr>
-          <p:cNvSpPr>
-            <a:spLocks noGrp="1"/>
-          </p:cNvSpPr>
-          <p:nvPr>
-            <p:ph type="ctrTitle"/>
+                <a16:creationId xmlns:a16="http://schemas.microsoft.com/office/drawing/2014/main" id="{32AFA948-C53D-1018-F2D4-1E6F92836616}"/>
+              </a:ext>
+            </a:extLst>
+          </p:cNvPr>
+          <p:cNvSpPr>
+            <a:spLocks noGrp="1"/>
+          </p:cNvSpPr>
+          <p:nvPr>
+            <p:ph type="title"/>
           </p:nvPr>
         </p:nvSpPr>
         <p:spPr/>
@@ -14778,65 +14131,109 @@
           <a:lstStyle/>
           <a:p>
             <a:r>
+              <a:rPr lang="en-NO"/>
+              <a:t>Examples</a:t>
+            </a:r>
+          </a:p>
+        </p:txBody>
+      </p:sp>
+      <p:sp>
+        <p:nvSpPr>
+          <p:cNvPr id="3" name="Content Placeholder 2">
+            <a:extLst>
+              <a:ext uri="{FF2B5EF4-FFF2-40B4-BE49-F238E27FC236}">
+                <a16:creationId xmlns:a16="http://schemas.microsoft.com/office/drawing/2014/main" id="{E401B0E4-D4C3-708A-3E42-839E509A9CA0}"/>
+              </a:ext>
+            </a:extLst>
+          </p:cNvPr>
+          <p:cNvSpPr>
+            <a:spLocks noGrp="1"/>
+          </p:cNvSpPr>
+          <p:nvPr>
+            <p:ph idx="1"/>
+          </p:nvPr>
+        </p:nvSpPr>
+        <p:spPr/>
+        <p:txBody>
+          <a:bodyPr>
+            <a:normAutofit lnSpcReduction="10000"/>
+          </a:bodyPr>
+          <a:lstStyle/>
+          <a:p>
+            <a:r>
+              <a:rPr lang="en-NO" dirty="0">
+                <a:solidFill>
+                  <a:srgbClr val="FF0000"/>
+                </a:solidFill>
+              </a:rPr>
+              <a:t>Netflix</a:t>
+            </a:r>
+            <a:r>
               <a:rPr lang="en-NO" dirty="0"/>
-              <a:t>Lets spin up Kafka</a:t>
-            </a:r>
-          </a:p>
-        </p:txBody>
-      </p:sp>
-      <p:sp>
-        <p:nvSpPr>
-          <p:cNvPr id="3" name="Subtitle 2">
-            <a:extLst>
-              <a:ext uri="{FF2B5EF4-FFF2-40B4-BE49-F238E27FC236}">
-                <a16:creationId xmlns:a16="http://schemas.microsoft.com/office/drawing/2014/main" id="{23561510-6665-8FB3-194B-9581EE17B4EB}"/>
-              </a:ext>
-            </a:extLst>
-          </p:cNvPr>
-          <p:cNvSpPr>
-            <a:spLocks noGrp="1"/>
-          </p:cNvSpPr>
-          <p:nvPr>
-            <p:ph type="subTitle" idx="1"/>
-          </p:nvPr>
-        </p:nvSpPr>
-        <p:spPr/>
-        <p:txBody>
-          <a:bodyPr/>
-          <a:lstStyle/>
-          <a:p>
+              <a:t> uses kafka for recommendations in real-time while watching </a:t>
+            </a:r>
+          </a:p>
+          <a:p>
+            <a:r>
+              <a:rPr lang="en-NO" b="1" dirty="0"/>
+              <a:t>Uber </a:t>
+            </a:r>
+            <a:r>
+              <a:rPr lang="en-NO" dirty="0"/>
+              <a:t>uses kafka to gather user, taxi and trip data in real-time to compute and forecast demand, and compute surge pricing in real-time</a:t>
+            </a:r>
+          </a:p>
+          <a:p>
+            <a:r>
+              <a:rPr lang="en-NO" dirty="0">
+                <a:solidFill>
+                  <a:schemeClr val="accent1"/>
+                </a:solidFill>
+              </a:rPr>
+              <a:t>LinkedIn </a:t>
+            </a:r>
+            <a:r>
+              <a:rPr lang="en-NO" dirty="0"/>
+              <a:t>uses kafka to prevent spam, collect user interactions to make better connection recommendations in real time.</a:t>
+            </a:r>
+          </a:p>
+          <a:p>
+            <a:r>
+              <a:rPr lang="en-NO" dirty="0">
+                <a:solidFill>
+                  <a:srgbClr val="C00000"/>
+                </a:solidFill>
+              </a:rPr>
+              <a:t>Ruter </a:t>
+            </a:r>
+            <a:r>
+              <a:rPr lang="en-NO" dirty="0"/>
+              <a:t>uses it for something..</a:t>
+            </a:r>
+          </a:p>
+          <a:p>
+            <a:endParaRPr lang="en-NO" dirty="0"/>
+          </a:p>
+          <a:p>
+            <a:r>
+              <a:rPr lang="en-NO" dirty="0"/>
+              <a:t>NB: K</a:t>
+            </a:r>
             <a:r>
               <a:rPr lang="en-GB" dirty="0"/>
-              <a:t>https://</a:t>
-            </a:r>
-            <a:r>
-              <a:rPr lang="en-GB" dirty="0" err="1"/>
-              <a:t>github.com</a:t>
-            </a:r>
-            <a:r>
-              <a:rPr lang="en-GB" dirty="0"/>
-              <a:t>/</a:t>
-            </a:r>
-            <a:r>
-              <a:rPr lang="en-GB" dirty="0" err="1"/>
-              <a:t>fortedigital</a:t>
-            </a:r>
-            <a:r>
-              <a:rPr lang="en-GB" dirty="0"/>
-              <a:t>/cg-</a:t>
-            </a:r>
-            <a:r>
-              <a:rPr lang="en-GB" dirty="0" err="1"/>
-              <a:t>kafka</a:t>
-            </a:r>
-            <a:endParaRPr lang="en-NO" dirty="0"/>
+              <a:t>a</a:t>
+            </a:r>
+            <a:r>
+              <a:rPr lang="en-NO" dirty="0"/>
+              <a:t>fka is used as transportation mechanism of huge data flows that allow these features</a:t>
+            </a:r>
           </a:p>
         </p:txBody>
       </p:sp>
     </p:spTree>
     <p:extLst>
       <p:ext uri="{BB962C8B-B14F-4D97-AF65-F5344CB8AC3E}">
-        <p14:creationId xmlns:p14="http://schemas.microsoft.com/office/powerpoint/2010/main" val="3886260931"/>
+        <p14:creationId xmlns:p14="http://schemas.microsoft.com/office/powerpoint/2010/main" val="3207332587"/>
       </p:ext>
     </p:extLst>
   </p:cSld>
@@ -14868,7 +14265,7 @@
           <p:cNvPr id="2" name="Title 1">
             <a:extLst>
               <a:ext uri="{FF2B5EF4-FFF2-40B4-BE49-F238E27FC236}">
-                <a16:creationId xmlns:a16="http://schemas.microsoft.com/office/drawing/2014/main" id="{A3885E82-8EC8-9209-80DF-00319F4B8099}"/>
+                <a16:creationId xmlns:a16="http://schemas.microsoft.com/office/drawing/2014/main" id="{D7F361B4-5168-3818-7578-7EC5EE81D254}"/>
               </a:ext>
             </a:extLst>
           </p:cNvPr>
@@ -14885,16 +14282,72 @@
           <a:lstStyle/>
           <a:p>
             <a:r>
-              <a:rPr lang="en-NO" dirty="0"/>
-              <a:t>Short break</a:t>
-            </a:r>
+              <a:rPr lang="en-NO"/>
+              <a:t>Sources – since that is important now a days</a:t>
+            </a:r>
+          </a:p>
+        </p:txBody>
+      </p:sp>
+      <p:sp>
+        <p:nvSpPr>
+          <p:cNvPr id="3" name="Content Placeholder 2">
+            <a:extLst>
+              <a:ext uri="{FF2B5EF4-FFF2-40B4-BE49-F238E27FC236}">
+                <a16:creationId xmlns:a16="http://schemas.microsoft.com/office/drawing/2014/main" id="{4B419D3E-C33C-BF14-E083-7AA0EB207105}"/>
+              </a:ext>
+            </a:extLst>
+          </p:cNvPr>
+          <p:cNvSpPr>
+            <a:spLocks noGrp="1"/>
+          </p:cNvSpPr>
+          <p:nvPr>
+            <p:ph idx="1"/>
+          </p:nvPr>
+        </p:nvSpPr>
+        <p:spPr/>
+        <p:txBody>
+          <a:bodyPr/>
+          <a:lstStyle/>
+          <a:p>
+            <a:r>
+              <a:rPr lang="en-GB">
+                <a:hlinkClick r:id="rId2"/>
+              </a:rPr>
+              <a:t>https://www.udemy.com/course/apache-kafka/</a:t>
+            </a:r>
+            <a:endParaRPr lang="en-GB"/>
+          </a:p>
+          <a:p>
+            <a:r>
+              <a:rPr lang="en-GB">
+                <a:hlinkClick r:id="rId3"/>
+              </a:rPr>
+              <a:t>https://www.conduktor.io/kafka/</a:t>
+            </a:r>
+            <a:endParaRPr lang="en-GB"/>
+          </a:p>
+          <a:p>
+            <a:pPr lvl="1"/>
+            <a:r>
+              <a:rPr lang="en-GB"/>
+              <a:t>Most of the </a:t>
+            </a:r>
+            <a:r>
+              <a:rPr lang="en-GB" err="1"/>
+              <a:t>kafka</a:t>
+            </a:r>
+            <a:r>
+              <a:rPr lang="en-GB"/>
+              <a:t> images are from here</a:t>
+            </a:r>
+            <a:endParaRPr lang="en-NO"/>
           </a:p>
         </p:txBody>
       </p:sp>
     </p:spTree>
     <p:extLst>
       <p:ext uri="{BB962C8B-B14F-4D97-AF65-F5344CB8AC3E}">
-        <p14:creationId xmlns:p14="http://schemas.microsoft.com/office/powerpoint/2010/main" val="2325049116"/>
+        <p14:creationId xmlns:p14="http://schemas.microsoft.com/office/powerpoint/2010/main" val="2255175424"/>
       </p:ext>
     </p:extLst>
   </p:cSld>
@@ -14926,15 +14379,15 @@
           <p:cNvPr id="2" name="Title 1">
             <a:extLst>
               <a:ext uri="{FF2B5EF4-FFF2-40B4-BE49-F238E27FC236}">
-                <a16:creationId xmlns:a16="http://schemas.microsoft.com/office/drawing/2014/main" id="{7589506C-6045-539E-018A-360F1B9D7284}"/>
-              </a:ext>
-            </a:extLst>
-          </p:cNvPr>
-          <p:cNvSpPr>
-            <a:spLocks noGrp="1"/>
-          </p:cNvSpPr>
-          <p:nvPr>
-            <p:ph type="ctrTitle"/>
+                <a16:creationId xmlns:a16="http://schemas.microsoft.com/office/drawing/2014/main" id="{7CF9B9B8-654F-702A-7CB8-98AC51DF52F6}"/>
+              </a:ext>
+            </a:extLst>
+          </p:cNvPr>
+          <p:cNvSpPr>
+            <a:spLocks noGrp="1"/>
+          </p:cNvSpPr>
+          <p:nvPr>
+            <p:ph type="title"/>
           </p:nvPr>
         </p:nvSpPr>
         <p:spPr/>
@@ -14943,56 +14396,16 @@
           <a:lstStyle/>
           <a:p>
             <a:r>
-              <a:rPr lang="en-NO"/>
-              <a:t>Kafka</a:t>
-            </a:r>
-          </a:p>
-        </p:txBody>
-      </p:sp>
-      <p:sp>
-        <p:nvSpPr>
-          <p:cNvPr id="3" name="Subtitle 2">
-            <a:extLst>
-              <a:ext uri="{FF2B5EF4-FFF2-40B4-BE49-F238E27FC236}">
-                <a16:creationId xmlns:a16="http://schemas.microsoft.com/office/drawing/2014/main" id="{F8286B4E-01D0-C634-E142-6EBFA563A355}"/>
-              </a:ext>
-            </a:extLst>
-          </p:cNvPr>
-          <p:cNvSpPr>
-            <a:spLocks noGrp="1"/>
-          </p:cNvSpPr>
-          <p:nvPr>
-            <p:ph type="subTitle" idx="1"/>
-          </p:nvPr>
-        </p:nvSpPr>
-        <p:spPr/>
-        <p:txBody>
-          <a:bodyPr/>
-          <a:lstStyle/>
-          <a:p>
-            <a:r>
-              <a:rPr lang="en-GB" dirty="0"/>
-              <a:t>https://</a:t>
-            </a:r>
-            <a:r>
-              <a:rPr lang="en-GB" dirty="0" err="1"/>
-              <a:t>www.gentlydownthe.stream</a:t>
-            </a:r>
-            <a:r>
-              <a:rPr lang="en-GB" dirty="0"/>
-              <a:t>/</a:t>
-            </a:r>
-            <a:endParaRPr lang="en-NO" dirty="0"/>
-          </a:p>
-          <a:p>
-            <a:endParaRPr lang="en-NO" dirty="0"/>
+              <a:rPr lang="en-NO" dirty="0"/>
+              <a:t>Short break</a:t>
+            </a:r>
           </a:p>
         </p:txBody>
       </p:sp>
     </p:spTree>
     <p:extLst>
       <p:ext uri="{BB962C8B-B14F-4D97-AF65-F5344CB8AC3E}">
-        <p14:creationId xmlns:p14="http://schemas.microsoft.com/office/powerpoint/2010/main" val="224841888"/>
+        <p14:creationId xmlns:p14="http://schemas.microsoft.com/office/powerpoint/2010/main" val="809815010"/>
       </p:ext>
     </p:extLst>
   </p:cSld>
@@ -15024,7 +14437,7 @@
           <p:cNvPr id="2" name="Title 1">
             <a:extLst>
               <a:ext uri="{FF2B5EF4-FFF2-40B4-BE49-F238E27FC236}">
-                <a16:creationId xmlns:a16="http://schemas.microsoft.com/office/drawing/2014/main" id="{4F245D4E-8F74-BD4B-D600-410ED030C119}"/>
+                <a16:creationId xmlns:a16="http://schemas.microsoft.com/office/drawing/2014/main" id="{F9F911E5-6C83-4C44-6B11-CC5122274A34}"/>
               </a:ext>
             </a:extLst>
           </p:cNvPr>
@@ -15035,21 +14448,14 @@
             <p:ph type="title"/>
           </p:nvPr>
         </p:nvSpPr>
-        <p:spPr>
-          <a:xfrm>
-            <a:off x="454361" y="707709"/>
-            <a:ext cx="10651365" cy="990464"/>
-          </a:xfrm>
-        </p:spPr>
-        <p:txBody>
-          <a:bodyPr>
-            <a:normAutofit/>
-          </a:bodyPr>
-          <a:lstStyle/>
-          <a:p>
-            <a:r>
-              <a:rPr lang="en-NO" sz="4400"/>
-              <a:t>How companies start</a:t>
+        <p:spPr/>
+        <p:txBody>
+          <a:bodyPr/>
+          <a:lstStyle/>
+          <a:p>
+            <a:r>
+              <a:rPr lang="en-NO"/>
+              <a:t>To the tasks!</a:t>
             </a:r>
           </a:p>
         </p:txBody>
@@ -15059,7 +14465,7 @@
           <p:cNvPr id="3" name="Content Placeholder 2">
             <a:extLst>
               <a:ext uri="{FF2B5EF4-FFF2-40B4-BE49-F238E27FC236}">
-                <a16:creationId xmlns:a16="http://schemas.microsoft.com/office/drawing/2014/main" id="{2BF84845-06C9-C549-E6C1-2C33D4B468D8}"/>
+                <a16:creationId xmlns:a16="http://schemas.microsoft.com/office/drawing/2014/main" id="{C14E9F07-E5BB-1572-75D2-791E7423C76C}"/>
               </a:ext>
             </a:extLst>
           </p:cNvPr>
@@ -15075,47 +14481,45 @@
           <a:bodyPr/>
           <a:lstStyle/>
           <a:p>
-            <a:pPr marL="0" indent="0">
-              <a:buNone/>
-            </a:pPr>
-            <a:endParaRPr lang="en-NO"/>
-          </a:p>
-        </p:txBody>
-      </p:sp>
-      <p:pic>
-        <p:nvPicPr>
-          <p:cNvPr id="4" name="Picture 3">
-            <a:extLst>
-              <a:ext uri="{FF2B5EF4-FFF2-40B4-BE49-F238E27FC236}">
-                <a16:creationId xmlns:a16="http://schemas.microsoft.com/office/drawing/2014/main" id="{2BE81C02-4253-8C7F-96B2-D6975CECE4EC}"/>
-              </a:ext>
-            </a:extLst>
-          </p:cNvPr>
-          <p:cNvPicPr>
-            <a:picLocks noChangeAspect="1"/>
-          </p:cNvPicPr>
-          <p:nvPr/>
-        </p:nvPicPr>
-        <p:blipFill>
-          <a:blip r:embed="rId2"/>
-          <a:stretch>
-            <a:fillRect/>
-          </a:stretch>
-        </p:blipFill>
-        <p:spPr>
-          <a:xfrm>
-            <a:off x="3641035" y="2406453"/>
-            <a:ext cx="4412501" cy="3189682"/>
-          </a:xfrm>
-          <a:prstGeom prst="rect">
-            <a:avLst/>
-          </a:prstGeom>
-        </p:spPr>
-      </p:pic>
+            <a:r>
+              <a:rPr lang="en-NO" dirty="0"/>
+              <a:t>GitHub</a:t>
+            </a:r>
+          </a:p>
+          <a:p>
+            <a:pPr lvl="1"/>
+            <a:r>
+              <a:rPr lang="en-NO" dirty="0"/>
+              <a:t>CLI</a:t>
+            </a:r>
+          </a:p>
+          <a:p>
+            <a:pPr lvl="1"/>
+            <a:r>
+              <a:rPr lang="en-NO" dirty="0"/>
+              <a:t>Code</a:t>
+            </a:r>
+          </a:p>
+          <a:p>
+            <a:pPr lvl="1"/>
+            <a:r>
+              <a:rPr lang="en-NO" dirty="0"/>
+              <a:t>Forum</a:t>
+            </a:r>
+          </a:p>
+          <a:p>
+            <a:pPr lvl="1"/>
+            <a:r>
+              <a:rPr lang="en-NO" dirty="0"/>
+              <a:t>extra</a:t>
+            </a:r>
+          </a:p>
+        </p:txBody>
+      </p:sp>
     </p:spTree>
     <p:extLst>
       <p:ext uri="{BB962C8B-B14F-4D97-AF65-F5344CB8AC3E}">
-        <p14:creationId xmlns:p14="http://schemas.microsoft.com/office/powerpoint/2010/main" val="3120233789"/>
+        <p14:creationId xmlns:p14="http://schemas.microsoft.com/office/powerpoint/2010/main" val="1619144366"/>
       </p:ext>
     </p:extLst>
   </p:cSld>
@@ -15147,7 +14551,7 @@
           <p:cNvPr id="2" name="Title 1">
             <a:extLst>
               <a:ext uri="{FF2B5EF4-FFF2-40B4-BE49-F238E27FC236}">
-                <a16:creationId xmlns:a16="http://schemas.microsoft.com/office/drawing/2014/main" id="{F41C0F90-663A-496C-9E6C-45642745D250}"/>
+                <a16:creationId xmlns:a16="http://schemas.microsoft.com/office/drawing/2014/main" id="{1D31C812-3D5E-4358-D46B-AFEE847C7796}"/>
               </a:ext>
             </a:extLst>
           </p:cNvPr>
@@ -15160,100 +14564,100 @@
         </p:nvSpPr>
         <p:spPr/>
         <p:txBody>
-          <a:bodyPr>
-            <a:normAutofit/>
-          </a:bodyPr>
+          <a:bodyPr/>
           <a:lstStyle/>
           <a:p>
             <a:r>
               <a:rPr lang="en-NO"/>
-              <a:t>After some time…</a:t>
-            </a:r>
-          </a:p>
-        </p:txBody>
-      </p:sp>
-      <p:pic>
-        <p:nvPicPr>
-          <p:cNvPr id="1026" name="Picture 2" descr="Apache Kafka helps to solve many of the challenges associated with the integration of data from multiple different systems. This diagram shows how complex the flow of data can be when systems are not decoupled.">
-            <a:extLst>
-              <a:ext uri="{FF2B5EF4-FFF2-40B4-BE49-F238E27FC236}">
-                <a16:creationId xmlns:a16="http://schemas.microsoft.com/office/drawing/2014/main" id="{69A6A598-1A70-2D83-5784-6EBB9EF6461C}"/>
-              </a:ext>
-            </a:extLst>
-          </p:cNvPr>
-          <p:cNvPicPr>
-            <a:picLocks noChangeAspect="1" noChangeArrowheads="1"/>
-          </p:cNvPicPr>
-          <p:nvPr/>
-        </p:nvPicPr>
-        <p:blipFill>
-          <a:blip r:embed="rId2">
-            <a:extLst>
-              <a:ext uri="{28A0092B-C50C-407E-A947-70E740481C1C}">
-                <a14:useLocalDpi xmlns:a14="http://schemas.microsoft.com/office/drawing/2010/main" val="0"/>
-              </a:ext>
-            </a:extLst>
-          </a:blip>
-          <a:srcRect/>
-          <a:stretch>
-            <a:fillRect/>
-          </a:stretch>
-        </p:blipFill>
-        <p:spPr bwMode="auto">
-          <a:xfrm>
-            <a:off x="703312" y="2139670"/>
-            <a:ext cx="7775240" cy="3586937"/>
-          </a:xfrm>
-          <a:prstGeom prst="rect">
-            <a:avLst/>
-          </a:prstGeom>
-          <a:noFill/>
-          <a:extLst>
-            <a:ext uri="{909E8E84-426E-40DD-AFC4-6F175D3DCCD1}">
-              <a14:hiddenFill xmlns:a14="http://schemas.microsoft.com/office/drawing/2010/main">
-                <a:solidFill>
-                  <a:srgbClr val="FFFFFF"/>
-                </a:solidFill>
-              </a14:hiddenFill>
-            </a:ext>
-          </a:extLst>
-        </p:spPr>
-      </p:pic>
-      <p:sp>
-        <p:nvSpPr>
-          <p:cNvPr id="4" name="TextBox 3">
-            <a:extLst>
-              <a:ext uri="{FF2B5EF4-FFF2-40B4-BE49-F238E27FC236}">
-                <a16:creationId xmlns:a16="http://schemas.microsoft.com/office/drawing/2014/main" id="{97CB2B6E-8070-7CFC-2361-F505D070F184}"/>
-              </a:ext>
-            </a:extLst>
-          </p:cNvPr>
-          <p:cNvSpPr txBox="1"/>
-          <p:nvPr/>
-        </p:nvSpPr>
-        <p:spPr>
-          <a:xfrm>
-            <a:off x="8706678" y="3674639"/>
-            <a:ext cx="3186201" cy="369332"/>
-          </a:xfrm>
-          <a:prstGeom prst="rect">
-            <a:avLst/>
-          </a:prstGeom>
-          <a:noFill/>
-        </p:spPr>
-        <p:txBody>
-          <a:bodyPr wrap="square" rtlCol="0">
-            <a:spAutoFit/>
-          </a:bodyPr>
-          <a:lstStyle/>
-          <a:p>
-            <a:r>
-              <a:rPr lang="en-GB"/>
-              <a:t>A lot</a:t>
-            </a:r>
-            <a:r>
-              <a:rPr lang="en-NO"/>
-              <a:t> more complicated…</a:t>
+              <a:t>Til neste gang</a:t>
+            </a:r>
+          </a:p>
+        </p:txBody>
+      </p:sp>
+      <p:sp>
+        <p:nvSpPr>
+          <p:cNvPr id="3" name="Content Placeholder 2">
+            <a:extLst>
+              <a:ext uri="{FF2B5EF4-FFF2-40B4-BE49-F238E27FC236}">
+                <a16:creationId xmlns:a16="http://schemas.microsoft.com/office/drawing/2014/main" id="{421F4BF0-E443-4D1C-AB91-824585E8A82D}"/>
+              </a:ext>
+            </a:extLst>
+          </p:cNvPr>
+          <p:cNvSpPr>
+            <a:spLocks noGrp="1"/>
+          </p:cNvSpPr>
+          <p:nvPr>
+            <p:ph idx="1"/>
+          </p:nvPr>
+        </p:nvSpPr>
+        <p:spPr/>
+        <p:txBody>
+          <a:bodyPr/>
+          <a:lstStyle/>
+          <a:p>
+            <a:r>
+              <a:rPr lang="en-NO" dirty="0"/>
+              <a:t>Kafka Schema Regsitry</a:t>
+            </a:r>
+          </a:p>
+          <a:p>
+            <a:r>
+              <a:rPr lang="en-NO" dirty="0"/>
+              <a:t>Kafka Streams</a:t>
+            </a:r>
+          </a:p>
+          <a:p>
+            <a:pPr lvl="1"/>
+            <a:r>
+              <a:rPr lang="en-NO" dirty="0"/>
+              <a:t>Manipulering av Data</a:t>
+            </a:r>
+          </a:p>
+          <a:p>
+            <a:r>
+              <a:rPr lang="en-NO" dirty="0"/>
+              <a:t>Kafka Connect</a:t>
+            </a:r>
+          </a:p>
+          <a:p>
+            <a:pPr lvl="1"/>
+            <a:r>
+              <a:rPr lang="nb-NO" dirty="0"/>
+              <a:t>Code by </a:t>
+            </a:r>
+            <a:r>
+              <a:rPr lang="nb-NO" dirty="0" err="1"/>
+              <a:t>others</a:t>
+            </a:r>
+            <a:r>
+              <a:rPr lang="nb-NO" dirty="0"/>
+              <a:t> for sending data to and from </a:t>
+            </a:r>
+            <a:r>
+              <a:rPr lang="nb-NO" dirty="0" err="1"/>
+              <a:t>kafka</a:t>
+            </a:r>
+            <a:r>
+              <a:rPr lang="nb-NO" dirty="0"/>
+              <a:t> </a:t>
+            </a:r>
+            <a:r>
+              <a:rPr lang="nb-NO" dirty="0" err="1"/>
+              <a:t>easier</a:t>
+            </a:r>
+            <a:endParaRPr lang="en-NO" dirty="0"/>
+          </a:p>
+          <a:p>
+            <a:r>
+              <a:rPr lang="en-NO" dirty="0"/>
+              <a:t>Kafka ksql</a:t>
+            </a:r>
+          </a:p>
+          <a:p>
+            <a:pPr lvl="1"/>
+            <a:r>
+              <a:rPr lang="en-NO" dirty="0"/>
+              <a:t>SQL like querying of Kafka topics</a:t>
             </a:r>
           </a:p>
         </p:txBody>
@@ -15261,695 +14665,7 @@
     </p:spTree>
     <p:extLst>
       <p:ext uri="{BB962C8B-B14F-4D97-AF65-F5344CB8AC3E}">
-        <p14:creationId xmlns:p14="http://schemas.microsoft.com/office/powerpoint/2010/main" val="1151482839"/>
-      </p:ext>
-    </p:extLst>
-  </p:cSld>
-  <p:clrMapOvr>
-    <a:masterClrMapping/>
-  </p:clrMapOvr>
-</p:sld>
-</file>
-
-<file path=ppt/slides/slide16.xml><?xml version="1.0" encoding="utf-8"?>
-<p:sld xmlns:a="http://schemas.openxmlformats.org/drawingml/2006/main" xmlns:r="http://schemas.openxmlformats.org/officeDocument/2006/relationships" xmlns:p="http://schemas.openxmlformats.org/presentationml/2006/main">
-  <p:cSld>
-    <p:spTree>
-      <p:nvGrpSpPr>
-        <p:cNvPr id="1" name=""/>
-        <p:cNvGrpSpPr/>
-        <p:nvPr/>
-      </p:nvGrpSpPr>
-      <p:grpSpPr>
-        <a:xfrm>
-          <a:off x="0" y="0"/>
-          <a:ext cx="0" cy="0"/>
-          <a:chOff x="0" y="0"/>
-          <a:chExt cx="0" cy="0"/>
-        </a:xfrm>
-      </p:grpSpPr>
-      <p:sp>
-        <p:nvSpPr>
-          <p:cNvPr id="2" name="Title 1">
-            <a:extLst>
-              <a:ext uri="{FF2B5EF4-FFF2-40B4-BE49-F238E27FC236}">
-                <a16:creationId xmlns:a16="http://schemas.microsoft.com/office/drawing/2014/main" id="{0B154EFC-1FB4-440E-0E11-BF96A98A222C}"/>
-              </a:ext>
-            </a:extLst>
-          </p:cNvPr>
-          <p:cNvSpPr>
-            <a:spLocks noGrp="1"/>
-          </p:cNvSpPr>
-          <p:nvPr>
-            <p:ph type="title"/>
-          </p:nvPr>
-        </p:nvSpPr>
-        <p:spPr/>
-        <p:txBody>
-          <a:bodyPr>
-            <a:normAutofit/>
-          </a:bodyPr>
-          <a:lstStyle/>
-          <a:p>
-            <a:r>
-              <a:rPr lang="en-NO"/>
-              <a:t>This causes problems..</a:t>
-            </a:r>
-          </a:p>
-        </p:txBody>
-      </p:sp>
-      <p:sp>
-        <p:nvSpPr>
-          <p:cNvPr id="3" name="Content Placeholder 2">
-            <a:extLst>
-              <a:ext uri="{FF2B5EF4-FFF2-40B4-BE49-F238E27FC236}">
-                <a16:creationId xmlns:a16="http://schemas.microsoft.com/office/drawing/2014/main" id="{CD1C56F9-3776-46FF-B503-96E651BDFAF4}"/>
-              </a:ext>
-            </a:extLst>
-          </p:cNvPr>
-          <p:cNvSpPr>
-            <a:spLocks noGrp="1"/>
-          </p:cNvSpPr>
-          <p:nvPr>
-            <p:ph idx="1"/>
-          </p:nvPr>
-        </p:nvSpPr>
-        <p:spPr/>
-        <p:txBody>
-          <a:bodyPr/>
-          <a:lstStyle/>
-          <a:p>
-            <a:r>
-              <a:rPr lang="en-NO"/>
-              <a:t>4 source systems, and 4 target systems requires 16 integrations..</a:t>
-            </a:r>
-          </a:p>
-          <a:p>
-            <a:r>
-              <a:rPr lang="en-GB"/>
-              <a:t>Each integration comes with difficulties around</a:t>
-            </a:r>
-          </a:p>
-          <a:p>
-            <a:pPr lvl="1"/>
-            <a:r>
-              <a:rPr lang="en-GB" b="1"/>
-              <a:t>Protocol</a:t>
-            </a:r>
-            <a:r>
-              <a:rPr lang="en-GB"/>
-              <a:t> – how the data is transported (TCP, HTTP, REST, FTP, JDBC…)</a:t>
-            </a:r>
-          </a:p>
-          <a:p>
-            <a:pPr lvl="1"/>
-            <a:r>
-              <a:rPr lang="en-GB" b="1"/>
-              <a:t>Data format</a:t>
-            </a:r>
-            <a:r>
-              <a:rPr lang="en-GB"/>
-              <a:t> – how the data is parsed (Binary, CSV, JSON, Avro…)</a:t>
-            </a:r>
-          </a:p>
-          <a:p>
-            <a:pPr lvl="1"/>
-            <a:r>
-              <a:rPr lang="en-GB" b="1"/>
-              <a:t>Data schema &amp; evolution</a:t>
-            </a:r>
-            <a:r>
-              <a:rPr lang="en-GB"/>
-              <a:t> – how the data is shaped and may change</a:t>
-            </a:r>
-          </a:p>
-          <a:p>
-            <a:endParaRPr lang="en-NO"/>
-          </a:p>
-          <a:p>
-            <a:pPr lvl="1"/>
-            <a:endParaRPr lang="en-NO"/>
-          </a:p>
-        </p:txBody>
-      </p:sp>
-    </p:spTree>
-    <p:extLst>
-      <p:ext uri="{BB962C8B-B14F-4D97-AF65-F5344CB8AC3E}">
-        <p14:creationId xmlns:p14="http://schemas.microsoft.com/office/powerpoint/2010/main" val="3847303270"/>
-      </p:ext>
-    </p:extLst>
-  </p:cSld>
-  <p:clrMapOvr>
-    <a:masterClrMapping/>
-  </p:clrMapOvr>
-</p:sld>
-</file>
-
-<file path=ppt/slides/slide17.xml><?xml version="1.0" encoding="utf-8"?>
-<p:sld xmlns:a="http://schemas.openxmlformats.org/drawingml/2006/main" xmlns:r="http://schemas.openxmlformats.org/officeDocument/2006/relationships" xmlns:p="http://schemas.openxmlformats.org/presentationml/2006/main">
-  <p:cSld>
-    <p:spTree>
-      <p:nvGrpSpPr>
-        <p:cNvPr id="1" name=""/>
-        <p:cNvGrpSpPr/>
-        <p:nvPr/>
-      </p:nvGrpSpPr>
-      <p:grpSpPr>
-        <a:xfrm>
-          <a:off x="0" y="0"/>
-          <a:ext cx="0" cy="0"/>
-          <a:chOff x="0" y="0"/>
-          <a:chExt cx="0" cy="0"/>
-        </a:xfrm>
-      </p:grpSpPr>
-      <p:sp>
-        <p:nvSpPr>
-          <p:cNvPr id="2" name="Title 1">
-            <a:extLst>
-              <a:ext uri="{FF2B5EF4-FFF2-40B4-BE49-F238E27FC236}">
-                <a16:creationId xmlns:a16="http://schemas.microsoft.com/office/drawing/2014/main" id="{87BE2BFD-6F31-3263-AE82-263AA16454CA}"/>
-              </a:ext>
-            </a:extLst>
-          </p:cNvPr>
-          <p:cNvSpPr>
-            <a:spLocks noGrp="1"/>
-          </p:cNvSpPr>
-          <p:nvPr>
-            <p:ph type="title"/>
-          </p:nvPr>
-        </p:nvSpPr>
-        <p:spPr/>
-        <p:txBody>
-          <a:bodyPr>
-            <a:normAutofit/>
-          </a:bodyPr>
-          <a:lstStyle/>
-          <a:p>
-            <a:r>
-              <a:rPr lang="en-NO"/>
-              <a:t>Kafka to the rescue!</a:t>
-            </a:r>
-          </a:p>
-        </p:txBody>
-      </p:sp>
-      <p:pic>
-        <p:nvPicPr>
-          <p:cNvPr id="2050" name="Picture 2" descr="Apache Kafka provides an effective way for organisations to overcome data integration challenges by making it easy to decouple different systems">
-            <a:extLst>
-              <a:ext uri="{FF2B5EF4-FFF2-40B4-BE49-F238E27FC236}">
-                <a16:creationId xmlns:a16="http://schemas.microsoft.com/office/drawing/2014/main" id="{C3661314-930F-CF87-5619-4648E68DC06A}"/>
-              </a:ext>
-            </a:extLst>
-          </p:cNvPr>
-          <p:cNvPicPr>
-            <a:picLocks noChangeAspect="1" noChangeArrowheads="1"/>
-          </p:cNvPicPr>
-          <p:nvPr/>
-        </p:nvPicPr>
-        <p:blipFill>
-          <a:blip r:embed="rId2">
-            <a:extLst>
-              <a:ext uri="{28A0092B-C50C-407E-A947-70E740481C1C}">
-                <a14:useLocalDpi xmlns:a14="http://schemas.microsoft.com/office/drawing/2010/main" val="0"/>
-              </a:ext>
-            </a:extLst>
-          </a:blip>
-          <a:srcRect/>
-          <a:stretch>
-            <a:fillRect/>
-          </a:stretch>
-        </p:blipFill>
-        <p:spPr bwMode="auto">
-          <a:xfrm>
-            <a:off x="2294520" y="1509772"/>
-            <a:ext cx="7399677" cy="4983103"/>
-          </a:xfrm>
-          <a:prstGeom prst="rect">
-            <a:avLst/>
-          </a:prstGeom>
-          <a:noFill/>
-          <a:extLst>
-            <a:ext uri="{909E8E84-426E-40DD-AFC4-6F175D3DCCD1}">
-              <a14:hiddenFill xmlns:a14="http://schemas.microsoft.com/office/drawing/2010/main">
-                <a:solidFill>
-                  <a:srgbClr val="FFFFFF"/>
-                </a:solidFill>
-              </a14:hiddenFill>
-            </a:ext>
-          </a:extLst>
-        </p:spPr>
-      </p:pic>
-    </p:spTree>
-    <p:extLst>
-      <p:ext uri="{BB962C8B-B14F-4D97-AF65-F5344CB8AC3E}">
-        <p14:creationId xmlns:p14="http://schemas.microsoft.com/office/powerpoint/2010/main" val="1646933826"/>
-      </p:ext>
-    </p:extLst>
-  </p:cSld>
-  <p:clrMapOvr>
-    <a:masterClrMapping/>
-  </p:clrMapOvr>
-</p:sld>
-</file>
-
-<file path=ppt/slides/slide18.xml><?xml version="1.0" encoding="utf-8"?>
-<p:sld xmlns:a="http://schemas.openxmlformats.org/drawingml/2006/main" xmlns:r="http://schemas.openxmlformats.org/officeDocument/2006/relationships" xmlns:p="http://schemas.openxmlformats.org/presentationml/2006/main">
-  <p:cSld>
-    <p:spTree>
-      <p:nvGrpSpPr>
-        <p:cNvPr id="1" name=""/>
-        <p:cNvGrpSpPr/>
-        <p:nvPr/>
-      </p:nvGrpSpPr>
-      <p:grpSpPr>
-        <a:xfrm>
-          <a:off x="0" y="0"/>
-          <a:ext cx="0" cy="0"/>
-          <a:chOff x="0" y="0"/>
-          <a:chExt cx="0" cy="0"/>
-        </a:xfrm>
-      </p:grpSpPr>
-      <p:sp>
-        <p:nvSpPr>
-          <p:cNvPr id="2" name="Title 1">
-            <a:extLst>
-              <a:ext uri="{FF2B5EF4-FFF2-40B4-BE49-F238E27FC236}">
-                <a16:creationId xmlns:a16="http://schemas.microsoft.com/office/drawing/2014/main" id="{18D9CF86-1D16-F903-C524-9970E95C2E55}"/>
-              </a:ext>
-            </a:extLst>
-          </p:cNvPr>
-          <p:cNvSpPr>
-            <a:spLocks noGrp="1"/>
-          </p:cNvSpPr>
-          <p:nvPr>
-            <p:ph type="title"/>
-          </p:nvPr>
-        </p:nvSpPr>
-        <p:spPr/>
-        <p:txBody>
-          <a:bodyPr>
-            <a:normAutofit/>
-          </a:bodyPr>
-          <a:lstStyle/>
-          <a:p>
-            <a:r>
-              <a:rPr lang="en-NO"/>
-              <a:t>Even better example</a:t>
-            </a:r>
-          </a:p>
-        </p:txBody>
-      </p:sp>
-      <p:pic>
-        <p:nvPicPr>
-          <p:cNvPr id="3074" name="Picture 2" descr="Apache Kafka allows for data from various different business applications and sources to flow into a real-time data pipeline that can process millions of events per second.">
-            <a:extLst>
-              <a:ext uri="{FF2B5EF4-FFF2-40B4-BE49-F238E27FC236}">
-                <a16:creationId xmlns:a16="http://schemas.microsoft.com/office/drawing/2014/main" id="{FFCD31CF-535F-687C-9CDD-2932F7296B25}"/>
-              </a:ext>
-            </a:extLst>
-          </p:cNvPr>
-          <p:cNvPicPr>
-            <a:picLocks noChangeAspect="1" noChangeArrowheads="1"/>
-          </p:cNvPicPr>
-          <p:nvPr/>
-        </p:nvPicPr>
-        <p:blipFill>
-          <a:blip r:embed="rId2">
-            <a:extLst>
-              <a:ext uri="{28A0092B-C50C-407E-A947-70E740481C1C}">
-                <a14:useLocalDpi xmlns:a14="http://schemas.microsoft.com/office/drawing/2010/main" val="0"/>
-              </a:ext>
-            </a:extLst>
-          </a:blip>
-          <a:srcRect/>
-          <a:stretch>
-            <a:fillRect/>
-          </a:stretch>
-        </p:blipFill>
-        <p:spPr bwMode="auto">
-          <a:xfrm>
-            <a:off x="2101416" y="1516522"/>
-            <a:ext cx="7684161" cy="5273324"/>
-          </a:xfrm>
-          <a:prstGeom prst="rect">
-            <a:avLst/>
-          </a:prstGeom>
-          <a:noFill/>
-          <a:extLst>
-            <a:ext uri="{909E8E84-426E-40DD-AFC4-6F175D3DCCD1}">
-              <a14:hiddenFill xmlns:a14="http://schemas.microsoft.com/office/drawing/2010/main">
-                <a:solidFill>
-                  <a:srgbClr val="FFFFFF"/>
-                </a:solidFill>
-              </a14:hiddenFill>
-            </a:ext>
-          </a:extLst>
-        </p:spPr>
-      </p:pic>
-    </p:spTree>
-    <p:extLst>
-      <p:ext uri="{BB962C8B-B14F-4D97-AF65-F5344CB8AC3E}">
-        <p14:creationId xmlns:p14="http://schemas.microsoft.com/office/powerpoint/2010/main" val="2294564755"/>
-      </p:ext>
-    </p:extLst>
-  </p:cSld>
-  <p:clrMapOvr>
-    <a:masterClrMapping/>
-  </p:clrMapOvr>
-</p:sld>
-</file>
-
-<file path=ppt/slides/slide19.xml><?xml version="1.0" encoding="utf-8"?>
-<p:sld xmlns:a="http://schemas.openxmlformats.org/drawingml/2006/main" xmlns:r="http://schemas.openxmlformats.org/officeDocument/2006/relationships" xmlns:p="http://schemas.openxmlformats.org/presentationml/2006/main">
-  <p:cSld>
-    <p:spTree>
-      <p:nvGrpSpPr>
-        <p:cNvPr id="1" name=""/>
-        <p:cNvGrpSpPr/>
-        <p:nvPr/>
-      </p:nvGrpSpPr>
-      <p:grpSpPr>
-        <a:xfrm>
-          <a:off x="0" y="0"/>
-          <a:ext cx="0" cy="0"/>
-          <a:chOff x="0" y="0"/>
-          <a:chExt cx="0" cy="0"/>
-        </a:xfrm>
-      </p:grpSpPr>
-      <p:sp>
-        <p:nvSpPr>
-          <p:cNvPr id="2" name="Title 1">
-            <a:extLst>
-              <a:ext uri="{FF2B5EF4-FFF2-40B4-BE49-F238E27FC236}">
-                <a16:creationId xmlns:a16="http://schemas.microsoft.com/office/drawing/2014/main" id="{837586E3-0F55-4E86-76DA-D9F8B7771679}"/>
-              </a:ext>
-            </a:extLst>
-          </p:cNvPr>
-          <p:cNvSpPr>
-            <a:spLocks noGrp="1"/>
-          </p:cNvSpPr>
-          <p:nvPr>
-            <p:ph type="title"/>
-          </p:nvPr>
-        </p:nvSpPr>
-        <p:spPr/>
-        <p:txBody>
-          <a:bodyPr/>
-          <a:lstStyle/>
-          <a:p>
-            <a:r>
-              <a:rPr lang="en-NO"/>
-              <a:t>Why Apache Kafka</a:t>
-            </a:r>
-          </a:p>
-        </p:txBody>
-      </p:sp>
-      <p:sp>
-        <p:nvSpPr>
-          <p:cNvPr id="3" name="Content Placeholder 2">
-            <a:extLst>
-              <a:ext uri="{FF2B5EF4-FFF2-40B4-BE49-F238E27FC236}">
-                <a16:creationId xmlns:a16="http://schemas.microsoft.com/office/drawing/2014/main" id="{8E9E44EF-3FA4-06F8-56B9-D2483691A90E}"/>
-              </a:ext>
-            </a:extLst>
-          </p:cNvPr>
-          <p:cNvSpPr>
-            <a:spLocks noGrp="1"/>
-          </p:cNvSpPr>
-          <p:nvPr>
-            <p:ph idx="1"/>
-          </p:nvPr>
-        </p:nvSpPr>
-        <p:spPr/>
-        <p:txBody>
-          <a:bodyPr/>
-          <a:lstStyle/>
-          <a:p>
-            <a:r>
-              <a:rPr lang="en-NO" dirty="0"/>
-              <a:t>Create by LinkedIn, now Open-Source project maintained by Confluent, IMB, Clourdera</a:t>
-            </a:r>
-          </a:p>
-          <a:p>
-            <a:r>
-              <a:rPr lang="en-NO" dirty="0"/>
-              <a:t>Distributed, resilient architecture, fault tolerant</a:t>
-            </a:r>
-          </a:p>
-          <a:p>
-            <a:r>
-              <a:rPr lang="en-NO" dirty="0"/>
-              <a:t>Horizontal Scalability</a:t>
-            </a:r>
-          </a:p>
-          <a:p>
-            <a:pPr lvl="1"/>
-            <a:r>
-              <a:rPr lang="en-NO" dirty="0"/>
-              <a:t>Can scale to 100s of brokers</a:t>
-            </a:r>
-          </a:p>
-          <a:p>
-            <a:pPr lvl="1"/>
-            <a:r>
-              <a:rPr lang="en-NO" dirty="0"/>
-              <a:t>Can scale to millions of messages per second</a:t>
-            </a:r>
-          </a:p>
-          <a:p>
-            <a:r>
-              <a:rPr lang="en-NO" dirty="0"/>
-              <a:t>High performance (latency &lt; 10 ms) – real time</a:t>
-            </a:r>
-          </a:p>
-          <a:p>
-            <a:r>
-              <a:rPr lang="en-NO" dirty="0"/>
-              <a:t>Used by 2000+ companies, 80% of Forune 100</a:t>
-            </a:r>
-          </a:p>
-        </p:txBody>
-      </p:sp>
-      <p:pic>
-        <p:nvPicPr>
-          <p:cNvPr id="5" name="Picture 4" descr="A red logo with a drop of water&#10;&#10;Description automatically generated">
-            <a:extLst>
-              <a:ext uri="{FF2B5EF4-FFF2-40B4-BE49-F238E27FC236}">
-                <a16:creationId xmlns:a16="http://schemas.microsoft.com/office/drawing/2014/main" id="{B071BE89-A55E-16B7-CE1C-8B2E6FF12FCD}"/>
-              </a:ext>
-            </a:extLst>
-          </p:cNvPr>
-          <p:cNvPicPr>
-            <a:picLocks noChangeAspect="1"/>
-          </p:cNvPicPr>
-          <p:nvPr/>
-        </p:nvPicPr>
-        <p:blipFill>
-          <a:blip r:embed="rId2">
-            <a:extLst>
-              <a:ext uri="{837473B0-CC2E-450A-ABE3-18F120FF3D39}">
-                <a1611:picAttrSrcUrl xmlns:a1611="http://schemas.microsoft.com/office/drawing/2016/11/main" r:id="rId3"/>
-              </a:ext>
-            </a:extLst>
-          </a:blip>
-          <a:stretch>
-            <a:fillRect/>
-          </a:stretch>
-        </p:blipFill>
-        <p:spPr>
-          <a:xfrm>
-            <a:off x="9059597" y="278343"/>
-            <a:ext cx="2651128" cy="1325564"/>
-          </a:xfrm>
-          <a:prstGeom prst="rect">
-            <a:avLst/>
-          </a:prstGeom>
-        </p:spPr>
-      </p:pic>
-      <p:pic>
-        <p:nvPicPr>
-          <p:cNvPr id="8" name="Picture 7" descr="A red text on a black background&#10;&#10;Description automatically generated">
-            <a:extLst>
-              <a:ext uri="{FF2B5EF4-FFF2-40B4-BE49-F238E27FC236}">
-                <a16:creationId xmlns:a16="http://schemas.microsoft.com/office/drawing/2014/main" id="{4DD3FED5-0AAD-41E4-1A5B-DF6662CB35FB}"/>
-              </a:ext>
-            </a:extLst>
-          </p:cNvPr>
-          <p:cNvPicPr>
-            <a:picLocks noChangeAspect="1"/>
-          </p:cNvPicPr>
-          <p:nvPr/>
-        </p:nvPicPr>
-        <p:blipFill>
-          <a:blip r:embed="rId4">
-            <a:extLst>
-              <a:ext uri="{837473B0-CC2E-450A-ABE3-18F120FF3D39}">
-                <a1611:picAttrSrcUrl xmlns:a1611="http://schemas.microsoft.com/office/drawing/2016/11/main" r:id="rId5"/>
-              </a:ext>
-            </a:extLst>
-          </a:blip>
-          <a:stretch>
-            <a:fillRect/>
-          </a:stretch>
-        </p:blipFill>
-        <p:spPr>
-          <a:xfrm>
-            <a:off x="8570370" y="4752574"/>
-            <a:ext cx="3242996" cy="1824185"/>
-          </a:xfrm>
-          <a:prstGeom prst="rect">
-            <a:avLst/>
-          </a:prstGeom>
-        </p:spPr>
-      </p:pic>
-      <p:pic>
-        <p:nvPicPr>
-          <p:cNvPr id="11" name="Picture 10" descr="A red letter and a white background&#10;&#10;Description automatically generated">
-            <a:extLst>
-              <a:ext uri="{FF2B5EF4-FFF2-40B4-BE49-F238E27FC236}">
-                <a16:creationId xmlns:a16="http://schemas.microsoft.com/office/drawing/2014/main" id="{8E6744D4-BD62-DCF0-3ABC-0116D373BF5F}"/>
-              </a:ext>
-            </a:extLst>
-          </p:cNvPr>
-          <p:cNvPicPr>
-            <a:picLocks noChangeAspect="1"/>
-          </p:cNvPicPr>
-          <p:nvPr/>
-        </p:nvPicPr>
-        <p:blipFill>
-          <a:blip r:embed="rId6">
-            <a:extLst>
-              <a:ext uri="{837473B0-CC2E-450A-ABE3-18F120FF3D39}">
-                <a1611:picAttrSrcUrl xmlns:a1611="http://schemas.microsoft.com/office/drawing/2016/11/main" r:id="rId7"/>
-              </a:ext>
-            </a:extLst>
-          </a:blip>
-          <a:stretch>
-            <a:fillRect/>
-          </a:stretch>
-        </p:blipFill>
-        <p:spPr>
-          <a:xfrm>
-            <a:off x="10191868" y="2233870"/>
-            <a:ext cx="1372549" cy="311111"/>
-          </a:xfrm>
-          <a:prstGeom prst="rect">
-            <a:avLst/>
-          </a:prstGeom>
-        </p:spPr>
-      </p:pic>
-      <p:pic>
-        <p:nvPicPr>
-          <p:cNvPr id="14" name="Picture 13" descr="A red circle with white text&#10;&#10;Description automatically generated">
-            <a:extLst>
-              <a:ext uri="{FF2B5EF4-FFF2-40B4-BE49-F238E27FC236}">
-                <a16:creationId xmlns:a16="http://schemas.microsoft.com/office/drawing/2014/main" id="{303B281F-FAF1-339C-BEDF-B711E77B47ED}"/>
-              </a:ext>
-            </a:extLst>
-          </p:cNvPr>
-          <p:cNvPicPr>
-            <a:picLocks noChangeAspect="1"/>
-          </p:cNvPicPr>
-          <p:nvPr/>
-        </p:nvPicPr>
-        <p:blipFill>
-          <a:blip r:embed="rId8">
-            <a:extLst>
-              <a:ext uri="{837473B0-CC2E-450A-ABE3-18F120FF3D39}">
-                <a1611:picAttrSrcUrl xmlns:a1611="http://schemas.microsoft.com/office/drawing/2016/11/main" r:id="rId9"/>
-              </a:ext>
-            </a:extLst>
-          </a:blip>
-          <a:stretch>
-            <a:fillRect/>
-          </a:stretch>
-        </p:blipFill>
-        <p:spPr>
-          <a:xfrm>
-            <a:off x="6218030" y="5722128"/>
-            <a:ext cx="1457800" cy="909667"/>
-          </a:xfrm>
-          <a:prstGeom prst="rect">
-            <a:avLst/>
-          </a:prstGeom>
-        </p:spPr>
-      </p:pic>
-      <p:pic>
-        <p:nvPicPr>
-          <p:cNvPr id="17" name="Picture 16" descr="A black background with a black square&#10;&#10;Description automatically generated with medium confidence">
-            <a:extLst>
-              <a:ext uri="{FF2B5EF4-FFF2-40B4-BE49-F238E27FC236}">
-                <a16:creationId xmlns:a16="http://schemas.microsoft.com/office/drawing/2014/main" id="{7EDB5D1D-DEAA-FD63-88FC-1DAF2697F830}"/>
-              </a:ext>
-            </a:extLst>
-          </p:cNvPr>
-          <p:cNvPicPr>
-            <a:picLocks noChangeAspect="1"/>
-          </p:cNvPicPr>
-          <p:nvPr/>
-        </p:nvPicPr>
-        <p:blipFill>
-          <a:blip r:embed="rId10">
-            <a:extLst>
-              <a:ext uri="{837473B0-CC2E-450A-ABE3-18F120FF3D39}">
-                <a1611:picAttrSrcUrl xmlns:a1611="http://schemas.microsoft.com/office/drawing/2016/11/main" r:id="rId11"/>
-              </a:ext>
-            </a:extLst>
-          </a:blip>
-          <a:stretch>
-            <a:fillRect/>
-          </a:stretch>
-        </p:blipFill>
-        <p:spPr>
-          <a:xfrm>
-            <a:off x="1360643" y="5777166"/>
-            <a:ext cx="2279920" cy="799593"/>
-          </a:xfrm>
-          <a:prstGeom prst="rect">
-            <a:avLst/>
-          </a:prstGeom>
-        </p:spPr>
-      </p:pic>
-      <p:pic>
-        <p:nvPicPr>
-          <p:cNvPr id="23" name="Picture 22" descr="A blue and white logo&#10;&#10;Description automatically generated">
-            <a:extLst>
-              <a:ext uri="{FF2B5EF4-FFF2-40B4-BE49-F238E27FC236}">
-                <a16:creationId xmlns:a16="http://schemas.microsoft.com/office/drawing/2014/main" id="{79957508-78C6-91E7-031A-270E1521C477}"/>
-              </a:ext>
-            </a:extLst>
-          </p:cNvPr>
-          <p:cNvPicPr>
-            <a:picLocks noChangeAspect="1"/>
-          </p:cNvPicPr>
-          <p:nvPr/>
-        </p:nvPicPr>
-        <p:blipFill>
-          <a:blip r:embed="rId12">
-            <a:extLst>
-              <a:ext uri="{837473B0-CC2E-450A-ABE3-18F120FF3D39}">
-                <a1611:picAttrSrcUrl xmlns:a1611="http://schemas.microsoft.com/office/drawing/2016/11/main" r:id="rId13"/>
-              </a:ext>
-            </a:extLst>
-          </a:blip>
-          <a:stretch>
-            <a:fillRect/>
-          </a:stretch>
-        </p:blipFill>
-        <p:spPr>
-          <a:xfrm>
-            <a:off x="8242067" y="2996866"/>
-            <a:ext cx="3571299" cy="2008856"/>
-          </a:xfrm>
-          <a:prstGeom prst="rect">
-            <a:avLst/>
-          </a:prstGeom>
-        </p:spPr>
-      </p:pic>
-    </p:spTree>
-    <p:extLst>
-      <p:ext uri="{BB962C8B-B14F-4D97-AF65-F5344CB8AC3E}">
-        <p14:creationId xmlns:p14="http://schemas.microsoft.com/office/powerpoint/2010/main" val="3488087743"/>
+        <p14:creationId xmlns:p14="http://schemas.microsoft.com/office/powerpoint/2010/main" val="408627567"/>
       </p:ext>
     </p:extLst>
   </p:cSld>
@@ -16028,70 +14744,40 @@
           <a:lstStyle/>
           <a:p>
             <a:r>
-              <a:rPr lang="en-NO" dirty="0"/>
-              <a:t>Docker and D</a:t>
-            </a:r>
-            <a:r>
-              <a:rPr lang="en-GB" dirty="0"/>
-              <a:t>o</a:t>
-            </a:r>
-            <a:r>
-              <a:rPr lang="en-NO" dirty="0"/>
-              <a:t>cker Compose </a:t>
+              <a:rPr lang="en-US" dirty="0"/>
+              <a:t>Resume workshop 1</a:t>
             </a:r>
           </a:p>
           <a:p>
             <a:pPr lvl="1"/>
             <a:r>
-              <a:rPr lang="en-NO" dirty="0"/>
-              <a:t>Basics</a:t>
-            </a:r>
-          </a:p>
-          <a:p>
-            <a:pPr lvl="1"/>
-            <a:r>
-              <a:rPr lang="en-NO" dirty="0"/>
-              <a:t>Setup kafka cluster</a:t>
-            </a:r>
-          </a:p>
-          <a:p>
-            <a:r>
-              <a:rPr lang="en-NO" dirty="0"/>
-              <a:t>Kafka </a:t>
-            </a:r>
-          </a:p>
-          <a:p>
-            <a:pPr lvl="1"/>
-            <a:r>
-              <a:rPr lang="en-NO" dirty="0"/>
-              <a:t>Fundamentals</a:t>
-            </a:r>
-          </a:p>
-          <a:p>
-            <a:pPr lvl="1"/>
-            <a:r>
-              <a:rPr lang="en-NO" dirty="0"/>
-              <a:t>CLI tasks</a:t>
-            </a:r>
-          </a:p>
-          <a:p>
-            <a:pPr lvl="1"/>
-            <a:r>
-              <a:rPr lang="en-NO" dirty="0"/>
-              <a:t>Code tasks and connect to our forum</a:t>
-            </a:r>
-          </a:p>
-          <a:p>
-            <a:pPr lvl="1"/>
-            <a:r>
-              <a:rPr lang="en-NO" dirty="0"/>
-              <a:t>If time, try extra</a:t>
-            </a:r>
-          </a:p>
-          <a:p>
-            <a:pPr marL="0" indent="0">
-              <a:buNone/>
-            </a:pPr>
+              <a:rPr lang="en-US" dirty="0"/>
+              <a:t>Start or resume the Code task from workshop 1</a:t>
+            </a:r>
+          </a:p>
+          <a:p>
+            <a:r>
+              <a:rPr lang="en-US" dirty="0"/>
+              <a:t>Schema Registry</a:t>
+            </a:r>
+          </a:p>
+          <a:p>
+            <a:r>
+              <a:rPr lang="en-US" dirty="0"/>
+              <a:t>Kafka Streams</a:t>
+            </a:r>
+          </a:p>
+          <a:p>
+            <a:r>
+              <a:rPr lang="en-US" dirty="0"/>
+              <a:t>Kafka Connect</a:t>
+            </a:r>
+          </a:p>
+          <a:p>
+            <a:r>
+              <a:rPr lang="en-US" dirty="0"/>
+              <a:t>Workshop 2</a:t>
+            </a:r>
             <a:endParaRPr lang="en-NO" dirty="0"/>
           </a:p>
           <a:p>
@@ -16112,1500 +14798,6 @@
     <p:extLst>
       <p:ext uri="{BB962C8B-B14F-4D97-AF65-F5344CB8AC3E}">
         <p14:creationId xmlns:p14="http://schemas.microsoft.com/office/powerpoint/2010/main" val="3057239448"/>
-      </p:ext>
-    </p:extLst>
-  </p:cSld>
-  <p:clrMapOvr>
-    <a:masterClrMapping/>
-  </p:clrMapOvr>
-</p:sld>
-</file>
-
-<file path=ppt/slides/slide20.xml><?xml version="1.0" encoding="utf-8"?>
-<p:sld xmlns:a="http://schemas.openxmlformats.org/drawingml/2006/main" xmlns:r="http://schemas.openxmlformats.org/officeDocument/2006/relationships" xmlns:p="http://schemas.openxmlformats.org/presentationml/2006/main">
-  <p:cSld>
-    <p:spTree>
-      <p:nvGrpSpPr>
-        <p:cNvPr id="1" name=""/>
-        <p:cNvGrpSpPr/>
-        <p:nvPr/>
-      </p:nvGrpSpPr>
-      <p:grpSpPr>
-        <a:xfrm>
-          <a:off x="0" y="0"/>
-          <a:ext cx="0" cy="0"/>
-          <a:chOff x="0" y="0"/>
-          <a:chExt cx="0" cy="0"/>
-        </a:xfrm>
-      </p:grpSpPr>
-      <p:sp>
-        <p:nvSpPr>
-          <p:cNvPr id="2" name="Title 1">
-            <a:extLst>
-              <a:ext uri="{FF2B5EF4-FFF2-40B4-BE49-F238E27FC236}">
-                <a16:creationId xmlns:a16="http://schemas.microsoft.com/office/drawing/2014/main" id="{37380645-22C9-A597-03B4-AE73A414BCF0}"/>
-              </a:ext>
-            </a:extLst>
-          </p:cNvPr>
-          <p:cNvSpPr>
-            <a:spLocks noGrp="1"/>
-          </p:cNvSpPr>
-          <p:nvPr>
-            <p:ph type="title"/>
-          </p:nvPr>
-        </p:nvSpPr>
-        <p:spPr/>
-        <p:txBody>
-          <a:bodyPr/>
-          <a:lstStyle/>
-          <a:p>
-            <a:r>
-              <a:rPr lang="en-NO"/>
-              <a:t>Use cases</a:t>
-            </a:r>
-          </a:p>
-        </p:txBody>
-      </p:sp>
-      <p:sp>
-        <p:nvSpPr>
-          <p:cNvPr id="3" name="Content Placeholder 2">
-            <a:extLst>
-              <a:ext uri="{FF2B5EF4-FFF2-40B4-BE49-F238E27FC236}">
-                <a16:creationId xmlns:a16="http://schemas.microsoft.com/office/drawing/2014/main" id="{B112C914-164E-3750-EF68-11E92413ECDB}"/>
-              </a:ext>
-            </a:extLst>
-          </p:cNvPr>
-          <p:cNvSpPr>
-            <a:spLocks noGrp="1"/>
-          </p:cNvSpPr>
-          <p:nvPr>
-            <p:ph idx="1"/>
-          </p:nvPr>
-        </p:nvSpPr>
-        <p:spPr/>
-        <p:txBody>
-          <a:bodyPr>
-            <a:normAutofit lnSpcReduction="10000"/>
-          </a:bodyPr>
-          <a:lstStyle/>
-          <a:p>
-            <a:r>
-              <a:rPr lang="en-NO"/>
-              <a:t>Messaging service</a:t>
-            </a:r>
-          </a:p>
-          <a:p>
-            <a:r>
-              <a:rPr lang="en-NO"/>
-              <a:t>Acitivty Tracking</a:t>
-            </a:r>
-          </a:p>
-          <a:p>
-            <a:r>
-              <a:rPr lang="en-NO"/>
-              <a:t>Gathering metrics from many different localtions</a:t>
-            </a:r>
-          </a:p>
-          <a:p>
-            <a:r>
-              <a:rPr lang="en-NO"/>
-              <a:t>Application logs </a:t>
-            </a:r>
-          </a:p>
-          <a:p>
-            <a:r>
-              <a:rPr lang="en-NO"/>
-              <a:t>Stream processing (Kafka streams API)</a:t>
-            </a:r>
-          </a:p>
-          <a:p>
-            <a:r>
-              <a:rPr lang="en-NO"/>
-              <a:t>De-coupling of system dependencies</a:t>
-            </a:r>
-          </a:p>
-          <a:p>
-            <a:r>
-              <a:rPr lang="en-NO"/>
-              <a:t>Integrations with Spark, Flink, Storm, Hadoop and other Big data tech</a:t>
-            </a:r>
-          </a:p>
-          <a:p>
-            <a:r>
-              <a:rPr lang="en-NO"/>
-              <a:t>Mirco-services pub/sub</a:t>
-            </a:r>
-          </a:p>
-          <a:p>
-            <a:r>
-              <a:rPr lang="en-GB"/>
-              <a:t>Event-sourcing store</a:t>
-            </a:r>
-          </a:p>
-          <a:p>
-            <a:endParaRPr lang="en-NO"/>
-          </a:p>
-        </p:txBody>
-      </p:sp>
-    </p:spTree>
-    <p:extLst>
-      <p:ext uri="{BB962C8B-B14F-4D97-AF65-F5344CB8AC3E}">
-        <p14:creationId xmlns:p14="http://schemas.microsoft.com/office/powerpoint/2010/main" val="3465574249"/>
-      </p:ext>
-    </p:extLst>
-  </p:cSld>
-  <p:clrMapOvr>
-    <a:masterClrMapping/>
-  </p:clrMapOvr>
-</p:sld>
-</file>
-
-<file path=ppt/slides/slide21.xml><?xml version="1.0" encoding="utf-8"?>
-<p:sld xmlns:a="http://schemas.openxmlformats.org/drawingml/2006/main" xmlns:r="http://schemas.openxmlformats.org/officeDocument/2006/relationships" xmlns:p="http://schemas.openxmlformats.org/presentationml/2006/main">
-  <p:cSld>
-    <p:spTree>
-      <p:nvGrpSpPr>
-        <p:cNvPr id="1" name=""/>
-        <p:cNvGrpSpPr/>
-        <p:nvPr/>
-      </p:nvGrpSpPr>
-      <p:grpSpPr>
-        <a:xfrm>
-          <a:off x="0" y="0"/>
-          <a:ext cx="0" cy="0"/>
-          <a:chOff x="0" y="0"/>
-          <a:chExt cx="0" cy="0"/>
-        </a:xfrm>
-      </p:grpSpPr>
-      <p:sp>
-        <p:nvSpPr>
-          <p:cNvPr id="2" name="Title 1">
-            <a:extLst>
-              <a:ext uri="{FF2B5EF4-FFF2-40B4-BE49-F238E27FC236}">
-                <a16:creationId xmlns:a16="http://schemas.microsoft.com/office/drawing/2014/main" id="{32AFA948-C53D-1018-F2D4-1E6F92836616}"/>
-              </a:ext>
-            </a:extLst>
-          </p:cNvPr>
-          <p:cNvSpPr>
-            <a:spLocks noGrp="1"/>
-          </p:cNvSpPr>
-          <p:nvPr>
-            <p:ph type="title"/>
-          </p:nvPr>
-        </p:nvSpPr>
-        <p:spPr/>
-        <p:txBody>
-          <a:bodyPr/>
-          <a:lstStyle/>
-          <a:p>
-            <a:r>
-              <a:rPr lang="en-NO"/>
-              <a:t>Examples</a:t>
-            </a:r>
-          </a:p>
-        </p:txBody>
-      </p:sp>
-      <p:sp>
-        <p:nvSpPr>
-          <p:cNvPr id="3" name="Content Placeholder 2">
-            <a:extLst>
-              <a:ext uri="{FF2B5EF4-FFF2-40B4-BE49-F238E27FC236}">
-                <a16:creationId xmlns:a16="http://schemas.microsoft.com/office/drawing/2014/main" id="{E401B0E4-D4C3-708A-3E42-839E509A9CA0}"/>
-              </a:ext>
-            </a:extLst>
-          </p:cNvPr>
-          <p:cNvSpPr>
-            <a:spLocks noGrp="1"/>
-          </p:cNvSpPr>
-          <p:nvPr>
-            <p:ph idx="1"/>
-          </p:nvPr>
-        </p:nvSpPr>
-        <p:spPr/>
-        <p:txBody>
-          <a:bodyPr>
-            <a:normAutofit lnSpcReduction="10000"/>
-          </a:bodyPr>
-          <a:lstStyle/>
-          <a:p>
-            <a:r>
-              <a:rPr lang="en-NO" dirty="0">
-                <a:solidFill>
-                  <a:srgbClr val="FF0000"/>
-                </a:solidFill>
-              </a:rPr>
-              <a:t>Netflix</a:t>
-            </a:r>
-            <a:r>
-              <a:rPr lang="en-NO" dirty="0"/>
-              <a:t> uses kafka for recommendations in real-time while watching </a:t>
-            </a:r>
-          </a:p>
-          <a:p>
-            <a:r>
-              <a:rPr lang="en-NO" b="1" dirty="0"/>
-              <a:t>Uber </a:t>
-            </a:r>
-            <a:r>
-              <a:rPr lang="en-NO" dirty="0"/>
-              <a:t>uses kafka to gather user, taxi and trip data in real-time to compute and forecast demand, and compute surge pricing in real-time</a:t>
-            </a:r>
-          </a:p>
-          <a:p>
-            <a:r>
-              <a:rPr lang="en-NO" dirty="0">
-                <a:solidFill>
-                  <a:schemeClr val="accent1"/>
-                </a:solidFill>
-              </a:rPr>
-              <a:t>LinkedIn </a:t>
-            </a:r>
-            <a:r>
-              <a:rPr lang="en-NO" dirty="0"/>
-              <a:t>uses kafka to prevent spam, collect user interactions to make better connection recommendations in real time.</a:t>
-            </a:r>
-          </a:p>
-          <a:p>
-            <a:r>
-              <a:rPr lang="en-NO" dirty="0">
-                <a:solidFill>
-                  <a:srgbClr val="C00000"/>
-                </a:solidFill>
-              </a:rPr>
-              <a:t>Ruter </a:t>
-            </a:r>
-            <a:r>
-              <a:rPr lang="en-NO" dirty="0"/>
-              <a:t>uses it for something..</a:t>
-            </a:r>
-          </a:p>
-          <a:p>
-            <a:endParaRPr lang="en-NO" dirty="0"/>
-          </a:p>
-          <a:p>
-            <a:r>
-              <a:rPr lang="en-NO" dirty="0"/>
-              <a:t>NB: K</a:t>
-            </a:r>
-            <a:r>
-              <a:rPr lang="en-GB" dirty="0"/>
-              <a:t>a</a:t>
-            </a:r>
-            <a:r>
-              <a:rPr lang="en-NO" dirty="0"/>
-              <a:t>fka is used as transportation mechanism of huge data flows that allow these features</a:t>
-            </a:r>
-          </a:p>
-        </p:txBody>
-      </p:sp>
-    </p:spTree>
-    <p:extLst>
-      <p:ext uri="{BB962C8B-B14F-4D97-AF65-F5344CB8AC3E}">
-        <p14:creationId xmlns:p14="http://schemas.microsoft.com/office/powerpoint/2010/main" val="3207332587"/>
-      </p:ext>
-    </p:extLst>
-  </p:cSld>
-  <p:clrMapOvr>
-    <a:masterClrMapping/>
-  </p:clrMapOvr>
-</p:sld>
-</file>
-
-<file path=ppt/slides/slide22.xml><?xml version="1.0" encoding="utf-8"?>
-<p:sld xmlns:a="http://schemas.openxmlformats.org/drawingml/2006/main" xmlns:r="http://schemas.openxmlformats.org/officeDocument/2006/relationships" xmlns:p="http://schemas.openxmlformats.org/presentationml/2006/main">
-  <p:cSld>
-    <p:spTree>
-      <p:nvGrpSpPr>
-        <p:cNvPr id="1" name=""/>
-        <p:cNvGrpSpPr/>
-        <p:nvPr/>
-      </p:nvGrpSpPr>
-      <p:grpSpPr>
-        <a:xfrm>
-          <a:off x="0" y="0"/>
-          <a:ext cx="0" cy="0"/>
-          <a:chOff x="0" y="0"/>
-          <a:chExt cx="0" cy="0"/>
-        </a:xfrm>
-      </p:grpSpPr>
-      <p:sp>
-        <p:nvSpPr>
-          <p:cNvPr id="2" name="Title 1">
-            <a:extLst>
-              <a:ext uri="{FF2B5EF4-FFF2-40B4-BE49-F238E27FC236}">
-                <a16:creationId xmlns:a16="http://schemas.microsoft.com/office/drawing/2014/main" id="{BDF249BF-66DA-B9E7-88F4-8AB26535328E}"/>
-              </a:ext>
-            </a:extLst>
-          </p:cNvPr>
-          <p:cNvSpPr>
-            <a:spLocks noGrp="1"/>
-          </p:cNvSpPr>
-          <p:nvPr>
-            <p:ph type="title"/>
-          </p:nvPr>
-        </p:nvSpPr>
-        <p:spPr/>
-        <p:txBody>
-          <a:bodyPr/>
-          <a:lstStyle/>
-          <a:p>
-            <a:r>
-              <a:rPr lang="en-NO"/>
-              <a:t>Lets understand kafka better</a:t>
-            </a:r>
-          </a:p>
-        </p:txBody>
-      </p:sp>
-      <p:pic>
-        <p:nvPicPr>
-          <p:cNvPr id="4098" name="Picture 2" descr="Apache Kafka Components. An overview of the relationship between Kafka clusters, Kafka topics, Kafka producers and Kafka Consumers.">
-            <a:extLst>
-              <a:ext uri="{FF2B5EF4-FFF2-40B4-BE49-F238E27FC236}">
-                <a16:creationId xmlns:a16="http://schemas.microsoft.com/office/drawing/2014/main" id="{BF99F0F2-0ECA-2668-F31C-09F12B9606A8}"/>
-              </a:ext>
-            </a:extLst>
-          </p:cNvPr>
-          <p:cNvPicPr>
-            <a:picLocks noChangeAspect="1" noChangeArrowheads="1"/>
-          </p:cNvPicPr>
-          <p:nvPr/>
-        </p:nvPicPr>
-        <p:blipFill>
-          <a:blip r:embed="rId2">
-            <a:extLst>
-              <a:ext uri="{28A0092B-C50C-407E-A947-70E740481C1C}">
-                <a14:useLocalDpi xmlns:a14="http://schemas.microsoft.com/office/drawing/2010/main" val="0"/>
-              </a:ext>
-            </a:extLst>
-          </a:blip>
-          <a:srcRect/>
-          <a:stretch>
-            <a:fillRect/>
-          </a:stretch>
-        </p:blipFill>
-        <p:spPr bwMode="auto">
-          <a:xfrm>
-            <a:off x="838199" y="2139230"/>
-            <a:ext cx="10515601" cy="3316287"/>
-          </a:xfrm>
-          <a:prstGeom prst="rect">
-            <a:avLst/>
-          </a:prstGeom>
-          <a:noFill/>
-          <a:extLst>
-            <a:ext uri="{909E8E84-426E-40DD-AFC4-6F175D3DCCD1}">
-              <a14:hiddenFill xmlns:a14="http://schemas.microsoft.com/office/drawing/2010/main">
-                <a:solidFill>
-                  <a:srgbClr val="FFFFFF"/>
-                </a:solidFill>
-              </a14:hiddenFill>
-            </a:ext>
-          </a:extLst>
-        </p:spPr>
-      </p:pic>
-    </p:spTree>
-    <p:extLst>
-      <p:ext uri="{BB962C8B-B14F-4D97-AF65-F5344CB8AC3E}">
-        <p14:creationId xmlns:p14="http://schemas.microsoft.com/office/powerpoint/2010/main" val="539411127"/>
-      </p:ext>
-    </p:extLst>
-  </p:cSld>
-  <p:clrMapOvr>
-    <a:masterClrMapping/>
-  </p:clrMapOvr>
-</p:sld>
-</file>
-
-<file path=ppt/slides/slide23.xml><?xml version="1.0" encoding="utf-8"?>
-<p:sld xmlns:a="http://schemas.openxmlformats.org/drawingml/2006/main" xmlns:r="http://schemas.openxmlformats.org/officeDocument/2006/relationships" xmlns:p="http://schemas.openxmlformats.org/presentationml/2006/main">
-  <p:cSld>
-    <p:spTree>
-      <p:nvGrpSpPr>
-        <p:cNvPr id="1" name=""/>
-        <p:cNvGrpSpPr/>
-        <p:nvPr/>
-      </p:nvGrpSpPr>
-      <p:grpSpPr>
-        <a:xfrm>
-          <a:off x="0" y="0"/>
-          <a:ext cx="0" cy="0"/>
-          <a:chOff x="0" y="0"/>
-          <a:chExt cx="0" cy="0"/>
-        </a:xfrm>
-      </p:grpSpPr>
-      <p:sp>
-        <p:nvSpPr>
-          <p:cNvPr id="2" name="Title 1">
-            <a:extLst>
-              <a:ext uri="{FF2B5EF4-FFF2-40B4-BE49-F238E27FC236}">
-                <a16:creationId xmlns:a16="http://schemas.microsoft.com/office/drawing/2014/main" id="{B9E7CF7B-D5EA-FDDD-3917-224C63FECEAE}"/>
-              </a:ext>
-            </a:extLst>
-          </p:cNvPr>
-          <p:cNvSpPr>
-            <a:spLocks noGrp="1"/>
-          </p:cNvSpPr>
-          <p:nvPr>
-            <p:ph type="title"/>
-          </p:nvPr>
-        </p:nvSpPr>
-        <p:spPr/>
-        <p:txBody>
-          <a:bodyPr/>
-          <a:lstStyle/>
-          <a:p>
-            <a:r>
-              <a:rPr lang="en-NO"/>
-              <a:t>Topics</a:t>
-            </a:r>
-          </a:p>
-        </p:txBody>
-      </p:sp>
-      <p:pic>
-        <p:nvPicPr>
-          <p:cNvPr id="5128" name="Picture 8" descr="A Kafka Cluster with 4 Topics shown in a diagram">
-            <a:extLst>
-              <a:ext uri="{FF2B5EF4-FFF2-40B4-BE49-F238E27FC236}">
-                <a16:creationId xmlns:a16="http://schemas.microsoft.com/office/drawing/2014/main" id="{102EB00F-A0D3-1430-831C-1D385E17C2AF}"/>
-              </a:ext>
-            </a:extLst>
-          </p:cNvPr>
-          <p:cNvPicPr>
-            <a:picLocks noChangeAspect="1" noChangeArrowheads="1"/>
-          </p:cNvPicPr>
-          <p:nvPr/>
-        </p:nvPicPr>
-        <p:blipFill>
-          <a:blip r:embed="rId2">
-            <a:extLst>
-              <a:ext uri="{28A0092B-C50C-407E-A947-70E740481C1C}">
-                <a14:useLocalDpi xmlns:a14="http://schemas.microsoft.com/office/drawing/2010/main" val="0"/>
-              </a:ext>
-            </a:extLst>
-          </a:blip>
-          <a:srcRect/>
-          <a:stretch>
-            <a:fillRect/>
-          </a:stretch>
-        </p:blipFill>
-        <p:spPr bwMode="auto">
-          <a:xfrm>
-            <a:off x="6014675" y="1363080"/>
-            <a:ext cx="7607221" cy="4535690"/>
-          </a:xfrm>
-          <a:prstGeom prst="rect">
-            <a:avLst/>
-          </a:prstGeom>
-          <a:noFill/>
-          <a:extLst>
-            <a:ext uri="{909E8E84-426E-40DD-AFC4-6F175D3DCCD1}">
-              <a14:hiddenFill xmlns:a14="http://schemas.microsoft.com/office/drawing/2010/main">
-                <a:solidFill>
-                  <a:srgbClr val="FFFFFF"/>
-                </a:solidFill>
-              </a14:hiddenFill>
-            </a:ext>
-          </a:extLst>
-        </p:spPr>
-      </p:pic>
-      <p:sp>
-        <p:nvSpPr>
-          <p:cNvPr id="3" name="Content Placeholder 2">
-            <a:extLst>
-              <a:ext uri="{FF2B5EF4-FFF2-40B4-BE49-F238E27FC236}">
-                <a16:creationId xmlns:a16="http://schemas.microsoft.com/office/drawing/2014/main" id="{EC14339B-CA1B-5A54-DBC9-FA75DB128D25}"/>
-              </a:ext>
-            </a:extLst>
-          </p:cNvPr>
-          <p:cNvSpPr>
-            <a:spLocks noGrp="1"/>
-          </p:cNvSpPr>
-          <p:nvPr>
-            <p:ph idx="1"/>
-          </p:nvPr>
-        </p:nvSpPr>
-        <p:spPr>
-          <a:xfrm>
-            <a:off x="838200" y="1825625"/>
-            <a:ext cx="7607221" cy="4351338"/>
-          </a:xfrm>
-        </p:spPr>
-        <p:txBody>
-          <a:bodyPr/>
-          <a:lstStyle/>
-          <a:p>
-            <a:r>
-              <a:rPr lang="en-NO" dirty="0"/>
-              <a:t>Topics: A particular stream of data</a:t>
-            </a:r>
-          </a:p>
-          <a:p>
-            <a:r>
-              <a:rPr lang="en-NO" dirty="0"/>
-              <a:t>Like a table in a database</a:t>
-            </a:r>
-          </a:p>
-          <a:p>
-            <a:r>
-              <a:rPr lang="en-NO" dirty="0"/>
-              <a:t>You can have as many topics as you want</a:t>
-            </a:r>
-          </a:p>
-          <a:p>
-            <a:r>
-              <a:rPr lang="en-NO" dirty="0"/>
-              <a:t>Identified by its name</a:t>
-            </a:r>
-          </a:p>
-          <a:p>
-            <a:r>
-              <a:rPr lang="en-NO" dirty="0"/>
-              <a:t>Any kind of message format</a:t>
-            </a:r>
-          </a:p>
-          <a:p>
-            <a:r>
-              <a:rPr lang="en-NO" dirty="0"/>
-              <a:t>A sequence of messages is a </a:t>
-            </a:r>
-            <a:r>
-              <a:rPr lang="en-NO" u="sng" dirty="0"/>
-              <a:t>data stream</a:t>
-            </a:r>
-          </a:p>
-          <a:p>
-            <a:r>
-              <a:rPr lang="en-GB" dirty="0"/>
-              <a:t>C</a:t>
-            </a:r>
-            <a:r>
-              <a:rPr lang="en-NO" dirty="0"/>
-              <a:t>annot query messages, use producers and consumer instead.</a:t>
-            </a:r>
-          </a:p>
-        </p:txBody>
-      </p:sp>
-    </p:spTree>
-    <p:extLst>
-      <p:ext uri="{BB962C8B-B14F-4D97-AF65-F5344CB8AC3E}">
-        <p14:creationId xmlns:p14="http://schemas.microsoft.com/office/powerpoint/2010/main" val="970512743"/>
-      </p:ext>
-    </p:extLst>
-  </p:cSld>
-  <p:clrMapOvr>
-    <a:masterClrMapping/>
-  </p:clrMapOvr>
-</p:sld>
-</file>
-
-<file path=ppt/slides/slide24.xml><?xml version="1.0" encoding="utf-8"?>
-<p:sld xmlns:a="http://schemas.openxmlformats.org/drawingml/2006/main" xmlns:r="http://schemas.openxmlformats.org/officeDocument/2006/relationships" xmlns:p="http://schemas.openxmlformats.org/presentationml/2006/main">
-  <p:cSld>
-    <p:spTree>
-      <p:nvGrpSpPr>
-        <p:cNvPr id="1" name=""/>
-        <p:cNvGrpSpPr/>
-        <p:nvPr/>
-      </p:nvGrpSpPr>
-      <p:grpSpPr>
-        <a:xfrm>
-          <a:off x="0" y="0"/>
-          <a:ext cx="0" cy="0"/>
-          <a:chOff x="0" y="0"/>
-          <a:chExt cx="0" cy="0"/>
-        </a:xfrm>
-      </p:grpSpPr>
-      <p:pic>
-        <p:nvPicPr>
-          <p:cNvPr id="6146" name="Picture 2" descr="Kafka Topics are broken into partitions for improved fault tolerance. This diagram shows a Kafka Topic with 3 partitions and their respective offsets.">
-            <a:extLst>
-              <a:ext uri="{FF2B5EF4-FFF2-40B4-BE49-F238E27FC236}">
-                <a16:creationId xmlns:a16="http://schemas.microsoft.com/office/drawing/2014/main" id="{A27EB8A9-63E0-8233-5562-C90F2483E8E1}"/>
-              </a:ext>
-            </a:extLst>
-          </p:cNvPr>
-          <p:cNvPicPr>
-            <a:picLocks noChangeAspect="1" noChangeArrowheads="1"/>
-          </p:cNvPicPr>
-          <p:nvPr/>
-        </p:nvPicPr>
-        <p:blipFill>
-          <a:blip r:embed="rId2">
-            <a:extLst>
-              <a:ext uri="{28A0092B-C50C-407E-A947-70E740481C1C}">
-                <a14:useLocalDpi xmlns:a14="http://schemas.microsoft.com/office/drawing/2010/main" val="0"/>
-              </a:ext>
-            </a:extLst>
-          </a:blip>
-          <a:srcRect/>
-          <a:stretch>
-            <a:fillRect/>
-          </a:stretch>
-        </p:blipFill>
-        <p:spPr bwMode="auto">
-          <a:xfrm>
-            <a:off x="1167859" y="3988821"/>
-            <a:ext cx="8322592" cy="2620316"/>
-          </a:xfrm>
-          <a:prstGeom prst="rect">
-            <a:avLst/>
-          </a:prstGeom>
-          <a:noFill/>
-          <a:extLst>
-            <a:ext uri="{909E8E84-426E-40DD-AFC4-6F175D3DCCD1}">
-              <a14:hiddenFill xmlns:a14="http://schemas.microsoft.com/office/drawing/2010/main">
-                <a:solidFill>
-                  <a:srgbClr val="FFFFFF"/>
-                </a:solidFill>
-              </a14:hiddenFill>
-            </a:ext>
-          </a:extLst>
-        </p:spPr>
-      </p:pic>
-      <p:sp>
-        <p:nvSpPr>
-          <p:cNvPr id="2" name="Title 1">
-            <a:extLst>
-              <a:ext uri="{FF2B5EF4-FFF2-40B4-BE49-F238E27FC236}">
-                <a16:creationId xmlns:a16="http://schemas.microsoft.com/office/drawing/2014/main" id="{D69C01FB-1695-1994-BA23-1B4333523D50}"/>
-              </a:ext>
-            </a:extLst>
-          </p:cNvPr>
-          <p:cNvSpPr>
-            <a:spLocks noGrp="1"/>
-          </p:cNvSpPr>
-          <p:nvPr>
-            <p:ph type="title"/>
-          </p:nvPr>
-        </p:nvSpPr>
-        <p:spPr/>
-        <p:txBody>
-          <a:bodyPr/>
-          <a:lstStyle/>
-          <a:p>
-            <a:r>
-              <a:rPr lang="en-NO"/>
-              <a:t>Topics – Partitions and offsets</a:t>
-            </a:r>
-          </a:p>
-        </p:txBody>
-      </p:sp>
-      <p:sp>
-        <p:nvSpPr>
-          <p:cNvPr id="3" name="Content Placeholder 2">
-            <a:extLst>
-              <a:ext uri="{FF2B5EF4-FFF2-40B4-BE49-F238E27FC236}">
-                <a16:creationId xmlns:a16="http://schemas.microsoft.com/office/drawing/2014/main" id="{0E9171FA-5CFF-EA87-23AA-CD842AD34A12}"/>
-              </a:ext>
-            </a:extLst>
-          </p:cNvPr>
-          <p:cNvSpPr>
-            <a:spLocks noGrp="1"/>
-          </p:cNvSpPr>
-          <p:nvPr>
-            <p:ph idx="1"/>
-          </p:nvPr>
-        </p:nvSpPr>
-        <p:spPr/>
-        <p:txBody>
-          <a:bodyPr/>
-          <a:lstStyle/>
-          <a:p>
-            <a:r>
-              <a:rPr lang="en-NO"/>
-              <a:t>Topics are split in partitions</a:t>
-            </a:r>
-          </a:p>
-          <a:p>
-            <a:pPr lvl="1"/>
-            <a:r>
-              <a:rPr lang="en-NO"/>
-              <a:t>Message within each partition are ordered</a:t>
-            </a:r>
-          </a:p>
-          <a:p>
-            <a:pPr lvl="1"/>
-            <a:r>
-              <a:rPr lang="en-NO"/>
-              <a:t>Each message within a patition gets an incremental ID, called offset</a:t>
-            </a:r>
-          </a:p>
-          <a:p>
-            <a:r>
-              <a:rPr lang="en-NO"/>
-              <a:t>Kafka topics are immutable: once data is written to a partition, it cannot be changed</a:t>
-            </a:r>
-          </a:p>
-        </p:txBody>
-      </p:sp>
-    </p:spTree>
-    <p:extLst>
-      <p:ext uri="{BB962C8B-B14F-4D97-AF65-F5344CB8AC3E}">
-        <p14:creationId xmlns:p14="http://schemas.microsoft.com/office/powerpoint/2010/main" val="903848544"/>
-      </p:ext>
-    </p:extLst>
-  </p:cSld>
-  <p:clrMapOvr>
-    <a:masterClrMapping/>
-  </p:clrMapOvr>
-</p:sld>
-</file>
-
-<file path=ppt/slides/slide25.xml><?xml version="1.0" encoding="utf-8"?>
-<p:sld xmlns:a="http://schemas.openxmlformats.org/drawingml/2006/main" xmlns:r="http://schemas.openxmlformats.org/officeDocument/2006/relationships" xmlns:p="http://schemas.openxmlformats.org/presentationml/2006/main">
-  <p:cSld>
-    <p:spTree>
-      <p:nvGrpSpPr>
-        <p:cNvPr id="1" name=""/>
-        <p:cNvGrpSpPr/>
-        <p:nvPr/>
-      </p:nvGrpSpPr>
-      <p:grpSpPr>
-        <a:xfrm>
-          <a:off x="0" y="0"/>
-          <a:ext cx="0" cy="0"/>
-          <a:chOff x="0" y="0"/>
-          <a:chExt cx="0" cy="0"/>
-        </a:xfrm>
-      </p:grpSpPr>
-      <p:pic>
-        <p:nvPicPr>
-          <p:cNvPr id="7172" name="Picture 4" descr="Apache Kafka has many real world applications. This diagram shows how Apache Kafka can be used for fleet tracking in the transport industry.">
-            <a:extLst>
-              <a:ext uri="{FF2B5EF4-FFF2-40B4-BE49-F238E27FC236}">
-                <a16:creationId xmlns:a16="http://schemas.microsoft.com/office/drawing/2014/main" id="{01ECA556-0145-E9C6-DC6F-50CE3BE6643B}"/>
-              </a:ext>
-            </a:extLst>
-          </p:cNvPr>
-          <p:cNvPicPr>
-            <a:picLocks noChangeAspect="1" noChangeArrowheads="1"/>
-          </p:cNvPicPr>
-          <p:nvPr/>
-        </p:nvPicPr>
-        <p:blipFill>
-          <a:blip r:embed="rId2">
-            <a:extLst>
-              <a:ext uri="{28A0092B-C50C-407E-A947-70E740481C1C}">
-                <a14:useLocalDpi xmlns:a14="http://schemas.microsoft.com/office/drawing/2010/main" val="0"/>
-              </a:ext>
-            </a:extLst>
-          </a:blip>
-          <a:srcRect/>
-          <a:stretch>
-            <a:fillRect/>
-          </a:stretch>
-        </p:blipFill>
-        <p:spPr bwMode="auto">
-          <a:xfrm>
-            <a:off x="96552" y="574162"/>
-            <a:ext cx="12192000" cy="3027363"/>
-          </a:xfrm>
-          <a:prstGeom prst="rect">
-            <a:avLst/>
-          </a:prstGeom>
-          <a:noFill/>
-          <a:extLst>
-            <a:ext uri="{909E8E84-426E-40DD-AFC4-6F175D3DCCD1}">
-              <a14:hiddenFill xmlns:a14="http://schemas.microsoft.com/office/drawing/2010/main">
-                <a:solidFill>
-                  <a:srgbClr val="FFFFFF"/>
-                </a:solidFill>
-              </a14:hiddenFill>
-            </a:ext>
-          </a:extLst>
-        </p:spPr>
-      </p:pic>
-      <p:sp>
-        <p:nvSpPr>
-          <p:cNvPr id="2" name="Title 1">
-            <a:extLst>
-              <a:ext uri="{FF2B5EF4-FFF2-40B4-BE49-F238E27FC236}">
-                <a16:creationId xmlns:a16="http://schemas.microsoft.com/office/drawing/2014/main" id="{4D14E8A8-F575-1972-1381-622FACB2AC44}"/>
-              </a:ext>
-            </a:extLst>
-          </p:cNvPr>
-          <p:cNvSpPr>
-            <a:spLocks noGrp="1"/>
-          </p:cNvSpPr>
-          <p:nvPr>
-            <p:ph type="title"/>
-          </p:nvPr>
-        </p:nvSpPr>
-        <p:spPr/>
-        <p:txBody>
-          <a:bodyPr/>
-          <a:lstStyle/>
-          <a:p>
-            <a:r>
-              <a:rPr lang="en-NO"/>
-              <a:t>Topic - Example</a:t>
-            </a:r>
-          </a:p>
-        </p:txBody>
-      </p:sp>
-      <p:sp>
-        <p:nvSpPr>
-          <p:cNvPr id="3" name="Content Placeholder 2">
-            <a:extLst>
-              <a:ext uri="{FF2B5EF4-FFF2-40B4-BE49-F238E27FC236}">
-                <a16:creationId xmlns:a16="http://schemas.microsoft.com/office/drawing/2014/main" id="{945C543D-B794-E742-4706-EA34C1FAA41E}"/>
-              </a:ext>
-            </a:extLst>
-          </p:cNvPr>
-          <p:cNvSpPr>
-            <a:spLocks noGrp="1"/>
-          </p:cNvSpPr>
-          <p:nvPr>
-            <p:ph idx="1"/>
-          </p:nvPr>
-        </p:nvSpPr>
-        <p:spPr>
-          <a:xfrm>
-            <a:off x="838200" y="3428999"/>
-            <a:ext cx="10515600" cy="2747963"/>
-          </a:xfrm>
-        </p:spPr>
-        <p:txBody>
-          <a:bodyPr>
-            <a:normAutofit lnSpcReduction="10000"/>
-          </a:bodyPr>
-          <a:lstStyle/>
-          <a:p>
-            <a:r>
-              <a:rPr lang="en-NO"/>
-              <a:t>Fleet of trucks, each truck reports its GPS position to Kafka</a:t>
-            </a:r>
-          </a:p>
-          <a:p>
-            <a:r>
-              <a:rPr lang="en-NO"/>
-              <a:t>Each truck will send a message to Kafka every 20s, each message will contain the truck ID and the truck position(latitude and longitude)</a:t>
-            </a:r>
-          </a:p>
-          <a:p>
-            <a:r>
-              <a:rPr lang="en-NO"/>
-              <a:t>You can have a topic </a:t>
-            </a:r>
-            <a:r>
-              <a:rPr lang="en-NO">
-                <a:solidFill>
-                  <a:schemeClr val="accent1"/>
-                </a:solidFill>
-              </a:rPr>
-              <a:t>trucks_gps </a:t>
-            </a:r>
-            <a:r>
-              <a:rPr lang="en-NO"/>
-              <a:t>that contains the position of the trucks</a:t>
-            </a:r>
-          </a:p>
-          <a:p>
-            <a:r>
-              <a:rPr lang="en-NO"/>
-              <a:t>We</a:t>
-            </a:r>
-            <a:r>
-              <a:rPr lang="en-NO">
-                <a:solidFill>
-                  <a:schemeClr val="accent1"/>
-                </a:solidFill>
-              </a:rPr>
-              <a:t> </a:t>
-            </a:r>
-            <a:r>
-              <a:rPr lang="en-NO"/>
-              <a:t>choose to create a topic with 10 partisions (arbitrary number)</a:t>
-            </a:r>
-          </a:p>
-        </p:txBody>
-      </p:sp>
-    </p:spTree>
-    <p:extLst>
-      <p:ext uri="{BB962C8B-B14F-4D97-AF65-F5344CB8AC3E}">
-        <p14:creationId xmlns:p14="http://schemas.microsoft.com/office/powerpoint/2010/main" val="1075616460"/>
-      </p:ext>
-    </p:extLst>
-  </p:cSld>
-  <p:clrMapOvr>
-    <a:masterClrMapping/>
-  </p:clrMapOvr>
-</p:sld>
-</file>
-
-<file path=ppt/slides/slide26.xml><?xml version="1.0" encoding="utf-8"?>
-<p:sld xmlns:a="http://schemas.openxmlformats.org/drawingml/2006/main" xmlns:r="http://schemas.openxmlformats.org/officeDocument/2006/relationships" xmlns:p="http://schemas.openxmlformats.org/presentationml/2006/main">
-  <p:cSld>
-    <p:spTree>
-      <p:nvGrpSpPr>
-        <p:cNvPr id="1" name=""/>
-        <p:cNvGrpSpPr/>
-        <p:nvPr/>
-      </p:nvGrpSpPr>
-      <p:grpSpPr>
-        <a:xfrm>
-          <a:off x="0" y="0"/>
-          <a:ext cx="0" cy="0"/>
-          <a:chOff x="0" y="0"/>
-          <a:chExt cx="0" cy="0"/>
-        </a:xfrm>
-      </p:grpSpPr>
-      <p:pic>
-        <p:nvPicPr>
-          <p:cNvPr id="4" name="Picture 2" descr="Kafka Topics are broken into partitions for improved fault tolerance. This diagram shows a Kafka Topic with 3 partitions and their respective offsets.">
-            <a:extLst>
-              <a:ext uri="{FF2B5EF4-FFF2-40B4-BE49-F238E27FC236}">
-                <a16:creationId xmlns:a16="http://schemas.microsoft.com/office/drawing/2014/main" id="{A65DCB90-C704-06BE-1DF3-5E37B4BF64E5}"/>
-              </a:ext>
-            </a:extLst>
-          </p:cNvPr>
-          <p:cNvPicPr>
-            <a:picLocks noChangeAspect="1" noChangeArrowheads="1"/>
-          </p:cNvPicPr>
-          <p:nvPr/>
-        </p:nvPicPr>
-        <p:blipFill>
-          <a:blip r:embed="rId2">
-            <a:extLst>
-              <a:ext uri="{28A0092B-C50C-407E-A947-70E740481C1C}">
-                <a14:useLocalDpi xmlns:a14="http://schemas.microsoft.com/office/drawing/2010/main" val="0"/>
-              </a:ext>
-            </a:extLst>
-          </a:blip>
-          <a:srcRect/>
-          <a:stretch>
-            <a:fillRect/>
-          </a:stretch>
-        </p:blipFill>
-        <p:spPr bwMode="auto">
-          <a:xfrm>
-            <a:off x="1599502" y="1103633"/>
-            <a:ext cx="8322592" cy="2620316"/>
-          </a:xfrm>
-          <a:prstGeom prst="rect">
-            <a:avLst/>
-          </a:prstGeom>
-          <a:noFill/>
-          <a:extLst>
-            <a:ext uri="{909E8E84-426E-40DD-AFC4-6F175D3DCCD1}">
-              <a14:hiddenFill xmlns:a14="http://schemas.microsoft.com/office/drawing/2010/main">
-                <a:solidFill>
-                  <a:srgbClr val="FFFFFF"/>
-                </a:solidFill>
-              </a14:hiddenFill>
-            </a:ext>
-          </a:extLst>
-        </p:spPr>
-      </p:pic>
-      <p:sp>
-        <p:nvSpPr>
-          <p:cNvPr id="2" name="Title 1">
-            <a:extLst>
-              <a:ext uri="{FF2B5EF4-FFF2-40B4-BE49-F238E27FC236}">
-                <a16:creationId xmlns:a16="http://schemas.microsoft.com/office/drawing/2014/main" id="{4FCDBEA7-B230-9B18-2D22-080D8C575D4B}"/>
-              </a:ext>
-            </a:extLst>
-          </p:cNvPr>
-          <p:cNvSpPr>
-            <a:spLocks noGrp="1"/>
-          </p:cNvSpPr>
-          <p:nvPr>
-            <p:ph type="title"/>
-          </p:nvPr>
-        </p:nvSpPr>
-        <p:spPr/>
-        <p:txBody>
-          <a:bodyPr/>
-          <a:lstStyle/>
-          <a:p>
-            <a:r>
-              <a:rPr lang="en-NO"/>
-              <a:t>Topics – Important notes</a:t>
-            </a:r>
-          </a:p>
-        </p:txBody>
-      </p:sp>
-      <p:sp>
-        <p:nvSpPr>
-          <p:cNvPr id="3" name="Content Placeholder 2">
-            <a:extLst>
-              <a:ext uri="{FF2B5EF4-FFF2-40B4-BE49-F238E27FC236}">
-                <a16:creationId xmlns:a16="http://schemas.microsoft.com/office/drawing/2014/main" id="{496F5C07-31CD-47AD-4EA4-AE0DDE7A6AC6}"/>
-              </a:ext>
-            </a:extLst>
-          </p:cNvPr>
-          <p:cNvSpPr>
-            <a:spLocks noGrp="1"/>
-          </p:cNvSpPr>
-          <p:nvPr>
-            <p:ph idx="1"/>
-          </p:nvPr>
-        </p:nvSpPr>
-        <p:spPr>
-          <a:xfrm>
-            <a:off x="838200" y="3572407"/>
-            <a:ext cx="10515600" cy="2604555"/>
-          </a:xfrm>
-        </p:spPr>
-        <p:txBody>
-          <a:bodyPr/>
-          <a:lstStyle/>
-          <a:p>
-            <a:r>
-              <a:rPr lang="en-NO"/>
-              <a:t>Data in partitions is Immutable </a:t>
-            </a:r>
-          </a:p>
-          <a:p>
-            <a:r>
-              <a:rPr lang="en-NO"/>
-              <a:t>Data is kept for a limited time (default 1 week - configurable)</a:t>
-            </a:r>
-          </a:p>
-          <a:p>
-            <a:r>
-              <a:rPr lang="en-NO"/>
-              <a:t>Offset (ID) only has meaning for each partition</a:t>
-            </a:r>
-          </a:p>
-          <a:p>
-            <a:pPr lvl="1"/>
-            <a:r>
-              <a:rPr lang="en-NO"/>
-              <a:t>Offsets are not reused, or represent the same data between partition</a:t>
-            </a:r>
-          </a:p>
-          <a:p>
-            <a:r>
-              <a:rPr lang="en-NO"/>
-              <a:t>Order is only guranteed within a partition</a:t>
-            </a:r>
-          </a:p>
-        </p:txBody>
-      </p:sp>
-    </p:spTree>
-    <p:extLst>
-      <p:ext uri="{BB962C8B-B14F-4D97-AF65-F5344CB8AC3E}">
-        <p14:creationId xmlns:p14="http://schemas.microsoft.com/office/powerpoint/2010/main" val="826489807"/>
-      </p:ext>
-    </p:extLst>
-  </p:cSld>
-  <p:clrMapOvr>
-    <a:masterClrMapping/>
-  </p:clrMapOvr>
-</p:sld>
-</file>
-
-<file path=ppt/slides/slide27.xml><?xml version="1.0" encoding="utf-8"?>
-<p:sld xmlns:a="http://schemas.openxmlformats.org/drawingml/2006/main" xmlns:r="http://schemas.openxmlformats.org/officeDocument/2006/relationships" xmlns:p="http://schemas.openxmlformats.org/presentationml/2006/main">
-  <p:cSld>
-    <p:spTree>
-      <p:nvGrpSpPr>
-        <p:cNvPr id="1" name=""/>
-        <p:cNvGrpSpPr/>
-        <p:nvPr/>
-      </p:nvGrpSpPr>
-      <p:grpSpPr>
-        <a:xfrm>
-          <a:off x="0" y="0"/>
-          <a:ext cx="0" cy="0"/>
-          <a:chOff x="0" y="0"/>
-          <a:chExt cx="0" cy="0"/>
-        </a:xfrm>
-      </p:grpSpPr>
-      <p:pic>
-        <p:nvPicPr>
-          <p:cNvPr id="9218" name="Picture 2" descr="Apache Kafka Producers send data into Kafka. These messages are then routed by the broker to the relevant topics and partitions.">
-            <a:extLst>
-              <a:ext uri="{FF2B5EF4-FFF2-40B4-BE49-F238E27FC236}">
-                <a16:creationId xmlns:a16="http://schemas.microsoft.com/office/drawing/2014/main" id="{F2D08CC4-F56B-1997-28E8-06227C5A16A2}"/>
-              </a:ext>
-            </a:extLst>
-          </p:cNvPr>
-          <p:cNvPicPr>
-            <a:picLocks noChangeAspect="1" noChangeArrowheads="1"/>
-          </p:cNvPicPr>
-          <p:nvPr/>
-        </p:nvPicPr>
-        <p:blipFill>
-          <a:blip r:embed="rId2">
-            <a:extLst>
-              <a:ext uri="{28A0092B-C50C-407E-A947-70E740481C1C}">
-                <a14:useLocalDpi xmlns:a14="http://schemas.microsoft.com/office/drawing/2010/main" val="0"/>
-              </a:ext>
-            </a:extLst>
-          </a:blip>
-          <a:srcRect/>
-          <a:stretch>
-            <a:fillRect/>
-          </a:stretch>
-        </p:blipFill>
-        <p:spPr bwMode="auto">
-          <a:xfrm>
-            <a:off x="838200" y="3429000"/>
-            <a:ext cx="10618778" cy="3016950"/>
-          </a:xfrm>
-          <a:prstGeom prst="rect">
-            <a:avLst/>
-          </a:prstGeom>
-          <a:noFill/>
-          <a:extLst>
-            <a:ext uri="{909E8E84-426E-40DD-AFC4-6F175D3DCCD1}">
-              <a14:hiddenFill xmlns:a14="http://schemas.microsoft.com/office/drawing/2010/main">
-                <a:solidFill>
-                  <a:srgbClr val="FFFFFF"/>
-                </a:solidFill>
-              </a14:hiddenFill>
-            </a:ext>
-          </a:extLst>
-        </p:spPr>
-      </p:pic>
-      <p:sp>
-        <p:nvSpPr>
-          <p:cNvPr id="2" name="Title 1">
-            <a:extLst>
-              <a:ext uri="{FF2B5EF4-FFF2-40B4-BE49-F238E27FC236}">
-                <a16:creationId xmlns:a16="http://schemas.microsoft.com/office/drawing/2014/main" id="{52EB44DC-F45D-0239-BA34-E71A8EAFF9C7}"/>
-              </a:ext>
-            </a:extLst>
-          </p:cNvPr>
-          <p:cNvSpPr>
-            <a:spLocks noGrp="1"/>
-          </p:cNvSpPr>
-          <p:nvPr>
-            <p:ph type="title"/>
-          </p:nvPr>
-        </p:nvSpPr>
-        <p:spPr/>
-        <p:txBody>
-          <a:bodyPr/>
-          <a:lstStyle/>
-          <a:p>
-            <a:r>
-              <a:rPr lang="en-NO"/>
-              <a:t>Producers</a:t>
-            </a:r>
-          </a:p>
-        </p:txBody>
-      </p:sp>
-      <p:sp>
-        <p:nvSpPr>
-          <p:cNvPr id="3" name="Content Placeholder 2">
-            <a:extLst>
-              <a:ext uri="{FF2B5EF4-FFF2-40B4-BE49-F238E27FC236}">
-                <a16:creationId xmlns:a16="http://schemas.microsoft.com/office/drawing/2014/main" id="{753227F6-4FAC-16C6-6FF0-D971C17F95F8}"/>
-              </a:ext>
-            </a:extLst>
-          </p:cNvPr>
-          <p:cNvSpPr>
-            <a:spLocks noGrp="1"/>
-          </p:cNvSpPr>
-          <p:nvPr>
-            <p:ph idx="1"/>
-          </p:nvPr>
-        </p:nvSpPr>
-        <p:spPr/>
-        <p:txBody>
-          <a:bodyPr/>
-          <a:lstStyle/>
-          <a:p>
-            <a:r>
-              <a:rPr lang="en-NO" dirty="0"/>
-              <a:t>P</a:t>
-            </a:r>
-            <a:r>
-              <a:rPr lang="en-GB" dirty="0"/>
-              <a:t>r</a:t>
-            </a:r>
-            <a:r>
-              <a:rPr lang="en-NO" dirty="0"/>
-              <a:t>oducers write data topics (Wh</a:t>
-            </a:r>
-            <a:r>
-              <a:rPr lang="en-GB" dirty="0" err="1"/>
-              <a:t>ic</a:t>
-            </a:r>
-            <a:r>
-              <a:rPr lang="en-NO" dirty="0"/>
-              <a:t>h are made of partitions)</a:t>
-            </a:r>
-          </a:p>
-          <a:p>
-            <a:r>
-              <a:rPr lang="en-NO" dirty="0"/>
-              <a:t>Prouducers know to which partition to write to (and which broker)</a:t>
-            </a:r>
-          </a:p>
-          <a:p>
-            <a:r>
-              <a:rPr lang="en-NO" dirty="0"/>
-              <a:t>In case of kafka broker failure, producers will recover by connection to new broker</a:t>
-            </a:r>
-          </a:p>
-        </p:txBody>
-      </p:sp>
-    </p:spTree>
-    <p:extLst>
-      <p:ext uri="{BB962C8B-B14F-4D97-AF65-F5344CB8AC3E}">
-        <p14:creationId xmlns:p14="http://schemas.microsoft.com/office/powerpoint/2010/main" val="1492012492"/>
-      </p:ext>
-    </p:extLst>
-  </p:cSld>
-  <p:clrMapOvr>
-    <a:masterClrMapping/>
-  </p:clrMapOvr>
-</p:sld>
-</file>
-
-<file path=ppt/slides/slide28.xml><?xml version="1.0" encoding="utf-8"?>
-<p:sld xmlns:a="http://schemas.openxmlformats.org/drawingml/2006/main" xmlns:r="http://schemas.openxmlformats.org/officeDocument/2006/relationships" xmlns:p="http://schemas.openxmlformats.org/presentationml/2006/main">
-  <p:cSld>
-    <p:spTree>
-      <p:nvGrpSpPr>
-        <p:cNvPr id="1" name=""/>
-        <p:cNvGrpSpPr/>
-        <p:nvPr/>
-      </p:nvGrpSpPr>
-      <p:grpSpPr>
-        <a:xfrm>
-          <a:off x="0" y="0"/>
-          <a:ext cx="0" cy="0"/>
-          <a:chOff x="0" y="0"/>
-          <a:chExt cx="0" cy="0"/>
-        </a:xfrm>
-      </p:grpSpPr>
-      <p:pic>
-        <p:nvPicPr>
-          <p:cNvPr id="10242" name="Picture 2" descr="Apache Kafka Producer sending trucking fleet data into 2 Kafka Brokers. ">
-            <a:extLst>
-              <a:ext uri="{FF2B5EF4-FFF2-40B4-BE49-F238E27FC236}">
-                <a16:creationId xmlns:a16="http://schemas.microsoft.com/office/drawing/2014/main" id="{BB0D2A2F-96C1-B981-0F62-393FA7A04E04}"/>
-              </a:ext>
-            </a:extLst>
-          </p:cNvPr>
-          <p:cNvPicPr>
-            <a:picLocks noChangeAspect="1" noChangeArrowheads="1"/>
-          </p:cNvPicPr>
-          <p:nvPr/>
-        </p:nvPicPr>
-        <p:blipFill>
-          <a:blip r:embed="rId2">
-            <a:extLst>
-              <a:ext uri="{28A0092B-C50C-407E-A947-70E740481C1C}">
-                <a14:useLocalDpi xmlns:a14="http://schemas.microsoft.com/office/drawing/2010/main" val="0"/>
-              </a:ext>
-            </a:extLst>
-          </a:blip>
-          <a:srcRect/>
-          <a:stretch>
-            <a:fillRect/>
-          </a:stretch>
-        </p:blipFill>
-        <p:spPr bwMode="auto">
-          <a:xfrm>
-            <a:off x="1073427" y="3309730"/>
-            <a:ext cx="9831219" cy="3346199"/>
-          </a:xfrm>
-          <a:prstGeom prst="rect">
-            <a:avLst/>
-          </a:prstGeom>
-          <a:noFill/>
-          <a:extLst>
-            <a:ext uri="{909E8E84-426E-40DD-AFC4-6F175D3DCCD1}">
-              <a14:hiddenFill xmlns:a14="http://schemas.microsoft.com/office/drawing/2010/main">
-                <a:solidFill>
-                  <a:srgbClr val="FFFFFF"/>
-                </a:solidFill>
-              </a14:hiddenFill>
-            </a:ext>
-          </a:extLst>
-        </p:spPr>
-      </p:pic>
-      <p:sp>
-        <p:nvSpPr>
-          <p:cNvPr id="3" name="Content Placeholder 2">
-            <a:extLst>
-              <a:ext uri="{FF2B5EF4-FFF2-40B4-BE49-F238E27FC236}">
-                <a16:creationId xmlns:a16="http://schemas.microsoft.com/office/drawing/2014/main" id="{82CB6EF2-811B-C67B-BE30-45D3F811FB17}"/>
-              </a:ext>
-            </a:extLst>
-          </p:cNvPr>
-          <p:cNvSpPr>
-            <a:spLocks noGrp="1"/>
-          </p:cNvSpPr>
-          <p:nvPr>
-            <p:ph idx="1"/>
-          </p:nvPr>
-        </p:nvSpPr>
-        <p:spPr/>
-        <p:txBody>
-          <a:bodyPr>
-            <a:normAutofit/>
-          </a:bodyPr>
-          <a:lstStyle/>
-          <a:p>
-            <a:r>
-              <a:rPr lang="en-NO" sz="2400"/>
-              <a:t>Producers can choose to send a key with the message (string, number etc)</a:t>
-            </a:r>
-          </a:p>
-          <a:p>
-            <a:r>
-              <a:rPr lang="en-NO" sz="2400"/>
-              <a:t>If key=null, data is sent round robin(partition 0, then 1, then 2)</a:t>
-            </a:r>
-          </a:p>
-          <a:p>
-            <a:r>
-              <a:rPr lang="en-NO" sz="2400"/>
-              <a:t>If key != null, then messages with same key go to same partition(hashing)</a:t>
-            </a:r>
-          </a:p>
-          <a:p>
-            <a:r>
-              <a:rPr lang="en-NO" sz="2400"/>
-              <a:t>A key is used for ordering (ex: truck_id)</a:t>
-            </a:r>
-          </a:p>
-        </p:txBody>
-      </p:sp>
-      <p:sp>
-        <p:nvSpPr>
-          <p:cNvPr id="2" name="Title 1">
-            <a:extLst>
-              <a:ext uri="{FF2B5EF4-FFF2-40B4-BE49-F238E27FC236}">
-                <a16:creationId xmlns:a16="http://schemas.microsoft.com/office/drawing/2014/main" id="{0F2EDB40-C13E-F94F-7A2C-199847995A05}"/>
-              </a:ext>
-            </a:extLst>
-          </p:cNvPr>
-          <p:cNvSpPr>
-            <a:spLocks noGrp="1"/>
-          </p:cNvSpPr>
-          <p:nvPr>
-            <p:ph type="title"/>
-          </p:nvPr>
-        </p:nvSpPr>
-        <p:spPr/>
-        <p:txBody>
-          <a:bodyPr/>
-          <a:lstStyle/>
-          <a:p>
-            <a:r>
-              <a:rPr lang="en-NO"/>
-              <a:t>Producers – Message keys</a:t>
-            </a:r>
-          </a:p>
-        </p:txBody>
-      </p:sp>
-    </p:spTree>
-    <p:extLst>
-      <p:ext uri="{BB962C8B-B14F-4D97-AF65-F5344CB8AC3E}">
-        <p14:creationId xmlns:p14="http://schemas.microsoft.com/office/powerpoint/2010/main" val="886682360"/>
-      </p:ext>
-    </p:extLst>
-  </p:cSld>
-  <p:clrMapOvr>
-    <a:masterClrMapping/>
-  </p:clrMapOvr>
-</p:sld>
-</file>
-
-<file path=ppt/slides/slide29.xml><?xml version="1.0" encoding="utf-8"?>
-<p:sld xmlns:a="http://schemas.openxmlformats.org/drawingml/2006/main" xmlns:r="http://schemas.openxmlformats.org/officeDocument/2006/relationships" xmlns:p="http://schemas.openxmlformats.org/presentationml/2006/main">
-  <p:cSld>
-    <p:spTree>
-      <p:nvGrpSpPr>
-        <p:cNvPr id="1" name=""/>
-        <p:cNvGrpSpPr/>
-        <p:nvPr/>
-      </p:nvGrpSpPr>
-      <p:grpSpPr>
-        <a:xfrm>
-          <a:off x="0" y="0"/>
-          <a:ext cx="0" cy="0"/>
-          <a:chOff x="0" y="0"/>
-          <a:chExt cx="0" cy="0"/>
-        </a:xfrm>
-      </p:grpSpPr>
-      <p:sp>
-        <p:nvSpPr>
-          <p:cNvPr id="2" name="Title 1">
-            <a:extLst>
-              <a:ext uri="{FF2B5EF4-FFF2-40B4-BE49-F238E27FC236}">
-                <a16:creationId xmlns:a16="http://schemas.microsoft.com/office/drawing/2014/main" id="{DD8859CE-22E1-D276-E4D5-3919E1BB43BF}"/>
-              </a:ext>
-            </a:extLst>
-          </p:cNvPr>
-          <p:cNvSpPr>
-            <a:spLocks noGrp="1"/>
-          </p:cNvSpPr>
-          <p:nvPr>
-            <p:ph type="title"/>
-          </p:nvPr>
-        </p:nvSpPr>
-        <p:spPr/>
-        <p:txBody>
-          <a:bodyPr/>
-          <a:lstStyle/>
-          <a:p>
-            <a:r>
-              <a:rPr lang="en-NO"/>
-              <a:t>Producer – Message anatomy</a:t>
-            </a:r>
-          </a:p>
-        </p:txBody>
-      </p:sp>
-      <p:pic>
-        <p:nvPicPr>
-          <p:cNvPr id="11266" name="Picture 2" descr="Diagram showing how Kafka Producers structure a message created by the Apache Kafka Producer.">
-            <a:extLst>
-              <a:ext uri="{FF2B5EF4-FFF2-40B4-BE49-F238E27FC236}">
-                <a16:creationId xmlns:a16="http://schemas.microsoft.com/office/drawing/2014/main" id="{10D3465E-8777-74B7-C5B4-FD244CA0A5E8}"/>
-              </a:ext>
-            </a:extLst>
-          </p:cNvPr>
-          <p:cNvPicPr>
-            <a:picLocks noChangeAspect="1" noChangeArrowheads="1"/>
-          </p:cNvPicPr>
-          <p:nvPr/>
-        </p:nvPicPr>
-        <p:blipFill>
-          <a:blip r:embed="rId3">
-            <a:extLst>
-              <a:ext uri="{28A0092B-C50C-407E-A947-70E740481C1C}">
-                <a14:useLocalDpi xmlns:a14="http://schemas.microsoft.com/office/drawing/2010/main" val="0"/>
-              </a:ext>
-            </a:extLst>
-          </a:blip>
-          <a:srcRect/>
-          <a:stretch>
-            <a:fillRect/>
-          </a:stretch>
-        </p:blipFill>
-        <p:spPr bwMode="auto">
-          <a:xfrm>
-            <a:off x="2532206" y="1606276"/>
-            <a:ext cx="7127587" cy="4990466"/>
-          </a:xfrm>
-          <a:prstGeom prst="rect">
-            <a:avLst/>
-          </a:prstGeom>
-          <a:noFill/>
-          <a:extLst>
-            <a:ext uri="{909E8E84-426E-40DD-AFC4-6F175D3DCCD1}">
-              <a14:hiddenFill xmlns:a14="http://schemas.microsoft.com/office/drawing/2010/main">
-                <a:solidFill>
-                  <a:srgbClr val="FFFFFF"/>
-                </a:solidFill>
-              </a14:hiddenFill>
-            </a:ext>
-          </a:extLst>
-        </p:spPr>
-      </p:pic>
-    </p:spTree>
-    <p:extLst>
-      <p:ext uri="{BB962C8B-B14F-4D97-AF65-F5344CB8AC3E}">
-        <p14:creationId xmlns:p14="http://schemas.microsoft.com/office/powerpoint/2010/main" val="4091795953"/>
       </p:ext>
     </p:extLst>
   </p:cSld>
@@ -17634,7 +14826,13 @@
       </p:grpSpPr>
       <p:sp>
         <p:nvSpPr>
-          <p:cNvPr id="2" name="Title 1"/>
+          <p:cNvPr id="2" name="Title 1">
+            <a:extLst>
+              <a:ext uri="{FF2B5EF4-FFF2-40B4-BE49-F238E27FC236}">
+                <a16:creationId xmlns:a16="http://schemas.microsoft.com/office/drawing/2014/main" id="{E09F3442-1068-96F5-011D-90D9E1F2C8FF}"/>
+              </a:ext>
+            </a:extLst>
+          </p:cNvPr>
           <p:cNvSpPr>
             <a:spLocks noGrp="1"/>
           </p:cNvSpPr>
@@ -17648,18 +14846,22 @@
           <a:lstStyle/>
           <a:p>
             <a:r>
-              <a:rPr lang="en-US">
-                <a:cs typeface="Calibri Light"/>
-              </a:rPr>
-              <a:t>Docker</a:t>
-            </a:r>
-            <a:endParaRPr lang="en-US"/>
-          </a:p>
-        </p:txBody>
-      </p:sp>
-      <p:sp>
-        <p:nvSpPr>
-          <p:cNvPr id="3" name="Subtitle 2"/>
+              <a:rPr lang="en-US" dirty="0"/>
+              <a:t>Resume workshop 1</a:t>
+            </a:r>
+            <a:endParaRPr lang="en-NO" dirty="0"/>
+          </a:p>
+        </p:txBody>
+      </p:sp>
+      <p:sp>
+        <p:nvSpPr>
+          <p:cNvPr id="3" name="Subtitle 2">
+            <a:extLst>
+              <a:ext uri="{FF2B5EF4-FFF2-40B4-BE49-F238E27FC236}">
+                <a16:creationId xmlns:a16="http://schemas.microsoft.com/office/drawing/2014/main" id="{23561510-6665-8FB3-194B-9581EE17B4EB}"/>
+              </a:ext>
+            </a:extLst>
+          </p:cNvPr>
           <p:cNvSpPr>
             <a:spLocks noGrp="1"/>
           </p:cNvSpPr>
@@ -17669,1650 +14871,21 @@
         </p:nvSpPr>
         <p:spPr/>
         <p:txBody>
-          <a:bodyPr vert="horz" lIns="91440" tIns="45720" rIns="91440" bIns="45720" rtlCol="0" anchor="t">
-            <a:normAutofit/>
-          </a:bodyPr>
-          <a:lstStyle/>
-          <a:p>
-            <a:r>
-              <a:rPr lang="en-US">
-                <a:ea typeface="Calibri"/>
-                <a:cs typeface="Calibri"/>
-              </a:rPr>
-              <a:t>Container Technology 101</a:t>
-            </a:r>
-            <a:endParaRPr lang="en-US"/>
+          <a:bodyPr/>
+          <a:lstStyle/>
+          <a:p>
+            <a:r>
+              <a:rPr lang="en-GB" dirty="0"/>
+              <a:t>If you have any questions, please reach out to us.</a:t>
+            </a:r>
+            <a:endParaRPr lang="en-NO" dirty="0"/>
           </a:p>
         </p:txBody>
       </p:sp>
     </p:spTree>
     <p:extLst>
       <p:ext uri="{BB962C8B-B14F-4D97-AF65-F5344CB8AC3E}">
-        <p14:creationId xmlns:p14="http://schemas.microsoft.com/office/powerpoint/2010/main" val="109857222"/>
-      </p:ext>
-    </p:extLst>
-  </p:cSld>
-  <p:clrMapOvr>
-    <a:masterClrMapping/>
-  </p:clrMapOvr>
-</p:sld>
-</file>
-
-<file path=ppt/slides/slide30.xml><?xml version="1.0" encoding="utf-8"?>
-<p:sld xmlns:a="http://schemas.openxmlformats.org/drawingml/2006/main" xmlns:r="http://schemas.openxmlformats.org/officeDocument/2006/relationships" xmlns:p="http://schemas.openxmlformats.org/presentationml/2006/main">
-  <p:cSld>
-    <p:spTree>
-      <p:nvGrpSpPr>
-        <p:cNvPr id="1" name=""/>
-        <p:cNvGrpSpPr/>
-        <p:nvPr/>
-      </p:nvGrpSpPr>
-      <p:grpSpPr>
-        <a:xfrm>
-          <a:off x="0" y="0"/>
-          <a:ext cx="0" cy="0"/>
-          <a:chOff x="0" y="0"/>
-          <a:chExt cx="0" cy="0"/>
-        </a:xfrm>
-      </p:grpSpPr>
-      <p:sp>
-        <p:nvSpPr>
-          <p:cNvPr id="2" name="Title 1">
-            <a:extLst>
-              <a:ext uri="{FF2B5EF4-FFF2-40B4-BE49-F238E27FC236}">
-                <a16:creationId xmlns:a16="http://schemas.microsoft.com/office/drawing/2014/main" id="{98963C51-0608-EA82-F8F5-C279C18A0566}"/>
-              </a:ext>
-            </a:extLst>
-          </p:cNvPr>
-          <p:cNvSpPr>
-            <a:spLocks noGrp="1"/>
-          </p:cNvSpPr>
-          <p:nvPr>
-            <p:ph type="title"/>
-          </p:nvPr>
-        </p:nvSpPr>
-        <p:spPr/>
-        <p:txBody>
-          <a:bodyPr/>
-          <a:lstStyle/>
-          <a:p>
-            <a:r>
-              <a:rPr lang="en-NO"/>
-              <a:t>For the curious: Kafka message key hashing</a:t>
-            </a:r>
-          </a:p>
-        </p:txBody>
-      </p:sp>
-      <p:sp>
-        <p:nvSpPr>
-          <p:cNvPr id="3" name="Content Placeholder 2">
-            <a:extLst>
-              <a:ext uri="{FF2B5EF4-FFF2-40B4-BE49-F238E27FC236}">
-                <a16:creationId xmlns:a16="http://schemas.microsoft.com/office/drawing/2014/main" id="{4F724B5C-70BA-1D05-F3BD-F44282D38EF3}"/>
-              </a:ext>
-            </a:extLst>
-          </p:cNvPr>
-          <p:cNvSpPr>
-            <a:spLocks noGrp="1"/>
-          </p:cNvSpPr>
-          <p:nvPr>
-            <p:ph idx="1"/>
-          </p:nvPr>
-        </p:nvSpPr>
-        <p:spPr/>
-        <p:txBody>
-          <a:bodyPr/>
-          <a:lstStyle/>
-          <a:p>
-            <a:r>
-              <a:rPr lang="en-NO"/>
-              <a:t>Kafka partitioner is a code logic that takes a record and determines to which partition to send it </a:t>
-            </a:r>
-          </a:p>
-          <a:p>
-            <a:endParaRPr lang="en-NO"/>
-          </a:p>
-          <a:p>
-            <a:endParaRPr lang="en-NO"/>
-          </a:p>
-          <a:p>
-            <a:endParaRPr lang="en-NO"/>
-          </a:p>
-          <a:p>
-            <a:r>
-              <a:rPr lang="en-NO"/>
-              <a:t>By default, Kafka partitoner uses the </a:t>
-            </a:r>
-            <a:r>
-              <a:rPr lang="en-NO" b="1"/>
-              <a:t>murmur2 algorithm</a:t>
-            </a:r>
-          </a:p>
-          <a:p>
-            <a:pPr lvl="1"/>
-            <a:r>
-              <a:rPr lang="en-GB" b="1" err="1"/>
-              <a:t>targetPartition</a:t>
-            </a:r>
-            <a:r>
-              <a:rPr lang="en-GB" b="1"/>
-              <a:t> = </a:t>
-            </a:r>
-            <a:r>
-              <a:rPr lang="en-GB" b="1" err="1"/>
-              <a:t>Math.abs</a:t>
-            </a:r>
-            <a:r>
-              <a:rPr lang="en-GB" b="1"/>
-              <a:t>(Utils.murmur2(</a:t>
-            </a:r>
-            <a:r>
-              <a:rPr lang="en-GB" b="1" err="1"/>
-              <a:t>keyBytes</a:t>
-            </a:r>
-            <a:r>
-              <a:rPr lang="en-GB" b="1"/>
-              <a:t>)) % (</a:t>
-            </a:r>
-            <a:r>
-              <a:rPr lang="en-GB" b="1" err="1"/>
-              <a:t>numPartitions</a:t>
-            </a:r>
-            <a:r>
-              <a:rPr lang="en-GB" b="1"/>
-              <a:t> - 1)</a:t>
-            </a:r>
-          </a:p>
-          <a:p>
-            <a:pPr lvl="1"/>
-            <a:r>
-              <a:rPr lang="en-GB"/>
-              <a:t>NB: Change </a:t>
-            </a:r>
-            <a:r>
-              <a:rPr lang="en-GB" err="1"/>
-              <a:t>numPartitions</a:t>
-            </a:r>
-            <a:r>
-              <a:rPr lang="en-GB"/>
-              <a:t> and ordering is no longer guaranteed…</a:t>
-            </a:r>
-            <a:endParaRPr lang="en-NO"/>
-          </a:p>
-        </p:txBody>
-      </p:sp>
-      <p:pic>
-        <p:nvPicPr>
-          <p:cNvPr id="13314" name="Picture 2" descr="Kafka Producers use default partitioning logic to assign Kafka Messages to the appropriate Apache Kafka Partition.">
-            <a:extLst>
-              <a:ext uri="{FF2B5EF4-FFF2-40B4-BE49-F238E27FC236}">
-                <a16:creationId xmlns:a16="http://schemas.microsoft.com/office/drawing/2014/main" id="{6DF5B4FD-3A92-59D9-6F82-4A8E1C38C803}"/>
-              </a:ext>
-            </a:extLst>
-          </p:cNvPr>
-          <p:cNvPicPr>
-            <a:picLocks noChangeAspect="1" noChangeArrowheads="1"/>
-          </p:cNvPicPr>
-          <p:nvPr/>
-        </p:nvPicPr>
-        <p:blipFill>
-          <a:blip r:embed="rId2">
-            <a:extLst>
-              <a:ext uri="{28A0092B-C50C-407E-A947-70E740481C1C}">
-                <a14:useLocalDpi xmlns:a14="http://schemas.microsoft.com/office/drawing/2010/main" val="0"/>
-              </a:ext>
-            </a:extLst>
-          </a:blip>
-          <a:srcRect/>
-          <a:stretch>
-            <a:fillRect/>
-          </a:stretch>
-        </p:blipFill>
-        <p:spPr bwMode="auto">
-          <a:xfrm>
-            <a:off x="0" y="2593975"/>
-            <a:ext cx="12192000" cy="1670050"/>
-          </a:xfrm>
-          <a:prstGeom prst="rect">
-            <a:avLst/>
-          </a:prstGeom>
-          <a:noFill/>
-          <a:extLst>
-            <a:ext uri="{909E8E84-426E-40DD-AFC4-6F175D3DCCD1}">
-              <a14:hiddenFill xmlns:a14="http://schemas.microsoft.com/office/drawing/2010/main">
-                <a:solidFill>
-                  <a:srgbClr val="FFFFFF"/>
-                </a:solidFill>
-              </a14:hiddenFill>
-            </a:ext>
-          </a:extLst>
-        </p:spPr>
-      </p:pic>
-    </p:spTree>
-    <p:extLst>
-      <p:ext uri="{BB962C8B-B14F-4D97-AF65-F5344CB8AC3E}">
-        <p14:creationId xmlns:p14="http://schemas.microsoft.com/office/powerpoint/2010/main" val="2075456263"/>
-      </p:ext>
-    </p:extLst>
-  </p:cSld>
-  <p:clrMapOvr>
-    <a:masterClrMapping/>
-  </p:clrMapOvr>
-</p:sld>
-</file>
-
-<file path=ppt/slides/slide31.xml><?xml version="1.0" encoding="utf-8"?>
-<p:sld xmlns:a="http://schemas.openxmlformats.org/drawingml/2006/main" xmlns:r="http://schemas.openxmlformats.org/officeDocument/2006/relationships" xmlns:p="http://schemas.openxmlformats.org/presentationml/2006/main">
-  <p:cSld>
-    <p:spTree>
-      <p:nvGrpSpPr>
-        <p:cNvPr id="1" name=""/>
-        <p:cNvGrpSpPr/>
-        <p:nvPr/>
-      </p:nvGrpSpPr>
-      <p:grpSpPr>
-        <a:xfrm>
-          <a:off x="0" y="0"/>
-          <a:ext cx="0" cy="0"/>
-          <a:chOff x="0" y="0"/>
-          <a:chExt cx="0" cy="0"/>
-        </a:xfrm>
-      </p:grpSpPr>
-      <p:pic>
-        <p:nvPicPr>
-          <p:cNvPr id="14338" name="Picture 2" descr="Kafka consumers in this diagram are reading messages from various Apache Kafka Brokers and Topics.">
-            <a:extLst>
-              <a:ext uri="{FF2B5EF4-FFF2-40B4-BE49-F238E27FC236}">
-                <a16:creationId xmlns:a16="http://schemas.microsoft.com/office/drawing/2014/main" id="{9496F32C-98AF-7386-EBA1-BBA49E0FE1D0}"/>
-              </a:ext>
-            </a:extLst>
-          </p:cNvPr>
-          <p:cNvPicPr>
-            <a:picLocks noChangeAspect="1" noChangeArrowheads="1"/>
-          </p:cNvPicPr>
-          <p:nvPr/>
-        </p:nvPicPr>
-        <p:blipFill>
-          <a:blip r:embed="rId2">
-            <a:extLst>
-              <a:ext uri="{28A0092B-C50C-407E-A947-70E740481C1C}">
-                <a14:useLocalDpi xmlns:a14="http://schemas.microsoft.com/office/drawing/2010/main" val="0"/>
-              </a:ext>
-            </a:extLst>
-          </a:blip>
-          <a:srcRect/>
-          <a:stretch>
-            <a:fillRect/>
-          </a:stretch>
-        </p:blipFill>
-        <p:spPr bwMode="auto">
-          <a:xfrm>
-            <a:off x="1708924" y="4139583"/>
-            <a:ext cx="8774151" cy="2637957"/>
-          </a:xfrm>
-          <a:prstGeom prst="rect">
-            <a:avLst/>
-          </a:prstGeom>
-          <a:noFill/>
-          <a:extLst>
-            <a:ext uri="{909E8E84-426E-40DD-AFC4-6F175D3DCCD1}">
-              <a14:hiddenFill xmlns:a14="http://schemas.microsoft.com/office/drawing/2010/main">
-                <a:solidFill>
-                  <a:srgbClr val="FFFFFF"/>
-                </a:solidFill>
-              </a14:hiddenFill>
-            </a:ext>
-          </a:extLst>
-        </p:spPr>
-      </p:pic>
-      <p:sp>
-        <p:nvSpPr>
-          <p:cNvPr id="2" name="Title 1">
-            <a:extLst>
-              <a:ext uri="{FF2B5EF4-FFF2-40B4-BE49-F238E27FC236}">
-                <a16:creationId xmlns:a16="http://schemas.microsoft.com/office/drawing/2014/main" id="{A6F6E22B-6850-089B-4345-1361334B55F4}"/>
-              </a:ext>
-            </a:extLst>
-          </p:cNvPr>
-          <p:cNvSpPr>
-            <a:spLocks noGrp="1"/>
-          </p:cNvSpPr>
-          <p:nvPr>
-            <p:ph type="title"/>
-          </p:nvPr>
-        </p:nvSpPr>
-        <p:spPr/>
-        <p:txBody>
-          <a:bodyPr/>
-          <a:lstStyle/>
-          <a:p>
-            <a:r>
-              <a:rPr lang="en-NO"/>
-              <a:t>Consumers</a:t>
-            </a:r>
-          </a:p>
-        </p:txBody>
-      </p:sp>
-      <p:sp>
-        <p:nvSpPr>
-          <p:cNvPr id="3" name="Content Placeholder 2">
-            <a:extLst>
-              <a:ext uri="{FF2B5EF4-FFF2-40B4-BE49-F238E27FC236}">
-                <a16:creationId xmlns:a16="http://schemas.microsoft.com/office/drawing/2014/main" id="{E63277AE-DCAB-8393-8B4F-F58CC651B245}"/>
-              </a:ext>
-            </a:extLst>
-          </p:cNvPr>
-          <p:cNvSpPr>
-            <a:spLocks noGrp="1"/>
-          </p:cNvSpPr>
-          <p:nvPr>
-            <p:ph idx="1"/>
-          </p:nvPr>
-        </p:nvSpPr>
-        <p:spPr/>
-        <p:txBody>
-          <a:bodyPr/>
-          <a:lstStyle/>
-          <a:p>
-            <a:r>
-              <a:rPr lang="en-NO"/>
-              <a:t>Consumers read data from a topic – pull model</a:t>
-            </a:r>
-          </a:p>
-          <a:p>
-            <a:r>
-              <a:rPr lang="en-NO"/>
-              <a:t>Consumers automatically know which broker to read from</a:t>
-            </a:r>
-          </a:p>
-          <a:p>
-            <a:r>
-              <a:rPr lang="en-NO"/>
-              <a:t>In case of broker failure, consumers will recover</a:t>
-            </a:r>
-          </a:p>
-          <a:p>
-            <a:r>
-              <a:rPr lang="en-NO"/>
-              <a:t>Data is read in order, from lowest offset(id) to highest in each partition</a:t>
-            </a:r>
-          </a:p>
-        </p:txBody>
-      </p:sp>
-    </p:spTree>
-    <p:extLst>
-      <p:ext uri="{BB962C8B-B14F-4D97-AF65-F5344CB8AC3E}">
-        <p14:creationId xmlns:p14="http://schemas.microsoft.com/office/powerpoint/2010/main" val="1015680952"/>
-      </p:ext>
-    </p:extLst>
-  </p:cSld>
-  <p:clrMapOvr>
-    <a:masterClrMapping/>
-  </p:clrMapOvr>
-</p:sld>
-</file>
-
-<file path=ppt/slides/slide32.xml><?xml version="1.0" encoding="utf-8"?>
-<p:sld xmlns:a="http://schemas.openxmlformats.org/drawingml/2006/main" xmlns:r="http://schemas.openxmlformats.org/officeDocument/2006/relationships" xmlns:p="http://schemas.openxmlformats.org/presentationml/2006/main">
-  <p:cSld>
-    <p:spTree>
-      <p:nvGrpSpPr>
-        <p:cNvPr id="1" name=""/>
-        <p:cNvGrpSpPr/>
-        <p:nvPr/>
-      </p:nvGrpSpPr>
-      <p:grpSpPr>
-        <a:xfrm>
-          <a:off x="0" y="0"/>
-          <a:ext cx="0" cy="0"/>
-          <a:chOff x="0" y="0"/>
-          <a:chExt cx="0" cy="0"/>
-        </a:xfrm>
-      </p:grpSpPr>
-      <p:pic>
-        <p:nvPicPr>
-          <p:cNvPr id="12290" name="Picture 2" descr="Message serialization diagram showing how Apache Kafka Producers integer and string serializers.">
-            <a:extLst>
-              <a:ext uri="{FF2B5EF4-FFF2-40B4-BE49-F238E27FC236}">
-                <a16:creationId xmlns:a16="http://schemas.microsoft.com/office/drawing/2014/main" id="{26A91F1F-1A5D-0ED2-8DA3-CE3CD13C4601}"/>
-              </a:ext>
-            </a:extLst>
-          </p:cNvPr>
-          <p:cNvPicPr>
-            <a:picLocks noChangeAspect="1" noChangeArrowheads="1"/>
-          </p:cNvPicPr>
-          <p:nvPr/>
-        </p:nvPicPr>
-        <p:blipFill>
-          <a:blip r:embed="rId2">
-            <a:extLst>
-              <a:ext uri="{28A0092B-C50C-407E-A947-70E740481C1C}">
-                <a14:useLocalDpi xmlns:a14="http://schemas.microsoft.com/office/drawing/2010/main" val="0"/>
-              </a:ext>
-            </a:extLst>
-          </a:blip>
-          <a:srcRect/>
-          <a:stretch>
-            <a:fillRect/>
-          </a:stretch>
-        </p:blipFill>
-        <p:spPr bwMode="auto">
-          <a:xfrm>
-            <a:off x="6096000" y="1326007"/>
-            <a:ext cx="6142832" cy="5166868"/>
-          </a:xfrm>
-          <a:prstGeom prst="rect">
-            <a:avLst/>
-          </a:prstGeom>
-          <a:noFill/>
-          <a:extLst>
-            <a:ext uri="{909E8E84-426E-40DD-AFC4-6F175D3DCCD1}">
-              <a14:hiddenFill xmlns:a14="http://schemas.microsoft.com/office/drawing/2010/main">
-                <a:solidFill>
-                  <a:srgbClr val="FFFFFF"/>
-                </a:solidFill>
-              </a14:hiddenFill>
-            </a:ext>
-          </a:extLst>
-        </p:spPr>
-      </p:pic>
-      <p:sp>
-        <p:nvSpPr>
-          <p:cNvPr id="2" name="Title 1">
-            <a:extLst>
-              <a:ext uri="{FF2B5EF4-FFF2-40B4-BE49-F238E27FC236}">
-                <a16:creationId xmlns:a16="http://schemas.microsoft.com/office/drawing/2014/main" id="{8A355CE9-E484-7430-DA10-FDF616952049}"/>
-              </a:ext>
-            </a:extLst>
-          </p:cNvPr>
-          <p:cNvSpPr>
-            <a:spLocks noGrp="1"/>
-          </p:cNvSpPr>
-          <p:nvPr>
-            <p:ph type="title"/>
-          </p:nvPr>
-        </p:nvSpPr>
-        <p:spPr/>
-        <p:txBody>
-          <a:bodyPr/>
-          <a:lstStyle/>
-          <a:p>
-            <a:r>
-              <a:rPr lang="en-NO"/>
-              <a:t>Producer – Message Serializers</a:t>
-            </a:r>
-          </a:p>
-        </p:txBody>
-      </p:sp>
-      <p:sp>
-        <p:nvSpPr>
-          <p:cNvPr id="3" name="Content Placeholder 2">
-            <a:extLst>
-              <a:ext uri="{FF2B5EF4-FFF2-40B4-BE49-F238E27FC236}">
-                <a16:creationId xmlns:a16="http://schemas.microsoft.com/office/drawing/2014/main" id="{1FA7F146-7CE7-AC66-698D-008A2714B4EA}"/>
-              </a:ext>
-            </a:extLst>
-          </p:cNvPr>
-          <p:cNvSpPr>
-            <a:spLocks noGrp="1"/>
-          </p:cNvSpPr>
-          <p:nvPr>
-            <p:ph idx="1"/>
-          </p:nvPr>
-        </p:nvSpPr>
-        <p:spPr>
-          <a:xfrm>
-            <a:off x="838201" y="1825625"/>
-            <a:ext cx="6358054" cy="4351338"/>
-          </a:xfrm>
-        </p:spPr>
-        <p:txBody>
-          <a:bodyPr/>
-          <a:lstStyle/>
-          <a:p>
-            <a:r>
-              <a:rPr lang="en-NO"/>
-              <a:t>Kafka only acceps and sends bytes as input and output</a:t>
-            </a:r>
-          </a:p>
-          <a:p>
-            <a:r>
-              <a:rPr lang="en-NO"/>
-              <a:t>Seralization is used for key and value</a:t>
-            </a:r>
-          </a:p>
-          <a:p>
-            <a:r>
-              <a:rPr lang="en-GB"/>
-              <a:t>C</a:t>
-            </a:r>
-            <a:r>
-              <a:rPr lang="en-NO"/>
-              <a:t>ommon Serializers</a:t>
-            </a:r>
-          </a:p>
-          <a:p>
-            <a:pPr lvl="1"/>
-            <a:r>
-              <a:rPr lang="en-NO"/>
-              <a:t>String(incl. JSON)</a:t>
-            </a:r>
-          </a:p>
-          <a:p>
-            <a:pPr lvl="1"/>
-            <a:r>
-              <a:rPr lang="en-NO"/>
-              <a:t>Int,Float</a:t>
-            </a:r>
-          </a:p>
-          <a:p>
-            <a:pPr lvl="1"/>
-            <a:r>
-              <a:rPr lang="en-NO"/>
-              <a:t>Avro</a:t>
-            </a:r>
-          </a:p>
-          <a:p>
-            <a:pPr lvl="1"/>
-            <a:r>
-              <a:rPr lang="en-NO"/>
-              <a:t>Protobuf</a:t>
-            </a:r>
-          </a:p>
-        </p:txBody>
-      </p:sp>
-    </p:spTree>
-    <p:extLst>
-      <p:ext uri="{BB962C8B-B14F-4D97-AF65-F5344CB8AC3E}">
-        <p14:creationId xmlns:p14="http://schemas.microsoft.com/office/powerpoint/2010/main" val="2813941393"/>
-      </p:ext>
-    </p:extLst>
-  </p:cSld>
-  <p:clrMapOvr>
-    <a:masterClrMapping/>
-  </p:clrMapOvr>
-</p:sld>
-</file>
-
-<file path=ppt/slides/slide33.xml><?xml version="1.0" encoding="utf-8"?>
-<p:sld xmlns:a="http://schemas.openxmlformats.org/drawingml/2006/main" xmlns:r="http://schemas.openxmlformats.org/officeDocument/2006/relationships" xmlns:p="http://schemas.openxmlformats.org/presentationml/2006/main">
-  <p:cSld>
-    <p:spTree>
-      <p:nvGrpSpPr>
-        <p:cNvPr id="1" name=""/>
-        <p:cNvGrpSpPr/>
-        <p:nvPr/>
-      </p:nvGrpSpPr>
-      <p:grpSpPr>
-        <a:xfrm>
-          <a:off x="0" y="0"/>
-          <a:ext cx="0" cy="0"/>
-          <a:chOff x="0" y="0"/>
-          <a:chExt cx="0" cy="0"/>
-        </a:xfrm>
-      </p:grpSpPr>
-      <p:pic>
-        <p:nvPicPr>
-          <p:cNvPr id="15362" name="Picture 2" descr="Kafka Consumers must use the same format for deserialization that was used by the producer when serializing the message. This daigram shows the deserialization process.">
-            <a:extLst>
-              <a:ext uri="{FF2B5EF4-FFF2-40B4-BE49-F238E27FC236}">
-                <a16:creationId xmlns:a16="http://schemas.microsoft.com/office/drawing/2014/main" id="{647493BA-1F48-4820-790B-99EB08EACA7C}"/>
-              </a:ext>
-            </a:extLst>
-          </p:cNvPr>
-          <p:cNvPicPr>
-            <a:picLocks noChangeAspect="1" noChangeArrowheads="1"/>
-          </p:cNvPicPr>
-          <p:nvPr/>
-        </p:nvPicPr>
-        <p:blipFill>
-          <a:blip r:embed="rId2">
-            <a:extLst>
-              <a:ext uri="{28A0092B-C50C-407E-A947-70E740481C1C}">
-                <a14:useLocalDpi xmlns:a14="http://schemas.microsoft.com/office/drawing/2010/main" val="0"/>
-              </a:ext>
-            </a:extLst>
-          </a:blip>
-          <a:srcRect/>
-          <a:stretch>
-            <a:fillRect/>
-          </a:stretch>
-        </p:blipFill>
-        <p:spPr bwMode="auto">
-          <a:xfrm>
-            <a:off x="5983289" y="1027906"/>
-            <a:ext cx="6149237" cy="5175278"/>
-          </a:xfrm>
-          <a:prstGeom prst="rect">
-            <a:avLst/>
-          </a:prstGeom>
-          <a:noFill/>
-          <a:extLst>
-            <a:ext uri="{909E8E84-426E-40DD-AFC4-6F175D3DCCD1}">
-              <a14:hiddenFill xmlns:a14="http://schemas.microsoft.com/office/drawing/2010/main">
-                <a:solidFill>
-                  <a:srgbClr val="FFFFFF"/>
-                </a:solidFill>
-              </a14:hiddenFill>
-            </a:ext>
-          </a:extLst>
-        </p:spPr>
-      </p:pic>
-      <p:sp>
-        <p:nvSpPr>
-          <p:cNvPr id="2" name="Title 1">
-            <a:extLst>
-              <a:ext uri="{FF2B5EF4-FFF2-40B4-BE49-F238E27FC236}">
-                <a16:creationId xmlns:a16="http://schemas.microsoft.com/office/drawing/2014/main" id="{7E38FA93-96D5-E428-4057-2443C88423BF}"/>
-              </a:ext>
-            </a:extLst>
-          </p:cNvPr>
-          <p:cNvSpPr>
-            <a:spLocks noGrp="1"/>
-          </p:cNvSpPr>
-          <p:nvPr>
-            <p:ph type="title"/>
-          </p:nvPr>
-        </p:nvSpPr>
-        <p:spPr/>
-        <p:txBody>
-          <a:bodyPr/>
-          <a:lstStyle/>
-          <a:p>
-            <a:r>
-              <a:rPr lang="en-NO"/>
-              <a:t>Consumer Deserializer</a:t>
-            </a:r>
-          </a:p>
-        </p:txBody>
-      </p:sp>
-      <p:sp>
-        <p:nvSpPr>
-          <p:cNvPr id="3" name="Content Placeholder 2">
-            <a:extLst>
-              <a:ext uri="{FF2B5EF4-FFF2-40B4-BE49-F238E27FC236}">
-                <a16:creationId xmlns:a16="http://schemas.microsoft.com/office/drawing/2014/main" id="{EC441158-D337-0E59-7DAC-28ED4006E67C}"/>
-              </a:ext>
-            </a:extLst>
-          </p:cNvPr>
-          <p:cNvSpPr>
-            <a:spLocks noGrp="1"/>
-          </p:cNvSpPr>
-          <p:nvPr>
-            <p:ph idx="1"/>
-          </p:nvPr>
-        </p:nvSpPr>
-        <p:spPr>
-          <a:xfrm>
-            <a:off x="838200" y="1825625"/>
-            <a:ext cx="6365488" cy="4351338"/>
-          </a:xfrm>
-        </p:spPr>
-        <p:txBody>
-          <a:bodyPr/>
-          <a:lstStyle/>
-          <a:p>
-            <a:r>
-              <a:rPr lang="en-NO"/>
-              <a:t>Deserializer is used for value and key</a:t>
-            </a:r>
-          </a:p>
-          <a:p>
-            <a:r>
-              <a:rPr lang="en-NO"/>
-              <a:t>Common Deserializer</a:t>
-            </a:r>
-          </a:p>
-          <a:p>
-            <a:pPr lvl="1"/>
-            <a:r>
-              <a:rPr lang="en-NO"/>
-              <a:t>String (incl. JSON)</a:t>
-            </a:r>
-          </a:p>
-          <a:p>
-            <a:pPr lvl="1"/>
-            <a:r>
-              <a:rPr lang="en-NO"/>
-              <a:t>Int, Float</a:t>
-            </a:r>
-          </a:p>
-          <a:p>
-            <a:pPr lvl="1"/>
-            <a:r>
-              <a:rPr lang="en-NO"/>
-              <a:t>Avro</a:t>
-            </a:r>
-          </a:p>
-          <a:p>
-            <a:pPr lvl="1"/>
-            <a:r>
-              <a:rPr lang="en-NO"/>
-              <a:t>Protobuf</a:t>
-            </a:r>
-          </a:p>
-          <a:p>
-            <a:r>
-              <a:rPr lang="en-NO"/>
-              <a:t>The serialization / deserialization type must not change during a topic lifecycle (Create new instead)</a:t>
-            </a:r>
-          </a:p>
-        </p:txBody>
-      </p:sp>
-    </p:spTree>
-    <p:extLst>
-      <p:ext uri="{BB962C8B-B14F-4D97-AF65-F5344CB8AC3E}">
-        <p14:creationId xmlns:p14="http://schemas.microsoft.com/office/powerpoint/2010/main" val="2568685102"/>
-      </p:ext>
-    </p:extLst>
-  </p:cSld>
-  <p:clrMapOvr>
-    <a:masterClrMapping/>
-  </p:clrMapOvr>
-</p:sld>
-</file>
-
-<file path=ppt/slides/slide34.xml><?xml version="1.0" encoding="utf-8"?>
-<p:sld xmlns:a="http://schemas.openxmlformats.org/drawingml/2006/main" xmlns:r="http://schemas.openxmlformats.org/officeDocument/2006/relationships" xmlns:p="http://schemas.openxmlformats.org/presentationml/2006/main">
-  <p:cSld>
-    <p:spTree>
-      <p:nvGrpSpPr>
-        <p:cNvPr id="1" name=""/>
-        <p:cNvGrpSpPr/>
-        <p:nvPr/>
-      </p:nvGrpSpPr>
-      <p:grpSpPr>
-        <a:xfrm>
-          <a:off x="0" y="0"/>
-          <a:ext cx="0" cy="0"/>
-          <a:chOff x="0" y="0"/>
-          <a:chExt cx="0" cy="0"/>
-        </a:xfrm>
-      </p:grpSpPr>
-      <p:sp>
-        <p:nvSpPr>
-          <p:cNvPr id="2" name="Title 1">
-            <a:extLst>
-              <a:ext uri="{FF2B5EF4-FFF2-40B4-BE49-F238E27FC236}">
-                <a16:creationId xmlns:a16="http://schemas.microsoft.com/office/drawing/2014/main" id="{05975E6F-E83C-D4C1-286B-B528D3F05BDC}"/>
-              </a:ext>
-            </a:extLst>
-          </p:cNvPr>
-          <p:cNvSpPr>
-            <a:spLocks noGrp="1"/>
-          </p:cNvSpPr>
-          <p:nvPr>
-            <p:ph type="title"/>
-          </p:nvPr>
-        </p:nvSpPr>
-        <p:spPr/>
-        <p:txBody>
-          <a:bodyPr/>
-          <a:lstStyle/>
-          <a:p>
-            <a:r>
-              <a:rPr lang="en-NO"/>
-              <a:t>Consumers groups</a:t>
-            </a:r>
-          </a:p>
-        </p:txBody>
-      </p:sp>
-      <p:sp>
-        <p:nvSpPr>
-          <p:cNvPr id="3" name="Content Placeholder 2">
-            <a:extLst>
-              <a:ext uri="{FF2B5EF4-FFF2-40B4-BE49-F238E27FC236}">
-                <a16:creationId xmlns:a16="http://schemas.microsoft.com/office/drawing/2014/main" id="{7DF416CF-2811-EB6D-1F3F-54B2D874B45B}"/>
-              </a:ext>
-            </a:extLst>
-          </p:cNvPr>
-          <p:cNvSpPr>
-            <a:spLocks noGrp="1"/>
-          </p:cNvSpPr>
-          <p:nvPr>
-            <p:ph idx="1"/>
-          </p:nvPr>
-        </p:nvSpPr>
-        <p:spPr/>
-        <p:txBody>
-          <a:bodyPr/>
-          <a:lstStyle/>
-          <a:p>
-            <a:r>
-              <a:rPr lang="en-NO"/>
-              <a:t>All the consumers in a application read data as consumer groups</a:t>
-            </a:r>
-          </a:p>
-          <a:p>
-            <a:r>
-              <a:rPr lang="en-NO"/>
-              <a:t>Each consumers within a group reads from exclusive partitions</a:t>
-            </a:r>
-          </a:p>
-        </p:txBody>
-      </p:sp>
-      <p:pic>
-        <p:nvPicPr>
-          <p:cNvPr id="16386" name="Picture 2" descr="Apache Kafka Consumer Group diagram showing how a consumer group reads messages from a Kafka topic with 5 partitions.">
-            <a:extLst>
-              <a:ext uri="{FF2B5EF4-FFF2-40B4-BE49-F238E27FC236}">
-                <a16:creationId xmlns:a16="http://schemas.microsoft.com/office/drawing/2014/main" id="{F33FE3EE-6113-6A91-9829-858CF925D598}"/>
-              </a:ext>
-            </a:extLst>
-          </p:cNvPr>
-          <p:cNvPicPr>
-            <a:picLocks noChangeAspect="1" noChangeArrowheads="1"/>
-          </p:cNvPicPr>
-          <p:nvPr/>
-        </p:nvPicPr>
-        <p:blipFill>
-          <a:blip r:embed="rId2">
-            <a:extLst>
-              <a:ext uri="{28A0092B-C50C-407E-A947-70E740481C1C}">
-                <a14:useLocalDpi xmlns:a14="http://schemas.microsoft.com/office/drawing/2010/main" val="0"/>
-              </a:ext>
-            </a:extLst>
-          </a:blip>
-          <a:srcRect/>
-          <a:stretch>
-            <a:fillRect/>
-          </a:stretch>
-        </p:blipFill>
-        <p:spPr bwMode="auto">
-          <a:xfrm>
-            <a:off x="2653990" y="3431906"/>
-            <a:ext cx="6884020" cy="2879994"/>
-          </a:xfrm>
-          <a:prstGeom prst="rect">
-            <a:avLst/>
-          </a:prstGeom>
-          <a:noFill/>
-          <a:extLst>
-            <a:ext uri="{909E8E84-426E-40DD-AFC4-6F175D3DCCD1}">
-              <a14:hiddenFill xmlns:a14="http://schemas.microsoft.com/office/drawing/2010/main">
-                <a:solidFill>
-                  <a:srgbClr val="FFFFFF"/>
-                </a:solidFill>
-              </a14:hiddenFill>
-            </a:ext>
-          </a:extLst>
-        </p:spPr>
-      </p:pic>
-    </p:spTree>
-    <p:extLst>
-      <p:ext uri="{BB962C8B-B14F-4D97-AF65-F5344CB8AC3E}">
-        <p14:creationId xmlns:p14="http://schemas.microsoft.com/office/powerpoint/2010/main" val="1771951288"/>
-      </p:ext>
-    </p:extLst>
-  </p:cSld>
-  <p:clrMapOvr>
-    <a:masterClrMapping/>
-  </p:clrMapOvr>
-</p:sld>
-</file>
-
-<file path=ppt/slides/slide35.xml><?xml version="1.0" encoding="utf-8"?>
-<p:sld xmlns:a="http://schemas.openxmlformats.org/drawingml/2006/main" xmlns:r="http://schemas.openxmlformats.org/officeDocument/2006/relationships" xmlns:p="http://schemas.openxmlformats.org/presentationml/2006/main">
-  <p:cSld>
-    <p:spTree>
-      <p:nvGrpSpPr>
-        <p:cNvPr id="1" name=""/>
-        <p:cNvGrpSpPr/>
-        <p:nvPr/>
-      </p:nvGrpSpPr>
-      <p:grpSpPr>
-        <a:xfrm>
-          <a:off x="0" y="0"/>
-          <a:ext cx="0" cy="0"/>
-          <a:chOff x="0" y="0"/>
-          <a:chExt cx="0" cy="0"/>
-        </a:xfrm>
-      </p:grpSpPr>
-      <p:sp>
-        <p:nvSpPr>
-          <p:cNvPr id="2" name="Title 1">
-            <a:extLst>
-              <a:ext uri="{FF2B5EF4-FFF2-40B4-BE49-F238E27FC236}">
-                <a16:creationId xmlns:a16="http://schemas.microsoft.com/office/drawing/2014/main" id="{683A3F36-3B09-94B5-E316-90CFB0171EE4}"/>
-              </a:ext>
-            </a:extLst>
-          </p:cNvPr>
-          <p:cNvSpPr>
-            <a:spLocks noGrp="1"/>
-          </p:cNvSpPr>
-          <p:nvPr>
-            <p:ph type="title"/>
-          </p:nvPr>
-        </p:nvSpPr>
-        <p:spPr/>
-        <p:txBody>
-          <a:bodyPr>
-            <a:normAutofit/>
-          </a:bodyPr>
-          <a:lstStyle/>
-          <a:p>
-            <a:r>
-              <a:rPr lang="en-NO" sz="3800"/>
-              <a:t>Consumers groups – What if too many consumers?</a:t>
-            </a:r>
-          </a:p>
-        </p:txBody>
-      </p:sp>
-      <p:sp>
-        <p:nvSpPr>
-          <p:cNvPr id="3" name="Content Placeholder 2">
-            <a:extLst>
-              <a:ext uri="{FF2B5EF4-FFF2-40B4-BE49-F238E27FC236}">
-                <a16:creationId xmlns:a16="http://schemas.microsoft.com/office/drawing/2014/main" id="{98A8EDE1-7EEE-DAD8-8EAF-73B066DFA272}"/>
-              </a:ext>
-            </a:extLst>
-          </p:cNvPr>
-          <p:cNvSpPr>
-            <a:spLocks noGrp="1"/>
-          </p:cNvSpPr>
-          <p:nvPr>
-            <p:ph idx="1"/>
-          </p:nvPr>
-        </p:nvSpPr>
-        <p:spPr/>
-        <p:txBody>
-          <a:bodyPr>
-            <a:normAutofit/>
-          </a:bodyPr>
-          <a:lstStyle/>
-          <a:p>
-            <a:r>
-              <a:rPr lang="en-NO" sz="2600"/>
-              <a:t>If you have more consumers than partitions, some concumers will be idle</a:t>
-            </a:r>
-          </a:p>
-        </p:txBody>
-      </p:sp>
-      <p:pic>
-        <p:nvPicPr>
-          <p:cNvPr id="17410" name="Picture 2" descr="Diagram shows Consumer in a Kafka Consumer Group inactive when there are more consumers than partitions.">
-            <a:extLst>
-              <a:ext uri="{FF2B5EF4-FFF2-40B4-BE49-F238E27FC236}">
-                <a16:creationId xmlns:a16="http://schemas.microsoft.com/office/drawing/2014/main" id="{EEB7CA56-1EDF-9EA8-C7AA-49018BCAF8EF}"/>
-              </a:ext>
-            </a:extLst>
-          </p:cNvPr>
-          <p:cNvPicPr>
-            <a:picLocks noChangeAspect="1" noChangeArrowheads="1"/>
-          </p:cNvPicPr>
-          <p:nvPr/>
-        </p:nvPicPr>
-        <p:blipFill>
-          <a:blip r:embed="rId2">
-            <a:extLst>
-              <a:ext uri="{28A0092B-C50C-407E-A947-70E740481C1C}">
-                <a14:useLocalDpi xmlns:a14="http://schemas.microsoft.com/office/drawing/2010/main" val="0"/>
-              </a:ext>
-            </a:extLst>
-          </a:blip>
-          <a:srcRect/>
-          <a:stretch>
-            <a:fillRect/>
-          </a:stretch>
-        </p:blipFill>
-        <p:spPr bwMode="auto">
-          <a:xfrm>
-            <a:off x="1758175" y="2591990"/>
-            <a:ext cx="8675649" cy="3719910"/>
-          </a:xfrm>
-          <a:prstGeom prst="rect">
-            <a:avLst/>
-          </a:prstGeom>
-          <a:noFill/>
-          <a:extLst>
-            <a:ext uri="{909E8E84-426E-40DD-AFC4-6F175D3DCCD1}">
-              <a14:hiddenFill xmlns:a14="http://schemas.microsoft.com/office/drawing/2010/main">
-                <a:solidFill>
-                  <a:srgbClr val="FFFFFF"/>
-                </a:solidFill>
-              </a14:hiddenFill>
-            </a:ext>
-          </a:extLst>
-        </p:spPr>
-      </p:pic>
-    </p:spTree>
-    <p:extLst>
-      <p:ext uri="{BB962C8B-B14F-4D97-AF65-F5344CB8AC3E}">
-        <p14:creationId xmlns:p14="http://schemas.microsoft.com/office/powerpoint/2010/main" val="3929615958"/>
-      </p:ext>
-    </p:extLst>
-  </p:cSld>
-  <p:clrMapOvr>
-    <a:masterClrMapping/>
-  </p:clrMapOvr>
-</p:sld>
-</file>
-
-<file path=ppt/slides/slide36.xml><?xml version="1.0" encoding="utf-8"?>
-<p:sld xmlns:a="http://schemas.openxmlformats.org/drawingml/2006/main" xmlns:r="http://schemas.openxmlformats.org/officeDocument/2006/relationships" xmlns:p="http://schemas.openxmlformats.org/presentationml/2006/main">
-  <p:cSld>
-    <p:spTree>
-      <p:nvGrpSpPr>
-        <p:cNvPr id="1" name=""/>
-        <p:cNvGrpSpPr/>
-        <p:nvPr/>
-      </p:nvGrpSpPr>
-      <p:grpSpPr>
-        <a:xfrm>
-          <a:off x="0" y="0"/>
-          <a:ext cx="0" cy="0"/>
-          <a:chOff x="0" y="0"/>
-          <a:chExt cx="0" cy="0"/>
-        </a:xfrm>
-      </p:grpSpPr>
-      <p:pic>
-        <p:nvPicPr>
-          <p:cNvPr id="18434" name="Picture 2" descr="Diagram showing consumers within a consumer group reading messages from different topic partitions.">
-            <a:extLst>
-              <a:ext uri="{FF2B5EF4-FFF2-40B4-BE49-F238E27FC236}">
-                <a16:creationId xmlns:a16="http://schemas.microsoft.com/office/drawing/2014/main" id="{FFEBFAE1-F39B-A2DD-8382-E9D35FACF265}"/>
-              </a:ext>
-            </a:extLst>
-          </p:cNvPr>
-          <p:cNvPicPr>
-            <a:picLocks noChangeAspect="1" noChangeArrowheads="1"/>
-          </p:cNvPicPr>
-          <p:nvPr/>
-        </p:nvPicPr>
-        <p:blipFill>
-          <a:blip r:embed="rId2">
-            <a:extLst>
-              <a:ext uri="{28A0092B-C50C-407E-A947-70E740481C1C}">
-                <a14:useLocalDpi xmlns:a14="http://schemas.microsoft.com/office/drawing/2010/main" val="0"/>
-              </a:ext>
-            </a:extLst>
-          </a:blip>
-          <a:srcRect/>
-          <a:stretch>
-            <a:fillRect/>
-          </a:stretch>
-        </p:blipFill>
-        <p:spPr bwMode="auto">
-          <a:xfrm>
-            <a:off x="1458818" y="2802956"/>
-            <a:ext cx="9274364" cy="3010545"/>
-          </a:xfrm>
-          <a:prstGeom prst="rect">
-            <a:avLst/>
-          </a:prstGeom>
-          <a:noFill/>
-          <a:extLst>
-            <a:ext uri="{909E8E84-426E-40DD-AFC4-6F175D3DCCD1}">
-              <a14:hiddenFill xmlns:a14="http://schemas.microsoft.com/office/drawing/2010/main">
-                <a:solidFill>
-                  <a:srgbClr val="FFFFFF"/>
-                </a:solidFill>
-              </a14:hiddenFill>
-            </a:ext>
-          </a:extLst>
-        </p:spPr>
-      </p:pic>
-      <p:sp>
-        <p:nvSpPr>
-          <p:cNvPr id="2" name="Title 1">
-            <a:extLst>
-              <a:ext uri="{FF2B5EF4-FFF2-40B4-BE49-F238E27FC236}">
-                <a16:creationId xmlns:a16="http://schemas.microsoft.com/office/drawing/2014/main" id="{D599E509-24D2-0FED-BE3F-4D3DA5A6FEBF}"/>
-              </a:ext>
-            </a:extLst>
-          </p:cNvPr>
-          <p:cNvSpPr>
-            <a:spLocks noGrp="1"/>
-          </p:cNvSpPr>
-          <p:nvPr>
-            <p:ph type="title"/>
-          </p:nvPr>
-        </p:nvSpPr>
-        <p:spPr/>
-        <p:txBody>
-          <a:bodyPr/>
-          <a:lstStyle/>
-          <a:p>
-            <a:r>
-              <a:rPr lang="en-NO"/>
-              <a:t>Multiple consumers on one topic</a:t>
-            </a:r>
-          </a:p>
-        </p:txBody>
-      </p:sp>
-      <p:sp>
-        <p:nvSpPr>
-          <p:cNvPr id="3" name="Content Placeholder 2">
-            <a:extLst>
-              <a:ext uri="{FF2B5EF4-FFF2-40B4-BE49-F238E27FC236}">
-                <a16:creationId xmlns:a16="http://schemas.microsoft.com/office/drawing/2014/main" id="{21C480FB-12AB-4FBE-7F7C-F6C93D183F7E}"/>
-              </a:ext>
-            </a:extLst>
-          </p:cNvPr>
-          <p:cNvSpPr>
-            <a:spLocks noGrp="1"/>
-          </p:cNvSpPr>
-          <p:nvPr>
-            <p:ph idx="1"/>
-          </p:nvPr>
-        </p:nvSpPr>
-        <p:spPr/>
-        <p:txBody>
-          <a:bodyPr>
-            <a:normAutofit/>
-          </a:bodyPr>
-          <a:lstStyle/>
-          <a:p>
-            <a:r>
-              <a:rPr lang="en-NO" sz="2700"/>
-              <a:t>You are allowed to have multiple consumer groups on the same topic</a:t>
-            </a:r>
-          </a:p>
-          <a:p>
-            <a:r>
-              <a:rPr lang="en-NO" sz="2700"/>
-              <a:t>To create distinct consumer group, use the consumer property </a:t>
-            </a:r>
-            <a:r>
-              <a:rPr lang="en-NO" sz="2700" b="1"/>
-              <a:t>group.id</a:t>
-            </a:r>
-          </a:p>
-        </p:txBody>
-      </p:sp>
-    </p:spTree>
-    <p:extLst>
-      <p:ext uri="{BB962C8B-B14F-4D97-AF65-F5344CB8AC3E}">
-        <p14:creationId xmlns:p14="http://schemas.microsoft.com/office/powerpoint/2010/main" val="1393732894"/>
-      </p:ext>
-    </p:extLst>
-  </p:cSld>
-  <p:clrMapOvr>
-    <a:masterClrMapping/>
-  </p:clrMapOvr>
-</p:sld>
-</file>
-
-<file path=ppt/slides/slide37.xml><?xml version="1.0" encoding="utf-8"?>
-<p:sld xmlns:a="http://schemas.openxmlformats.org/drawingml/2006/main" xmlns:r="http://schemas.openxmlformats.org/officeDocument/2006/relationships" xmlns:p="http://schemas.openxmlformats.org/presentationml/2006/main">
-  <p:cSld>
-    <p:spTree>
-      <p:nvGrpSpPr>
-        <p:cNvPr id="1" name=""/>
-        <p:cNvGrpSpPr/>
-        <p:nvPr/>
-      </p:nvGrpSpPr>
-      <p:grpSpPr>
-        <a:xfrm>
-          <a:off x="0" y="0"/>
-          <a:ext cx="0" cy="0"/>
-          <a:chOff x="0" y="0"/>
-          <a:chExt cx="0" cy="0"/>
-        </a:xfrm>
-      </p:grpSpPr>
-      <p:pic>
-        <p:nvPicPr>
-          <p:cNvPr id="19458" name="Picture 2" descr="Diagram showing how Kafka Consumers from a Consumer Group read messages from the last committed consumer offset.">
-            <a:extLst>
-              <a:ext uri="{FF2B5EF4-FFF2-40B4-BE49-F238E27FC236}">
-                <a16:creationId xmlns:a16="http://schemas.microsoft.com/office/drawing/2014/main" id="{66C0DA0A-7E02-C1BD-E74C-110150FA7CEB}"/>
-              </a:ext>
-            </a:extLst>
-          </p:cNvPr>
-          <p:cNvPicPr>
-            <a:picLocks noChangeAspect="1" noChangeArrowheads="1"/>
-          </p:cNvPicPr>
-          <p:nvPr/>
-        </p:nvPicPr>
-        <p:blipFill>
-          <a:blip r:embed="rId2">
-            <a:extLst>
-              <a:ext uri="{28A0092B-C50C-407E-A947-70E740481C1C}">
-                <a14:useLocalDpi xmlns:a14="http://schemas.microsoft.com/office/drawing/2010/main" val="0"/>
-              </a:ext>
-            </a:extLst>
-          </a:blip>
-          <a:srcRect/>
-          <a:stretch>
-            <a:fillRect/>
-          </a:stretch>
-        </p:blipFill>
-        <p:spPr bwMode="auto">
-          <a:xfrm>
-            <a:off x="1925444" y="4001294"/>
-            <a:ext cx="7820722" cy="2613017"/>
-          </a:xfrm>
-          <a:prstGeom prst="rect">
-            <a:avLst/>
-          </a:prstGeom>
-          <a:noFill/>
-          <a:extLst>
-            <a:ext uri="{909E8E84-426E-40DD-AFC4-6F175D3DCCD1}">
-              <a14:hiddenFill xmlns:a14="http://schemas.microsoft.com/office/drawing/2010/main">
-                <a:solidFill>
-                  <a:srgbClr val="FFFFFF"/>
-                </a:solidFill>
-              </a14:hiddenFill>
-            </a:ext>
-          </a:extLst>
-        </p:spPr>
-      </p:pic>
-      <p:sp>
-        <p:nvSpPr>
-          <p:cNvPr id="2" name="Title 1">
-            <a:extLst>
-              <a:ext uri="{FF2B5EF4-FFF2-40B4-BE49-F238E27FC236}">
-                <a16:creationId xmlns:a16="http://schemas.microsoft.com/office/drawing/2014/main" id="{2A30E085-E268-A016-E6E7-96F11206F013}"/>
-              </a:ext>
-            </a:extLst>
-          </p:cNvPr>
-          <p:cNvSpPr>
-            <a:spLocks noGrp="1"/>
-          </p:cNvSpPr>
-          <p:nvPr>
-            <p:ph type="title"/>
-          </p:nvPr>
-        </p:nvSpPr>
-        <p:spPr/>
-        <p:txBody>
-          <a:bodyPr/>
-          <a:lstStyle/>
-          <a:p>
-            <a:r>
-              <a:rPr lang="en-NO"/>
-              <a:t>Consumer Offsets</a:t>
-            </a:r>
-          </a:p>
-        </p:txBody>
-      </p:sp>
-      <p:sp>
-        <p:nvSpPr>
-          <p:cNvPr id="3" name="Content Placeholder 2">
-            <a:extLst>
-              <a:ext uri="{FF2B5EF4-FFF2-40B4-BE49-F238E27FC236}">
-                <a16:creationId xmlns:a16="http://schemas.microsoft.com/office/drawing/2014/main" id="{68B8C8C7-04FD-3ADF-D269-5FD8C40CD02C}"/>
-              </a:ext>
-            </a:extLst>
-          </p:cNvPr>
-          <p:cNvSpPr>
-            <a:spLocks noGrp="1"/>
-          </p:cNvSpPr>
-          <p:nvPr>
-            <p:ph idx="1"/>
-          </p:nvPr>
-        </p:nvSpPr>
-        <p:spPr/>
-        <p:txBody>
-          <a:bodyPr>
-            <a:normAutofit/>
-          </a:bodyPr>
-          <a:lstStyle/>
-          <a:p>
-            <a:r>
-              <a:rPr lang="en-NO" sz="2600"/>
-              <a:t>Kafka stores the offsets at which a consumer group has been reading</a:t>
-            </a:r>
-          </a:p>
-          <a:p>
-            <a:r>
-              <a:rPr lang="en-NO" sz="2600"/>
-              <a:t>The offests committed are in a kafka </a:t>
-            </a:r>
-            <a:r>
-              <a:rPr lang="en-NO" sz="2600">
-                <a:solidFill>
-                  <a:schemeClr val="accent1"/>
-                </a:solidFill>
-              </a:rPr>
-              <a:t>topic</a:t>
-            </a:r>
-            <a:r>
-              <a:rPr lang="en-NO" sz="2600"/>
-              <a:t> named </a:t>
-            </a:r>
-            <a:r>
-              <a:rPr lang="en-NO" sz="2600">
-                <a:solidFill>
-                  <a:schemeClr val="accent1"/>
-                </a:solidFill>
-              </a:rPr>
-              <a:t>__consumer_offsets</a:t>
-            </a:r>
-          </a:p>
-          <a:p>
-            <a:r>
-              <a:rPr lang="en-NO" sz="2600"/>
-              <a:t>When a consumers processes data it will periodically commit the offset</a:t>
-            </a:r>
-          </a:p>
-          <a:p>
-            <a:r>
-              <a:rPr lang="en-NO" sz="2600"/>
-              <a:t>If consumer dies, it will be able to resume because of the saved offsets</a:t>
-            </a:r>
-          </a:p>
-        </p:txBody>
-      </p:sp>
-    </p:spTree>
-    <p:extLst>
-      <p:ext uri="{BB962C8B-B14F-4D97-AF65-F5344CB8AC3E}">
-        <p14:creationId xmlns:p14="http://schemas.microsoft.com/office/powerpoint/2010/main" val="3162126450"/>
-      </p:ext>
-    </p:extLst>
-  </p:cSld>
-  <p:clrMapOvr>
-    <a:masterClrMapping/>
-  </p:clrMapOvr>
-</p:sld>
-</file>
-
-<file path=ppt/slides/slide38.xml><?xml version="1.0" encoding="utf-8"?>
-<p:sld xmlns:a="http://schemas.openxmlformats.org/drawingml/2006/main" xmlns:r="http://schemas.openxmlformats.org/officeDocument/2006/relationships" xmlns:p="http://schemas.openxmlformats.org/presentationml/2006/main">
-  <p:cSld>
-    <p:spTree>
-      <p:nvGrpSpPr>
-        <p:cNvPr id="1" name=""/>
-        <p:cNvGrpSpPr/>
-        <p:nvPr/>
-      </p:nvGrpSpPr>
-      <p:grpSpPr>
-        <a:xfrm>
-          <a:off x="0" y="0"/>
-          <a:ext cx="0" cy="0"/>
-          <a:chOff x="0" y="0"/>
-          <a:chExt cx="0" cy="0"/>
-        </a:xfrm>
-      </p:grpSpPr>
-      <p:sp>
-        <p:nvSpPr>
-          <p:cNvPr id="2" name="Title 1">
-            <a:extLst>
-              <a:ext uri="{FF2B5EF4-FFF2-40B4-BE49-F238E27FC236}">
-                <a16:creationId xmlns:a16="http://schemas.microsoft.com/office/drawing/2014/main" id="{E8A9F49C-2725-AD0A-D617-EB3DEF15BD27}"/>
-              </a:ext>
-            </a:extLst>
-          </p:cNvPr>
-          <p:cNvSpPr>
-            <a:spLocks noGrp="1"/>
-          </p:cNvSpPr>
-          <p:nvPr>
-            <p:ph type="title"/>
-          </p:nvPr>
-        </p:nvSpPr>
-        <p:spPr/>
-        <p:txBody>
-          <a:bodyPr/>
-          <a:lstStyle/>
-          <a:p>
-            <a:r>
-              <a:rPr lang="en-NO"/>
-              <a:t>Delivery semantics for consumers</a:t>
-            </a:r>
-          </a:p>
-        </p:txBody>
-      </p:sp>
-      <p:sp>
-        <p:nvSpPr>
-          <p:cNvPr id="3" name="Content Placeholder 2">
-            <a:extLst>
-              <a:ext uri="{FF2B5EF4-FFF2-40B4-BE49-F238E27FC236}">
-                <a16:creationId xmlns:a16="http://schemas.microsoft.com/office/drawing/2014/main" id="{AB5B7346-AFFD-E9B2-F092-3A0CA87ABC97}"/>
-              </a:ext>
-            </a:extLst>
-          </p:cNvPr>
-          <p:cNvSpPr>
-            <a:spLocks noGrp="1"/>
-          </p:cNvSpPr>
-          <p:nvPr>
-            <p:ph idx="1"/>
-          </p:nvPr>
-        </p:nvSpPr>
-        <p:spPr/>
-        <p:txBody>
-          <a:bodyPr>
-            <a:normAutofit lnSpcReduction="10000"/>
-          </a:bodyPr>
-          <a:lstStyle/>
-          <a:p>
-            <a:r>
-              <a:rPr lang="en-NO"/>
-              <a:t>By default, Java consumers will auto-commit offsets (at least once)</a:t>
-            </a:r>
-          </a:p>
-          <a:p>
-            <a:r>
-              <a:rPr lang="en-NO"/>
-              <a:t>There are 3 delivery semantics if you choose to do it manually</a:t>
-            </a:r>
-          </a:p>
-          <a:p>
-            <a:r>
-              <a:rPr lang="en-NO">
-                <a:solidFill>
-                  <a:schemeClr val="accent1"/>
-                </a:solidFill>
-              </a:rPr>
-              <a:t>At least once</a:t>
-            </a:r>
-          </a:p>
-          <a:p>
-            <a:pPr lvl="1"/>
-            <a:r>
-              <a:rPr lang="en-NO"/>
-              <a:t>Offsets are commited after message is processed</a:t>
-            </a:r>
-          </a:p>
-          <a:p>
-            <a:pPr lvl="1"/>
-            <a:r>
-              <a:rPr lang="en-NO"/>
-              <a:t>Duplicates in case of errors, Idemponent consumers is important!</a:t>
-            </a:r>
-          </a:p>
-          <a:p>
-            <a:r>
-              <a:rPr lang="en-NO">
-                <a:solidFill>
-                  <a:schemeClr val="accent1"/>
-                </a:solidFill>
-              </a:rPr>
-              <a:t>At most once</a:t>
-            </a:r>
-          </a:p>
-          <a:p>
-            <a:pPr lvl="1"/>
-            <a:r>
-              <a:rPr lang="en-NO"/>
-              <a:t>Offsets are committed as soon as message is reaceived</a:t>
-            </a:r>
-          </a:p>
-          <a:p>
-            <a:pPr lvl="1"/>
-            <a:r>
-              <a:rPr lang="en-NO"/>
-              <a:t>Messages can be lost</a:t>
-            </a:r>
-          </a:p>
-          <a:p>
-            <a:r>
-              <a:rPr lang="en-NO">
-                <a:solidFill>
-                  <a:schemeClr val="accent1"/>
-                </a:solidFill>
-              </a:rPr>
-              <a:t>Exactly once</a:t>
-            </a:r>
-          </a:p>
-          <a:p>
-            <a:pPr lvl="1"/>
-            <a:r>
-              <a:rPr lang="en-NO"/>
-              <a:t>For kafka =&gt; Kafka Transactional API (Kafka Streams API)</a:t>
-            </a:r>
-          </a:p>
-        </p:txBody>
-      </p:sp>
-    </p:spTree>
-    <p:extLst>
-      <p:ext uri="{BB962C8B-B14F-4D97-AF65-F5344CB8AC3E}">
-        <p14:creationId xmlns:p14="http://schemas.microsoft.com/office/powerpoint/2010/main" val="2483691699"/>
-      </p:ext>
-    </p:extLst>
-  </p:cSld>
-  <p:clrMapOvr>
-    <a:masterClrMapping/>
-  </p:clrMapOvr>
-</p:sld>
-</file>
-
-<file path=ppt/slides/slide39.xml><?xml version="1.0" encoding="utf-8"?>
-<p:sld xmlns:a="http://schemas.openxmlformats.org/drawingml/2006/main" xmlns:r="http://schemas.openxmlformats.org/officeDocument/2006/relationships" xmlns:p="http://schemas.openxmlformats.org/presentationml/2006/main">
-  <p:cSld>
-    <p:spTree>
-      <p:nvGrpSpPr>
-        <p:cNvPr id="1" name=""/>
-        <p:cNvGrpSpPr/>
-        <p:nvPr/>
-      </p:nvGrpSpPr>
-      <p:grpSpPr>
-        <a:xfrm>
-          <a:off x="0" y="0"/>
-          <a:ext cx="0" cy="0"/>
-          <a:chOff x="0" y="0"/>
-          <a:chExt cx="0" cy="0"/>
-        </a:xfrm>
-      </p:grpSpPr>
-      <p:sp>
-        <p:nvSpPr>
-          <p:cNvPr id="2" name="Title 1">
-            <a:extLst>
-              <a:ext uri="{FF2B5EF4-FFF2-40B4-BE49-F238E27FC236}">
-                <a16:creationId xmlns:a16="http://schemas.microsoft.com/office/drawing/2014/main" id="{0BCBDCC5-609E-4BC5-2269-4118C8146701}"/>
-              </a:ext>
-            </a:extLst>
-          </p:cNvPr>
-          <p:cNvSpPr>
-            <a:spLocks noGrp="1"/>
-          </p:cNvSpPr>
-          <p:nvPr>
-            <p:ph type="title"/>
-          </p:nvPr>
-        </p:nvSpPr>
-        <p:spPr/>
-        <p:txBody>
-          <a:bodyPr/>
-          <a:lstStyle/>
-          <a:p>
-            <a:r>
-              <a:rPr lang="en-NO"/>
-              <a:t>Brokers</a:t>
-            </a:r>
-          </a:p>
-        </p:txBody>
-      </p:sp>
-      <p:sp>
-        <p:nvSpPr>
-          <p:cNvPr id="3" name="Content Placeholder 2">
-            <a:extLst>
-              <a:ext uri="{FF2B5EF4-FFF2-40B4-BE49-F238E27FC236}">
-                <a16:creationId xmlns:a16="http://schemas.microsoft.com/office/drawing/2014/main" id="{1CD024E0-EBE3-9E69-B14E-87EFE0694ED9}"/>
-              </a:ext>
-            </a:extLst>
-          </p:cNvPr>
-          <p:cNvSpPr>
-            <a:spLocks noGrp="1"/>
-          </p:cNvSpPr>
-          <p:nvPr>
-            <p:ph idx="1"/>
-          </p:nvPr>
-        </p:nvSpPr>
-        <p:spPr/>
-        <p:txBody>
-          <a:bodyPr/>
-          <a:lstStyle/>
-          <a:p>
-            <a:r>
-              <a:rPr lang="en-NO"/>
-              <a:t>A kafka cluster is composed of multiple brokers</a:t>
-            </a:r>
-          </a:p>
-          <a:p>
-            <a:r>
-              <a:rPr lang="en-NO"/>
-              <a:t>Each broker is a identified by ID</a:t>
-            </a:r>
-          </a:p>
-          <a:p>
-            <a:r>
-              <a:rPr lang="en-NO"/>
-              <a:t>Each borker containts a certain topic partitions</a:t>
-            </a:r>
-          </a:p>
-          <a:p>
-            <a:r>
-              <a:rPr lang="en-NO"/>
-              <a:t>Each brokers is a bootstrap server, access point to all other brokers</a:t>
-            </a:r>
-          </a:p>
-          <a:p>
-            <a:r>
-              <a:rPr lang="en-NO"/>
-              <a:t>3 brokers is a good starting point, but some clusters have over 100</a:t>
-            </a:r>
-          </a:p>
-        </p:txBody>
-      </p:sp>
-      <p:pic>
-        <p:nvPicPr>
-          <p:cNvPr id="20482" name="Picture 2" descr="Diagram showing a Kafka cluster with multiple Kafka brokers.">
-            <a:extLst>
-              <a:ext uri="{FF2B5EF4-FFF2-40B4-BE49-F238E27FC236}">
-                <a16:creationId xmlns:a16="http://schemas.microsoft.com/office/drawing/2014/main" id="{B585986A-B42E-980A-5AE4-6F4767580D41}"/>
-              </a:ext>
-            </a:extLst>
-          </p:cNvPr>
-          <p:cNvPicPr>
-            <a:picLocks noChangeAspect="1" noChangeArrowheads="1"/>
-          </p:cNvPicPr>
-          <p:nvPr/>
-        </p:nvPicPr>
-        <p:blipFill>
-          <a:blip r:embed="rId2">
-            <a:extLst>
-              <a:ext uri="{28A0092B-C50C-407E-A947-70E740481C1C}">
-                <a14:useLocalDpi xmlns:a14="http://schemas.microsoft.com/office/drawing/2010/main" val="0"/>
-              </a:ext>
-            </a:extLst>
-          </a:blip>
-          <a:srcRect/>
-          <a:stretch>
-            <a:fillRect/>
-          </a:stretch>
-        </p:blipFill>
-        <p:spPr bwMode="auto">
-          <a:xfrm>
-            <a:off x="1654097" y="4555626"/>
-            <a:ext cx="8883805" cy="1879711"/>
-          </a:xfrm>
-          <a:prstGeom prst="rect">
-            <a:avLst/>
-          </a:prstGeom>
-          <a:noFill/>
-          <a:extLst>
-            <a:ext uri="{909E8E84-426E-40DD-AFC4-6F175D3DCCD1}">
-              <a14:hiddenFill xmlns:a14="http://schemas.microsoft.com/office/drawing/2010/main">
-                <a:solidFill>
-                  <a:srgbClr val="FFFFFF"/>
-                </a:solidFill>
-              </a14:hiddenFill>
-            </a:ext>
-          </a:extLst>
-        </p:spPr>
-      </p:pic>
-    </p:spTree>
-    <p:extLst>
-      <p:ext uri="{BB962C8B-B14F-4D97-AF65-F5344CB8AC3E}">
-        <p14:creationId xmlns:p14="http://schemas.microsoft.com/office/powerpoint/2010/main" val="376669503"/>
+        <p14:creationId xmlns:p14="http://schemas.microsoft.com/office/powerpoint/2010/main" val="3886260931"/>
       </p:ext>
     </p:extLst>
   </p:cSld>
@@ -19327,7 +14900,13 @@
   <p:cSld>
     <p:spTree>
       <p:nvGrpSpPr>
-        <p:cNvPr id="1" name=""/>
+        <p:cNvPr id="1" name="">
+          <a:extLst>
+            <a:ext uri="{FF2B5EF4-FFF2-40B4-BE49-F238E27FC236}">
+              <a16:creationId xmlns:a16="http://schemas.microsoft.com/office/drawing/2014/main" id="{3398BCC9-67AF-E688-8117-7A2BFCA58C9D}"/>
+            </a:ext>
+          </a:extLst>
+        </p:cNvPr>
         <p:cNvGrpSpPr/>
         <p:nvPr/>
       </p:nvGrpSpPr>
@@ -19344,7 +14923,7 @@
           <p:cNvPr id="2" name="Title 1">
             <a:extLst>
               <a:ext uri="{FF2B5EF4-FFF2-40B4-BE49-F238E27FC236}">
-                <a16:creationId xmlns:a16="http://schemas.microsoft.com/office/drawing/2014/main" id="{3A6FB780-97E9-F2E6-906C-BE753ABA25C7}"/>
+                <a16:creationId xmlns:a16="http://schemas.microsoft.com/office/drawing/2014/main" id="{0A9F80C5-7F0C-C646-E923-86AA4A018747}"/>
               </a:ext>
             </a:extLst>
           </p:cNvPr>
@@ -19357,1792 +14936,20 @@
         </p:nvSpPr>
         <p:spPr/>
         <p:txBody>
-          <a:bodyPr>
-            <a:normAutofit/>
-          </a:bodyPr>
-          <a:lstStyle/>
-          <a:p>
-            <a:r>
-              <a:rPr lang="en-US">
-                <a:ea typeface="+mj-lt"/>
-                <a:cs typeface="+mj-lt"/>
-              </a:rPr>
-              <a:t>Containers are basically just light weight Virtual Machines. Docker runs containers</a:t>
-            </a:r>
-            <a:endParaRPr lang="en-US"/>
-          </a:p>
-        </p:txBody>
-      </p:sp>
-      <p:pic>
-        <p:nvPicPr>
-          <p:cNvPr id="6" name="Picture 5">
-            <a:extLst>
-              <a:ext uri="{FF2B5EF4-FFF2-40B4-BE49-F238E27FC236}">
-                <a16:creationId xmlns:a16="http://schemas.microsoft.com/office/drawing/2014/main" id="{5CB17894-CCA0-8694-2292-2F2C17C1BDF0}"/>
-              </a:ext>
-            </a:extLst>
-          </p:cNvPr>
-          <p:cNvPicPr>
-            <a:picLocks noChangeAspect="1"/>
-          </p:cNvPicPr>
-          <p:nvPr/>
-        </p:nvPicPr>
-        <p:blipFill rotWithShape="1">
-          <a:blip r:embed="rId2"/>
-          <a:srcRect t="553" r="53057" b="10585"/>
-          <a:stretch/>
-        </p:blipFill>
-        <p:spPr>
-          <a:xfrm>
-            <a:off x="1583610" y="1781969"/>
-            <a:ext cx="3777936" cy="4466031"/>
-          </a:xfrm>
-          <a:prstGeom prst="rect">
-            <a:avLst/>
-          </a:prstGeom>
-        </p:spPr>
-      </p:pic>
-      <p:sp>
-        <p:nvSpPr>
-          <p:cNvPr id="7" name="TextBox 6">
-            <a:extLst>
-              <a:ext uri="{FF2B5EF4-FFF2-40B4-BE49-F238E27FC236}">
-                <a16:creationId xmlns:a16="http://schemas.microsoft.com/office/drawing/2014/main" id="{AEEF4BF8-9B85-67EC-85D6-A5319D21E1FF}"/>
-              </a:ext>
-            </a:extLst>
-          </p:cNvPr>
-          <p:cNvSpPr txBox="1"/>
-          <p:nvPr/>
-        </p:nvSpPr>
-        <p:spPr>
-          <a:xfrm>
-            <a:off x="2335212" y="6251575"/>
-            <a:ext cx="2743200" cy="365760"/>
-          </a:xfrm>
-          <a:prstGeom prst="rect">
-            <a:avLst/>
-          </a:prstGeom>
-          <a:noFill/>
-        </p:spPr>
-        <p:txBody>
-          <a:bodyPr rot="0" spcFirstLastPara="0" vertOverflow="overflow" horzOverflow="overflow" vert="horz" wrap="square" lIns="91440" tIns="45720" rIns="91440" bIns="45720" numCol="1" spcCol="0" rtlCol="0" fromWordArt="0" anchor="t" anchorCtr="0" forceAA="0" compatLnSpc="1">
-            <a:prstTxWarp prst="textNoShape">
-              <a:avLst/>
-            </a:prstTxWarp>
-            <a:spAutoFit/>
-          </a:bodyPr>
-          <a:lstStyle/>
-          <a:p>
-            <a:r>
-              <a:rPr lang="en-US">
-                <a:ea typeface="Calibri"/>
-                <a:cs typeface="Calibri"/>
-              </a:rPr>
-              <a:t>Virtual machine stack</a:t>
-            </a:r>
-            <a:endParaRPr lang="en-US"/>
-          </a:p>
-        </p:txBody>
-      </p:sp>
-      <p:sp>
-        <p:nvSpPr>
-          <p:cNvPr id="9" name="TextBox 8">
-            <a:extLst>
-              <a:ext uri="{FF2B5EF4-FFF2-40B4-BE49-F238E27FC236}">
-                <a16:creationId xmlns:a16="http://schemas.microsoft.com/office/drawing/2014/main" id="{3D06CDAA-CC9A-2C13-E977-E8C8A8D7122E}"/>
-              </a:ext>
-            </a:extLst>
-          </p:cNvPr>
-          <p:cNvSpPr txBox="1"/>
-          <p:nvPr/>
-        </p:nvSpPr>
-        <p:spPr>
-          <a:xfrm>
-            <a:off x="7526337" y="6251574"/>
-            <a:ext cx="2743200" cy="365760"/>
-          </a:xfrm>
-          <a:prstGeom prst="rect">
-            <a:avLst/>
-          </a:prstGeom>
-          <a:noFill/>
-        </p:spPr>
-        <p:txBody>
-          <a:bodyPr rot="0" spcFirstLastPara="0" vertOverflow="overflow" horzOverflow="overflow" vert="horz" wrap="square" lIns="91440" tIns="45720" rIns="91440" bIns="45720" numCol="1" spcCol="0" rtlCol="0" fromWordArt="0" anchor="t" anchorCtr="0" forceAA="0" compatLnSpc="1">
-            <a:prstTxWarp prst="textNoShape">
-              <a:avLst/>
-            </a:prstTxWarp>
-            <a:spAutoFit/>
-          </a:bodyPr>
-          <a:lstStyle/>
-          <a:p>
-            <a:r>
-              <a:rPr lang="en-US" err="1">
-                <a:ea typeface="Calibri"/>
-                <a:cs typeface="Calibri"/>
-              </a:rPr>
-              <a:t>Containerised</a:t>
-            </a:r>
-            <a:r>
-              <a:rPr lang="en-US">
-                <a:ea typeface="Calibri"/>
-                <a:cs typeface="Calibri"/>
-              </a:rPr>
-              <a:t> stack</a:t>
-            </a:r>
-            <a:endParaRPr lang="en-US"/>
-          </a:p>
-        </p:txBody>
-      </p:sp>
-      <p:pic>
-        <p:nvPicPr>
-          <p:cNvPr id="10" name="Picture 9" descr="A diagram of a virtual machine&#10;&#10;Description automatically generated">
-            <a:extLst>
-              <a:ext uri="{FF2B5EF4-FFF2-40B4-BE49-F238E27FC236}">
-                <a16:creationId xmlns:a16="http://schemas.microsoft.com/office/drawing/2014/main" id="{BE9FAD38-E3B4-3F58-49DF-40CAE09D4B7B}"/>
-              </a:ext>
-            </a:extLst>
-          </p:cNvPr>
-          <p:cNvPicPr>
-            <a:picLocks noChangeAspect="1"/>
-          </p:cNvPicPr>
-          <p:nvPr/>
-        </p:nvPicPr>
-        <p:blipFill rotWithShape="1">
-          <a:blip r:embed="rId2"/>
-          <a:srcRect l="48028" t="474" r="4635" b="10593"/>
-          <a:stretch/>
-        </p:blipFill>
-        <p:spPr>
-          <a:xfrm>
-            <a:off x="6473110" y="1766093"/>
-            <a:ext cx="3809669" cy="4469594"/>
-          </a:xfrm>
-          <a:prstGeom prst="rect">
-            <a:avLst/>
-          </a:prstGeom>
-        </p:spPr>
-      </p:pic>
+          <a:bodyPr/>
+          <a:lstStyle/>
+          <a:p>
+            <a:r>
+              <a:rPr lang="en-NO" dirty="0"/>
+              <a:t>Short break</a:t>
+            </a:r>
+          </a:p>
+        </p:txBody>
+      </p:sp>
     </p:spTree>
     <p:extLst>
       <p:ext uri="{BB962C8B-B14F-4D97-AF65-F5344CB8AC3E}">
-        <p14:creationId xmlns:p14="http://schemas.microsoft.com/office/powerpoint/2010/main" val="3450394113"/>
-      </p:ext>
-    </p:extLst>
-  </p:cSld>
-  <p:clrMapOvr>
-    <a:masterClrMapping/>
-  </p:clrMapOvr>
-</p:sld>
-</file>
-
-<file path=ppt/slides/slide40.xml><?xml version="1.0" encoding="utf-8"?>
-<p:sld xmlns:a="http://schemas.openxmlformats.org/drawingml/2006/main" xmlns:r="http://schemas.openxmlformats.org/officeDocument/2006/relationships" xmlns:p="http://schemas.openxmlformats.org/presentationml/2006/main">
-  <p:cSld>
-    <p:spTree>
-      <p:nvGrpSpPr>
-        <p:cNvPr id="1" name=""/>
-        <p:cNvGrpSpPr/>
-        <p:nvPr/>
-      </p:nvGrpSpPr>
-      <p:grpSpPr>
-        <a:xfrm>
-          <a:off x="0" y="0"/>
-          <a:ext cx="0" cy="0"/>
-          <a:chOff x="0" y="0"/>
-          <a:chExt cx="0" cy="0"/>
-        </a:xfrm>
-      </p:grpSpPr>
-      <p:sp>
-        <p:nvSpPr>
-          <p:cNvPr id="2" name="Title 1">
-            <a:extLst>
-              <a:ext uri="{FF2B5EF4-FFF2-40B4-BE49-F238E27FC236}">
-                <a16:creationId xmlns:a16="http://schemas.microsoft.com/office/drawing/2014/main" id="{3DB01C3E-8B09-877E-361E-BDA69ADEE037}"/>
-              </a:ext>
-            </a:extLst>
-          </p:cNvPr>
-          <p:cNvSpPr>
-            <a:spLocks noGrp="1"/>
-          </p:cNvSpPr>
-          <p:nvPr>
-            <p:ph type="title"/>
-          </p:nvPr>
-        </p:nvSpPr>
-        <p:spPr/>
-        <p:txBody>
-          <a:bodyPr/>
-          <a:lstStyle/>
-          <a:p>
-            <a:r>
-              <a:rPr lang="en-NO"/>
-              <a:t>Brokers and topics </a:t>
-            </a:r>
-          </a:p>
-        </p:txBody>
-      </p:sp>
-      <p:sp>
-        <p:nvSpPr>
-          <p:cNvPr id="3" name="Content Placeholder 2">
-            <a:extLst>
-              <a:ext uri="{FF2B5EF4-FFF2-40B4-BE49-F238E27FC236}">
-                <a16:creationId xmlns:a16="http://schemas.microsoft.com/office/drawing/2014/main" id="{A6A20519-72A5-D332-DABF-2958234AA5A2}"/>
-              </a:ext>
-            </a:extLst>
-          </p:cNvPr>
-          <p:cNvSpPr>
-            <a:spLocks noGrp="1"/>
-          </p:cNvSpPr>
-          <p:nvPr>
-            <p:ph idx="1"/>
-          </p:nvPr>
-        </p:nvSpPr>
-        <p:spPr/>
-        <p:txBody>
-          <a:bodyPr/>
-          <a:lstStyle/>
-          <a:p>
-            <a:r>
-              <a:rPr lang="en-NO"/>
-              <a:t>Example of </a:t>
-            </a:r>
-            <a:r>
-              <a:rPr lang="en-NO">
-                <a:solidFill>
-                  <a:schemeClr val="accent1"/>
-                </a:solidFill>
-              </a:rPr>
-              <a:t>Topic-A</a:t>
-            </a:r>
-            <a:r>
-              <a:rPr lang="en-NO"/>
-              <a:t> with </a:t>
-            </a:r>
-            <a:r>
-              <a:rPr lang="en-NO" b="1"/>
-              <a:t>3 partitons</a:t>
-            </a:r>
-            <a:r>
-              <a:rPr lang="en-NO"/>
-              <a:t> and </a:t>
-            </a:r>
-            <a:r>
-              <a:rPr lang="en-NO">
-                <a:solidFill>
-                  <a:srgbClr val="7030A0"/>
-                </a:solidFill>
-              </a:rPr>
-              <a:t>Topic-B</a:t>
-            </a:r>
-            <a:r>
-              <a:rPr lang="en-NO"/>
-              <a:t> with </a:t>
-            </a:r>
-            <a:r>
-              <a:rPr lang="en-NO" b="1"/>
-              <a:t>2 partitions</a:t>
-            </a:r>
-          </a:p>
-          <a:p>
-            <a:r>
-              <a:rPr lang="en-NO"/>
-              <a:t>Note: Data is distributed, and broker 103 doesn’t have any </a:t>
-            </a:r>
-            <a:r>
-              <a:rPr lang="en-NO">
-                <a:solidFill>
-                  <a:srgbClr val="7030A0"/>
-                </a:solidFill>
-              </a:rPr>
-              <a:t>Topic-B</a:t>
-            </a:r>
-          </a:p>
-        </p:txBody>
-      </p:sp>
-      <p:pic>
-        <p:nvPicPr>
-          <p:cNvPr id="21506" name="Picture 2" descr="3 Kafka Brokers with 2 Kafka Topics and topic partitions.">
-            <a:extLst>
-              <a:ext uri="{FF2B5EF4-FFF2-40B4-BE49-F238E27FC236}">
-                <a16:creationId xmlns:a16="http://schemas.microsoft.com/office/drawing/2014/main" id="{87EBE270-124F-1878-60A0-642A580F792B}"/>
-              </a:ext>
-            </a:extLst>
-          </p:cNvPr>
-          <p:cNvPicPr>
-            <a:picLocks noChangeAspect="1" noChangeArrowheads="1"/>
-          </p:cNvPicPr>
-          <p:nvPr/>
-        </p:nvPicPr>
-        <p:blipFill>
-          <a:blip r:embed="rId2">
-            <a:extLst>
-              <a:ext uri="{28A0092B-C50C-407E-A947-70E740481C1C}">
-                <a14:useLocalDpi xmlns:a14="http://schemas.microsoft.com/office/drawing/2010/main" val="0"/>
-              </a:ext>
-            </a:extLst>
-          </a:blip>
-          <a:srcRect/>
-          <a:stretch>
-            <a:fillRect/>
-          </a:stretch>
-        </p:blipFill>
-        <p:spPr bwMode="auto">
-          <a:xfrm>
-            <a:off x="1698702" y="3494881"/>
-            <a:ext cx="8794595" cy="2817019"/>
-          </a:xfrm>
-          <a:prstGeom prst="rect">
-            <a:avLst/>
-          </a:prstGeom>
-          <a:noFill/>
-          <a:extLst>
-            <a:ext uri="{909E8E84-426E-40DD-AFC4-6F175D3DCCD1}">
-              <a14:hiddenFill xmlns:a14="http://schemas.microsoft.com/office/drawing/2010/main">
-                <a:solidFill>
-                  <a:srgbClr val="FFFFFF"/>
-                </a:solidFill>
-              </a14:hiddenFill>
-            </a:ext>
-          </a:extLst>
-        </p:spPr>
-      </p:pic>
-    </p:spTree>
-    <p:extLst>
-      <p:ext uri="{BB962C8B-B14F-4D97-AF65-F5344CB8AC3E}">
-        <p14:creationId xmlns:p14="http://schemas.microsoft.com/office/powerpoint/2010/main" val="630053805"/>
-      </p:ext>
-    </p:extLst>
-  </p:cSld>
-  <p:clrMapOvr>
-    <a:masterClrMapping/>
-  </p:clrMapOvr>
-</p:sld>
-</file>
-
-<file path=ppt/slides/slide41.xml><?xml version="1.0" encoding="utf-8"?>
-<p:sld xmlns:a="http://schemas.openxmlformats.org/drawingml/2006/main" xmlns:r="http://schemas.openxmlformats.org/officeDocument/2006/relationships" xmlns:p="http://schemas.openxmlformats.org/presentationml/2006/main">
-  <p:cSld>
-    <p:spTree>
-      <p:nvGrpSpPr>
-        <p:cNvPr id="1" name=""/>
-        <p:cNvGrpSpPr/>
-        <p:nvPr/>
-      </p:nvGrpSpPr>
-      <p:grpSpPr>
-        <a:xfrm>
-          <a:off x="0" y="0"/>
-          <a:ext cx="0" cy="0"/>
-          <a:chOff x="0" y="0"/>
-          <a:chExt cx="0" cy="0"/>
-        </a:xfrm>
-      </p:grpSpPr>
-      <p:sp>
-        <p:nvSpPr>
-          <p:cNvPr id="2" name="Title 1">
-            <a:extLst>
-              <a:ext uri="{FF2B5EF4-FFF2-40B4-BE49-F238E27FC236}">
-                <a16:creationId xmlns:a16="http://schemas.microsoft.com/office/drawing/2014/main" id="{87DA810B-8F2A-7790-7221-8C11C1C52E70}"/>
-              </a:ext>
-            </a:extLst>
-          </p:cNvPr>
-          <p:cNvSpPr>
-            <a:spLocks noGrp="1"/>
-          </p:cNvSpPr>
-          <p:nvPr>
-            <p:ph type="title"/>
-          </p:nvPr>
-        </p:nvSpPr>
-        <p:spPr/>
-        <p:txBody>
-          <a:bodyPr/>
-          <a:lstStyle/>
-          <a:p>
-            <a:r>
-              <a:rPr lang="en-NO"/>
-              <a:t>Kafka Broker Discovery</a:t>
-            </a:r>
-          </a:p>
-        </p:txBody>
-      </p:sp>
-      <p:sp>
-        <p:nvSpPr>
-          <p:cNvPr id="3" name="Content Placeholder 2">
-            <a:extLst>
-              <a:ext uri="{FF2B5EF4-FFF2-40B4-BE49-F238E27FC236}">
-                <a16:creationId xmlns:a16="http://schemas.microsoft.com/office/drawing/2014/main" id="{A4AB6253-4D2C-A3C5-9C10-D64928806886}"/>
-              </a:ext>
-            </a:extLst>
-          </p:cNvPr>
-          <p:cNvSpPr>
-            <a:spLocks noGrp="1"/>
-          </p:cNvSpPr>
-          <p:nvPr>
-            <p:ph idx="1"/>
-          </p:nvPr>
-        </p:nvSpPr>
-        <p:spPr/>
-        <p:txBody>
-          <a:bodyPr>
-            <a:normAutofit/>
-          </a:bodyPr>
-          <a:lstStyle/>
-          <a:p>
-            <a:r>
-              <a:rPr lang="en-NO" sz="2600"/>
-              <a:t>Every Kafka broker is also called a “Boostrap server”</a:t>
-            </a:r>
-          </a:p>
-          <a:p>
-            <a:r>
-              <a:rPr lang="en-NO" sz="2600"/>
-              <a:t>That means that you only need to connect to one broker (Smart clients)</a:t>
-            </a:r>
-          </a:p>
-          <a:p>
-            <a:r>
-              <a:rPr lang="en-NO" sz="2600"/>
-              <a:t>Each broker know about all brokers, topics and partitions</a:t>
-            </a:r>
-          </a:p>
-        </p:txBody>
-      </p:sp>
-      <p:pic>
-        <p:nvPicPr>
-          <p:cNvPr id="22530" name="Picture 2" descr="Connecting to a Kafka Cluster (Bootstrap Server) diagram. Process for connecting to a Kafka broker within an Apache Kafka cluster.">
-            <a:extLst>
-              <a:ext uri="{FF2B5EF4-FFF2-40B4-BE49-F238E27FC236}">
-                <a16:creationId xmlns:a16="http://schemas.microsoft.com/office/drawing/2014/main" id="{F083509E-741D-6A0C-0464-360D5EA649EF}"/>
-              </a:ext>
-            </a:extLst>
-          </p:cNvPr>
-          <p:cNvPicPr>
-            <a:picLocks noChangeAspect="1" noChangeArrowheads="1"/>
-          </p:cNvPicPr>
-          <p:nvPr/>
-        </p:nvPicPr>
-        <p:blipFill>
-          <a:blip r:embed="rId2">
-            <a:extLst>
-              <a:ext uri="{28A0092B-C50C-407E-A947-70E740481C1C}">
-                <a14:useLocalDpi xmlns:a14="http://schemas.microsoft.com/office/drawing/2010/main" val="0"/>
-              </a:ext>
-            </a:extLst>
-          </a:blip>
-          <a:srcRect/>
-          <a:stretch>
-            <a:fillRect/>
-          </a:stretch>
-        </p:blipFill>
-        <p:spPr bwMode="auto">
-          <a:xfrm>
-            <a:off x="2066692" y="3429000"/>
-            <a:ext cx="8058615" cy="3374545"/>
-          </a:xfrm>
-          <a:prstGeom prst="rect">
-            <a:avLst/>
-          </a:prstGeom>
-          <a:noFill/>
-          <a:extLst>
-            <a:ext uri="{909E8E84-426E-40DD-AFC4-6F175D3DCCD1}">
-              <a14:hiddenFill xmlns:a14="http://schemas.microsoft.com/office/drawing/2010/main">
-                <a:solidFill>
-                  <a:srgbClr val="FFFFFF"/>
-                </a:solidFill>
-              </a14:hiddenFill>
-            </a:ext>
-          </a:extLst>
-        </p:spPr>
-      </p:pic>
-    </p:spTree>
-    <p:extLst>
-      <p:ext uri="{BB962C8B-B14F-4D97-AF65-F5344CB8AC3E}">
-        <p14:creationId xmlns:p14="http://schemas.microsoft.com/office/powerpoint/2010/main" val="4145332408"/>
-      </p:ext>
-    </p:extLst>
-  </p:cSld>
-  <p:clrMapOvr>
-    <a:masterClrMapping/>
-  </p:clrMapOvr>
-</p:sld>
-</file>
-
-<file path=ppt/slides/slide42.xml><?xml version="1.0" encoding="utf-8"?>
-<p:sld xmlns:a="http://schemas.openxmlformats.org/drawingml/2006/main" xmlns:r="http://schemas.openxmlformats.org/officeDocument/2006/relationships" xmlns:p="http://schemas.openxmlformats.org/presentationml/2006/main">
-  <p:cSld>
-    <p:spTree>
-      <p:nvGrpSpPr>
-        <p:cNvPr id="1" name=""/>
-        <p:cNvGrpSpPr/>
-        <p:nvPr/>
-      </p:nvGrpSpPr>
-      <p:grpSpPr>
-        <a:xfrm>
-          <a:off x="0" y="0"/>
-          <a:ext cx="0" cy="0"/>
-          <a:chOff x="0" y="0"/>
-          <a:chExt cx="0" cy="0"/>
-        </a:xfrm>
-      </p:grpSpPr>
-      <p:sp>
-        <p:nvSpPr>
-          <p:cNvPr id="2" name="Title 1">
-            <a:extLst>
-              <a:ext uri="{FF2B5EF4-FFF2-40B4-BE49-F238E27FC236}">
-                <a16:creationId xmlns:a16="http://schemas.microsoft.com/office/drawing/2014/main" id="{B2CF9617-4A2C-4632-2A98-92BACEFD1E4D}"/>
-              </a:ext>
-            </a:extLst>
-          </p:cNvPr>
-          <p:cNvSpPr>
-            <a:spLocks noGrp="1"/>
-          </p:cNvSpPr>
-          <p:nvPr>
-            <p:ph type="title"/>
-          </p:nvPr>
-        </p:nvSpPr>
-        <p:spPr/>
-        <p:txBody>
-          <a:bodyPr/>
-          <a:lstStyle/>
-          <a:p>
-            <a:r>
-              <a:rPr lang="en-NO"/>
-              <a:t>Topic replication factor</a:t>
-            </a:r>
-          </a:p>
-        </p:txBody>
-      </p:sp>
-      <p:sp>
-        <p:nvSpPr>
-          <p:cNvPr id="3" name="Content Placeholder 2">
-            <a:extLst>
-              <a:ext uri="{FF2B5EF4-FFF2-40B4-BE49-F238E27FC236}">
-                <a16:creationId xmlns:a16="http://schemas.microsoft.com/office/drawing/2014/main" id="{9C75F317-7863-36D6-E5BC-924F140F9EE0}"/>
-              </a:ext>
-            </a:extLst>
-          </p:cNvPr>
-          <p:cNvSpPr>
-            <a:spLocks noGrp="1"/>
-          </p:cNvSpPr>
-          <p:nvPr>
-            <p:ph idx="1"/>
-          </p:nvPr>
-        </p:nvSpPr>
-        <p:spPr/>
-        <p:txBody>
-          <a:bodyPr/>
-          <a:lstStyle/>
-          <a:p>
-            <a:r>
-              <a:rPr lang="en-NO"/>
-              <a:t>Topics should have a replication factor &gt; 1 (usually between 2 and 3)</a:t>
-            </a:r>
-          </a:p>
-          <a:p>
-            <a:r>
-              <a:rPr lang="en-NO"/>
-              <a:t>This way if a broker goes down, antoher broker can serve the data</a:t>
-            </a:r>
-          </a:p>
-          <a:p>
-            <a:r>
-              <a:rPr lang="en-NO"/>
-              <a:t>Example: Topic-A with 2 partitions and relication factor of 2</a:t>
-            </a:r>
-          </a:p>
-        </p:txBody>
-      </p:sp>
-      <p:pic>
-        <p:nvPicPr>
-          <p:cNvPr id="23554" name="Picture 2" descr="Diagram showing a default Apache Kafka Replication Factor of 2 distributing messages across 3 different Kafka Brokers.">
-            <a:extLst>
-              <a:ext uri="{FF2B5EF4-FFF2-40B4-BE49-F238E27FC236}">
-                <a16:creationId xmlns:a16="http://schemas.microsoft.com/office/drawing/2014/main" id="{CE461FB9-C881-56B1-DE27-62542F68C3F3}"/>
-              </a:ext>
-            </a:extLst>
-          </p:cNvPr>
-          <p:cNvPicPr>
-            <a:picLocks noChangeAspect="1" noChangeArrowheads="1"/>
-          </p:cNvPicPr>
-          <p:nvPr/>
-        </p:nvPicPr>
-        <p:blipFill>
-          <a:blip r:embed="rId2">
-            <a:extLst>
-              <a:ext uri="{28A0092B-C50C-407E-A947-70E740481C1C}">
-                <a14:useLocalDpi xmlns:a14="http://schemas.microsoft.com/office/drawing/2010/main" val="0"/>
-              </a:ext>
-            </a:extLst>
-          </a:blip>
-          <a:srcRect/>
-          <a:stretch>
-            <a:fillRect/>
-          </a:stretch>
-        </p:blipFill>
-        <p:spPr bwMode="auto">
-          <a:xfrm>
-            <a:off x="2442117" y="4001294"/>
-            <a:ext cx="7307766" cy="2283677"/>
-          </a:xfrm>
-          <a:prstGeom prst="rect">
-            <a:avLst/>
-          </a:prstGeom>
-          <a:noFill/>
-          <a:extLst>
-            <a:ext uri="{909E8E84-426E-40DD-AFC4-6F175D3DCCD1}">
-              <a14:hiddenFill xmlns:a14="http://schemas.microsoft.com/office/drawing/2010/main">
-                <a:solidFill>
-                  <a:srgbClr val="FFFFFF"/>
-                </a:solidFill>
-              </a14:hiddenFill>
-            </a:ext>
-          </a:extLst>
-        </p:spPr>
-      </p:pic>
-    </p:spTree>
-    <p:extLst>
-      <p:ext uri="{BB962C8B-B14F-4D97-AF65-F5344CB8AC3E}">
-        <p14:creationId xmlns:p14="http://schemas.microsoft.com/office/powerpoint/2010/main" val="3846090403"/>
-      </p:ext>
-    </p:extLst>
-  </p:cSld>
-  <p:clrMapOvr>
-    <a:masterClrMapping/>
-  </p:clrMapOvr>
-</p:sld>
-</file>
-
-<file path=ppt/slides/slide43.xml><?xml version="1.0" encoding="utf-8"?>
-<p:sld xmlns:a="http://schemas.openxmlformats.org/drawingml/2006/main" xmlns:r="http://schemas.openxmlformats.org/officeDocument/2006/relationships" xmlns:p="http://schemas.openxmlformats.org/presentationml/2006/main">
-  <p:cSld>
-    <p:spTree>
-      <p:nvGrpSpPr>
-        <p:cNvPr id="1" name=""/>
-        <p:cNvGrpSpPr/>
-        <p:nvPr/>
-      </p:nvGrpSpPr>
-      <p:grpSpPr>
-        <a:xfrm>
-          <a:off x="0" y="0"/>
-          <a:ext cx="0" cy="0"/>
-          <a:chOff x="0" y="0"/>
-          <a:chExt cx="0" cy="0"/>
-        </a:xfrm>
-      </p:grpSpPr>
-      <p:sp>
-        <p:nvSpPr>
-          <p:cNvPr id="2" name="Title 1">
-            <a:extLst>
-              <a:ext uri="{FF2B5EF4-FFF2-40B4-BE49-F238E27FC236}">
-                <a16:creationId xmlns:a16="http://schemas.microsoft.com/office/drawing/2014/main" id="{6B8BF5CE-A297-98B1-7213-E59A82842F9B}"/>
-              </a:ext>
-            </a:extLst>
-          </p:cNvPr>
-          <p:cNvSpPr>
-            <a:spLocks noGrp="1"/>
-          </p:cNvSpPr>
-          <p:nvPr>
-            <p:ph type="title"/>
-          </p:nvPr>
-        </p:nvSpPr>
-        <p:spPr/>
-        <p:txBody>
-          <a:bodyPr/>
-          <a:lstStyle/>
-          <a:p>
-            <a:r>
-              <a:rPr lang="en-NO"/>
-              <a:t>Topic replication factor</a:t>
-            </a:r>
-          </a:p>
-        </p:txBody>
-      </p:sp>
-      <p:sp>
-        <p:nvSpPr>
-          <p:cNvPr id="3" name="Content Placeholder 2">
-            <a:extLst>
-              <a:ext uri="{FF2B5EF4-FFF2-40B4-BE49-F238E27FC236}">
-                <a16:creationId xmlns:a16="http://schemas.microsoft.com/office/drawing/2014/main" id="{BD1036D8-083B-8E86-E8E1-C128FB0E8194}"/>
-              </a:ext>
-            </a:extLst>
-          </p:cNvPr>
-          <p:cNvSpPr>
-            <a:spLocks noGrp="1"/>
-          </p:cNvSpPr>
-          <p:nvPr>
-            <p:ph idx="1"/>
-          </p:nvPr>
-        </p:nvSpPr>
-        <p:spPr/>
-        <p:txBody>
-          <a:bodyPr/>
-          <a:lstStyle/>
-          <a:p>
-            <a:r>
-              <a:rPr lang="en-NO" dirty="0"/>
-              <a:t>Example: We lose broker 102</a:t>
-            </a:r>
-          </a:p>
-          <a:p>
-            <a:r>
-              <a:rPr lang="en-GB" dirty="0"/>
-              <a:t>R</a:t>
-            </a:r>
-            <a:r>
-              <a:rPr lang="en-NO" dirty="0"/>
-              <a:t>esult: Broker 101 and 103 can still serve the data</a:t>
-            </a:r>
-          </a:p>
-          <a:p>
-            <a:r>
-              <a:rPr lang="en-NO" dirty="0"/>
-              <a:t>Note: As a rule, for factor N you can lose up to N-1 brokers and still have all your data</a:t>
-            </a:r>
-          </a:p>
-        </p:txBody>
-      </p:sp>
-      <p:pic>
-        <p:nvPicPr>
-          <p:cNvPr id="24578" name="Picture 2" descr="Diagram showing how Kafka Topic Replication provides resilience when a Kafka Broker fails.">
-            <a:extLst>
-              <a:ext uri="{FF2B5EF4-FFF2-40B4-BE49-F238E27FC236}">
-                <a16:creationId xmlns:a16="http://schemas.microsoft.com/office/drawing/2014/main" id="{96700FC9-0833-3ED1-3DAC-F1CF81469106}"/>
-              </a:ext>
-            </a:extLst>
-          </p:cNvPr>
-          <p:cNvPicPr>
-            <a:picLocks noChangeAspect="1" noChangeArrowheads="1"/>
-          </p:cNvPicPr>
-          <p:nvPr/>
-        </p:nvPicPr>
-        <p:blipFill>
-          <a:blip r:embed="rId2">
-            <a:extLst>
-              <a:ext uri="{28A0092B-C50C-407E-A947-70E740481C1C}">
-                <a14:useLocalDpi xmlns:a14="http://schemas.microsoft.com/office/drawing/2010/main" val="0"/>
-              </a:ext>
-            </a:extLst>
-          </a:blip>
-          <a:srcRect/>
-          <a:stretch>
-            <a:fillRect/>
-          </a:stretch>
-        </p:blipFill>
-        <p:spPr bwMode="auto">
-          <a:xfrm>
-            <a:off x="1942171" y="3832999"/>
-            <a:ext cx="8307658" cy="2596143"/>
-          </a:xfrm>
-          <a:prstGeom prst="rect">
-            <a:avLst/>
-          </a:prstGeom>
-          <a:noFill/>
-          <a:extLst>
-            <a:ext uri="{909E8E84-426E-40DD-AFC4-6F175D3DCCD1}">
-              <a14:hiddenFill xmlns:a14="http://schemas.microsoft.com/office/drawing/2010/main">
-                <a:solidFill>
-                  <a:srgbClr val="FFFFFF"/>
-                </a:solidFill>
-              </a14:hiddenFill>
-            </a:ext>
-          </a:extLst>
-        </p:spPr>
-      </p:pic>
-    </p:spTree>
-    <p:extLst>
-      <p:ext uri="{BB962C8B-B14F-4D97-AF65-F5344CB8AC3E}">
-        <p14:creationId xmlns:p14="http://schemas.microsoft.com/office/powerpoint/2010/main" val="734334624"/>
-      </p:ext>
-    </p:extLst>
-  </p:cSld>
-  <p:clrMapOvr>
-    <a:masterClrMapping/>
-  </p:clrMapOvr>
-</p:sld>
-</file>
-
-<file path=ppt/slides/slide44.xml><?xml version="1.0" encoding="utf-8"?>
-<p:sld xmlns:a="http://schemas.openxmlformats.org/drawingml/2006/main" xmlns:r="http://schemas.openxmlformats.org/officeDocument/2006/relationships" xmlns:p="http://schemas.openxmlformats.org/presentationml/2006/main">
-  <p:cSld>
-    <p:spTree>
-      <p:nvGrpSpPr>
-        <p:cNvPr id="1" name=""/>
-        <p:cNvGrpSpPr/>
-        <p:nvPr/>
-      </p:nvGrpSpPr>
-      <p:grpSpPr>
-        <a:xfrm>
-          <a:off x="0" y="0"/>
-          <a:ext cx="0" cy="0"/>
-          <a:chOff x="0" y="0"/>
-          <a:chExt cx="0" cy="0"/>
-        </a:xfrm>
-      </p:grpSpPr>
-      <p:sp>
-        <p:nvSpPr>
-          <p:cNvPr id="2" name="Title 1">
-            <a:extLst>
-              <a:ext uri="{FF2B5EF4-FFF2-40B4-BE49-F238E27FC236}">
-                <a16:creationId xmlns:a16="http://schemas.microsoft.com/office/drawing/2014/main" id="{D6B0CD74-1974-0E78-5074-38AC16913C2E}"/>
-              </a:ext>
-            </a:extLst>
-          </p:cNvPr>
-          <p:cNvSpPr>
-            <a:spLocks noGrp="1"/>
-          </p:cNvSpPr>
-          <p:nvPr>
-            <p:ph type="title"/>
-          </p:nvPr>
-        </p:nvSpPr>
-        <p:spPr/>
-        <p:txBody>
-          <a:bodyPr/>
-          <a:lstStyle/>
-          <a:p>
-            <a:r>
-              <a:rPr lang="en-NO"/>
-              <a:t>Partition leader</a:t>
-            </a:r>
-          </a:p>
-        </p:txBody>
-      </p:sp>
-      <p:sp>
-        <p:nvSpPr>
-          <p:cNvPr id="3" name="Content Placeholder 2">
-            <a:extLst>
-              <a:ext uri="{FF2B5EF4-FFF2-40B4-BE49-F238E27FC236}">
-                <a16:creationId xmlns:a16="http://schemas.microsoft.com/office/drawing/2014/main" id="{1856EDFE-A2FD-51A9-FAEA-1DD5B3EB941D}"/>
-              </a:ext>
-            </a:extLst>
-          </p:cNvPr>
-          <p:cNvSpPr>
-            <a:spLocks noGrp="1"/>
-          </p:cNvSpPr>
-          <p:nvPr>
-            <p:ph idx="1"/>
-          </p:nvPr>
-        </p:nvSpPr>
-        <p:spPr/>
-        <p:txBody>
-          <a:bodyPr/>
-          <a:lstStyle/>
-          <a:p>
-            <a:r>
-              <a:rPr lang="en-NO" sz="2600"/>
-              <a:t>At any time only one broker can be a leader for a given partition</a:t>
-            </a:r>
-          </a:p>
-          <a:p>
-            <a:pPr lvl="1"/>
-            <a:r>
-              <a:rPr lang="en-NO" sz="2200"/>
-              <a:t>1 preffered leader chosen on topic creation</a:t>
-            </a:r>
-          </a:p>
-          <a:p>
-            <a:pPr lvl="1"/>
-            <a:r>
-              <a:rPr lang="en-NO" sz="2200"/>
-              <a:t>Leader election if it goes down</a:t>
-            </a:r>
-          </a:p>
-          <a:p>
-            <a:r>
-              <a:rPr lang="en-NO" sz="2600"/>
-              <a:t>Producers can only send data to the broker that is leader of a partition</a:t>
-            </a:r>
-          </a:p>
-          <a:p>
-            <a:r>
-              <a:rPr lang="en-NO" sz="2600"/>
-              <a:t>Each partition has one leader and multiple ISR(in-sync replica)</a:t>
-            </a:r>
-          </a:p>
-          <a:p>
-            <a:endParaRPr lang="en-NO"/>
-          </a:p>
-        </p:txBody>
-      </p:sp>
-      <p:pic>
-        <p:nvPicPr>
-          <p:cNvPr id="25602" name="Picture 2" descr="Kafka Topic Replication relies on leader selection and the creation of in-sync replicas (ISR). This diagram shows the Kafka replication process across 3 brokers.">
-            <a:extLst>
-              <a:ext uri="{FF2B5EF4-FFF2-40B4-BE49-F238E27FC236}">
-                <a16:creationId xmlns:a16="http://schemas.microsoft.com/office/drawing/2014/main" id="{926E412F-DF7F-3A13-D9AE-B36DB080B679}"/>
-              </a:ext>
-            </a:extLst>
-          </p:cNvPr>
-          <p:cNvPicPr>
-            <a:picLocks noChangeAspect="1" noChangeArrowheads="1"/>
-          </p:cNvPicPr>
-          <p:nvPr/>
-        </p:nvPicPr>
-        <p:blipFill>
-          <a:blip r:embed="rId2">
-            <a:extLst>
-              <a:ext uri="{28A0092B-C50C-407E-A947-70E740481C1C}">
-                <a14:useLocalDpi xmlns:a14="http://schemas.microsoft.com/office/drawing/2010/main" val="0"/>
-              </a:ext>
-            </a:extLst>
-          </a:blip>
-          <a:srcRect/>
-          <a:stretch>
-            <a:fillRect/>
-          </a:stretch>
-        </p:blipFill>
-        <p:spPr bwMode="auto">
-          <a:xfrm>
-            <a:off x="1664096" y="4090368"/>
-            <a:ext cx="8863808" cy="2767632"/>
-          </a:xfrm>
-          <a:prstGeom prst="rect">
-            <a:avLst/>
-          </a:prstGeom>
-          <a:noFill/>
-          <a:extLst>
-            <a:ext uri="{909E8E84-426E-40DD-AFC4-6F175D3DCCD1}">
-              <a14:hiddenFill xmlns:a14="http://schemas.microsoft.com/office/drawing/2010/main">
-                <a:solidFill>
-                  <a:srgbClr val="FFFFFF"/>
-                </a:solidFill>
-              </a14:hiddenFill>
-            </a:ext>
-          </a:extLst>
-        </p:spPr>
-      </p:pic>
-    </p:spTree>
-    <p:extLst>
-      <p:ext uri="{BB962C8B-B14F-4D97-AF65-F5344CB8AC3E}">
-        <p14:creationId xmlns:p14="http://schemas.microsoft.com/office/powerpoint/2010/main" val="3797153830"/>
-      </p:ext>
-    </p:extLst>
-  </p:cSld>
-  <p:clrMapOvr>
-    <a:masterClrMapping/>
-  </p:clrMapOvr>
-</p:sld>
-</file>
-
-<file path=ppt/slides/slide45.xml><?xml version="1.0" encoding="utf-8"?>
-<p:sld xmlns:a="http://schemas.openxmlformats.org/drawingml/2006/main" xmlns:r="http://schemas.openxmlformats.org/officeDocument/2006/relationships" xmlns:p="http://schemas.openxmlformats.org/presentationml/2006/main">
-  <p:cSld>
-    <p:spTree>
-      <p:nvGrpSpPr>
-        <p:cNvPr id="1" name=""/>
-        <p:cNvGrpSpPr/>
-        <p:nvPr/>
-      </p:nvGrpSpPr>
-      <p:grpSpPr>
-        <a:xfrm>
-          <a:off x="0" y="0"/>
-          <a:ext cx="0" cy="0"/>
-          <a:chOff x="0" y="0"/>
-          <a:chExt cx="0" cy="0"/>
-        </a:xfrm>
-      </p:grpSpPr>
-      <p:pic>
-        <p:nvPicPr>
-          <p:cNvPr id="26628" name="Picture 4" descr="Diagram showing the Kafka Consumers replica fetching process in Apache Kafka">
-            <a:extLst>
-              <a:ext uri="{FF2B5EF4-FFF2-40B4-BE49-F238E27FC236}">
-                <a16:creationId xmlns:a16="http://schemas.microsoft.com/office/drawing/2014/main" id="{A373D9CE-A29E-9409-6CEF-9705F7F9B180}"/>
-              </a:ext>
-            </a:extLst>
-          </p:cNvPr>
-          <p:cNvPicPr>
-            <a:picLocks noChangeAspect="1" noChangeArrowheads="1"/>
-          </p:cNvPicPr>
-          <p:nvPr/>
-        </p:nvPicPr>
-        <p:blipFill>
-          <a:blip r:embed="rId3">
-            <a:extLst>
-              <a:ext uri="{28A0092B-C50C-407E-A947-70E740481C1C}">
-                <a14:useLocalDpi xmlns:a14="http://schemas.microsoft.com/office/drawing/2010/main" val="0"/>
-              </a:ext>
-            </a:extLst>
-          </a:blip>
-          <a:srcRect/>
-          <a:stretch>
-            <a:fillRect/>
-          </a:stretch>
-        </p:blipFill>
-        <p:spPr bwMode="auto">
-          <a:xfrm>
-            <a:off x="3999570" y="4840453"/>
-            <a:ext cx="7768684" cy="1912836"/>
-          </a:xfrm>
-          <a:prstGeom prst="rect">
-            <a:avLst/>
-          </a:prstGeom>
-          <a:noFill/>
-          <a:extLst>
-            <a:ext uri="{909E8E84-426E-40DD-AFC4-6F175D3DCCD1}">
-              <a14:hiddenFill xmlns:a14="http://schemas.microsoft.com/office/drawing/2010/main">
-                <a:solidFill>
-                  <a:srgbClr val="FFFFFF"/>
-                </a:solidFill>
-              </a14:hiddenFill>
-            </a:ext>
-          </a:extLst>
-        </p:spPr>
-      </p:pic>
-      <p:pic>
-        <p:nvPicPr>
-          <p:cNvPr id="26626" name="Picture 2" descr="Diagram showing how Kafka consumers typically read from the topic partition leader">
-            <a:extLst>
-              <a:ext uri="{FF2B5EF4-FFF2-40B4-BE49-F238E27FC236}">
-                <a16:creationId xmlns:a16="http://schemas.microsoft.com/office/drawing/2014/main" id="{D542AD6A-9141-19BF-8630-6C6062F69B44}"/>
-              </a:ext>
-            </a:extLst>
-          </p:cNvPr>
-          <p:cNvPicPr>
-            <a:picLocks noChangeAspect="1" noChangeArrowheads="1"/>
-          </p:cNvPicPr>
-          <p:nvPr/>
-        </p:nvPicPr>
-        <p:blipFill>
-          <a:blip r:embed="rId4">
-            <a:extLst>
-              <a:ext uri="{28A0092B-C50C-407E-A947-70E740481C1C}">
-                <a14:useLocalDpi xmlns:a14="http://schemas.microsoft.com/office/drawing/2010/main" val="0"/>
-              </a:ext>
-            </a:extLst>
-          </a:blip>
-          <a:srcRect/>
-          <a:stretch>
-            <a:fillRect/>
-          </a:stretch>
-        </p:blipFill>
-        <p:spPr bwMode="auto">
-          <a:xfrm>
-            <a:off x="0" y="2877579"/>
-            <a:ext cx="8309936" cy="2146733"/>
-          </a:xfrm>
-          <a:prstGeom prst="rect">
-            <a:avLst/>
-          </a:prstGeom>
-          <a:noFill/>
-          <a:extLst>
-            <a:ext uri="{909E8E84-426E-40DD-AFC4-6F175D3DCCD1}">
-              <a14:hiddenFill xmlns:a14="http://schemas.microsoft.com/office/drawing/2010/main">
-                <a:solidFill>
-                  <a:srgbClr val="FFFFFF"/>
-                </a:solidFill>
-              </a14:hiddenFill>
-            </a:ext>
-          </a:extLst>
-        </p:spPr>
-      </p:pic>
-      <p:sp>
-        <p:nvSpPr>
-          <p:cNvPr id="2" name="Title 1">
-            <a:extLst>
-              <a:ext uri="{FF2B5EF4-FFF2-40B4-BE49-F238E27FC236}">
-                <a16:creationId xmlns:a16="http://schemas.microsoft.com/office/drawing/2014/main" id="{7CBF8B18-08EB-EE14-2823-BD1512F5B680}"/>
-              </a:ext>
-            </a:extLst>
-          </p:cNvPr>
-          <p:cNvSpPr>
-            <a:spLocks noGrp="1"/>
-          </p:cNvSpPr>
-          <p:nvPr>
-            <p:ph type="title"/>
-          </p:nvPr>
-        </p:nvSpPr>
-        <p:spPr/>
-        <p:txBody>
-          <a:bodyPr/>
-          <a:lstStyle/>
-          <a:p>
-            <a:r>
-              <a:rPr lang="en-NO"/>
-              <a:t>Default behavior for Producer/Consumer</a:t>
-            </a:r>
-          </a:p>
-        </p:txBody>
-      </p:sp>
-      <p:sp>
-        <p:nvSpPr>
-          <p:cNvPr id="3" name="Content Placeholder 2">
-            <a:extLst>
-              <a:ext uri="{FF2B5EF4-FFF2-40B4-BE49-F238E27FC236}">
-                <a16:creationId xmlns:a16="http://schemas.microsoft.com/office/drawing/2014/main" id="{73B19C76-DADC-675A-22DF-6F18C223C315}"/>
-              </a:ext>
-            </a:extLst>
-          </p:cNvPr>
-          <p:cNvSpPr>
-            <a:spLocks noGrp="1"/>
-          </p:cNvSpPr>
-          <p:nvPr>
-            <p:ph idx="1"/>
-          </p:nvPr>
-        </p:nvSpPr>
-        <p:spPr/>
-        <p:txBody>
-          <a:bodyPr>
-            <a:normAutofit/>
-          </a:bodyPr>
-          <a:lstStyle/>
-          <a:p>
-            <a:r>
-              <a:rPr lang="en-NO" sz="2600"/>
-              <a:t>Producers send to the leader of the partition</a:t>
-            </a:r>
-          </a:p>
-          <a:p>
-            <a:r>
-              <a:rPr lang="en-NO" sz="2600"/>
-              <a:t>Consumers read from the leader, but can also read from replicas (&gt;= v2.4)</a:t>
-            </a:r>
-          </a:p>
-        </p:txBody>
-      </p:sp>
-    </p:spTree>
-    <p:extLst>
-      <p:ext uri="{BB962C8B-B14F-4D97-AF65-F5344CB8AC3E}">
-        <p14:creationId xmlns:p14="http://schemas.microsoft.com/office/powerpoint/2010/main" val="132983637"/>
-      </p:ext>
-    </p:extLst>
-  </p:cSld>
-  <p:clrMapOvr>
-    <a:masterClrMapping/>
-  </p:clrMapOvr>
-</p:sld>
-</file>
-
-<file path=ppt/slides/slide46.xml><?xml version="1.0" encoding="utf-8"?>
-<p:sld xmlns:a="http://schemas.openxmlformats.org/drawingml/2006/main" xmlns:r="http://schemas.openxmlformats.org/officeDocument/2006/relationships" xmlns:p="http://schemas.openxmlformats.org/presentationml/2006/main">
-  <p:cSld>
-    <p:spTree>
-      <p:nvGrpSpPr>
-        <p:cNvPr id="1" name=""/>
-        <p:cNvGrpSpPr/>
-        <p:nvPr/>
-      </p:nvGrpSpPr>
-      <p:grpSpPr>
-        <a:xfrm>
-          <a:off x="0" y="0"/>
-          <a:ext cx="0" cy="0"/>
-          <a:chOff x="0" y="0"/>
-          <a:chExt cx="0" cy="0"/>
-        </a:xfrm>
-      </p:grpSpPr>
-      <p:pic>
-        <p:nvPicPr>
-          <p:cNvPr id="4" name="Picture 2" descr="Apache Kafka Producers send data into Kafka. These messages are then routed by the broker to the relevant topics and partitions.">
-            <a:extLst>
-              <a:ext uri="{FF2B5EF4-FFF2-40B4-BE49-F238E27FC236}">
-                <a16:creationId xmlns:a16="http://schemas.microsoft.com/office/drawing/2014/main" id="{830CAB4D-1F81-8F1F-CC5D-5A4925D7DEF3}"/>
-              </a:ext>
-            </a:extLst>
-          </p:cNvPr>
-          <p:cNvPicPr>
-            <a:picLocks noChangeAspect="1" noChangeArrowheads="1"/>
-          </p:cNvPicPr>
-          <p:nvPr/>
-        </p:nvPicPr>
-        <p:blipFill>
-          <a:blip r:embed="rId2">
-            <a:extLst>
-              <a:ext uri="{28A0092B-C50C-407E-A947-70E740481C1C}">
-                <a14:useLocalDpi xmlns:a14="http://schemas.microsoft.com/office/drawing/2010/main" val="0"/>
-              </a:ext>
-            </a:extLst>
-          </a:blip>
-          <a:srcRect/>
-          <a:stretch>
-            <a:fillRect/>
-          </a:stretch>
-        </p:blipFill>
-        <p:spPr bwMode="auto">
-          <a:xfrm>
-            <a:off x="838200" y="1258885"/>
-            <a:ext cx="10618778" cy="3016950"/>
-          </a:xfrm>
-          <a:prstGeom prst="rect">
-            <a:avLst/>
-          </a:prstGeom>
-          <a:noFill/>
-          <a:extLst>
-            <a:ext uri="{909E8E84-426E-40DD-AFC4-6F175D3DCCD1}">
-              <a14:hiddenFill xmlns:a14="http://schemas.microsoft.com/office/drawing/2010/main">
-                <a:solidFill>
-                  <a:srgbClr val="FFFFFF"/>
-                </a:solidFill>
-              </a14:hiddenFill>
-            </a:ext>
-          </a:extLst>
-        </p:spPr>
-      </p:pic>
-      <p:sp>
-        <p:nvSpPr>
-          <p:cNvPr id="2" name="Title 1">
-            <a:extLst>
-              <a:ext uri="{FF2B5EF4-FFF2-40B4-BE49-F238E27FC236}">
-                <a16:creationId xmlns:a16="http://schemas.microsoft.com/office/drawing/2014/main" id="{80A66985-B958-8E82-41E5-7F6FCA7C6A90}"/>
-              </a:ext>
-            </a:extLst>
-          </p:cNvPr>
-          <p:cNvSpPr>
-            <a:spLocks noGrp="1"/>
-          </p:cNvSpPr>
-          <p:nvPr>
-            <p:ph type="title"/>
-          </p:nvPr>
-        </p:nvSpPr>
-        <p:spPr/>
-        <p:txBody>
-          <a:bodyPr/>
-          <a:lstStyle/>
-          <a:p>
-            <a:r>
-              <a:rPr lang="en-NO"/>
-              <a:t>Producer Acknowledgements (acks)</a:t>
-            </a:r>
-          </a:p>
-        </p:txBody>
-      </p:sp>
-      <p:sp>
-        <p:nvSpPr>
-          <p:cNvPr id="3" name="Content Placeholder 2">
-            <a:extLst>
-              <a:ext uri="{FF2B5EF4-FFF2-40B4-BE49-F238E27FC236}">
-                <a16:creationId xmlns:a16="http://schemas.microsoft.com/office/drawing/2014/main" id="{5EE8CEA6-C777-CCB9-0576-3442D92BF17A}"/>
-              </a:ext>
-            </a:extLst>
-          </p:cNvPr>
-          <p:cNvSpPr>
-            <a:spLocks noGrp="1"/>
-          </p:cNvSpPr>
-          <p:nvPr>
-            <p:ph idx="1"/>
-          </p:nvPr>
-        </p:nvSpPr>
-        <p:spPr>
-          <a:xfrm>
-            <a:off x="838200" y="4506293"/>
-            <a:ext cx="10515600" cy="1670669"/>
-          </a:xfrm>
-        </p:spPr>
-        <p:txBody>
-          <a:bodyPr/>
-          <a:lstStyle/>
-          <a:p>
-            <a:r>
-              <a:rPr lang="en-NO"/>
-              <a:t>Producers can choose to receive acknowledgments of data writes</a:t>
-            </a:r>
-          </a:p>
-          <a:p>
-            <a:pPr lvl="1"/>
-            <a:r>
-              <a:rPr lang="en-NO"/>
-              <a:t>acks=0: Producers won’t wait for acknowledgement (possible data loss)</a:t>
-            </a:r>
-          </a:p>
-          <a:p>
-            <a:pPr lvl="1"/>
-            <a:r>
-              <a:rPr lang="en-GB"/>
-              <a:t>a</a:t>
-            </a:r>
-            <a:r>
-              <a:rPr lang="en-NO"/>
-              <a:t>cks=1: Producers will wait for leader acknowledgment (limited data loss)</a:t>
-            </a:r>
-          </a:p>
-          <a:p>
-            <a:pPr lvl="1"/>
-            <a:r>
-              <a:rPr lang="en-GB"/>
-              <a:t>a</a:t>
-            </a:r>
-            <a:r>
-              <a:rPr lang="en-NO"/>
-              <a:t>cks=all=-1: Leader + replicas acknowledgment (no data loss)</a:t>
-            </a:r>
-          </a:p>
-        </p:txBody>
-      </p:sp>
-    </p:spTree>
-    <p:extLst>
-      <p:ext uri="{BB962C8B-B14F-4D97-AF65-F5344CB8AC3E}">
-        <p14:creationId xmlns:p14="http://schemas.microsoft.com/office/powerpoint/2010/main" val="1038274698"/>
-      </p:ext>
-    </p:extLst>
-  </p:cSld>
-  <p:clrMapOvr>
-    <a:masterClrMapping/>
-  </p:clrMapOvr>
-</p:sld>
-</file>
-
-<file path=ppt/slides/slide47.xml><?xml version="1.0" encoding="utf-8"?>
-<p:sld xmlns:a="http://schemas.openxmlformats.org/drawingml/2006/main" xmlns:r="http://schemas.openxmlformats.org/officeDocument/2006/relationships" xmlns:p="http://schemas.openxmlformats.org/presentationml/2006/main">
-  <p:cSld>
-    <p:spTree>
-      <p:nvGrpSpPr>
-        <p:cNvPr id="1" name=""/>
-        <p:cNvGrpSpPr/>
-        <p:nvPr/>
-      </p:nvGrpSpPr>
-      <p:grpSpPr>
-        <a:xfrm>
-          <a:off x="0" y="0"/>
-          <a:ext cx="0" cy="0"/>
-          <a:chOff x="0" y="0"/>
-          <a:chExt cx="0" cy="0"/>
-        </a:xfrm>
-      </p:grpSpPr>
-      <p:sp>
-        <p:nvSpPr>
-          <p:cNvPr id="2" name="Title 1">
-            <a:extLst>
-              <a:ext uri="{FF2B5EF4-FFF2-40B4-BE49-F238E27FC236}">
-                <a16:creationId xmlns:a16="http://schemas.microsoft.com/office/drawing/2014/main" id="{45EB53FB-79A4-C6EF-6400-1947C0854985}"/>
-              </a:ext>
-            </a:extLst>
-          </p:cNvPr>
-          <p:cNvSpPr>
-            <a:spLocks noGrp="1"/>
-          </p:cNvSpPr>
-          <p:nvPr>
-            <p:ph type="title"/>
-          </p:nvPr>
-        </p:nvSpPr>
-        <p:spPr/>
-        <p:txBody>
-          <a:bodyPr/>
-          <a:lstStyle/>
-          <a:p>
-            <a:r>
-              <a:rPr lang="en-NO"/>
-              <a:t>Zookeeper</a:t>
-            </a:r>
-          </a:p>
-        </p:txBody>
-      </p:sp>
-      <p:sp>
-        <p:nvSpPr>
-          <p:cNvPr id="3" name="Content Placeholder 2">
-            <a:extLst>
-              <a:ext uri="{FF2B5EF4-FFF2-40B4-BE49-F238E27FC236}">
-                <a16:creationId xmlns:a16="http://schemas.microsoft.com/office/drawing/2014/main" id="{AA71EF6E-4E5F-9A55-BD42-9CF837F6994E}"/>
-              </a:ext>
-            </a:extLst>
-          </p:cNvPr>
-          <p:cNvSpPr>
-            <a:spLocks noGrp="1"/>
-          </p:cNvSpPr>
-          <p:nvPr>
-            <p:ph idx="1"/>
-          </p:nvPr>
-        </p:nvSpPr>
-        <p:spPr>
-          <a:xfrm>
-            <a:off x="838199" y="1825625"/>
-            <a:ext cx="8231459" cy="4351338"/>
-          </a:xfrm>
-        </p:spPr>
-        <p:txBody>
-          <a:bodyPr/>
-          <a:lstStyle/>
-          <a:p>
-            <a:r>
-              <a:rPr lang="en-NO"/>
-              <a:t>Zookeeper manages brokers (Keeps a list of them)</a:t>
-            </a:r>
-          </a:p>
-          <a:p>
-            <a:r>
-              <a:rPr lang="en-NO"/>
-              <a:t>Zookeeper helps in performing leader election</a:t>
-            </a:r>
-          </a:p>
-          <a:p>
-            <a:r>
-              <a:rPr lang="en-NO"/>
-              <a:t>Zookeper sends notifiction to kafka in case of changes (e.g. new topic, delete topics, broker dies, etc…)</a:t>
-            </a:r>
-          </a:p>
-          <a:p>
-            <a:r>
-              <a:rPr lang="en-NO"/>
-              <a:t>Kafka 2.x cant work without zookeeper</a:t>
-            </a:r>
-          </a:p>
-          <a:p>
-            <a:r>
-              <a:rPr lang="en-NO"/>
-              <a:t>Kafka 3.x can work without Zookeeper – Kafka raft</a:t>
-            </a:r>
-          </a:p>
-          <a:p>
-            <a:r>
-              <a:rPr lang="en-NO"/>
-              <a:t>Kafka 4.x will not have Zookeeper</a:t>
-            </a:r>
-          </a:p>
-        </p:txBody>
-      </p:sp>
-      <p:pic>
-        <p:nvPicPr>
-          <p:cNvPr id="5" name="Picture 4" descr="A person standing in front of a gate&#10;&#10;Description automatically generated">
-            <a:extLst>
-              <a:ext uri="{FF2B5EF4-FFF2-40B4-BE49-F238E27FC236}">
-                <a16:creationId xmlns:a16="http://schemas.microsoft.com/office/drawing/2014/main" id="{CF16E162-17AC-DC2F-96B8-64FE8A53FB20}"/>
-              </a:ext>
-            </a:extLst>
-          </p:cNvPr>
-          <p:cNvPicPr>
-            <a:picLocks noChangeAspect="1"/>
-          </p:cNvPicPr>
-          <p:nvPr/>
-        </p:nvPicPr>
-        <p:blipFill>
-          <a:blip r:embed="rId2">
-            <a:extLst>
-              <a:ext uri="{837473B0-CC2E-450A-ABE3-18F120FF3D39}">
-                <a1611:picAttrSrcUrl xmlns:a1611="http://schemas.microsoft.com/office/drawing/2016/11/main" r:id="rId3"/>
-              </a:ext>
-            </a:extLst>
-          </a:blip>
-          <a:stretch>
-            <a:fillRect/>
-          </a:stretch>
-        </p:blipFill>
-        <p:spPr>
-          <a:xfrm>
-            <a:off x="9153602" y="1690688"/>
-            <a:ext cx="2463800" cy="3657600"/>
-          </a:xfrm>
-          <a:prstGeom prst="rect">
-            <a:avLst/>
-          </a:prstGeom>
-        </p:spPr>
-      </p:pic>
-      <p:pic>
-        <p:nvPicPr>
-          <p:cNvPr id="28674" name="Picture 2" descr="Apache ZooKeeper - Wikipedia">
-            <a:extLst>
-              <a:ext uri="{FF2B5EF4-FFF2-40B4-BE49-F238E27FC236}">
-                <a16:creationId xmlns:a16="http://schemas.microsoft.com/office/drawing/2014/main" id="{FD4CB784-BBA2-134F-8CDC-1A4430D6D378}"/>
-              </a:ext>
-            </a:extLst>
-          </p:cNvPr>
-          <p:cNvPicPr>
-            <a:picLocks noChangeAspect="1" noChangeArrowheads="1"/>
-          </p:cNvPicPr>
-          <p:nvPr/>
-        </p:nvPicPr>
-        <p:blipFill>
-          <a:blip r:embed="rId4">
-            <a:extLst>
-              <a:ext uri="{28A0092B-C50C-407E-A947-70E740481C1C}">
-                <a14:useLocalDpi xmlns:a14="http://schemas.microsoft.com/office/drawing/2010/main" val="0"/>
-              </a:ext>
-            </a:extLst>
-          </a:blip>
-          <a:srcRect/>
-          <a:stretch>
-            <a:fillRect/>
-          </a:stretch>
-        </p:blipFill>
-        <p:spPr bwMode="auto">
-          <a:xfrm>
-            <a:off x="6851805" y="132536"/>
-            <a:ext cx="2550326" cy="1377176"/>
-          </a:xfrm>
-          <a:prstGeom prst="rect">
-            <a:avLst/>
-          </a:prstGeom>
-          <a:noFill/>
-          <a:extLst>
-            <a:ext uri="{909E8E84-426E-40DD-AFC4-6F175D3DCCD1}">
-              <a14:hiddenFill xmlns:a14="http://schemas.microsoft.com/office/drawing/2010/main">
-                <a:solidFill>
-                  <a:srgbClr val="FFFFFF"/>
-                </a:solidFill>
-              </a14:hiddenFill>
-            </a:ext>
-          </a:extLst>
-        </p:spPr>
-      </p:pic>
-    </p:spTree>
-    <p:extLst>
-      <p:ext uri="{BB962C8B-B14F-4D97-AF65-F5344CB8AC3E}">
-        <p14:creationId xmlns:p14="http://schemas.microsoft.com/office/powerpoint/2010/main" val="4071986920"/>
-      </p:ext>
-    </p:extLst>
-  </p:cSld>
-  <p:clrMapOvr>
-    <a:masterClrMapping/>
-  </p:clrMapOvr>
-</p:sld>
-</file>
-
-<file path=ppt/slides/slide48.xml><?xml version="1.0" encoding="utf-8"?>
-<p:sld xmlns:a="http://schemas.openxmlformats.org/drawingml/2006/main" xmlns:r="http://schemas.openxmlformats.org/officeDocument/2006/relationships" xmlns:p="http://schemas.openxmlformats.org/presentationml/2006/main">
-  <p:cSld>
-    <p:spTree>
-      <p:nvGrpSpPr>
-        <p:cNvPr id="1" name=""/>
-        <p:cNvGrpSpPr/>
-        <p:nvPr/>
-      </p:nvGrpSpPr>
-      <p:grpSpPr>
-        <a:xfrm>
-          <a:off x="0" y="0"/>
-          <a:ext cx="0" cy="0"/>
-          <a:chOff x="0" y="0"/>
-          <a:chExt cx="0" cy="0"/>
-        </a:xfrm>
-      </p:grpSpPr>
-      <p:sp>
-        <p:nvSpPr>
-          <p:cNvPr id="2" name="Title 1">
-            <a:extLst>
-              <a:ext uri="{FF2B5EF4-FFF2-40B4-BE49-F238E27FC236}">
-                <a16:creationId xmlns:a16="http://schemas.microsoft.com/office/drawing/2014/main" id="{4609A40C-E4A2-9C5B-639C-17B8AA2A5E8F}"/>
-              </a:ext>
-            </a:extLst>
-          </p:cNvPr>
-          <p:cNvSpPr>
-            <a:spLocks noGrp="1"/>
-          </p:cNvSpPr>
-          <p:nvPr>
-            <p:ph type="title"/>
-          </p:nvPr>
-        </p:nvSpPr>
-        <p:spPr/>
-        <p:txBody>
-          <a:bodyPr/>
-          <a:lstStyle/>
-          <a:p>
-            <a:r>
-              <a:rPr lang="en-NO"/>
-              <a:t>Should you use Zookeeper?</a:t>
-            </a:r>
-          </a:p>
-        </p:txBody>
-      </p:sp>
-      <p:sp>
-        <p:nvSpPr>
-          <p:cNvPr id="3" name="Content Placeholder 2">
-            <a:extLst>
-              <a:ext uri="{FF2B5EF4-FFF2-40B4-BE49-F238E27FC236}">
-                <a16:creationId xmlns:a16="http://schemas.microsoft.com/office/drawing/2014/main" id="{67F89DBC-0EBD-0347-1570-95FFA839E55E}"/>
-              </a:ext>
-            </a:extLst>
-          </p:cNvPr>
-          <p:cNvSpPr>
-            <a:spLocks noGrp="1"/>
-          </p:cNvSpPr>
-          <p:nvPr>
-            <p:ph idx="1"/>
-          </p:nvPr>
-        </p:nvSpPr>
-        <p:spPr/>
-        <p:txBody>
-          <a:bodyPr/>
-          <a:lstStyle/>
-          <a:p>
-            <a:r>
-              <a:rPr lang="en-NO"/>
-              <a:t>With kafka brokers</a:t>
-            </a:r>
-          </a:p>
-          <a:p>
-            <a:pPr lvl="1"/>
-            <a:r>
-              <a:rPr lang="en-NO"/>
-              <a:t>Kafka Raft (K</a:t>
-            </a:r>
-            <a:r>
-              <a:rPr lang="en-GB"/>
-              <a:t>R</a:t>
-            </a:r>
-            <a:r>
-              <a:rPr lang="en-NO"/>
-              <a:t>aft) is production ready as of 3.3 (now 3.6)</a:t>
-            </a:r>
-          </a:p>
-          <a:p>
-            <a:pPr lvl="1"/>
-            <a:r>
-              <a:rPr lang="en-GB"/>
-              <a:t>4.0 is planned to be released in April 2024 </a:t>
-            </a:r>
-            <a:endParaRPr lang="en-NO"/>
-          </a:p>
-          <a:p>
-            <a:pPr lvl="1"/>
-            <a:r>
-              <a:rPr lang="en-NO"/>
-              <a:t>Yes &amp; No</a:t>
-            </a:r>
-          </a:p>
-          <a:p>
-            <a:r>
-              <a:rPr lang="en-NO"/>
-              <a:t>With Kafka Clients</a:t>
-            </a:r>
-          </a:p>
-          <a:p>
-            <a:pPr lvl="1"/>
-            <a:r>
-              <a:rPr lang="en-NO"/>
-              <a:t>Over time, the kafka clients and CLI have been migrated to leverage the brokers as connection endpoint</a:t>
-            </a:r>
-          </a:p>
-          <a:p>
-            <a:pPr lvl="1"/>
-            <a:endParaRPr lang="en-NO"/>
-          </a:p>
-        </p:txBody>
-      </p:sp>
-    </p:spTree>
-    <p:extLst>
-      <p:ext uri="{BB962C8B-B14F-4D97-AF65-F5344CB8AC3E}">
-        <p14:creationId xmlns:p14="http://schemas.microsoft.com/office/powerpoint/2010/main" val="2387474760"/>
-      </p:ext>
-    </p:extLst>
-  </p:cSld>
-  <p:clrMapOvr>
-    <a:masterClrMapping/>
-  </p:clrMapOvr>
-</p:sld>
-</file>
-
-<file path=ppt/slides/slide49.xml><?xml version="1.0" encoding="utf-8"?>
-<p:sld xmlns:a="http://schemas.openxmlformats.org/drawingml/2006/main" xmlns:r="http://schemas.openxmlformats.org/officeDocument/2006/relationships" xmlns:p="http://schemas.openxmlformats.org/presentationml/2006/main">
-  <p:cSld>
-    <p:spTree>
-      <p:nvGrpSpPr>
-        <p:cNvPr id="1" name=""/>
-        <p:cNvGrpSpPr/>
-        <p:nvPr/>
-      </p:nvGrpSpPr>
-      <p:grpSpPr>
-        <a:xfrm>
-          <a:off x="0" y="0"/>
-          <a:ext cx="0" cy="0"/>
-          <a:chOff x="0" y="0"/>
-          <a:chExt cx="0" cy="0"/>
-        </a:xfrm>
-      </p:grpSpPr>
-      <p:sp>
-        <p:nvSpPr>
-          <p:cNvPr id="2" name="Title 1">
-            <a:extLst>
-              <a:ext uri="{FF2B5EF4-FFF2-40B4-BE49-F238E27FC236}">
-                <a16:creationId xmlns:a16="http://schemas.microsoft.com/office/drawing/2014/main" id="{8659FFAF-1889-2292-3B49-FDF6DCE827F5}"/>
-              </a:ext>
-            </a:extLst>
-          </p:cNvPr>
-          <p:cNvSpPr>
-            <a:spLocks noGrp="1"/>
-          </p:cNvSpPr>
-          <p:nvPr>
-            <p:ph type="title"/>
-          </p:nvPr>
-        </p:nvSpPr>
-        <p:spPr/>
-        <p:txBody>
-          <a:bodyPr/>
-          <a:lstStyle/>
-          <a:p>
-            <a:r>
-              <a:rPr lang="en-NO"/>
-              <a:t>About Kafka KRaft</a:t>
-            </a:r>
-          </a:p>
-        </p:txBody>
-      </p:sp>
-      <p:sp>
-        <p:nvSpPr>
-          <p:cNvPr id="3" name="Content Placeholder 2">
-            <a:extLst>
-              <a:ext uri="{FF2B5EF4-FFF2-40B4-BE49-F238E27FC236}">
-                <a16:creationId xmlns:a16="http://schemas.microsoft.com/office/drawing/2014/main" id="{66C8161D-09A6-5716-04CA-35E213CBB78A}"/>
-              </a:ext>
-            </a:extLst>
-          </p:cNvPr>
-          <p:cNvSpPr>
-            <a:spLocks noGrp="1"/>
-          </p:cNvSpPr>
-          <p:nvPr>
-            <p:ph idx="1"/>
-          </p:nvPr>
-        </p:nvSpPr>
-        <p:spPr/>
-        <p:txBody>
-          <a:bodyPr>
-            <a:normAutofit/>
-          </a:bodyPr>
-          <a:lstStyle/>
-          <a:p>
-            <a:r>
-              <a:rPr lang="en-NO"/>
-              <a:t>In 2022, the Apache Kafka project stated to work to remove Zookeeper</a:t>
-            </a:r>
-          </a:p>
-          <a:p>
-            <a:r>
-              <a:rPr lang="en-NO"/>
-              <a:t>Zookeper shows scaling issues when kafka clusters have &gt; 100 000 partitions</a:t>
-            </a:r>
-          </a:p>
-          <a:p>
-            <a:r>
-              <a:rPr lang="en-NO"/>
-              <a:t>By removing Zookeeper</a:t>
-            </a:r>
-          </a:p>
-          <a:p>
-            <a:pPr lvl="1"/>
-            <a:r>
-              <a:rPr lang="en-GB"/>
-              <a:t>Ability to scale to millions of partitions, easier to maintain and set up</a:t>
-            </a:r>
-          </a:p>
-          <a:p>
-            <a:pPr lvl="1"/>
-            <a:r>
-              <a:rPr lang="en-GB"/>
-              <a:t>Improved stability, easier to monitor, support, and administer</a:t>
-            </a:r>
-          </a:p>
-          <a:p>
-            <a:pPr lvl="1"/>
-            <a:r>
-              <a:rPr lang="en-GB"/>
-              <a:t>Single process to start Kafka</a:t>
-            </a:r>
-          </a:p>
-          <a:p>
-            <a:pPr lvl="1"/>
-            <a:r>
-              <a:rPr lang="en-GB"/>
-              <a:t>Single security model for the whole system </a:t>
-            </a:r>
-          </a:p>
-          <a:p>
-            <a:pPr lvl="1"/>
-            <a:r>
-              <a:rPr lang="en-GB"/>
-              <a:t>Faster controller shutdown and recovery time</a:t>
-            </a:r>
-          </a:p>
-          <a:p>
-            <a:pPr lvl="1"/>
-            <a:endParaRPr lang="en-NO"/>
-          </a:p>
-        </p:txBody>
-      </p:sp>
-    </p:spTree>
-    <p:extLst>
-      <p:ext uri="{BB962C8B-B14F-4D97-AF65-F5344CB8AC3E}">
-        <p14:creationId xmlns:p14="http://schemas.microsoft.com/office/powerpoint/2010/main" val="1045490"/>
+        <p14:creationId xmlns:p14="http://schemas.microsoft.com/office/powerpoint/2010/main" val="2590813569"/>
       </p:ext>
     </p:extLst>
   </p:cSld>
@@ -21157,7 +14964,13 @@
   <p:cSld>
     <p:spTree>
       <p:nvGrpSpPr>
-        <p:cNvPr id="1" name=""/>
+        <p:cNvPr id="1" name="">
+          <a:extLst>
+            <a:ext uri="{FF2B5EF4-FFF2-40B4-BE49-F238E27FC236}">
+              <a16:creationId xmlns:a16="http://schemas.microsoft.com/office/drawing/2014/main" id="{AE0D2033-CF44-474F-F682-931C8ABBADBA}"/>
+            </a:ext>
+          </a:extLst>
+        </p:cNvPr>
         <p:cNvGrpSpPr/>
         <p:nvPr/>
       </p:nvGrpSpPr>
@@ -21174,15 +14987,15 @@
           <p:cNvPr id="2" name="Title 1">
             <a:extLst>
               <a:ext uri="{FF2B5EF4-FFF2-40B4-BE49-F238E27FC236}">
-                <a16:creationId xmlns:a16="http://schemas.microsoft.com/office/drawing/2014/main" id="{878B201D-61DC-EFB7-8C15-C08194E8F4E1}"/>
-              </a:ext>
-            </a:extLst>
-          </p:cNvPr>
-          <p:cNvSpPr>
-            <a:spLocks noGrp="1"/>
-          </p:cNvSpPr>
-          <p:nvPr>
-            <p:ph type="title"/>
+                <a16:creationId xmlns:a16="http://schemas.microsoft.com/office/drawing/2014/main" id="{87FB7FB0-D132-C502-62C1-AB05C98CC411}"/>
+              </a:ext>
+            </a:extLst>
+          </p:cNvPr>
+          <p:cNvSpPr>
+            <a:spLocks noGrp="1"/>
+          </p:cNvSpPr>
+          <p:nvPr>
+            <p:ph type="ctrTitle"/>
           </p:nvPr>
         </p:nvSpPr>
         <p:spPr/>
@@ -21191,827 +15004,66 @@
           <a:lstStyle/>
           <a:p>
             <a:r>
-              <a:rPr lang="en-US" b="1">
-                <a:ea typeface="+mj-lt"/>
-                <a:cs typeface="+mj-lt"/>
-              </a:rPr>
-              <a:t>Introduction to Docker and Container Technology</a:t>
-            </a:r>
-            <a:endParaRPr lang="en-US"/>
-          </a:p>
-        </p:txBody>
-      </p:sp>
-      <p:sp>
-        <p:nvSpPr>
-          <p:cNvPr id="3" name="Content Placeholder 2">
-            <a:extLst>
-              <a:ext uri="{FF2B5EF4-FFF2-40B4-BE49-F238E27FC236}">
-                <a16:creationId xmlns:a16="http://schemas.microsoft.com/office/drawing/2014/main" id="{58AB7CE4-A859-0311-53AA-DB2260AB0D38}"/>
-              </a:ext>
-            </a:extLst>
-          </p:cNvPr>
-          <p:cNvSpPr>
-            <a:spLocks noGrp="1"/>
-          </p:cNvSpPr>
-          <p:nvPr>
-            <p:ph idx="1"/>
-          </p:nvPr>
-        </p:nvSpPr>
-        <p:spPr>
-          <a:xfrm>
-            <a:off x="838200" y="1825625"/>
-            <a:ext cx="10515600" cy="4926180"/>
-          </a:xfrm>
-        </p:spPr>
-        <p:txBody>
-          <a:bodyPr vert="horz" lIns="91440" tIns="45720" rIns="91440" bIns="45720" rtlCol="0" anchor="t">
-            <a:normAutofit/>
-          </a:bodyPr>
-          <a:lstStyle/>
-          <a:p>
-            <a:r>
-              <a:rPr lang="en-US">
-                <a:ea typeface="+mn-lt"/>
-                <a:cs typeface="+mn-lt"/>
-              </a:rPr>
-              <a:t>Key Concepts: </a:t>
-            </a:r>
-            <a:endParaRPr lang="en-US"/>
-          </a:p>
-          <a:p>
-            <a:pPr lvl="1">
-              <a:buFont typeface="Courier New" panose="020B0604020202020204" pitchFamily="34" charset="0"/>
-              <a:buChar char="o"/>
-            </a:pPr>
-            <a:r>
-              <a:rPr lang="en-US">
-                <a:ea typeface="+mn-lt"/>
-                <a:cs typeface="+mn-lt"/>
-              </a:rPr>
-              <a:t>Containerization </a:t>
-            </a:r>
-          </a:p>
-          <a:p>
-            <a:pPr lvl="1">
-              <a:buFont typeface="Courier New" panose="020B0604020202020204" pitchFamily="34" charset="0"/>
-              <a:buChar char="o"/>
-            </a:pPr>
-            <a:r>
-              <a:rPr lang="en-US">
-                <a:ea typeface="+mn-lt"/>
-                <a:cs typeface="+mn-lt"/>
-              </a:rPr>
-              <a:t>Isolation</a:t>
-            </a:r>
-            <a:endParaRPr lang="en-US">
-              <a:cs typeface="Calibri"/>
-            </a:endParaRPr>
-          </a:p>
-          <a:p>
-            <a:r>
-              <a:rPr lang="en-US">
-                <a:ea typeface="+mn-lt"/>
-                <a:cs typeface="+mn-lt"/>
-              </a:rPr>
-              <a:t>Advantages: </a:t>
-            </a:r>
-          </a:p>
-          <a:p>
-            <a:pPr lvl="1">
-              <a:buFont typeface="Courier New" panose="020B0604020202020204" pitchFamily="34" charset="0"/>
-              <a:buChar char="o"/>
-            </a:pPr>
-            <a:r>
-              <a:rPr lang="en-US">
-                <a:ea typeface="+mn-lt"/>
-                <a:cs typeface="+mn-lt"/>
-              </a:rPr>
-              <a:t>Portability</a:t>
-            </a:r>
-          </a:p>
-          <a:p>
-            <a:pPr lvl="1">
-              <a:buFont typeface="Courier New" panose="020B0604020202020204" pitchFamily="34" charset="0"/>
-              <a:buChar char="o"/>
-            </a:pPr>
-            <a:r>
-              <a:rPr lang="en-US">
-                <a:ea typeface="+mn-lt"/>
-                <a:cs typeface="+mn-lt"/>
-              </a:rPr>
-              <a:t>Efficiency</a:t>
-            </a:r>
-            <a:endParaRPr lang="en-US">
-              <a:cs typeface="Calibri"/>
-            </a:endParaRPr>
-          </a:p>
-          <a:p>
-            <a:r>
-              <a:rPr lang="en-US">
-                <a:ea typeface="+mn-lt"/>
-                <a:cs typeface="+mn-lt"/>
-              </a:rPr>
-              <a:t>Use Cases: </a:t>
-            </a:r>
-          </a:p>
-          <a:p>
-            <a:pPr lvl="1">
-              <a:buFont typeface="Courier New" panose="020B0604020202020204" pitchFamily="34" charset="0"/>
-              <a:buChar char="o"/>
-            </a:pPr>
-            <a:r>
-              <a:rPr lang="en-US">
-                <a:ea typeface="+mn-lt"/>
-                <a:cs typeface="+mn-lt"/>
-              </a:rPr>
-              <a:t>Microservices Architecture, </a:t>
-            </a:r>
-          </a:p>
-          <a:p>
-            <a:pPr lvl="1">
-              <a:buFont typeface="Courier New" panose="020B0604020202020204" pitchFamily="34" charset="0"/>
-              <a:buChar char="o"/>
-            </a:pPr>
-            <a:r>
-              <a:rPr lang="en-US">
-                <a:ea typeface="+mn-lt"/>
-                <a:cs typeface="+mn-lt"/>
-              </a:rPr>
-              <a:t>DevOps, </a:t>
-            </a:r>
-          </a:p>
-          <a:p>
-            <a:pPr lvl="1">
-              <a:buFont typeface="Courier New" panose="020B0604020202020204" pitchFamily="34" charset="0"/>
-              <a:buChar char="o"/>
-            </a:pPr>
-            <a:r>
-              <a:rPr lang="en-US">
-                <a:ea typeface="+mn-lt"/>
-                <a:cs typeface="+mn-lt"/>
-              </a:rPr>
-              <a:t>Local development</a:t>
-            </a:r>
-            <a:endParaRPr lang="en-US">
-              <a:cs typeface="Calibri"/>
-            </a:endParaRPr>
+              <a:rPr lang="en-US" dirty="0"/>
+              <a:t>Schema Registry</a:t>
+            </a:r>
+            <a:endParaRPr lang="en-NO" dirty="0"/>
+          </a:p>
+        </p:txBody>
+      </p:sp>
+      <p:sp>
+        <p:nvSpPr>
+          <p:cNvPr id="3" name="Subtitle 2">
+            <a:extLst>
+              <a:ext uri="{FF2B5EF4-FFF2-40B4-BE49-F238E27FC236}">
+                <a16:creationId xmlns:a16="http://schemas.microsoft.com/office/drawing/2014/main" id="{3C70F045-505F-A163-AB06-F6752195A900}"/>
+              </a:ext>
+            </a:extLst>
+          </p:cNvPr>
+          <p:cNvSpPr>
+            <a:spLocks noGrp="1"/>
+          </p:cNvSpPr>
+          <p:nvPr>
+            <p:ph type="subTitle" idx="1"/>
+          </p:nvPr>
+        </p:nvSpPr>
+        <p:spPr/>
+        <p:txBody>
+          <a:bodyPr/>
+          <a:lstStyle/>
+          <a:p>
+            <a:r>
+              <a:rPr lang="en-GB" dirty="0"/>
+              <a:t>https://</a:t>
+            </a:r>
+            <a:r>
+              <a:rPr lang="en-GB" dirty="0" err="1"/>
+              <a:t>github.com</a:t>
+            </a:r>
+            <a:r>
+              <a:rPr lang="en-GB" dirty="0"/>
+              <a:t>/</a:t>
+            </a:r>
+            <a:r>
+              <a:rPr lang="en-GB" dirty="0" err="1"/>
+              <a:t>fortedigital</a:t>
+            </a:r>
+            <a:r>
+              <a:rPr lang="en-GB" dirty="0"/>
+              <a:t>/cg-</a:t>
+            </a:r>
+            <a:r>
+              <a:rPr lang="en-GB" dirty="0" err="1"/>
+              <a:t>kafka</a:t>
+            </a:r>
+            <a:endParaRPr lang="en-NO" dirty="0"/>
           </a:p>
         </p:txBody>
       </p:sp>
     </p:spTree>
     <p:extLst>
       <p:ext uri="{BB962C8B-B14F-4D97-AF65-F5344CB8AC3E}">
-        <p14:creationId xmlns:p14="http://schemas.microsoft.com/office/powerpoint/2010/main" val="238978680"/>
-      </p:ext>
-    </p:extLst>
-  </p:cSld>
-  <p:clrMapOvr>
-    <a:masterClrMapping/>
-  </p:clrMapOvr>
-</p:sld>
-</file>
-
-<file path=ppt/slides/slide50.xml><?xml version="1.0" encoding="utf-8"?>
-<p:sld xmlns:a="http://schemas.openxmlformats.org/drawingml/2006/main" xmlns:r="http://schemas.openxmlformats.org/officeDocument/2006/relationships" xmlns:p="http://schemas.openxmlformats.org/presentationml/2006/main">
-  <p:cSld>
-    <p:spTree>
-      <p:nvGrpSpPr>
-        <p:cNvPr id="1" name=""/>
-        <p:cNvGrpSpPr/>
-        <p:nvPr/>
-      </p:nvGrpSpPr>
-      <p:grpSpPr>
-        <a:xfrm>
-          <a:off x="0" y="0"/>
-          <a:ext cx="0" cy="0"/>
-          <a:chOff x="0" y="0"/>
-          <a:chExt cx="0" cy="0"/>
-        </a:xfrm>
-      </p:grpSpPr>
-      <p:sp>
-        <p:nvSpPr>
-          <p:cNvPr id="2" name="Title 1">
-            <a:extLst>
-              <a:ext uri="{FF2B5EF4-FFF2-40B4-BE49-F238E27FC236}">
-                <a16:creationId xmlns:a16="http://schemas.microsoft.com/office/drawing/2014/main" id="{FDABB67A-3752-C678-579B-568175B84EEC}"/>
-              </a:ext>
-            </a:extLst>
-          </p:cNvPr>
-          <p:cNvSpPr>
-            <a:spLocks noGrp="1"/>
-          </p:cNvSpPr>
-          <p:nvPr>
-            <p:ph type="title"/>
-          </p:nvPr>
-        </p:nvSpPr>
-        <p:spPr/>
-        <p:txBody>
-          <a:bodyPr/>
-          <a:lstStyle/>
-          <a:p>
-            <a:r>
-              <a:rPr lang="en-NO"/>
-              <a:t>Kafka K</a:t>
-            </a:r>
-            <a:r>
-              <a:rPr lang="en-GB"/>
-              <a:t>R</a:t>
-            </a:r>
-            <a:r>
-              <a:rPr lang="en-NO"/>
-              <a:t>aft - Architecture</a:t>
-            </a:r>
-          </a:p>
-        </p:txBody>
-      </p:sp>
-      <p:pic>
-        <p:nvPicPr>
-          <p:cNvPr id="29698" name="Picture 2" descr="Diagram showing the difference between Kafka with Zookeeper and Kafka in KRaft mode with Quorum Controller.">
-            <a:extLst>
-              <a:ext uri="{FF2B5EF4-FFF2-40B4-BE49-F238E27FC236}">
-                <a16:creationId xmlns:a16="http://schemas.microsoft.com/office/drawing/2014/main" id="{D2082FBC-7112-9B85-BC8C-A775946F288A}"/>
-              </a:ext>
-            </a:extLst>
-          </p:cNvPr>
-          <p:cNvPicPr>
-            <a:picLocks noChangeAspect="1" noChangeArrowheads="1"/>
-          </p:cNvPicPr>
-          <p:nvPr/>
-        </p:nvPicPr>
-        <p:blipFill>
-          <a:blip r:embed="rId2">
-            <a:extLst>
-              <a:ext uri="{28A0092B-C50C-407E-A947-70E740481C1C}">
-                <a14:useLocalDpi xmlns:a14="http://schemas.microsoft.com/office/drawing/2010/main" val="0"/>
-              </a:ext>
-            </a:extLst>
-          </a:blip>
-          <a:srcRect/>
-          <a:stretch>
-            <a:fillRect/>
-          </a:stretch>
-        </p:blipFill>
-        <p:spPr bwMode="auto">
-          <a:xfrm>
-            <a:off x="1467977" y="1690688"/>
-            <a:ext cx="9256046" cy="4319240"/>
-          </a:xfrm>
-          <a:prstGeom prst="rect">
-            <a:avLst/>
-          </a:prstGeom>
-          <a:noFill/>
-          <a:extLst>
-            <a:ext uri="{909E8E84-426E-40DD-AFC4-6F175D3DCCD1}">
-              <a14:hiddenFill xmlns:a14="http://schemas.microsoft.com/office/drawing/2010/main">
-                <a:solidFill>
-                  <a:srgbClr val="FFFFFF"/>
-                </a:solidFill>
-              </a14:hiddenFill>
-            </a:ext>
-          </a:extLst>
-        </p:spPr>
-      </p:pic>
-    </p:spTree>
-    <p:extLst>
-      <p:ext uri="{BB962C8B-B14F-4D97-AF65-F5344CB8AC3E}">
-        <p14:creationId xmlns:p14="http://schemas.microsoft.com/office/powerpoint/2010/main" val="1949067657"/>
-      </p:ext>
-    </p:extLst>
-  </p:cSld>
-  <p:clrMapOvr>
-    <a:masterClrMapping/>
-  </p:clrMapOvr>
-</p:sld>
-</file>
-
-<file path=ppt/slides/slide51.xml><?xml version="1.0" encoding="utf-8"?>
-<p:sld xmlns:a="http://schemas.openxmlformats.org/drawingml/2006/main" xmlns:r="http://schemas.openxmlformats.org/officeDocument/2006/relationships" xmlns:p="http://schemas.openxmlformats.org/presentationml/2006/main">
-  <p:cSld>
-    <p:spTree>
-      <p:nvGrpSpPr>
-        <p:cNvPr id="1" name=""/>
-        <p:cNvGrpSpPr/>
-        <p:nvPr/>
-      </p:nvGrpSpPr>
-      <p:grpSpPr>
-        <a:xfrm>
-          <a:off x="0" y="0"/>
-          <a:ext cx="0" cy="0"/>
-          <a:chOff x="0" y="0"/>
-          <a:chExt cx="0" cy="0"/>
-        </a:xfrm>
-      </p:grpSpPr>
-      <p:sp>
-        <p:nvSpPr>
-          <p:cNvPr id="2" name="Title 1">
-            <a:extLst>
-              <a:ext uri="{FF2B5EF4-FFF2-40B4-BE49-F238E27FC236}">
-                <a16:creationId xmlns:a16="http://schemas.microsoft.com/office/drawing/2014/main" id="{0650FE13-8D68-8F51-AEB6-DFE042CA32FC}"/>
-              </a:ext>
-            </a:extLst>
-          </p:cNvPr>
-          <p:cNvSpPr>
-            <a:spLocks noGrp="1"/>
-          </p:cNvSpPr>
-          <p:nvPr>
-            <p:ph type="title"/>
-          </p:nvPr>
-        </p:nvSpPr>
-        <p:spPr/>
-        <p:txBody>
-          <a:bodyPr/>
-          <a:lstStyle/>
-          <a:p>
-            <a:r>
-              <a:rPr lang="en-NO"/>
-              <a:t>Theory – Round-up</a:t>
-            </a:r>
-          </a:p>
-        </p:txBody>
-      </p:sp>
-      <p:pic>
-        <p:nvPicPr>
-          <p:cNvPr id="30722" name="Picture 2" descr="Apache Kafka clusters are made up of several core components. This diagrams shows the relationships between brokers, zookeeper, producers, consumers, source systems and target systems.">
-            <a:extLst>
-              <a:ext uri="{FF2B5EF4-FFF2-40B4-BE49-F238E27FC236}">
-                <a16:creationId xmlns:a16="http://schemas.microsoft.com/office/drawing/2014/main" id="{BD7F465F-CA3C-D604-EC8B-BAE5CF92B38A}"/>
-              </a:ext>
-            </a:extLst>
-          </p:cNvPr>
-          <p:cNvPicPr>
-            <a:picLocks noChangeAspect="1" noChangeArrowheads="1"/>
-          </p:cNvPicPr>
-          <p:nvPr/>
-        </p:nvPicPr>
-        <p:blipFill>
-          <a:blip r:embed="rId3">
-            <a:extLst>
-              <a:ext uri="{28A0092B-C50C-407E-A947-70E740481C1C}">
-                <a14:useLocalDpi xmlns:a14="http://schemas.microsoft.com/office/drawing/2010/main" val="0"/>
-              </a:ext>
-            </a:extLst>
-          </a:blip>
-          <a:srcRect/>
-          <a:stretch>
-            <a:fillRect/>
-          </a:stretch>
-        </p:blipFill>
-        <p:spPr bwMode="auto">
-          <a:xfrm>
-            <a:off x="1336288" y="1784195"/>
-            <a:ext cx="9017293" cy="4523910"/>
-          </a:xfrm>
-          <a:prstGeom prst="rect">
-            <a:avLst/>
-          </a:prstGeom>
-          <a:noFill/>
-          <a:extLst>
-            <a:ext uri="{909E8E84-426E-40DD-AFC4-6F175D3DCCD1}">
-              <a14:hiddenFill xmlns:a14="http://schemas.microsoft.com/office/drawing/2010/main">
-                <a:solidFill>
-                  <a:srgbClr val="FFFFFF"/>
-                </a:solidFill>
-              </a14:hiddenFill>
-            </a:ext>
-          </a:extLst>
-        </p:spPr>
-      </p:pic>
-    </p:spTree>
-    <p:extLst>
-      <p:ext uri="{BB962C8B-B14F-4D97-AF65-F5344CB8AC3E}">
-        <p14:creationId xmlns:p14="http://schemas.microsoft.com/office/powerpoint/2010/main" val="2886187385"/>
-      </p:ext>
-    </p:extLst>
-  </p:cSld>
-  <p:clrMapOvr>
-    <a:masterClrMapping/>
-  </p:clrMapOvr>
-</p:sld>
-</file>
-
-<file path=ppt/slides/slide52.xml><?xml version="1.0" encoding="utf-8"?>
-<p:sld xmlns:a="http://schemas.openxmlformats.org/drawingml/2006/main" xmlns:r="http://schemas.openxmlformats.org/officeDocument/2006/relationships" xmlns:p="http://schemas.openxmlformats.org/presentationml/2006/main">
-  <p:cSld>
-    <p:spTree>
-      <p:nvGrpSpPr>
-        <p:cNvPr id="1" name=""/>
-        <p:cNvGrpSpPr/>
-        <p:nvPr/>
-      </p:nvGrpSpPr>
-      <p:grpSpPr>
-        <a:xfrm>
-          <a:off x="0" y="0"/>
-          <a:ext cx="0" cy="0"/>
-          <a:chOff x="0" y="0"/>
-          <a:chExt cx="0" cy="0"/>
-        </a:xfrm>
-      </p:grpSpPr>
-      <p:sp>
-        <p:nvSpPr>
-          <p:cNvPr id="2" name="Title 1">
-            <a:extLst>
-              <a:ext uri="{FF2B5EF4-FFF2-40B4-BE49-F238E27FC236}">
-                <a16:creationId xmlns:a16="http://schemas.microsoft.com/office/drawing/2014/main" id="{D7F361B4-5168-3818-7578-7EC5EE81D254}"/>
-              </a:ext>
-            </a:extLst>
-          </p:cNvPr>
-          <p:cNvSpPr>
-            <a:spLocks noGrp="1"/>
-          </p:cNvSpPr>
-          <p:nvPr>
-            <p:ph type="title"/>
-          </p:nvPr>
-        </p:nvSpPr>
-        <p:spPr/>
-        <p:txBody>
-          <a:bodyPr/>
-          <a:lstStyle/>
-          <a:p>
-            <a:r>
-              <a:rPr lang="en-NO"/>
-              <a:t>Sources – since that is important now a days</a:t>
-            </a:r>
-          </a:p>
-        </p:txBody>
-      </p:sp>
-      <p:sp>
-        <p:nvSpPr>
-          <p:cNvPr id="3" name="Content Placeholder 2">
-            <a:extLst>
-              <a:ext uri="{FF2B5EF4-FFF2-40B4-BE49-F238E27FC236}">
-                <a16:creationId xmlns:a16="http://schemas.microsoft.com/office/drawing/2014/main" id="{4B419D3E-C33C-BF14-E083-7AA0EB207105}"/>
-              </a:ext>
-            </a:extLst>
-          </p:cNvPr>
-          <p:cNvSpPr>
-            <a:spLocks noGrp="1"/>
-          </p:cNvSpPr>
-          <p:nvPr>
-            <p:ph idx="1"/>
-          </p:nvPr>
-        </p:nvSpPr>
-        <p:spPr/>
-        <p:txBody>
-          <a:bodyPr/>
-          <a:lstStyle/>
-          <a:p>
-            <a:r>
-              <a:rPr lang="en-GB">
-                <a:hlinkClick r:id="rId2"/>
-              </a:rPr>
-              <a:t>https://www.udemy.com/course/apache-kafka/</a:t>
-            </a:r>
-            <a:endParaRPr lang="en-GB"/>
-          </a:p>
-          <a:p>
-            <a:r>
-              <a:rPr lang="en-GB">
-                <a:hlinkClick r:id="rId3"/>
-              </a:rPr>
-              <a:t>https://www.conduktor.io/kafka/</a:t>
-            </a:r>
-            <a:endParaRPr lang="en-GB"/>
-          </a:p>
-          <a:p>
-            <a:pPr lvl="1"/>
-            <a:r>
-              <a:rPr lang="en-GB"/>
-              <a:t>Most of the </a:t>
-            </a:r>
-            <a:r>
-              <a:rPr lang="en-GB" err="1"/>
-              <a:t>kafka</a:t>
-            </a:r>
-            <a:r>
-              <a:rPr lang="en-GB"/>
-              <a:t> images are from here</a:t>
-            </a:r>
-            <a:endParaRPr lang="en-NO"/>
-          </a:p>
-        </p:txBody>
-      </p:sp>
-    </p:spTree>
-    <p:extLst>
-      <p:ext uri="{BB962C8B-B14F-4D97-AF65-F5344CB8AC3E}">
-        <p14:creationId xmlns:p14="http://schemas.microsoft.com/office/powerpoint/2010/main" val="2255175424"/>
-      </p:ext>
-    </p:extLst>
-  </p:cSld>
-  <p:clrMapOvr>
-    <a:masterClrMapping/>
-  </p:clrMapOvr>
-</p:sld>
-</file>
-
-<file path=ppt/slides/slide53.xml><?xml version="1.0" encoding="utf-8"?>
-<p:sld xmlns:a="http://schemas.openxmlformats.org/drawingml/2006/main" xmlns:r="http://schemas.openxmlformats.org/officeDocument/2006/relationships" xmlns:p="http://schemas.openxmlformats.org/presentationml/2006/main">
-  <p:cSld>
-    <p:spTree>
-      <p:nvGrpSpPr>
-        <p:cNvPr id="1" name=""/>
-        <p:cNvGrpSpPr/>
-        <p:nvPr/>
-      </p:nvGrpSpPr>
-      <p:grpSpPr>
-        <a:xfrm>
-          <a:off x="0" y="0"/>
-          <a:ext cx="0" cy="0"/>
-          <a:chOff x="0" y="0"/>
-          <a:chExt cx="0" cy="0"/>
-        </a:xfrm>
-      </p:grpSpPr>
-      <p:sp>
-        <p:nvSpPr>
-          <p:cNvPr id="2" name="Title 1">
-            <a:extLst>
-              <a:ext uri="{FF2B5EF4-FFF2-40B4-BE49-F238E27FC236}">
-                <a16:creationId xmlns:a16="http://schemas.microsoft.com/office/drawing/2014/main" id="{7CF9B9B8-654F-702A-7CB8-98AC51DF52F6}"/>
-              </a:ext>
-            </a:extLst>
-          </p:cNvPr>
-          <p:cNvSpPr>
-            <a:spLocks noGrp="1"/>
-          </p:cNvSpPr>
-          <p:nvPr>
-            <p:ph type="title"/>
-          </p:nvPr>
-        </p:nvSpPr>
-        <p:spPr/>
-        <p:txBody>
-          <a:bodyPr/>
-          <a:lstStyle/>
-          <a:p>
-            <a:r>
-              <a:rPr lang="en-NO" dirty="0"/>
-              <a:t>Short break</a:t>
-            </a:r>
-          </a:p>
-        </p:txBody>
-      </p:sp>
-    </p:spTree>
-    <p:extLst>
-      <p:ext uri="{BB962C8B-B14F-4D97-AF65-F5344CB8AC3E}">
-        <p14:creationId xmlns:p14="http://schemas.microsoft.com/office/powerpoint/2010/main" val="809815010"/>
-      </p:ext>
-    </p:extLst>
-  </p:cSld>
-  <p:clrMapOvr>
-    <a:masterClrMapping/>
-  </p:clrMapOvr>
-</p:sld>
-</file>
-
-<file path=ppt/slides/slide54.xml><?xml version="1.0" encoding="utf-8"?>
-<p:sld xmlns:a="http://schemas.openxmlformats.org/drawingml/2006/main" xmlns:r="http://schemas.openxmlformats.org/officeDocument/2006/relationships" xmlns:p="http://schemas.openxmlformats.org/presentationml/2006/main">
-  <p:cSld>
-    <p:spTree>
-      <p:nvGrpSpPr>
-        <p:cNvPr id="1" name=""/>
-        <p:cNvGrpSpPr/>
-        <p:nvPr/>
-      </p:nvGrpSpPr>
-      <p:grpSpPr>
-        <a:xfrm>
-          <a:off x="0" y="0"/>
-          <a:ext cx="0" cy="0"/>
-          <a:chOff x="0" y="0"/>
-          <a:chExt cx="0" cy="0"/>
-        </a:xfrm>
-      </p:grpSpPr>
-      <p:sp>
-        <p:nvSpPr>
-          <p:cNvPr id="2" name="Title 1">
-            <a:extLst>
-              <a:ext uri="{FF2B5EF4-FFF2-40B4-BE49-F238E27FC236}">
-                <a16:creationId xmlns:a16="http://schemas.microsoft.com/office/drawing/2014/main" id="{F9F911E5-6C83-4C44-6B11-CC5122274A34}"/>
-              </a:ext>
-            </a:extLst>
-          </p:cNvPr>
-          <p:cNvSpPr>
-            <a:spLocks noGrp="1"/>
-          </p:cNvSpPr>
-          <p:nvPr>
-            <p:ph type="title"/>
-          </p:nvPr>
-        </p:nvSpPr>
-        <p:spPr/>
-        <p:txBody>
-          <a:bodyPr/>
-          <a:lstStyle/>
-          <a:p>
-            <a:r>
-              <a:rPr lang="en-NO"/>
-              <a:t>To the tasks!</a:t>
-            </a:r>
-          </a:p>
-        </p:txBody>
-      </p:sp>
-      <p:sp>
-        <p:nvSpPr>
-          <p:cNvPr id="3" name="Content Placeholder 2">
-            <a:extLst>
-              <a:ext uri="{FF2B5EF4-FFF2-40B4-BE49-F238E27FC236}">
-                <a16:creationId xmlns:a16="http://schemas.microsoft.com/office/drawing/2014/main" id="{C14E9F07-E5BB-1572-75D2-791E7423C76C}"/>
-              </a:ext>
-            </a:extLst>
-          </p:cNvPr>
-          <p:cNvSpPr>
-            <a:spLocks noGrp="1"/>
-          </p:cNvSpPr>
-          <p:nvPr>
-            <p:ph idx="1"/>
-          </p:nvPr>
-        </p:nvSpPr>
-        <p:spPr/>
-        <p:txBody>
-          <a:bodyPr/>
-          <a:lstStyle/>
-          <a:p>
-            <a:r>
-              <a:rPr lang="en-NO" dirty="0"/>
-              <a:t>GitHub</a:t>
-            </a:r>
-          </a:p>
-          <a:p>
-            <a:pPr lvl="1"/>
-            <a:r>
-              <a:rPr lang="en-NO" dirty="0"/>
-              <a:t>CLI</a:t>
-            </a:r>
-          </a:p>
-          <a:p>
-            <a:pPr lvl="1"/>
-            <a:r>
-              <a:rPr lang="en-NO" dirty="0"/>
-              <a:t>Code</a:t>
-            </a:r>
-          </a:p>
-          <a:p>
-            <a:pPr lvl="1"/>
-            <a:r>
-              <a:rPr lang="en-NO" dirty="0"/>
-              <a:t>Forum</a:t>
-            </a:r>
-          </a:p>
-          <a:p>
-            <a:pPr lvl="1"/>
-            <a:r>
-              <a:rPr lang="en-NO" dirty="0"/>
-              <a:t>extra</a:t>
-            </a:r>
-          </a:p>
-        </p:txBody>
-      </p:sp>
-    </p:spTree>
-    <p:extLst>
-      <p:ext uri="{BB962C8B-B14F-4D97-AF65-F5344CB8AC3E}">
-        <p14:creationId xmlns:p14="http://schemas.microsoft.com/office/powerpoint/2010/main" val="1619144366"/>
-      </p:ext>
-    </p:extLst>
-  </p:cSld>
-  <p:clrMapOvr>
-    <a:masterClrMapping/>
-  </p:clrMapOvr>
-</p:sld>
-</file>
-
-<file path=ppt/slides/slide55.xml><?xml version="1.0" encoding="utf-8"?>
-<p:sld xmlns:a="http://schemas.openxmlformats.org/drawingml/2006/main" xmlns:r="http://schemas.openxmlformats.org/officeDocument/2006/relationships" xmlns:p="http://schemas.openxmlformats.org/presentationml/2006/main">
-  <p:cSld>
-    <p:spTree>
-      <p:nvGrpSpPr>
-        <p:cNvPr id="1" name=""/>
-        <p:cNvGrpSpPr/>
-        <p:nvPr/>
-      </p:nvGrpSpPr>
-      <p:grpSpPr>
-        <a:xfrm>
-          <a:off x="0" y="0"/>
-          <a:ext cx="0" cy="0"/>
-          <a:chOff x="0" y="0"/>
-          <a:chExt cx="0" cy="0"/>
-        </a:xfrm>
-      </p:grpSpPr>
-      <p:sp>
-        <p:nvSpPr>
-          <p:cNvPr id="2" name="Title 1">
-            <a:extLst>
-              <a:ext uri="{FF2B5EF4-FFF2-40B4-BE49-F238E27FC236}">
-                <a16:creationId xmlns:a16="http://schemas.microsoft.com/office/drawing/2014/main" id="{1D31C812-3D5E-4358-D46B-AFEE847C7796}"/>
-              </a:ext>
-            </a:extLst>
-          </p:cNvPr>
-          <p:cNvSpPr>
-            <a:spLocks noGrp="1"/>
-          </p:cNvSpPr>
-          <p:nvPr>
-            <p:ph type="title"/>
-          </p:nvPr>
-        </p:nvSpPr>
-        <p:spPr/>
-        <p:txBody>
-          <a:bodyPr/>
-          <a:lstStyle/>
-          <a:p>
-            <a:r>
-              <a:rPr lang="en-NO"/>
-              <a:t>Til neste gang</a:t>
-            </a:r>
-          </a:p>
-        </p:txBody>
-      </p:sp>
-      <p:sp>
-        <p:nvSpPr>
-          <p:cNvPr id="3" name="Content Placeholder 2">
-            <a:extLst>
-              <a:ext uri="{FF2B5EF4-FFF2-40B4-BE49-F238E27FC236}">
-                <a16:creationId xmlns:a16="http://schemas.microsoft.com/office/drawing/2014/main" id="{421F4BF0-E443-4D1C-AB91-824585E8A82D}"/>
-              </a:ext>
-            </a:extLst>
-          </p:cNvPr>
-          <p:cNvSpPr>
-            <a:spLocks noGrp="1"/>
-          </p:cNvSpPr>
-          <p:nvPr>
-            <p:ph idx="1"/>
-          </p:nvPr>
-        </p:nvSpPr>
-        <p:spPr/>
-        <p:txBody>
-          <a:bodyPr/>
-          <a:lstStyle/>
-          <a:p>
-            <a:r>
-              <a:rPr lang="en-NO" dirty="0"/>
-              <a:t>Kafka Schema Regsitry</a:t>
-            </a:r>
-          </a:p>
-          <a:p>
-            <a:r>
-              <a:rPr lang="en-NO" dirty="0"/>
-              <a:t>Kafka Streams</a:t>
-            </a:r>
-          </a:p>
-          <a:p>
-            <a:pPr lvl="1"/>
-            <a:r>
-              <a:rPr lang="en-NO" dirty="0"/>
-              <a:t>Manipulering av Data</a:t>
-            </a:r>
-          </a:p>
-          <a:p>
-            <a:r>
-              <a:rPr lang="en-NO" dirty="0"/>
-              <a:t>Kafka Connect</a:t>
-            </a:r>
-          </a:p>
-          <a:p>
-            <a:pPr lvl="1"/>
-            <a:r>
-              <a:rPr lang="nb-NO" dirty="0"/>
-              <a:t>Code by </a:t>
-            </a:r>
-            <a:r>
-              <a:rPr lang="nb-NO" dirty="0" err="1"/>
-              <a:t>others</a:t>
-            </a:r>
-            <a:r>
-              <a:rPr lang="nb-NO" dirty="0"/>
-              <a:t> for sending data to and from </a:t>
-            </a:r>
-            <a:r>
-              <a:rPr lang="nb-NO" dirty="0" err="1"/>
-              <a:t>kafka</a:t>
-            </a:r>
-            <a:r>
-              <a:rPr lang="nb-NO" dirty="0"/>
-              <a:t> </a:t>
-            </a:r>
-            <a:r>
-              <a:rPr lang="nb-NO" dirty="0" err="1"/>
-              <a:t>easier</a:t>
-            </a:r>
-            <a:endParaRPr lang="en-NO" dirty="0"/>
-          </a:p>
-          <a:p>
-            <a:r>
-              <a:rPr lang="en-NO" dirty="0"/>
-              <a:t>Kafka ksql</a:t>
-            </a:r>
-          </a:p>
-          <a:p>
-            <a:pPr lvl="1"/>
-            <a:r>
-              <a:rPr lang="en-NO" dirty="0"/>
-              <a:t>SQL like querying of Kafka topics</a:t>
-            </a:r>
-          </a:p>
-        </p:txBody>
-      </p:sp>
-    </p:spTree>
-    <p:extLst>
-      <p:ext uri="{BB962C8B-B14F-4D97-AF65-F5344CB8AC3E}">
-        <p14:creationId xmlns:p14="http://schemas.microsoft.com/office/powerpoint/2010/main" val="408627567"/>
+        <p14:creationId xmlns:p14="http://schemas.microsoft.com/office/powerpoint/2010/main" val="3989081962"/>
       </p:ext>
     </p:extLst>
   </p:cSld>
@@ -22040,31 +15092,49 @@
       </p:grpSpPr>
       <p:pic>
         <p:nvPicPr>
-          <p:cNvPr id="4" name="Picture 3" descr="https://braindump.jethro.dev/ox-hugo/docker_architecture.png">
-            <a:extLst>
-              <a:ext uri="{FF2B5EF4-FFF2-40B4-BE49-F238E27FC236}">
-                <a16:creationId xmlns:a16="http://schemas.microsoft.com/office/drawing/2014/main" id="{68E9E9DE-BCA7-A511-4571-BC1AAC163056}"/>
+          <p:cNvPr id="12290" name="Picture 2" descr="Message serialization diagram showing how Apache Kafka Producers integer and string serializers.">
+            <a:extLst>
+              <a:ext uri="{FF2B5EF4-FFF2-40B4-BE49-F238E27FC236}">
+                <a16:creationId xmlns:a16="http://schemas.microsoft.com/office/drawing/2014/main" id="{26A91F1F-1A5D-0ED2-8DA3-CE3CD13C4601}"/>
               </a:ext>
             </a:extLst>
           </p:cNvPr>
           <p:cNvPicPr>
-            <a:picLocks noChangeAspect="1"/>
+            <a:picLocks noChangeAspect="1" noChangeArrowheads="1"/>
           </p:cNvPicPr>
           <p:nvPr/>
         </p:nvPicPr>
-        <p:blipFill rotWithShape="1">
-          <a:blip r:embed="rId2"/>
-          <a:srcRect t="19643" r="155" b="223"/>
-          <a:stretch/>
+        <p:blipFill>
+          <a:blip r:embed="rId2">
+            <a:extLst>
+              <a:ext uri="{28A0092B-C50C-407E-A947-70E740481C1C}">
+                <a14:useLocalDpi xmlns:a14="http://schemas.microsoft.com/office/drawing/2010/main" val="0"/>
+              </a:ext>
+            </a:extLst>
+          </a:blip>
+          <a:srcRect/>
+          <a:stretch>
+            <a:fillRect/>
+          </a:stretch>
         </p:blipFill>
-        <p:spPr>
+        <p:spPr bwMode="auto">
           <a:xfrm>
-            <a:off x="1481388" y="1626019"/>
-            <a:ext cx="9229240" cy="5144035"/>
+            <a:off x="6096000" y="1326007"/>
+            <a:ext cx="6142832" cy="5166868"/>
           </a:xfrm>
           <a:prstGeom prst="rect">
             <a:avLst/>
           </a:prstGeom>
+          <a:noFill/>
+          <a:extLst>
+            <a:ext uri="{909E8E84-426E-40DD-AFC4-6F175D3DCCD1}">
+              <a14:hiddenFill xmlns:a14="http://schemas.microsoft.com/office/drawing/2010/main">
+                <a:solidFill>
+                  <a:srgbClr val="FFFFFF"/>
+                </a:solidFill>
+              </a14:hiddenFill>
+            </a:ext>
+          </a:extLst>
         </p:spPr>
       </p:pic>
       <p:sp>
@@ -22072,7 +15142,7 @@
           <p:cNvPr id="2" name="Title 1">
             <a:extLst>
               <a:ext uri="{FF2B5EF4-FFF2-40B4-BE49-F238E27FC236}">
-                <a16:creationId xmlns:a16="http://schemas.microsoft.com/office/drawing/2014/main" id="{D76A1E56-FBB3-8055-5C79-FCF77917ED55}"/>
+                <a16:creationId xmlns:a16="http://schemas.microsoft.com/office/drawing/2014/main" id="{8A355CE9-E484-7430-DA10-FDF616952049}"/>
               </a:ext>
             </a:extLst>
           </p:cNvPr>
@@ -22089,20 +15159,93 @@
           <a:lstStyle/>
           <a:p>
             <a:r>
-              <a:rPr lang="en-US" b="1">
-                <a:ea typeface="+mj-lt"/>
-                <a:cs typeface="+mj-lt"/>
-              </a:rPr>
-              <a:t>Docker Architecture and Components</a:t>
-            </a:r>
-            <a:endParaRPr lang="en-US"/>
+              <a:rPr lang="en-NO"/>
+              <a:t>Producer – Message Serializers</a:t>
+            </a:r>
+          </a:p>
+        </p:txBody>
+      </p:sp>
+      <p:sp>
+        <p:nvSpPr>
+          <p:cNvPr id="3" name="Content Placeholder 2">
+            <a:extLst>
+              <a:ext uri="{FF2B5EF4-FFF2-40B4-BE49-F238E27FC236}">
+                <a16:creationId xmlns:a16="http://schemas.microsoft.com/office/drawing/2014/main" id="{1FA7F146-7CE7-AC66-698D-008A2714B4EA}"/>
+              </a:ext>
+            </a:extLst>
+          </p:cNvPr>
+          <p:cNvSpPr>
+            <a:spLocks noGrp="1"/>
+          </p:cNvSpPr>
+          <p:nvPr>
+            <p:ph idx="1"/>
+          </p:nvPr>
+        </p:nvSpPr>
+        <p:spPr>
+          <a:xfrm>
+            <a:off x="838201" y="1825625"/>
+            <a:ext cx="6358054" cy="4351338"/>
+          </a:xfrm>
+        </p:spPr>
+        <p:txBody>
+          <a:bodyPr/>
+          <a:lstStyle/>
+          <a:p>
+            <a:r>
+              <a:rPr lang="en-NO"/>
+              <a:t>Kafka only acceps and sends bytes as input and output</a:t>
+            </a:r>
+          </a:p>
+          <a:p>
+            <a:r>
+              <a:rPr lang="en-NO"/>
+              <a:t>Seralization is used for key and value</a:t>
+            </a:r>
+          </a:p>
+          <a:p>
+            <a:r>
+              <a:rPr lang="en-GB"/>
+              <a:t>C</a:t>
+            </a:r>
+            <a:r>
+              <a:rPr lang="en-NO"/>
+              <a:t>ommon Serializers</a:t>
+            </a:r>
+          </a:p>
+          <a:p>
+            <a:pPr lvl="1"/>
+            <a:r>
+              <a:rPr lang="en-NO"/>
+              <a:t>String(incl. JSON)</a:t>
+            </a:r>
+          </a:p>
+          <a:p>
+            <a:pPr lvl="1"/>
+            <a:r>
+              <a:rPr lang="en-NO"/>
+              <a:t>Int,Float</a:t>
+            </a:r>
+          </a:p>
+          <a:p>
+            <a:pPr lvl="1"/>
+            <a:r>
+              <a:rPr lang="en-NO"/>
+              <a:t>Avro</a:t>
+            </a:r>
+          </a:p>
+          <a:p>
+            <a:pPr lvl="1"/>
+            <a:r>
+              <a:rPr lang="en-NO"/>
+              <a:t>Protobuf</a:t>
+            </a:r>
           </a:p>
         </p:txBody>
       </p:sp>
     </p:spTree>
     <p:extLst>
       <p:ext uri="{BB962C8B-B14F-4D97-AF65-F5344CB8AC3E}">
-        <p14:creationId xmlns:p14="http://schemas.microsoft.com/office/powerpoint/2010/main" val="1152252044"/>
+        <p14:creationId xmlns:p14="http://schemas.microsoft.com/office/powerpoint/2010/main" val="2813941393"/>
       </p:ext>
     </p:extLst>
   </p:cSld>
@@ -22129,12 +15272,59 @@
           <a:chExt cx="0" cy="0"/>
         </a:xfrm>
       </p:grpSpPr>
+      <p:pic>
+        <p:nvPicPr>
+          <p:cNvPr id="15362" name="Picture 2" descr="Kafka Consumers must use the same format for deserialization that was used by the producer when serializing the message. This daigram shows the deserialization process.">
+            <a:extLst>
+              <a:ext uri="{FF2B5EF4-FFF2-40B4-BE49-F238E27FC236}">
+                <a16:creationId xmlns:a16="http://schemas.microsoft.com/office/drawing/2014/main" id="{647493BA-1F48-4820-790B-99EB08EACA7C}"/>
+              </a:ext>
+            </a:extLst>
+          </p:cNvPr>
+          <p:cNvPicPr>
+            <a:picLocks noChangeAspect="1" noChangeArrowheads="1"/>
+          </p:cNvPicPr>
+          <p:nvPr/>
+        </p:nvPicPr>
+        <p:blipFill>
+          <a:blip r:embed="rId2">
+            <a:extLst>
+              <a:ext uri="{28A0092B-C50C-407E-A947-70E740481C1C}">
+                <a14:useLocalDpi xmlns:a14="http://schemas.microsoft.com/office/drawing/2010/main" val="0"/>
+              </a:ext>
+            </a:extLst>
+          </a:blip>
+          <a:srcRect/>
+          <a:stretch>
+            <a:fillRect/>
+          </a:stretch>
+        </p:blipFill>
+        <p:spPr bwMode="auto">
+          <a:xfrm>
+            <a:off x="5983289" y="1027906"/>
+            <a:ext cx="6149237" cy="5175278"/>
+          </a:xfrm>
+          <a:prstGeom prst="rect">
+            <a:avLst/>
+          </a:prstGeom>
+          <a:noFill/>
+          <a:extLst>
+            <a:ext uri="{909E8E84-426E-40DD-AFC4-6F175D3DCCD1}">
+              <a14:hiddenFill xmlns:a14="http://schemas.microsoft.com/office/drawing/2010/main">
+                <a:solidFill>
+                  <a:srgbClr val="FFFFFF"/>
+                </a:solidFill>
+              </a14:hiddenFill>
+            </a:ext>
+          </a:extLst>
+        </p:spPr>
+      </p:pic>
       <p:sp>
         <p:nvSpPr>
           <p:cNvPr id="2" name="Title 1">
             <a:extLst>
               <a:ext uri="{FF2B5EF4-FFF2-40B4-BE49-F238E27FC236}">
-                <a16:creationId xmlns:a16="http://schemas.microsoft.com/office/drawing/2014/main" id="{41236B9B-2358-8876-31D9-9E54AF9A1EDC}"/>
+                <a16:creationId xmlns:a16="http://schemas.microsoft.com/office/drawing/2014/main" id="{7E38FA93-96D5-E428-4057-2443C88423BF}"/>
               </a:ext>
             </a:extLst>
           </p:cNvPr>
@@ -22151,12 +15341,9 @@
           <a:lstStyle/>
           <a:p>
             <a:r>
-              <a:rPr lang="en-US">
-                <a:cs typeface="Calibri Light"/>
-              </a:rPr>
-              <a:t>Getting started</a:t>
-            </a:r>
-            <a:endParaRPr lang="en-US"/>
+              <a:rPr lang="en-NO"/>
+              <a:t>Consumer Deserializer</a:t>
+            </a:r>
           </a:p>
         </p:txBody>
       </p:sp>
@@ -22165,7 +15352,7 @@
           <p:cNvPr id="3" name="Content Placeholder 2">
             <a:extLst>
               <a:ext uri="{FF2B5EF4-FFF2-40B4-BE49-F238E27FC236}">
-                <a16:creationId xmlns:a16="http://schemas.microsoft.com/office/drawing/2014/main" id="{329414B5-5BA5-1786-ACF7-E297E816C144}"/>
+                <a16:creationId xmlns:a16="http://schemas.microsoft.com/office/drawing/2014/main" id="{EC441158-D337-0E59-7DAC-28ED4006E67C}"/>
               </a:ext>
             </a:extLst>
           </p:cNvPr>
@@ -22176,107 +15363,67 @@
             <p:ph idx="1"/>
           </p:nvPr>
         </p:nvSpPr>
-        <p:spPr/>
-        <p:txBody>
-          <a:bodyPr vert="horz" lIns="91440" tIns="45720" rIns="91440" bIns="45720" rtlCol="0" anchor="t">
-            <a:normAutofit/>
-          </a:bodyPr>
-          <a:lstStyle/>
-          <a:p>
-            <a:r>
-              <a:rPr lang="en-US">
-                <a:cs typeface="Calibri"/>
-              </a:rPr>
-              <a:t>NB! Docker Desktop is a commercial product and there are licensing stuff to deal with</a:t>
-            </a:r>
-          </a:p>
-          <a:p>
-            <a:r>
-              <a:rPr lang="en-US">
-                <a:cs typeface="Calibri"/>
-              </a:rPr>
-              <a:t>I recommend going full open source. That means:</a:t>
-            </a:r>
-          </a:p>
-          <a:p>
-            <a:pPr lvl="1">
-              <a:buFont typeface="Courier New" panose="020B0604020202020204" pitchFamily="34" charset="0"/>
-              <a:buChar char="o"/>
-            </a:pPr>
-            <a:r>
-              <a:rPr lang="en-US">
-                <a:cs typeface="Calibri"/>
-              </a:rPr>
-              <a:t>Linux: install docker (or </a:t>
-            </a:r>
-            <a:r>
-              <a:rPr lang="en-US" err="1">
-                <a:cs typeface="Calibri"/>
-              </a:rPr>
-              <a:t>moby</a:t>
-            </a:r>
-            <a:r>
-              <a:rPr lang="en-US">
-                <a:cs typeface="Calibri"/>
-              </a:rPr>
-              <a:t>), or </a:t>
-            </a:r>
-            <a:r>
-              <a:rPr lang="en-US" err="1">
-                <a:cs typeface="Calibri"/>
-              </a:rPr>
-              <a:t>podman</a:t>
-            </a:r>
-            <a:r>
-              <a:rPr lang="en-US">
-                <a:cs typeface="Calibri"/>
-              </a:rPr>
-              <a:t> via package manager. Remember to add your user to the docker group!</a:t>
-            </a:r>
-          </a:p>
-          <a:p>
-            <a:pPr lvl="1">
-              <a:buFont typeface="Courier New" panose="020B0604020202020204" pitchFamily="34" charset="0"/>
-              <a:buChar char="o"/>
-            </a:pPr>
-            <a:r>
-              <a:rPr lang="en-US">
-                <a:cs typeface="Calibri"/>
-              </a:rPr>
-              <a:t>Mac: Colima or </a:t>
-            </a:r>
-            <a:r>
-              <a:rPr lang="en-US" err="1">
-                <a:cs typeface="Calibri"/>
-              </a:rPr>
-              <a:t>podman</a:t>
-            </a:r>
-            <a:endParaRPr lang="en-US">
-              <a:cs typeface="Calibri"/>
-            </a:endParaRPr>
-          </a:p>
-          <a:p>
-            <a:pPr lvl="1">
-              <a:buFont typeface="Courier New" panose="020B0604020202020204" pitchFamily="34" charset="0"/>
-              <a:buChar char="o"/>
-            </a:pPr>
-            <a:r>
-              <a:rPr lang="en-US">
-                <a:cs typeface="Calibri"/>
-              </a:rPr>
-              <a:t>Windows: Rancher Desktop</a:t>
-            </a:r>
-            <a:endParaRPr lang="en-US">
-              <a:ea typeface="Calibri" panose="020F0502020204030204"/>
-              <a:cs typeface="Calibri"/>
-            </a:endParaRPr>
+        <p:spPr>
+          <a:xfrm>
+            <a:off x="838200" y="1825625"/>
+            <a:ext cx="6365488" cy="4351338"/>
+          </a:xfrm>
+        </p:spPr>
+        <p:txBody>
+          <a:bodyPr/>
+          <a:lstStyle/>
+          <a:p>
+            <a:r>
+              <a:rPr lang="en-NO"/>
+              <a:t>Deserializer is used for value and key</a:t>
+            </a:r>
+          </a:p>
+          <a:p>
+            <a:r>
+              <a:rPr lang="en-NO"/>
+              <a:t>Common Deserializer</a:t>
+            </a:r>
+          </a:p>
+          <a:p>
+            <a:pPr lvl="1"/>
+            <a:r>
+              <a:rPr lang="en-NO"/>
+              <a:t>String (incl. JSON)</a:t>
+            </a:r>
+          </a:p>
+          <a:p>
+            <a:pPr lvl="1"/>
+            <a:r>
+              <a:rPr lang="en-NO"/>
+              <a:t>Int, Float</a:t>
+            </a:r>
+          </a:p>
+          <a:p>
+            <a:pPr lvl="1"/>
+            <a:r>
+              <a:rPr lang="en-NO"/>
+              <a:t>Avro</a:t>
+            </a:r>
+          </a:p>
+          <a:p>
+            <a:pPr lvl="1"/>
+            <a:r>
+              <a:rPr lang="en-NO"/>
+              <a:t>Protobuf</a:t>
+            </a:r>
+          </a:p>
+          <a:p>
+            <a:r>
+              <a:rPr lang="en-NO"/>
+              <a:t>The serialization / deserialization type must not change during a topic lifecycle (Create new instead)</a:t>
+            </a:r>
           </a:p>
         </p:txBody>
       </p:sp>
     </p:spTree>
     <p:extLst>
       <p:ext uri="{BB962C8B-B14F-4D97-AF65-F5344CB8AC3E}">
-        <p14:creationId xmlns:p14="http://schemas.microsoft.com/office/powerpoint/2010/main" val="2048595459"/>
+        <p14:creationId xmlns:p14="http://schemas.microsoft.com/office/powerpoint/2010/main" val="2568685102"/>
       </p:ext>
     </p:extLst>
   </p:cSld>
@@ -22308,15 +15455,15 @@
           <p:cNvPr id="2" name="Title 1">
             <a:extLst>
               <a:ext uri="{FF2B5EF4-FFF2-40B4-BE49-F238E27FC236}">
-                <a16:creationId xmlns:a16="http://schemas.microsoft.com/office/drawing/2014/main" id="{F893E5AA-63B9-8D9C-0108-E33B908F0609}"/>
-              </a:ext>
-            </a:extLst>
-          </p:cNvPr>
-          <p:cNvSpPr>
-            <a:spLocks noGrp="1"/>
-          </p:cNvSpPr>
-          <p:nvPr>
-            <p:ph type="title"/>
+                <a16:creationId xmlns:a16="http://schemas.microsoft.com/office/drawing/2014/main" id="{7589506C-6045-539E-018A-360F1B9D7284}"/>
+              </a:ext>
+            </a:extLst>
+          </p:cNvPr>
+          <p:cNvSpPr>
+            <a:spLocks noGrp="1"/>
+          </p:cNvSpPr>
+          <p:nvPr>
+            <p:ph type="ctrTitle"/>
           </p:nvPr>
         </p:nvSpPr>
         <p:spPr/>
@@ -22325,158 +15472,46 @@
           <a:lstStyle/>
           <a:p>
             <a:r>
-              <a:rPr lang="en-US">
-                <a:cs typeface="Calibri Light"/>
-              </a:rPr>
-              <a:t>Basic commands</a:t>
-            </a:r>
-            <a:endParaRPr lang="en-US"/>
-          </a:p>
-        </p:txBody>
-      </p:sp>
-      <p:sp>
-        <p:nvSpPr>
-          <p:cNvPr id="3" name="Content Placeholder 2">
-            <a:extLst>
-              <a:ext uri="{FF2B5EF4-FFF2-40B4-BE49-F238E27FC236}">
-                <a16:creationId xmlns:a16="http://schemas.microsoft.com/office/drawing/2014/main" id="{0B98F966-EF63-4DD1-B142-AE30A6FB3C50}"/>
-              </a:ext>
-            </a:extLst>
-          </p:cNvPr>
-          <p:cNvSpPr>
-            <a:spLocks noGrp="1"/>
-          </p:cNvSpPr>
-          <p:nvPr>
-            <p:ph idx="1"/>
+              <a:rPr lang="en-NO" dirty="0"/>
+              <a:t>Kafka</a:t>
+            </a:r>
+            <a:r>
+              <a:rPr lang="en-US" dirty="0"/>
+              <a:t> Streams</a:t>
+            </a:r>
+            <a:endParaRPr lang="en-NO" dirty="0"/>
+          </a:p>
+        </p:txBody>
+      </p:sp>
+      <p:sp>
+        <p:nvSpPr>
+          <p:cNvPr id="3" name="Subtitle 2">
+            <a:extLst>
+              <a:ext uri="{FF2B5EF4-FFF2-40B4-BE49-F238E27FC236}">
+                <a16:creationId xmlns:a16="http://schemas.microsoft.com/office/drawing/2014/main" id="{F8286B4E-01D0-C634-E142-6EBFA563A355}"/>
+              </a:ext>
+            </a:extLst>
+          </p:cNvPr>
+          <p:cNvSpPr>
+            <a:spLocks noGrp="1"/>
+          </p:cNvSpPr>
+          <p:nvPr>
+            <p:ph type="subTitle" idx="1"/>
           </p:nvPr>
         </p:nvSpPr>
         <p:spPr/>
         <p:txBody>
-          <a:bodyPr vert="horz" lIns="91440" tIns="45720" rIns="91440" bIns="45720" rtlCol="0" anchor="t">
-            <a:normAutofit/>
-          </a:bodyPr>
-          <a:lstStyle/>
-          <a:p>
-            <a:r>
-              <a:rPr lang="en-US" i="1">
-                <a:ea typeface="+mn-lt"/>
-                <a:cs typeface="+mn-lt"/>
-              </a:rPr>
-              <a:t>docker pull:</a:t>
-            </a:r>
-            <a:r>
-              <a:rPr lang="en-US">
-                <a:ea typeface="+mn-lt"/>
-                <a:cs typeface="+mn-lt"/>
-              </a:rPr>
-              <a:t> Download Docker images from a registry.</a:t>
-            </a:r>
-            <a:endParaRPr lang="en-US">
-              <a:cs typeface="Calibri" panose="020F0502020204030204"/>
-            </a:endParaRPr>
-          </a:p>
-          <a:p>
-            <a:r>
-              <a:rPr lang="en-US" i="1">
-                <a:ea typeface="+mn-lt"/>
-                <a:cs typeface="+mn-lt"/>
-              </a:rPr>
-              <a:t>docker build:</a:t>
-            </a:r>
-            <a:r>
-              <a:rPr lang="en-US">
-                <a:ea typeface="+mn-lt"/>
-                <a:cs typeface="+mn-lt"/>
-              </a:rPr>
-              <a:t> Create a Docker image from a </a:t>
-            </a:r>
-            <a:r>
-              <a:rPr lang="en-US" err="1">
-                <a:ea typeface="+mn-lt"/>
-                <a:cs typeface="+mn-lt"/>
-              </a:rPr>
-              <a:t>Dockerfile</a:t>
-            </a:r>
-            <a:r>
-              <a:rPr lang="en-US">
-                <a:ea typeface="+mn-lt"/>
-                <a:cs typeface="+mn-lt"/>
-              </a:rPr>
-              <a:t>.</a:t>
-            </a:r>
-            <a:endParaRPr lang="en-US"/>
-          </a:p>
-          <a:p>
-            <a:r>
-              <a:rPr lang="en-US" i="1">
-                <a:ea typeface="+mn-lt"/>
-                <a:cs typeface="+mn-lt"/>
-              </a:rPr>
-              <a:t>docker run:</a:t>
-            </a:r>
-            <a:r>
-              <a:rPr lang="en-US">
-                <a:ea typeface="+mn-lt"/>
-                <a:cs typeface="+mn-lt"/>
-              </a:rPr>
-              <a:t> Start a container from a specific image.</a:t>
-            </a:r>
-            <a:endParaRPr lang="en-US"/>
-          </a:p>
-          <a:p>
-            <a:r>
-              <a:rPr lang="en-US" i="1">
-                <a:ea typeface="+mn-lt"/>
-                <a:cs typeface="+mn-lt"/>
-              </a:rPr>
-              <a:t>docker </a:t>
-            </a:r>
-            <a:r>
-              <a:rPr lang="en-US" i="1" err="1">
-                <a:ea typeface="+mn-lt"/>
-                <a:cs typeface="+mn-lt"/>
-              </a:rPr>
-              <a:t>ps</a:t>
-            </a:r>
-            <a:r>
-              <a:rPr lang="en-US" i="1">
-                <a:ea typeface="+mn-lt"/>
-                <a:cs typeface="+mn-lt"/>
-              </a:rPr>
-              <a:t>:</a:t>
-            </a:r>
-            <a:r>
-              <a:rPr lang="en-US">
-                <a:ea typeface="+mn-lt"/>
-                <a:cs typeface="+mn-lt"/>
-              </a:rPr>
-              <a:t> View active containers.</a:t>
-            </a:r>
-            <a:endParaRPr lang="en-US"/>
-          </a:p>
-          <a:p>
-            <a:r>
-              <a:rPr lang="en-US" i="1">
-                <a:ea typeface="+mn-lt"/>
-                <a:cs typeface="+mn-lt"/>
-              </a:rPr>
-              <a:t>docker stop/rm:</a:t>
-            </a:r>
-            <a:r>
-              <a:rPr lang="en-US">
-                <a:ea typeface="+mn-lt"/>
-                <a:cs typeface="+mn-lt"/>
-              </a:rPr>
-              <a:t> Stop or remove a container.</a:t>
-            </a:r>
-            <a:endParaRPr lang="en-US"/>
+          <a:bodyPr/>
+          <a:lstStyle/>
+          <a:p>
+            <a:endParaRPr lang="en-NO" dirty="0"/>
           </a:p>
         </p:txBody>
       </p:sp>
     </p:spTree>
     <p:extLst>
       <p:ext uri="{BB962C8B-B14F-4D97-AF65-F5344CB8AC3E}">
-        <p14:creationId xmlns:p14="http://schemas.microsoft.com/office/powerpoint/2010/main" val="104104991"/>
+        <p14:creationId xmlns:p14="http://schemas.microsoft.com/office/powerpoint/2010/main" val="224841888"/>
       </p:ext>
     </p:extLst>
   </p:cSld>
@@ -22491,7 +15526,13 @@
   <p:cSld>
     <p:spTree>
       <p:nvGrpSpPr>
-        <p:cNvPr id="1" name=""/>
+        <p:cNvPr id="1" name="">
+          <a:extLst>
+            <a:ext uri="{FF2B5EF4-FFF2-40B4-BE49-F238E27FC236}">
+              <a16:creationId xmlns:a16="http://schemas.microsoft.com/office/drawing/2014/main" id="{2AF048FA-432D-75BB-EE1C-C81C6510FDBE}"/>
+            </a:ext>
+          </a:extLst>
+        </p:cNvPr>
         <p:cNvGrpSpPr/>
         <p:nvPr/>
       </p:nvGrpSpPr>
@@ -22508,15 +15549,15 @@
           <p:cNvPr id="2" name="Title 1">
             <a:extLst>
               <a:ext uri="{FF2B5EF4-FFF2-40B4-BE49-F238E27FC236}">
-                <a16:creationId xmlns:a16="http://schemas.microsoft.com/office/drawing/2014/main" id="{095597D4-7439-8FF4-5FF0-444D09DF60CE}"/>
-              </a:ext>
-            </a:extLst>
-          </p:cNvPr>
-          <p:cNvSpPr>
-            <a:spLocks noGrp="1"/>
-          </p:cNvSpPr>
-          <p:nvPr>
-            <p:ph type="title"/>
+                <a16:creationId xmlns:a16="http://schemas.microsoft.com/office/drawing/2014/main" id="{1F830868-1E1D-3255-B6D1-AF6230CC53F6}"/>
+              </a:ext>
+            </a:extLst>
+          </p:cNvPr>
+          <p:cNvSpPr>
+            <a:spLocks noGrp="1"/>
+          </p:cNvSpPr>
+          <p:nvPr>
+            <p:ph type="ctrTitle"/>
           </p:nvPr>
         </p:nvSpPr>
         <p:spPr/>
@@ -22525,91 +15566,46 @@
           <a:lstStyle/>
           <a:p>
             <a:r>
-              <a:rPr lang="en-US">
-                <a:cs typeface="Calibri Light"/>
-              </a:rPr>
-              <a:t>Docker-compose</a:t>
-            </a:r>
-            <a:endParaRPr lang="en-US"/>
-          </a:p>
-        </p:txBody>
-      </p:sp>
-      <p:sp>
-        <p:nvSpPr>
-          <p:cNvPr id="3" name="Content Placeholder 2">
-            <a:extLst>
-              <a:ext uri="{FF2B5EF4-FFF2-40B4-BE49-F238E27FC236}">
-                <a16:creationId xmlns:a16="http://schemas.microsoft.com/office/drawing/2014/main" id="{5FCC4996-103F-62F3-02DD-458AAFA0B022}"/>
-              </a:ext>
-            </a:extLst>
-          </p:cNvPr>
-          <p:cNvSpPr>
-            <a:spLocks noGrp="1"/>
-          </p:cNvSpPr>
-          <p:nvPr>
-            <p:ph idx="1"/>
+              <a:rPr lang="en-NO" dirty="0"/>
+              <a:t>Kafka</a:t>
+            </a:r>
+            <a:r>
+              <a:rPr lang="en-US" dirty="0"/>
+              <a:t> Connect</a:t>
+            </a:r>
+            <a:endParaRPr lang="en-NO" dirty="0"/>
+          </a:p>
+        </p:txBody>
+      </p:sp>
+      <p:sp>
+        <p:nvSpPr>
+          <p:cNvPr id="3" name="Subtitle 2">
+            <a:extLst>
+              <a:ext uri="{FF2B5EF4-FFF2-40B4-BE49-F238E27FC236}">
+                <a16:creationId xmlns:a16="http://schemas.microsoft.com/office/drawing/2014/main" id="{3F36AC29-38E9-7AD1-98EC-1A04DE3495C4}"/>
+              </a:ext>
+            </a:extLst>
+          </p:cNvPr>
+          <p:cNvSpPr>
+            <a:spLocks noGrp="1"/>
+          </p:cNvSpPr>
+          <p:nvPr>
+            <p:ph type="subTitle" idx="1"/>
           </p:nvPr>
         </p:nvSpPr>
         <p:spPr/>
         <p:txBody>
-          <a:bodyPr vert="horz" lIns="91440" tIns="45720" rIns="91440" bIns="45720" rtlCol="0" anchor="t">
-            <a:normAutofit/>
-          </a:bodyPr>
-          <a:lstStyle/>
-          <a:p>
-            <a:r>
-              <a:rPr lang="en-US">
-                <a:cs typeface="Calibri"/>
-              </a:rPr>
-              <a:t>If you have a hairy setup (like we will have in this CG course), you can use docker-compose to streamline the process</a:t>
-            </a:r>
-          </a:p>
-          <a:p>
-            <a:r>
-              <a:rPr lang="en-US">
-                <a:cs typeface="Calibri"/>
-              </a:rPr>
-              <a:t>It is a utility that reads a </a:t>
-            </a:r>
-            <a:r>
-              <a:rPr lang="en-US" err="1">
-                <a:cs typeface="Calibri"/>
-              </a:rPr>
-              <a:t>yaml</a:t>
-            </a:r>
-            <a:r>
-              <a:rPr lang="en-US">
-                <a:cs typeface="Calibri"/>
-              </a:rPr>
-              <a:t> file and runs appropriate docker commands</a:t>
-            </a:r>
-          </a:p>
-          <a:p>
-            <a:r>
-              <a:rPr lang="en-US">
-                <a:cs typeface="Calibri"/>
-              </a:rPr>
-              <a:t>Lets you write complex setups declaratively rather than </a:t>
-            </a:r>
-            <a:r>
-              <a:rPr lang="en-US" err="1">
-                <a:cs typeface="Calibri"/>
-              </a:rPr>
-              <a:t>maintaing</a:t>
-            </a:r>
-            <a:r>
-              <a:rPr lang="en-US">
-                <a:cs typeface="Calibri"/>
-              </a:rPr>
-              <a:t> large scripts of docker commands</a:t>
-            </a:r>
+          <a:bodyPr/>
+          <a:lstStyle/>
+          <a:p>
+            <a:endParaRPr lang="en-NO" dirty="0"/>
           </a:p>
         </p:txBody>
       </p:sp>
     </p:spTree>
     <p:extLst>
       <p:ext uri="{BB962C8B-B14F-4D97-AF65-F5344CB8AC3E}">
-        <p14:creationId xmlns:p14="http://schemas.microsoft.com/office/powerpoint/2010/main" val="1765732507"/>
+        <p14:creationId xmlns:p14="http://schemas.microsoft.com/office/powerpoint/2010/main" val="4155455078"/>
       </p:ext>
     </p:extLst>
   </p:cSld>

--- a/workshop2/Kafka - 102.pptx
+++ b/workshop2/Kafka - 102.pptx
@@ -10293,7 +10293,7 @@
           <a:p>
             <a:fld id="{40DD4001-F066-5A4B-8FD8-5427A0E88FF4}" type="datetimeFigureOut">
               <a:rPr lang="en-NO" smtClean="0"/>
-              <a:t>28/02/2024</a:t>
+              <a:t>05/03/2024</a:t>
             </a:fld>
             <a:endParaRPr lang="en-NO"/>
           </a:p>
@@ -10776,7 +10776,7 @@
           <a:p>
             <a:fld id="{FAA3217B-91BF-F94E-9072-57BADD6D61A0}" type="datetimeFigureOut">
               <a:rPr lang="en-NO" smtClean="0"/>
-              <a:t>28/02/2024</a:t>
+              <a:t>05/03/2024</a:t>
             </a:fld>
             <a:endParaRPr lang="en-NO"/>
           </a:p>
@@ -10946,7 +10946,7 @@
           <a:p>
             <a:fld id="{FAA3217B-91BF-F94E-9072-57BADD6D61A0}" type="datetimeFigureOut">
               <a:rPr lang="en-NO" smtClean="0"/>
-              <a:t>28/02/2024</a:t>
+              <a:t>05/03/2024</a:t>
             </a:fld>
             <a:endParaRPr lang="en-NO"/>
           </a:p>
@@ -11126,7 +11126,7 @@
           <a:p>
             <a:fld id="{FAA3217B-91BF-F94E-9072-57BADD6D61A0}" type="datetimeFigureOut">
               <a:rPr lang="en-NO" smtClean="0"/>
-              <a:t>28/02/2024</a:t>
+              <a:t>05/03/2024</a:t>
             </a:fld>
             <a:endParaRPr lang="en-NO"/>
           </a:p>
@@ -11305,7 +11305,7 @@
           <a:p>
             <a:fld id="{FAA3217B-91BF-F94E-9072-57BADD6D61A0}" type="datetimeFigureOut">
               <a:rPr lang="en-NO" smtClean="0"/>
-              <a:t>28/02/2024</a:t>
+              <a:t>05/03/2024</a:t>
             </a:fld>
             <a:endParaRPr lang="en-NO"/>
           </a:p>
@@ -11357,7 +11357,7 @@
           </a:ln>
           <a:extLst>
             <a:ext uri="{C572A759-6A51-4108-AA02-DFA0A04FC94B}">
-              <ma14:wrappingTextBoxFlag xmlns="" xmlns:ma14="http://schemas.microsoft.com/office/mac/drawingml/2011/main" xmlns:a14="http://schemas.microsoft.com/office/drawing/2010/main" xmlns:m="http://schemas.openxmlformats.org/officeDocument/2006/math" val="1"/>
+              <ma14:wrappingTextBoxFlag xmlns:m="http://schemas.openxmlformats.org/officeDocument/2006/math" xmlns:a14="http://schemas.microsoft.com/office/drawing/2010/main" xmlns:ma14="http://schemas.microsoft.com/office/mac/drawingml/2011/main" xmlns="" val="1"/>
             </a:ext>
           </a:extLst>
         </p:spPr>
@@ -12320,7 +12320,7 @@
           <a:p>
             <a:fld id="{02DE17F4-D0D5-4E2C-8597-85C7BFE7AC0B}" type="datetime1">
               <a:rPr lang="pl-PL" smtClean="0"/>
-              <a:t>28.02.2024</a:t>
+              <a:t>5.03.2024</a:t>
             </a:fld>
             <a:endParaRPr lang="pl-PL"/>
           </a:p>
@@ -12521,7 +12521,7 @@
           <a:p>
             <a:fld id="{F6F0DBF2-4E3F-4307-827E-F931818B4557}" type="datetime1">
               <a:rPr lang="pl-PL" smtClean="0"/>
-              <a:t>28.02.2024</a:t>
+              <a:t>5.03.2024</a:t>
             </a:fld>
             <a:endParaRPr lang="pl-PL"/>
           </a:p>
@@ -12721,7 +12721,7 @@
           <a:p>
             <a:fld id="{7373F14A-FC7E-480B-822C-BA8C5DA615C0}" type="datetime1">
               <a:rPr lang="pl-PL" smtClean="0"/>
-              <a:t>28.02.2024</a:t>
+              <a:t>5.03.2024</a:t>
             </a:fld>
             <a:endParaRPr lang="pl-PL"/>
           </a:p>
@@ -12914,7 +12914,7 @@
           <a:p>
             <a:fld id="{42A9F3EC-C24C-4081-BA47-5E7F86AA3CE6}" type="datetime1">
               <a:rPr lang="pl-PL" smtClean="0"/>
-              <a:t>28.02.2024</a:t>
+              <a:t>5.03.2024</a:t>
             </a:fld>
             <a:endParaRPr lang="pl-PL"/>
           </a:p>
@@ -13041,7 +13041,7 @@
           <a:p>
             <a:fld id="{907FD946-187B-41A2-9D40-F6F11A81833B}" type="datetime1">
               <a:rPr lang="pl-PL" smtClean="0"/>
-              <a:t>28.02.2024</a:t>
+              <a:t>5.03.2024</a:t>
             </a:fld>
             <a:endParaRPr lang="pl-PL"/>
           </a:p>
@@ -13329,7 +13329,7 @@
           <a:p>
             <a:fld id="{5D7D2D02-FF3B-48E0-9309-04F108A5B15B}" type="datetime1">
               <a:rPr lang="pl-PL" smtClean="0"/>
-              <a:t>28.02.2024</a:t>
+              <a:t>5.03.2024</a:t>
             </a:fld>
             <a:endParaRPr lang="pl-PL"/>
           </a:p>
@@ -13525,7 +13525,7 @@
           <a:p>
             <a:fld id="{FAA3217B-91BF-F94E-9072-57BADD6D61A0}" type="datetimeFigureOut">
               <a:rPr lang="en-NO" smtClean="0"/>
-              <a:t>28/02/2024</a:t>
+              <a:t>05/03/2024</a:t>
             </a:fld>
             <a:endParaRPr lang="en-NO"/>
           </a:p>
@@ -13734,7 +13734,7 @@
           <a:p>
             <a:fld id="{5D7D2D02-FF3B-48E0-9309-04F108A5B15B}" type="datetime1">
               <a:rPr lang="pl-PL" smtClean="0"/>
-              <a:t>28.02.2024</a:t>
+              <a:t>5.03.2024</a:t>
             </a:fld>
             <a:endParaRPr lang="pl-PL"/>
           </a:p>
@@ -13904,7 +13904,7 @@
           <a:p>
             <a:fld id="{DA7CBB30-D832-4AFC-867F-117970C9C65F}" type="datetime1">
               <a:rPr lang="pl-PL" smtClean="0"/>
-              <a:t>28.02.2024</a:t>
+              <a:t>5.03.2024</a:t>
             </a:fld>
             <a:endParaRPr lang="pl-PL"/>
           </a:p>
@@ -14149,7 +14149,7 @@
           <a:p>
             <a:fld id="{EBE8B8AC-E676-48F8-AA3A-5144F7A8CFD4}" type="datetime1">
               <a:rPr lang="pl-PL" smtClean="0"/>
-              <a:t>28.02.2024</a:t>
+              <a:t>5.03.2024</a:t>
             </a:fld>
             <a:endParaRPr lang="pl-PL"/>
           </a:p>
@@ -14442,7 +14442,7 @@
           <a:p>
             <a:fld id="{EBE8B8AC-E676-48F8-AA3A-5144F7A8CFD4}" type="datetime1">
               <a:rPr lang="pl-PL" smtClean="0"/>
-              <a:t>28.02.2024</a:t>
+              <a:t>5.03.2024</a:t>
             </a:fld>
             <a:endParaRPr lang="pl-PL"/>
           </a:p>
@@ -14780,7 +14780,7 @@
           <a:p>
             <a:fld id="{1B889DEC-8DF2-4E23-8749-BD25642BBF79}" type="datetime1">
               <a:rPr lang="pl-PL" smtClean="0"/>
-              <a:t>28.02.2024</a:t>
+              <a:t>5.03.2024</a:t>
             </a:fld>
             <a:endParaRPr lang="pl-PL"/>
           </a:p>
@@ -15102,7 +15102,7 @@
           <a:p>
             <a:fld id="{259DE82B-45A7-4884-9098-6241AA462119}" type="datetime1">
               <a:rPr lang="pl-PL" smtClean="0"/>
-              <a:t>28.02.2024</a:t>
+              <a:t>5.03.2024</a:t>
             </a:fld>
             <a:endParaRPr lang="pl-PL"/>
           </a:p>
@@ -15424,7 +15424,7 @@
           <a:p>
             <a:fld id="{885B33CE-67A7-4E67-8443-B8E3862ACA72}" type="datetime1">
               <a:rPr lang="pl-PL" smtClean="0"/>
-              <a:t>28.02.2024</a:t>
+              <a:t>5.03.2024</a:t>
             </a:fld>
             <a:endParaRPr lang="pl-PL"/>
           </a:p>
@@ -15647,7 +15647,7 @@
           <a:p>
             <a:fld id="{5E6DC864-14DF-4052-8C78-12E41B59E1E2}" type="datetime1">
               <a:rPr lang="pl-PL" smtClean="0"/>
-              <a:t>28.02.2024</a:t>
+              <a:t>5.03.2024</a:t>
             </a:fld>
             <a:endParaRPr lang="pl-PL"/>
           </a:p>
@@ -15774,7 +15774,7 @@
           <a:p>
             <a:fld id="{4FA73C87-E8FB-442F-BC6A-98CBB5A89EF0}" type="datetime1">
               <a:rPr lang="pl-PL" smtClean="0"/>
-              <a:t>28.02.2024</a:t>
+              <a:t>5.03.2024</a:t>
             </a:fld>
             <a:endParaRPr lang="pl-PL"/>
           </a:p>
@@ -15981,7 +15981,7 @@
           <a:p>
             <a:fld id="{30823703-2223-488E-ABAD-9B8A394F9C0A}" type="datetime1">
               <a:rPr lang="pl-PL" smtClean="0"/>
-              <a:t>28.02.2024</a:t>
+              <a:t>5.03.2024</a:t>
             </a:fld>
             <a:endParaRPr lang="pl-PL"/>
           </a:p>
@@ -16608,7 +16608,7 @@
           <a:p>
             <a:fld id="{FAA3217B-91BF-F94E-9072-57BADD6D61A0}" type="datetimeFigureOut">
               <a:rPr lang="en-NO" smtClean="0"/>
-              <a:t>28/02/2024</a:t>
+              <a:t>05/03/2024</a:t>
             </a:fld>
             <a:endParaRPr lang="en-NO"/>
           </a:p>
@@ -16759,7 +16759,7 @@
           <a:p>
             <a:fld id="{A28A6506-CC09-4B4B-A8E7-4DBBA09707C2}" type="datetime1">
               <a:rPr lang="pl-PL" smtClean="0"/>
-              <a:t>28.02.2024</a:t>
+              <a:t>5.03.2024</a:t>
             </a:fld>
             <a:endParaRPr lang="pl-PL"/>
           </a:p>
@@ -16963,7 +16963,7 @@
           <a:p>
             <a:fld id="{BA01875E-C1E7-4E10-821D-4F6DFAE23E8F}" type="datetime1">
               <a:rPr lang="pl-PL" smtClean="0"/>
-              <a:t>28.02.2024</a:t>
+              <a:t>5.03.2024</a:t>
             </a:fld>
             <a:endParaRPr lang="pl-PL"/>
           </a:p>
@@ -17594,7 +17594,7 @@
           <a:p>
             <a:fld id="{76688D13-9515-48D8-BEE2-06F436BECAC6}" type="datetime1">
               <a:rPr lang="pl-PL" smtClean="0"/>
-              <a:t>28.02.2024</a:t>
+              <a:t>5.03.2024</a:t>
             </a:fld>
             <a:endParaRPr lang="pl-PL"/>
           </a:p>
@@ -19239,7 +19239,7 @@
           <a:p>
             <a:fld id="{FC15615B-3397-4817-B3F7-A5049430E3CF}" type="datetime1">
               <a:rPr lang="pl-PL" smtClean="0"/>
-              <a:t>28.02.2024</a:t>
+              <a:t>5.03.2024</a:t>
             </a:fld>
             <a:endParaRPr lang="pl-PL"/>
           </a:p>
@@ -20050,7 +20050,7 @@
           </a:ln>
           <a:extLst>
             <a:ext uri="{C572A759-6A51-4108-AA02-DFA0A04FC94B}">
-              <ma14:wrappingTextBoxFlag xmlns="" xmlns:m="http://schemas.openxmlformats.org/officeDocument/2006/math" xmlns:a14="http://schemas.microsoft.com/office/drawing/2010/main" xmlns:ma14="http://schemas.microsoft.com/office/mac/drawingml/2011/main" val="1"/>
+              <ma14:wrappingTextBoxFlag xmlns:ma14="http://schemas.microsoft.com/office/mac/drawingml/2011/main" xmlns:a14="http://schemas.microsoft.com/office/drawing/2010/main" xmlns:m="http://schemas.openxmlformats.org/officeDocument/2006/math" xmlns="" val="1"/>
             </a:ext>
           </a:extLst>
         </p:spPr>
@@ -20120,7 +20120,7 @@
             <a:pPr algn="r"/>
             <a:fld id="{C9FEF3E5-3980-45FF-82C0-845747966C85}" type="datetime1">
               <a:rPr lang="pl-PL" noProof="0" smtClean="0"/>
-              <a:t>28.02.2024</a:t>
+              <a:t>5.03.2024</a:t>
             </a:fld>
             <a:endParaRPr lang="en-US" noProof="0"/>
           </a:p>
@@ -20334,7 +20334,7 @@
           </a:ln>
           <a:extLst>
             <a:ext uri="{C572A759-6A51-4108-AA02-DFA0A04FC94B}">
-              <ma14:wrappingTextBoxFlag xmlns="" xmlns:m="http://schemas.openxmlformats.org/officeDocument/2006/math" xmlns:a14="http://schemas.microsoft.com/office/drawing/2010/main" xmlns:ma14="http://schemas.microsoft.com/office/mac/drawingml/2011/main" val="1"/>
+              <ma14:wrappingTextBoxFlag xmlns:ma14="http://schemas.microsoft.com/office/mac/drawingml/2011/main" xmlns:a14="http://schemas.microsoft.com/office/drawing/2010/main" xmlns:m="http://schemas.openxmlformats.org/officeDocument/2006/math" xmlns="" val="1"/>
             </a:ext>
           </a:extLst>
         </p:spPr>
@@ -20404,7 +20404,7 @@
             <a:pPr algn="r"/>
             <a:fld id="{C9FEF3E5-3980-45FF-82C0-845747966C85}" type="datetime1">
               <a:rPr lang="pl-PL" noProof="0" smtClean="0"/>
-              <a:t>28.02.2024</a:t>
+              <a:t>5.03.2024</a:t>
             </a:fld>
             <a:endParaRPr lang="en-US" noProof="0"/>
           </a:p>
@@ -20618,7 +20618,7 @@
           </a:ln>
           <a:extLst>
             <a:ext uri="{C572A759-6A51-4108-AA02-DFA0A04FC94B}">
-              <ma14:wrappingTextBoxFlag xmlns="" xmlns:m="http://schemas.openxmlformats.org/officeDocument/2006/math" xmlns:a14="http://schemas.microsoft.com/office/drawing/2010/main" xmlns:ma14="http://schemas.microsoft.com/office/mac/drawingml/2011/main" val="1"/>
+              <ma14:wrappingTextBoxFlag xmlns:ma14="http://schemas.microsoft.com/office/mac/drawingml/2011/main" xmlns:a14="http://schemas.microsoft.com/office/drawing/2010/main" xmlns:m="http://schemas.openxmlformats.org/officeDocument/2006/math" xmlns="" val="1"/>
             </a:ext>
           </a:extLst>
         </p:spPr>
@@ -20688,7 +20688,7 @@
             <a:pPr algn="r"/>
             <a:fld id="{C9FEF3E5-3980-45FF-82C0-845747966C85}" type="datetime1">
               <a:rPr lang="pl-PL" noProof="0" smtClean="0"/>
-              <a:t>28.02.2024</a:t>
+              <a:t>5.03.2024</a:t>
             </a:fld>
             <a:endParaRPr lang="en-US" noProof="0"/>
           </a:p>
@@ -21002,7 +21002,7 @@
           </a:ln>
           <a:extLst>
             <a:ext uri="{C572A759-6A51-4108-AA02-DFA0A04FC94B}">
-              <ma14:wrappingTextBoxFlag xmlns="" xmlns:ma14="http://schemas.microsoft.com/office/mac/drawingml/2011/main" xmlns:a14="http://schemas.microsoft.com/office/drawing/2010/main" xmlns:m="http://schemas.openxmlformats.org/officeDocument/2006/math" val="1"/>
+              <ma14:wrappingTextBoxFlag xmlns:m="http://schemas.openxmlformats.org/officeDocument/2006/math" xmlns:a14="http://schemas.microsoft.com/office/drawing/2010/main" xmlns:ma14="http://schemas.microsoft.com/office/mac/drawingml/2011/main" xmlns="" val="1"/>
             </a:ext>
           </a:extLst>
         </p:spPr>
@@ -21072,7 +21072,7 @@
             <a:pPr algn="r"/>
             <a:fld id="{C9FEF3E5-3980-45FF-82C0-845747966C85}" type="datetime1">
               <a:rPr lang="pl-PL" noProof="0" smtClean="0"/>
-              <a:t>28.02.2024</a:t>
+              <a:t>5.03.2024</a:t>
             </a:fld>
             <a:endParaRPr lang="en-US" noProof="0"/>
           </a:p>
@@ -21263,7 +21263,7 @@
           <a:p>
             <a:fld id="{FAA3217B-91BF-F94E-9072-57BADD6D61A0}" type="datetimeFigureOut">
               <a:rPr lang="en-NO" smtClean="0"/>
-              <a:t>28/02/2024</a:t>
+              <a:t>05/03/2024</a:t>
             </a:fld>
             <a:endParaRPr lang="en-NO"/>
           </a:p>
@@ -21455,7 +21455,7 @@
           <a:p>
             <a:fld id="{FAA3217B-91BF-F94E-9072-57BADD6D61A0}" type="datetimeFigureOut">
               <a:rPr lang="en-NO" smtClean="0"/>
-              <a:t>28/02/2024</a:t>
+              <a:t>05/03/2024</a:t>
             </a:fld>
             <a:endParaRPr lang="en-NO"/>
           </a:p>
@@ -21625,7 +21625,7 @@
           <a:p>
             <a:fld id="{FAA3217B-91BF-F94E-9072-57BADD6D61A0}" type="datetimeFigureOut">
               <a:rPr lang="en-NO" smtClean="0"/>
-              <a:t>28/02/2024</a:t>
+              <a:t>05/03/2024</a:t>
             </a:fld>
             <a:endParaRPr lang="en-NO"/>
           </a:p>
@@ -21992,7 +21992,7 @@
           <a:p>
             <a:fld id="{FAA3217B-91BF-F94E-9072-57BADD6D61A0}" type="datetimeFigureOut">
               <a:rPr lang="en-NO" smtClean="0"/>
-              <a:t>28/02/2024</a:t>
+              <a:t>05/03/2024</a:t>
             </a:fld>
             <a:endParaRPr lang="en-NO"/>
           </a:p>
@@ -22110,7 +22110,7 @@
           <a:p>
             <a:fld id="{FAA3217B-91BF-F94E-9072-57BADD6D61A0}" type="datetimeFigureOut">
               <a:rPr lang="en-NO" smtClean="0"/>
-              <a:t>28/02/2024</a:t>
+              <a:t>05/03/2024</a:t>
             </a:fld>
             <a:endParaRPr lang="en-NO"/>
           </a:p>
@@ -22205,7 +22205,7 @@
           <a:p>
             <a:fld id="{FAA3217B-91BF-F94E-9072-57BADD6D61A0}" type="datetimeFigureOut">
               <a:rPr lang="en-NO" smtClean="0"/>
-              <a:t>28/02/2024</a:t>
+              <a:t>05/03/2024</a:t>
             </a:fld>
             <a:endParaRPr lang="en-NO"/>
           </a:p>
@@ -22482,7 +22482,7 @@
           <a:p>
             <a:fld id="{FAA3217B-91BF-F94E-9072-57BADD6D61A0}" type="datetimeFigureOut">
               <a:rPr lang="en-NO" smtClean="0"/>
-              <a:t>28/02/2024</a:t>
+              <a:t>05/03/2024</a:t>
             </a:fld>
             <a:endParaRPr lang="en-NO"/>
           </a:p>
@@ -22739,7 +22739,7 @@
           <a:p>
             <a:fld id="{FAA3217B-91BF-F94E-9072-57BADD6D61A0}" type="datetimeFigureOut">
               <a:rPr lang="en-NO" smtClean="0"/>
-              <a:t>28/02/2024</a:t>
+              <a:t>05/03/2024</a:t>
             </a:fld>
             <a:endParaRPr lang="en-NO"/>
           </a:p>
@@ -22952,7 +22952,7 @@
           <a:p>
             <a:fld id="{FAA3217B-91BF-F94E-9072-57BADD6D61A0}" type="datetimeFigureOut">
               <a:rPr lang="en-NO" smtClean="0"/>
-              <a:t>28/02/2024</a:t>
+              <a:t>05/03/2024</a:t>
             </a:fld>
             <a:endParaRPr lang="en-NO"/>
           </a:p>
@@ -23389,7 +23389,7 @@
           </a:ln>
           <a:extLst>
             <a:ext uri="{C572A759-6A51-4108-AA02-DFA0A04FC94B}">
-              <ma14:wrappingTextBoxFlag xmlns="" xmlns:m="http://schemas.openxmlformats.org/officeDocument/2006/math" xmlns:a14="http://schemas.microsoft.com/office/drawing/2010/main" xmlns:ma14="http://schemas.microsoft.com/office/mac/drawingml/2011/main" val="1"/>
+              <ma14:wrappingTextBoxFlag xmlns:ma14="http://schemas.microsoft.com/office/mac/drawingml/2011/main" xmlns:a14="http://schemas.microsoft.com/office/drawing/2010/main" xmlns:m="http://schemas.openxmlformats.org/officeDocument/2006/math" xmlns="" val="1"/>
             </a:ext>
           </a:extLst>
         </p:spPr>
@@ -23461,7 +23461,7 @@
           <a:p>
             <a:fld id="{A8AD308A-F818-43E1-AA9E-31340C71C4CE}" type="datetime1">
               <a:rPr lang="pl-PL" smtClean="0"/>
-              <a:t>28.02.2024</a:t>
+              <a:t>5.03.2024</a:t>
             </a:fld>
             <a:endParaRPr lang="pl-PL"/>
           </a:p>
@@ -24298,15 +24298,6 @@
           <a:solidFill>
             <a:srgbClr val="FFFFFF"/>
           </a:solidFill>
-          <a:extLst>
-            <a:ext uri="{909E8E84-426E-40DD-AFC4-6F175D3DCCD1}">
-              <a14:hiddenFill xmlns:a14="http://schemas.microsoft.com/office/drawing/2010/main">
-                <a:solidFill>
-                  <a:srgbClr val="FFFFFF"/>
-                </a:solidFill>
-              </a14:hiddenFill>
-            </a:ext>
-          </a:extLst>
         </p:spPr>
       </p:pic>
     </p:spTree>
@@ -25383,6 +25374,7 @@
             </a:r>
           </a:p>
           <a:p>
+            <a:pPr lvl="1"/>
             <a:r>
               <a:rPr lang="en-US" dirty="0"/>
               <a:t>Schema Registry</a:t>
@@ -25391,6 +25383,12 @@
           <a:p>
             <a:r>
               <a:rPr lang="en-US" dirty="0"/>
+              <a:t>Wikimedia task</a:t>
+            </a:r>
+          </a:p>
+          <a:p>
+            <a:r>
+              <a:rPr lang="en-US" dirty="0"/>
               <a:t>Kafka Connect</a:t>
             </a:r>
           </a:p>
@@ -25401,10 +25399,9 @@
             </a:r>
           </a:p>
           <a:p>
-            <a:r>
-              <a:rPr lang="en-US" dirty="0"/>
-              <a:t>Workshop 2</a:t>
-            </a:r>
+            <a:pPr marL="0" indent="0">
+              <a:buNone/>
+            </a:pPr>
             <a:endParaRPr lang="en-NO" dirty="0"/>
           </a:p>
           <a:p>
@@ -26228,12 +26225,6 @@
           <a:p>
             <a:r>
               <a:rPr lang="en-NO" dirty="0"/>
-              <a:t>Kafka Schema Regsitry</a:t>
-            </a:r>
-          </a:p>
-          <a:p>
-            <a:r>
-              <a:rPr lang="en-NO" dirty="0"/>
               <a:t>Kafka Streams</a:t>
             </a:r>
           </a:p>
@@ -26245,51 +26236,10 @@
             </a:r>
           </a:p>
           <a:p>
-            <a:r>
-              <a:rPr lang="en-NO" dirty="0"/>
-              <a:t>Kafka Connect</a:t>
-            </a:r>
-          </a:p>
-          <a:p>
-            <a:pPr lvl="1"/>
-            <a:r>
-              <a:rPr lang="nb-NO" dirty="0"/>
-              <a:t>Code by </a:t>
-            </a:r>
-            <a:r>
-              <a:rPr lang="nb-NO" dirty="0" err="1"/>
-              <a:t>others</a:t>
-            </a:r>
-            <a:r>
-              <a:rPr lang="nb-NO" dirty="0"/>
-              <a:t> for sending data to and from </a:t>
-            </a:r>
-            <a:r>
-              <a:rPr lang="nb-NO" dirty="0" err="1"/>
-              <a:t>kafka</a:t>
-            </a:r>
-            <a:r>
-              <a:rPr lang="nb-NO" dirty="0"/>
-              <a:t> </a:t>
-            </a:r>
-            <a:r>
-              <a:rPr lang="nb-NO" dirty="0" err="1"/>
-              <a:t>easier</a:t>
-            </a:r>
-            <a:endParaRPr lang="en-NO" dirty="0"/>
-          </a:p>
-          <a:p>
-            <a:r>
-              <a:rPr lang="en-NO" dirty="0"/>
-              <a:t>Kafka ksql</a:t>
-            </a:r>
-          </a:p>
-          <a:p>
-            <a:pPr lvl="1"/>
-            <a:r>
-              <a:rPr lang="en-NO" dirty="0"/>
-              <a:t>SQL like querying of Kafka topics</a:t>
-            </a:r>
+            <a:pPr marL="0" indent="0">
+              <a:buNone/>
+            </a:pPr>
+            <a:endParaRPr lang="nb-NO" dirty="0"/>
           </a:p>
         </p:txBody>
       </p:sp>

--- a/workshop2/Kafka - 102.pptx
+++ b/workshop2/Kafka - 102.pptx
@@ -6,7 +6,7 @@
     <p:sldMasterId id="2147483674" r:id="rId2"/>
   </p:sldMasterIdLst>
   <p:notesMasterIdLst>
-    <p:notesMasterId r:id="rId30"/>
+    <p:notesMasterId r:id="rId28"/>
   </p:notesMasterIdLst>
   <p:sldIdLst>
     <p:sldId id="256" r:id="rId3"/>
@@ -34,8 +34,6 @@
     <p:sldId id="332" r:id="rId25"/>
     <p:sldId id="299" r:id="rId26"/>
     <p:sldId id="313" r:id="rId27"/>
-    <p:sldId id="297" r:id="rId28"/>
-    <p:sldId id="298" r:id="rId29"/>
   </p:sldIdLst>
   <p:sldSz cx="12192000" cy="6858000"/>
   <p:notesSz cx="6858000" cy="9144000"/>
@@ -10293,7 +10291,7 @@
           <a:p>
             <a:fld id="{40DD4001-F066-5A4B-8FD8-5427A0E88FF4}" type="datetimeFigureOut">
               <a:rPr lang="en-NO" smtClean="0"/>
-              <a:t>05/03/2024</a:t>
+              <a:t>07/03/2024</a:t>
             </a:fld>
             <a:endParaRPr lang="en-NO"/>
           </a:p>
@@ -10776,7 +10774,7 @@
           <a:p>
             <a:fld id="{FAA3217B-91BF-F94E-9072-57BADD6D61A0}" type="datetimeFigureOut">
               <a:rPr lang="en-NO" smtClean="0"/>
-              <a:t>05/03/2024</a:t>
+              <a:t>07/03/2024</a:t>
             </a:fld>
             <a:endParaRPr lang="en-NO"/>
           </a:p>
@@ -10946,7 +10944,7 @@
           <a:p>
             <a:fld id="{FAA3217B-91BF-F94E-9072-57BADD6D61A0}" type="datetimeFigureOut">
               <a:rPr lang="en-NO" smtClean="0"/>
-              <a:t>05/03/2024</a:t>
+              <a:t>07/03/2024</a:t>
             </a:fld>
             <a:endParaRPr lang="en-NO"/>
           </a:p>
@@ -11126,7 +11124,7 @@
           <a:p>
             <a:fld id="{FAA3217B-91BF-F94E-9072-57BADD6D61A0}" type="datetimeFigureOut">
               <a:rPr lang="en-NO" smtClean="0"/>
-              <a:t>05/03/2024</a:t>
+              <a:t>07/03/2024</a:t>
             </a:fld>
             <a:endParaRPr lang="en-NO"/>
           </a:p>
@@ -11305,7 +11303,7 @@
           <a:p>
             <a:fld id="{FAA3217B-91BF-F94E-9072-57BADD6D61A0}" type="datetimeFigureOut">
               <a:rPr lang="en-NO" smtClean="0"/>
-              <a:t>05/03/2024</a:t>
+              <a:t>07/03/2024</a:t>
             </a:fld>
             <a:endParaRPr lang="en-NO"/>
           </a:p>
@@ -11357,7 +11355,7 @@
           </a:ln>
           <a:extLst>
             <a:ext uri="{C572A759-6A51-4108-AA02-DFA0A04FC94B}">
-              <ma14:wrappingTextBoxFlag xmlns:m="http://schemas.openxmlformats.org/officeDocument/2006/math" xmlns:a14="http://schemas.microsoft.com/office/drawing/2010/main" xmlns:ma14="http://schemas.microsoft.com/office/mac/drawingml/2011/main" xmlns="" val="1"/>
+              <ma14:wrappingTextBoxFlag xmlns="" xmlns:ma14="http://schemas.microsoft.com/office/mac/drawingml/2011/main" xmlns:a14="http://schemas.microsoft.com/office/drawing/2010/main" xmlns:m="http://schemas.openxmlformats.org/officeDocument/2006/math" val="1"/>
             </a:ext>
           </a:extLst>
         </p:spPr>
@@ -12320,7 +12318,7 @@
           <a:p>
             <a:fld id="{02DE17F4-D0D5-4E2C-8597-85C7BFE7AC0B}" type="datetime1">
               <a:rPr lang="pl-PL" smtClean="0"/>
-              <a:t>5.03.2024</a:t>
+              <a:t>7.03.2024</a:t>
             </a:fld>
             <a:endParaRPr lang="pl-PL"/>
           </a:p>
@@ -12521,7 +12519,7 @@
           <a:p>
             <a:fld id="{F6F0DBF2-4E3F-4307-827E-F931818B4557}" type="datetime1">
               <a:rPr lang="pl-PL" smtClean="0"/>
-              <a:t>5.03.2024</a:t>
+              <a:t>7.03.2024</a:t>
             </a:fld>
             <a:endParaRPr lang="pl-PL"/>
           </a:p>
@@ -12721,7 +12719,7 @@
           <a:p>
             <a:fld id="{7373F14A-FC7E-480B-822C-BA8C5DA615C0}" type="datetime1">
               <a:rPr lang="pl-PL" smtClean="0"/>
-              <a:t>5.03.2024</a:t>
+              <a:t>7.03.2024</a:t>
             </a:fld>
             <a:endParaRPr lang="pl-PL"/>
           </a:p>
@@ -12914,7 +12912,7 @@
           <a:p>
             <a:fld id="{42A9F3EC-C24C-4081-BA47-5E7F86AA3CE6}" type="datetime1">
               <a:rPr lang="pl-PL" smtClean="0"/>
-              <a:t>5.03.2024</a:t>
+              <a:t>7.03.2024</a:t>
             </a:fld>
             <a:endParaRPr lang="pl-PL"/>
           </a:p>
@@ -13041,7 +13039,7 @@
           <a:p>
             <a:fld id="{907FD946-187B-41A2-9D40-F6F11A81833B}" type="datetime1">
               <a:rPr lang="pl-PL" smtClean="0"/>
-              <a:t>5.03.2024</a:t>
+              <a:t>7.03.2024</a:t>
             </a:fld>
             <a:endParaRPr lang="pl-PL"/>
           </a:p>
@@ -13329,7 +13327,7 @@
           <a:p>
             <a:fld id="{5D7D2D02-FF3B-48E0-9309-04F108A5B15B}" type="datetime1">
               <a:rPr lang="pl-PL" smtClean="0"/>
-              <a:t>5.03.2024</a:t>
+              <a:t>7.03.2024</a:t>
             </a:fld>
             <a:endParaRPr lang="pl-PL"/>
           </a:p>
@@ -13525,7 +13523,7 @@
           <a:p>
             <a:fld id="{FAA3217B-91BF-F94E-9072-57BADD6D61A0}" type="datetimeFigureOut">
               <a:rPr lang="en-NO" smtClean="0"/>
-              <a:t>05/03/2024</a:t>
+              <a:t>07/03/2024</a:t>
             </a:fld>
             <a:endParaRPr lang="en-NO"/>
           </a:p>
@@ -13734,7 +13732,7 @@
           <a:p>
             <a:fld id="{5D7D2D02-FF3B-48E0-9309-04F108A5B15B}" type="datetime1">
               <a:rPr lang="pl-PL" smtClean="0"/>
-              <a:t>5.03.2024</a:t>
+              <a:t>7.03.2024</a:t>
             </a:fld>
             <a:endParaRPr lang="pl-PL"/>
           </a:p>
@@ -13904,7 +13902,7 @@
           <a:p>
             <a:fld id="{DA7CBB30-D832-4AFC-867F-117970C9C65F}" type="datetime1">
               <a:rPr lang="pl-PL" smtClean="0"/>
-              <a:t>5.03.2024</a:t>
+              <a:t>7.03.2024</a:t>
             </a:fld>
             <a:endParaRPr lang="pl-PL"/>
           </a:p>
@@ -14149,7 +14147,7 @@
           <a:p>
             <a:fld id="{EBE8B8AC-E676-48F8-AA3A-5144F7A8CFD4}" type="datetime1">
               <a:rPr lang="pl-PL" smtClean="0"/>
-              <a:t>5.03.2024</a:t>
+              <a:t>7.03.2024</a:t>
             </a:fld>
             <a:endParaRPr lang="pl-PL"/>
           </a:p>
@@ -14442,7 +14440,7 @@
           <a:p>
             <a:fld id="{EBE8B8AC-E676-48F8-AA3A-5144F7A8CFD4}" type="datetime1">
               <a:rPr lang="pl-PL" smtClean="0"/>
-              <a:t>5.03.2024</a:t>
+              <a:t>7.03.2024</a:t>
             </a:fld>
             <a:endParaRPr lang="pl-PL"/>
           </a:p>
@@ -14780,7 +14778,7 @@
           <a:p>
             <a:fld id="{1B889DEC-8DF2-4E23-8749-BD25642BBF79}" type="datetime1">
               <a:rPr lang="pl-PL" smtClean="0"/>
-              <a:t>5.03.2024</a:t>
+              <a:t>7.03.2024</a:t>
             </a:fld>
             <a:endParaRPr lang="pl-PL"/>
           </a:p>
@@ -15102,7 +15100,7 @@
           <a:p>
             <a:fld id="{259DE82B-45A7-4884-9098-6241AA462119}" type="datetime1">
               <a:rPr lang="pl-PL" smtClean="0"/>
-              <a:t>5.03.2024</a:t>
+              <a:t>7.03.2024</a:t>
             </a:fld>
             <a:endParaRPr lang="pl-PL"/>
           </a:p>
@@ -15424,7 +15422,7 @@
           <a:p>
             <a:fld id="{885B33CE-67A7-4E67-8443-B8E3862ACA72}" type="datetime1">
               <a:rPr lang="pl-PL" smtClean="0"/>
-              <a:t>5.03.2024</a:t>
+              <a:t>7.03.2024</a:t>
             </a:fld>
             <a:endParaRPr lang="pl-PL"/>
           </a:p>
@@ -15647,7 +15645,7 @@
           <a:p>
             <a:fld id="{5E6DC864-14DF-4052-8C78-12E41B59E1E2}" type="datetime1">
               <a:rPr lang="pl-PL" smtClean="0"/>
-              <a:t>5.03.2024</a:t>
+              <a:t>7.03.2024</a:t>
             </a:fld>
             <a:endParaRPr lang="pl-PL"/>
           </a:p>
@@ -15774,7 +15772,7 @@
           <a:p>
             <a:fld id="{4FA73C87-E8FB-442F-BC6A-98CBB5A89EF0}" type="datetime1">
               <a:rPr lang="pl-PL" smtClean="0"/>
-              <a:t>5.03.2024</a:t>
+              <a:t>7.03.2024</a:t>
             </a:fld>
             <a:endParaRPr lang="pl-PL"/>
           </a:p>
@@ -15981,7 +15979,7 @@
           <a:p>
             <a:fld id="{30823703-2223-488E-ABAD-9B8A394F9C0A}" type="datetime1">
               <a:rPr lang="pl-PL" smtClean="0"/>
-              <a:t>5.03.2024</a:t>
+              <a:t>7.03.2024</a:t>
             </a:fld>
             <a:endParaRPr lang="pl-PL"/>
           </a:p>
@@ -16608,7 +16606,7 @@
           <a:p>
             <a:fld id="{FAA3217B-91BF-F94E-9072-57BADD6D61A0}" type="datetimeFigureOut">
               <a:rPr lang="en-NO" smtClean="0"/>
-              <a:t>05/03/2024</a:t>
+              <a:t>07/03/2024</a:t>
             </a:fld>
             <a:endParaRPr lang="en-NO"/>
           </a:p>
@@ -16759,7 +16757,7 @@
           <a:p>
             <a:fld id="{A28A6506-CC09-4B4B-A8E7-4DBBA09707C2}" type="datetime1">
               <a:rPr lang="pl-PL" smtClean="0"/>
-              <a:t>5.03.2024</a:t>
+              <a:t>7.03.2024</a:t>
             </a:fld>
             <a:endParaRPr lang="pl-PL"/>
           </a:p>
@@ -16963,7 +16961,7 @@
           <a:p>
             <a:fld id="{BA01875E-C1E7-4E10-821D-4F6DFAE23E8F}" type="datetime1">
               <a:rPr lang="pl-PL" smtClean="0"/>
-              <a:t>5.03.2024</a:t>
+              <a:t>7.03.2024</a:t>
             </a:fld>
             <a:endParaRPr lang="pl-PL"/>
           </a:p>
@@ -17594,7 +17592,7 @@
           <a:p>
             <a:fld id="{76688D13-9515-48D8-BEE2-06F436BECAC6}" type="datetime1">
               <a:rPr lang="pl-PL" smtClean="0"/>
-              <a:t>5.03.2024</a:t>
+              <a:t>7.03.2024</a:t>
             </a:fld>
             <a:endParaRPr lang="pl-PL"/>
           </a:p>
@@ -19239,7 +19237,7 @@
           <a:p>
             <a:fld id="{FC15615B-3397-4817-B3F7-A5049430E3CF}" type="datetime1">
               <a:rPr lang="pl-PL" smtClean="0"/>
-              <a:t>5.03.2024</a:t>
+              <a:t>7.03.2024</a:t>
             </a:fld>
             <a:endParaRPr lang="pl-PL"/>
           </a:p>
@@ -20050,7 +20048,7 @@
           </a:ln>
           <a:extLst>
             <a:ext uri="{C572A759-6A51-4108-AA02-DFA0A04FC94B}">
-              <ma14:wrappingTextBoxFlag xmlns:ma14="http://schemas.microsoft.com/office/mac/drawingml/2011/main" xmlns:a14="http://schemas.microsoft.com/office/drawing/2010/main" xmlns:m="http://schemas.openxmlformats.org/officeDocument/2006/math" xmlns="" val="1"/>
+              <ma14:wrappingTextBoxFlag xmlns="" xmlns:m="http://schemas.openxmlformats.org/officeDocument/2006/math" xmlns:a14="http://schemas.microsoft.com/office/drawing/2010/main" xmlns:ma14="http://schemas.microsoft.com/office/mac/drawingml/2011/main" val="1"/>
             </a:ext>
           </a:extLst>
         </p:spPr>
@@ -20120,7 +20118,7 @@
             <a:pPr algn="r"/>
             <a:fld id="{C9FEF3E5-3980-45FF-82C0-845747966C85}" type="datetime1">
               <a:rPr lang="pl-PL" noProof="0" smtClean="0"/>
-              <a:t>5.03.2024</a:t>
+              <a:t>7.03.2024</a:t>
             </a:fld>
             <a:endParaRPr lang="en-US" noProof="0"/>
           </a:p>
@@ -20334,7 +20332,7 @@
           </a:ln>
           <a:extLst>
             <a:ext uri="{C572A759-6A51-4108-AA02-DFA0A04FC94B}">
-              <ma14:wrappingTextBoxFlag xmlns:ma14="http://schemas.microsoft.com/office/mac/drawingml/2011/main" xmlns:a14="http://schemas.microsoft.com/office/drawing/2010/main" xmlns:m="http://schemas.openxmlformats.org/officeDocument/2006/math" xmlns="" val="1"/>
+              <ma14:wrappingTextBoxFlag xmlns="" xmlns:m="http://schemas.openxmlformats.org/officeDocument/2006/math" xmlns:a14="http://schemas.microsoft.com/office/drawing/2010/main" xmlns:ma14="http://schemas.microsoft.com/office/mac/drawingml/2011/main" val="1"/>
             </a:ext>
           </a:extLst>
         </p:spPr>
@@ -20404,7 +20402,7 @@
             <a:pPr algn="r"/>
             <a:fld id="{C9FEF3E5-3980-45FF-82C0-845747966C85}" type="datetime1">
               <a:rPr lang="pl-PL" noProof="0" smtClean="0"/>
-              <a:t>5.03.2024</a:t>
+              <a:t>7.03.2024</a:t>
             </a:fld>
             <a:endParaRPr lang="en-US" noProof="0"/>
           </a:p>
@@ -20618,7 +20616,7 @@
           </a:ln>
           <a:extLst>
             <a:ext uri="{C572A759-6A51-4108-AA02-DFA0A04FC94B}">
-              <ma14:wrappingTextBoxFlag xmlns:ma14="http://schemas.microsoft.com/office/mac/drawingml/2011/main" xmlns:a14="http://schemas.microsoft.com/office/drawing/2010/main" xmlns:m="http://schemas.openxmlformats.org/officeDocument/2006/math" xmlns="" val="1"/>
+              <ma14:wrappingTextBoxFlag xmlns="" xmlns:m="http://schemas.openxmlformats.org/officeDocument/2006/math" xmlns:a14="http://schemas.microsoft.com/office/drawing/2010/main" xmlns:ma14="http://schemas.microsoft.com/office/mac/drawingml/2011/main" val="1"/>
             </a:ext>
           </a:extLst>
         </p:spPr>
@@ -20688,7 +20686,7 @@
             <a:pPr algn="r"/>
             <a:fld id="{C9FEF3E5-3980-45FF-82C0-845747966C85}" type="datetime1">
               <a:rPr lang="pl-PL" noProof="0" smtClean="0"/>
-              <a:t>5.03.2024</a:t>
+              <a:t>7.03.2024</a:t>
             </a:fld>
             <a:endParaRPr lang="en-US" noProof="0"/>
           </a:p>
@@ -21002,7 +21000,7 @@
           </a:ln>
           <a:extLst>
             <a:ext uri="{C572A759-6A51-4108-AA02-DFA0A04FC94B}">
-              <ma14:wrappingTextBoxFlag xmlns:m="http://schemas.openxmlformats.org/officeDocument/2006/math" xmlns:a14="http://schemas.microsoft.com/office/drawing/2010/main" xmlns:ma14="http://schemas.microsoft.com/office/mac/drawingml/2011/main" xmlns="" val="1"/>
+              <ma14:wrappingTextBoxFlag xmlns="" xmlns:ma14="http://schemas.microsoft.com/office/mac/drawingml/2011/main" xmlns:a14="http://schemas.microsoft.com/office/drawing/2010/main" xmlns:m="http://schemas.openxmlformats.org/officeDocument/2006/math" val="1"/>
             </a:ext>
           </a:extLst>
         </p:spPr>
@@ -21072,7 +21070,7 @@
             <a:pPr algn="r"/>
             <a:fld id="{C9FEF3E5-3980-45FF-82C0-845747966C85}" type="datetime1">
               <a:rPr lang="pl-PL" noProof="0" smtClean="0"/>
-              <a:t>5.03.2024</a:t>
+              <a:t>7.03.2024</a:t>
             </a:fld>
             <a:endParaRPr lang="en-US" noProof="0"/>
           </a:p>
@@ -21263,7 +21261,7 @@
           <a:p>
             <a:fld id="{FAA3217B-91BF-F94E-9072-57BADD6D61A0}" type="datetimeFigureOut">
               <a:rPr lang="en-NO" smtClean="0"/>
-              <a:t>05/03/2024</a:t>
+              <a:t>07/03/2024</a:t>
             </a:fld>
             <a:endParaRPr lang="en-NO"/>
           </a:p>
@@ -21455,7 +21453,7 @@
           <a:p>
             <a:fld id="{FAA3217B-91BF-F94E-9072-57BADD6D61A0}" type="datetimeFigureOut">
               <a:rPr lang="en-NO" smtClean="0"/>
-              <a:t>05/03/2024</a:t>
+              <a:t>07/03/2024</a:t>
             </a:fld>
             <a:endParaRPr lang="en-NO"/>
           </a:p>
@@ -21625,7 +21623,7 @@
           <a:p>
             <a:fld id="{FAA3217B-91BF-F94E-9072-57BADD6D61A0}" type="datetimeFigureOut">
               <a:rPr lang="en-NO" smtClean="0"/>
-              <a:t>05/03/2024</a:t>
+              <a:t>07/03/2024</a:t>
             </a:fld>
             <a:endParaRPr lang="en-NO"/>
           </a:p>
@@ -21992,7 +21990,7 @@
           <a:p>
             <a:fld id="{FAA3217B-91BF-F94E-9072-57BADD6D61A0}" type="datetimeFigureOut">
               <a:rPr lang="en-NO" smtClean="0"/>
-              <a:t>05/03/2024</a:t>
+              <a:t>07/03/2024</a:t>
             </a:fld>
             <a:endParaRPr lang="en-NO"/>
           </a:p>
@@ -22110,7 +22108,7 @@
           <a:p>
             <a:fld id="{FAA3217B-91BF-F94E-9072-57BADD6D61A0}" type="datetimeFigureOut">
               <a:rPr lang="en-NO" smtClean="0"/>
-              <a:t>05/03/2024</a:t>
+              <a:t>07/03/2024</a:t>
             </a:fld>
             <a:endParaRPr lang="en-NO"/>
           </a:p>
@@ -22205,7 +22203,7 @@
           <a:p>
             <a:fld id="{FAA3217B-91BF-F94E-9072-57BADD6D61A0}" type="datetimeFigureOut">
               <a:rPr lang="en-NO" smtClean="0"/>
-              <a:t>05/03/2024</a:t>
+              <a:t>07/03/2024</a:t>
             </a:fld>
             <a:endParaRPr lang="en-NO"/>
           </a:p>
@@ -22482,7 +22480,7 @@
           <a:p>
             <a:fld id="{FAA3217B-91BF-F94E-9072-57BADD6D61A0}" type="datetimeFigureOut">
               <a:rPr lang="en-NO" smtClean="0"/>
-              <a:t>05/03/2024</a:t>
+              <a:t>07/03/2024</a:t>
             </a:fld>
             <a:endParaRPr lang="en-NO"/>
           </a:p>
@@ -22739,7 +22737,7 @@
           <a:p>
             <a:fld id="{FAA3217B-91BF-F94E-9072-57BADD6D61A0}" type="datetimeFigureOut">
               <a:rPr lang="en-NO" smtClean="0"/>
-              <a:t>05/03/2024</a:t>
+              <a:t>07/03/2024</a:t>
             </a:fld>
             <a:endParaRPr lang="en-NO"/>
           </a:p>
@@ -22952,7 +22950,7 @@
           <a:p>
             <a:fld id="{FAA3217B-91BF-F94E-9072-57BADD6D61A0}" type="datetimeFigureOut">
               <a:rPr lang="en-NO" smtClean="0"/>
-              <a:t>05/03/2024</a:t>
+              <a:t>07/03/2024</a:t>
             </a:fld>
             <a:endParaRPr lang="en-NO"/>
           </a:p>
@@ -23389,7 +23387,7 @@
           </a:ln>
           <a:extLst>
             <a:ext uri="{C572A759-6A51-4108-AA02-DFA0A04FC94B}">
-              <ma14:wrappingTextBoxFlag xmlns:ma14="http://schemas.microsoft.com/office/mac/drawingml/2011/main" xmlns:a14="http://schemas.microsoft.com/office/drawing/2010/main" xmlns:m="http://schemas.openxmlformats.org/officeDocument/2006/math" xmlns="" val="1"/>
+              <ma14:wrappingTextBoxFlag xmlns="" xmlns:m="http://schemas.openxmlformats.org/officeDocument/2006/math" xmlns:a14="http://schemas.microsoft.com/office/drawing/2010/main" xmlns:ma14="http://schemas.microsoft.com/office/mac/drawingml/2011/main" val="1"/>
             </a:ext>
           </a:extLst>
         </p:spPr>
@@ -23461,7 +23459,7 @@
           <a:p>
             <a:fld id="{A8AD308A-F818-43E1-AA9E-31340C71C4CE}" type="datetime1">
               <a:rPr lang="pl-PL" smtClean="0"/>
-              <a:t>5.03.2024</a:t>
+              <a:t>7.03.2024</a:t>
             </a:fld>
             <a:endParaRPr lang="pl-PL"/>
           </a:p>
@@ -24118,13 +24116,13 @@
           <a:p>
             <a:r>
               <a:rPr lang="en-NO" dirty="0"/>
-              <a:t>Producers and Consumers nee to be able to talt to it</a:t>
+              <a:t>Producers and Consumers nee to be able to talk to it</a:t>
             </a:r>
           </a:p>
           <a:p>
             <a:r>
               <a:rPr lang="en-NO" dirty="0"/>
-              <a:t>The schema resgirty must be able to reject bad data</a:t>
+              <a:t>The schema registry must be able to reject bad data</a:t>
             </a:r>
           </a:p>
           <a:p>
@@ -24191,7 +24189,7 @@
             </a:r>
             <a:r>
               <a:rPr lang="en-NO" dirty="0"/>
-              <a:t>as the data format(Protobug, JSON is supported)</a:t>
+              <a:t>as the data format(Protobuf, JSON is supported)</a:t>
             </a:r>
           </a:p>
         </p:txBody>
@@ -24546,7 +24544,7 @@
             <a:pPr lvl="1"/>
             <a:r>
               <a:rPr lang="en-NO" dirty="0"/>
-              <a:t>Make usre it’s highly available</a:t>
+              <a:t>Make sure it’s highly available</a:t>
             </a:r>
           </a:p>
           <a:p>
@@ -24565,7 +24563,7 @@
           <a:p>
             <a:r>
               <a:rPr lang="en-NO" dirty="0"/>
-              <a:t>Other formats inlcude protobuf and JSON Schema</a:t>
+              <a:t>Other formats include protobuf and JSON Schema</a:t>
             </a:r>
           </a:p>
           <a:p>
@@ -25377,13 +25375,27 @@
             <a:pPr lvl="1"/>
             <a:r>
               <a:rPr lang="en-US" dirty="0"/>
-              <a:t>Schema Registry</a:t>
+              <a:t>Add Schema registry</a:t>
             </a:r>
           </a:p>
           <a:p>
             <a:r>
               <a:rPr lang="en-US" dirty="0"/>
-              <a:t>Wikimedia task</a:t>
+              <a:t>Wikimedia</a:t>
+            </a:r>
+          </a:p>
+          <a:p>
+            <a:pPr lvl="1"/>
+            <a:r>
+              <a:rPr lang="en-US" dirty="0"/>
+              <a:t>Producer &amp; Consumer</a:t>
+            </a:r>
+          </a:p>
+          <a:p>
+            <a:pPr lvl="1"/>
+            <a:r>
+              <a:rPr lang="en-US" dirty="0"/>
+              <a:t>Add Schema registry</a:t>
             </a:r>
           </a:p>
           <a:p>
@@ -25759,7 +25771,7 @@
           <a:p>
             <a:r>
               <a:rPr lang="en-NO" dirty="0"/>
-              <a:t>Kafka Connect API &amp;  Rest Proxy</a:t>
+              <a:t>Kafka Connect API &amp; Rest Proxy</a:t>
             </a:r>
           </a:p>
         </p:txBody>
@@ -25938,37 +25950,59 @@
           <a:lstStyle/>
           <a:p>
             <a:r>
-              <a:rPr lang="en-GB">
+              <a:rPr lang="en-GB" dirty="0">
                 <a:hlinkClick r:id="rId2"/>
               </a:rPr>
               <a:t>https://www.udemy.com/course/apache-kafka/</a:t>
             </a:r>
-            <a:endParaRPr lang="en-GB"/>
-          </a:p>
-          <a:p>
-            <a:r>
-              <a:rPr lang="en-GB">
+            <a:endParaRPr lang="en-GB" dirty="0"/>
+          </a:p>
+          <a:p>
+            <a:r>
+              <a:rPr lang="en-GB" dirty="0"/>
+              <a:t>https://</a:t>
+            </a:r>
+            <a:r>
+              <a:rPr lang="en-GB" dirty="0" err="1"/>
+              <a:t>www.udemy.com</a:t>
+            </a:r>
+            <a:r>
+              <a:rPr lang="en-GB" dirty="0"/>
+              <a:t>/course/</a:t>
+            </a:r>
+            <a:r>
+              <a:rPr lang="en-GB" dirty="0" err="1"/>
+              <a:t>kafka</a:t>
+            </a:r>
+            <a:r>
+              <a:rPr lang="en-GB" dirty="0"/>
+              <a:t>-connect/</a:t>
+            </a:r>
+          </a:p>
+          <a:p>
+            <a:r>
+              <a:rPr lang="en-GB" dirty="0">
                 <a:hlinkClick r:id="rId3"/>
               </a:rPr>
               <a:t>https://www.conduktor.io/kafka/</a:t>
             </a:r>
-            <a:endParaRPr lang="en-GB"/>
+            <a:endParaRPr lang="en-GB" dirty="0"/>
           </a:p>
           <a:p>
             <a:pPr lvl="1"/>
             <a:r>
-              <a:rPr lang="en-GB"/>
+              <a:rPr lang="en-GB" dirty="0"/>
               <a:t>Most of the </a:t>
             </a:r>
             <a:r>
-              <a:rPr lang="en-GB" err="1"/>
+              <a:rPr lang="en-GB" dirty="0" err="1"/>
               <a:t>kafka</a:t>
             </a:r>
             <a:r>
-              <a:rPr lang="en-GB"/>
+              <a:rPr lang="en-GB" dirty="0"/>
               <a:t> images are from here</a:t>
             </a:r>
-            <a:endParaRPr lang="en-NO"/>
+            <a:endParaRPr lang="en-NO" dirty="0"/>
           </a:p>
         </p:txBody>
       </p:sp>
@@ -26034,219 +26068,6 @@
     <p:extLst>
       <p:ext uri="{BB962C8B-B14F-4D97-AF65-F5344CB8AC3E}">
         <p14:creationId xmlns:p14="http://schemas.microsoft.com/office/powerpoint/2010/main" val="809815010"/>
-      </p:ext>
-    </p:extLst>
-  </p:cSld>
-  <p:clrMapOvr>
-    <a:masterClrMapping/>
-  </p:clrMapOvr>
-</p:sld>
-</file>
-
-<file path=ppt/slides/slide26.xml><?xml version="1.0" encoding="utf-8"?>
-<p:sld xmlns:a="http://schemas.openxmlformats.org/drawingml/2006/main" xmlns:r="http://schemas.openxmlformats.org/officeDocument/2006/relationships" xmlns:p="http://schemas.openxmlformats.org/presentationml/2006/main">
-  <p:cSld>
-    <p:spTree>
-      <p:nvGrpSpPr>
-        <p:cNvPr id="1" name=""/>
-        <p:cNvGrpSpPr/>
-        <p:nvPr/>
-      </p:nvGrpSpPr>
-      <p:grpSpPr>
-        <a:xfrm>
-          <a:off x="0" y="0"/>
-          <a:ext cx="0" cy="0"/>
-          <a:chOff x="0" y="0"/>
-          <a:chExt cx="0" cy="0"/>
-        </a:xfrm>
-      </p:grpSpPr>
-      <p:sp>
-        <p:nvSpPr>
-          <p:cNvPr id="2" name="Title 1">
-            <a:extLst>
-              <a:ext uri="{FF2B5EF4-FFF2-40B4-BE49-F238E27FC236}">
-                <a16:creationId xmlns:a16="http://schemas.microsoft.com/office/drawing/2014/main" id="{F9F911E5-6C83-4C44-6B11-CC5122274A34}"/>
-              </a:ext>
-            </a:extLst>
-          </p:cNvPr>
-          <p:cNvSpPr>
-            <a:spLocks noGrp="1"/>
-          </p:cNvSpPr>
-          <p:nvPr>
-            <p:ph type="title"/>
-          </p:nvPr>
-        </p:nvSpPr>
-        <p:spPr/>
-        <p:txBody>
-          <a:bodyPr/>
-          <a:lstStyle/>
-          <a:p>
-            <a:r>
-              <a:rPr lang="en-NO"/>
-              <a:t>To the tasks!</a:t>
-            </a:r>
-          </a:p>
-        </p:txBody>
-      </p:sp>
-      <p:sp>
-        <p:nvSpPr>
-          <p:cNvPr id="3" name="Content Placeholder 2">
-            <a:extLst>
-              <a:ext uri="{FF2B5EF4-FFF2-40B4-BE49-F238E27FC236}">
-                <a16:creationId xmlns:a16="http://schemas.microsoft.com/office/drawing/2014/main" id="{C14E9F07-E5BB-1572-75D2-791E7423C76C}"/>
-              </a:ext>
-            </a:extLst>
-          </p:cNvPr>
-          <p:cNvSpPr>
-            <a:spLocks noGrp="1"/>
-          </p:cNvSpPr>
-          <p:nvPr>
-            <p:ph idx="1"/>
-          </p:nvPr>
-        </p:nvSpPr>
-        <p:spPr/>
-        <p:txBody>
-          <a:bodyPr/>
-          <a:lstStyle/>
-          <a:p>
-            <a:r>
-              <a:rPr lang="en-NO" dirty="0"/>
-              <a:t>GitHub</a:t>
-            </a:r>
-          </a:p>
-          <a:p>
-            <a:pPr lvl="1"/>
-            <a:r>
-              <a:rPr lang="en-NO" dirty="0"/>
-              <a:t>CLI</a:t>
-            </a:r>
-          </a:p>
-          <a:p>
-            <a:pPr lvl="1"/>
-            <a:r>
-              <a:rPr lang="en-NO" dirty="0"/>
-              <a:t>Code</a:t>
-            </a:r>
-          </a:p>
-          <a:p>
-            <a:pPr lvl="1"/>
-            <a:r>
-              <a:rPr lang="en-NO" dirty="0"/>
-              <a:t>Forum</a:t>
-            </a:r>
-          </a:p>
-          <a:p>
-            <a:pPr lvl="1"/>
-            <a:r>
-              <a:rPr lang="en-NO" dirty="0"/>
-              <a:t>extra</a:t>
-            </a:r>
-          </a:p>
-        </p:txBody>
-      </p:sp>
-    </p:spTree>
-    <p:extLst>
-      <p:ext uri="{BB962C8B-B14F-4D97-AF65-F5344CB8AC3E}">
-        <p14:creationId xmlns:p14="http://schemas.microsoft.com/office/powerpoint/2010/main" val="1619144366"/>
-      </p:ext>
-    </p:extLst>
-  </p:cSld>
-  <p:clrMapOvr>
-    <a:masterClrMapping/>
-  </p:clrMapOvr>
-</p:sld>
-</file>
-
-<file path=ppt/slides/slide27.xml><?xml version="1.0" encoding="utf-8"?>
-<p:sld xmlns:a="http://schemas.openxmlformats.org/drawingml/2006/main" xmlns:r="http://schemas.openxmlformats.org/officeDocument/2006/relationships" xmlns:p="http://schemas.openxmlformats.org/presentationml/2006/main">
-  <p:cSld>
-    <p:spTree>
-      <p:nvGrpSpPr>
-        <p:cNvPr id="1" name=""/>
-        <p:cNvGrpSpPr/>
-        <p:nvPr/>
-      </p:nvGrpSpPr>
-      <p:grpSpPr>
-        <a:xfrm>
-          <a:off x="0" y="0"/>
-          <a:ext cx="0" cy="0"/>
-          <a:chOff x="0" y="0"/>
-          <a:chExt cx="0" cy="0"/>
-        </a:xfrm>
-      </p:grpSpPr>
-      <p:sp>
-        <p:nvSpPr>
-          <p:cNvPr id="2" name="Title 1">
-            <a:extLst>
-              <a:ext uri="{FF2B5EF4-FFF2-40B4-BE49-F238E27FC236}">
-                <a16:creationId xmlns:a16="http://schemas.microsoft.com/office/drawing/2014/main" id="{1D31C812-3D5E-4358-D46B-AFEE847C7796}"/>
-              </a:ext>
-            </a:extLst>
-          </p:cNvPr>
-          <p:cNvSpPr>
-            <a:spLocks noGrp="1"/>
-          </p:cNvSpPr>
-          <p:nvPr>
-            <p:ph type="title"/>
-          </p:nvPr>
-        </p:nvSpPr>
-        <p:spPr/>
-        <p:txBody>
-          <a:bodyPr/>
-          <a:lstStyle/>
-          <a:p>
-            <a:r>
-              <a:rPr lang="en-NO"/>
-              <a:t>Til neste gang</a:t>
-            </a:r>
-          </a:p>
-        </p:txBody>
-      </p:sp>
-      <p:sp>
-        <p:nvSpPr>
-          <p:cNvPr id="3" name="Content Placeholder 2">
-            <a:extLst>
-              <a:ext uri="{FF2B5EF4-FFF2-40B4-BE49-F238E27FC236}">
-                <a16:creationId xmlns:a16="http://schemas.microsoft.com/office/drawing/2014/main" id="{421F4BF0-E443-4D1C-AB91-824585E8A82D}"/>
-              </a:ext>
-            </a:extLst>
-          </p:cNvPr>
-          <p:cNvSpPr>
-            <a:spLocks noGrp="1"/>
-          </p:cNvSpPr>
-          <p:nvPr>
-            <p:ph idx="1"/>
-          </p:nvPr>
-        </p:nvSpPr>
-        <p:spPr/>
-        <p:txBody>
-          <a:bodyPr/>
-          <a:lstStyle/>
-          <a:p>
-            <a:r>
-              <a:rPr lang="en-NO" dirty="0"/>
-              <a:t>Kafka Streams</a:t>
-            </a:r>
-          </a:p>
-          <a:p>
-            <a:pPr lvl="1"/>
-            <a:r>
-              <a:rPr lang="en-NO" dirty="0"/>
-              <a:t>Manipulering av Data</a:t>
-            </a:r>
-          </a:p>
-          <a:p>
-            <a:pPr marL="0" indent="0">
-              <a:buNone/>
-            </a:pPr>
-            <a:endParaRPr lang="nb-NO" dirty="0"/>
-          </a:p>
-        </p:txBody>
-      </p:sp>
-    </p:spTree>
-    <p:extLst>
-      <p:ext uri="{BB962C8B-B14F-4D97-AF65-F5344CB8AC3E}">
-        <p14:creationId xmlns:p14="http://schemas.microsoft.com/office/powerpoint/2010/main" val="408627567"/>
       </p:ext>
     </p:extLst>
   </p:cSld>
@@ -26541,10 +26362,10 @@
       </p:grpSpPr>
       <p:pic>
         <p:nvPicPr>
-          <p:cNvPr id="12290" name="Picture 2" descr="Message serialization diagram showing how Apache Kafka Producers integer and string serializers.">
+          <p:cNvPr id="4" name="Picture 2" descr="Message serialization diagram showing how Apache Kafka Producers integer and string serializers.">
             <a:extLst>
               <a:ext uri="{FF2B5EF4-FFF2-40B4-BE49-F238E27FC236}">
-                <a16:creationId xmlns:a16="http://schemas.microsoft.com/office/drawing/2014/main" id="{26A91F1F-1A5D-0ED2-8DA3-CE3CD13C4601}"/>
+                <a16:creationId xmlns:a16="http://schemas.microsoft.com/office/drawing/2014/main" id="{AC145DF6-FC20-D3FB-A489-E71DFD733A10}"/>
               </a:ext>
             </a:extLst>
           </p:cNvPr>
@@ -26554,7 +26375,7 @@
           <p:nvPr/>
         </p:nvPicPr>
         <p:blipFill>
-          <a:blip>
+          <a:blip r:embed="rId2">
             <a:extLst>
               <a:ext uri="{28A0092B-C50C-407E-A947-70E740481C1C}">
                 <a14:useLocalDpi xmlns:a14="http://schemas.microsoft.com/office/drawing/2010/main" val="0"/>
@@ -26568,7 +26389,7 @@
         </p:blipFill>
         <p:spPr bwMode="auto">
           <a:xfrm>
-            <a:off x="6096000" y="1326007"/>
+            <a:off x="6049168" y="1326007"/>
             <a:ext cx="6142832" cy="5166868"/>
           </a:xfrm>
           <a:prstGeom prst="rect">
@@ -26608,7 +26429,7 @@
           <a:lstStyle/>
           <a:p>
             <a:r>
-              <a:rPr lang="en-NO"/>
+              <a:rPr lang="en-NO" dirty="0"/>
               <a:t>Producer – Message Serializers</a:t>
             </a:r>
           </a:p>
@@ -26641,51 +26462,51 @@
           <a:lstStyle/>
           <a:p>
             <a:r>
-              <a:rPr lang="en-NO"/>
+              <a:rPr lang="en-NO" dirty="0"/>
               <a:t>Kafka only acceps and sends bytes as input and output</a:t>
             </a:r>
           </a:p>
           <a:p>
             <a:r>
-              <a:rPr lang="en-NO"/>
+              <a:rPr lang="en-NO" dirty="0"/>
               <a:t>Seralization is used for key and value</a:t>
             </a:r>
           </a:p>
           <a:p>
             <a:r>
-              <a:rPr lang="en-GB"/>
+              <a:rPr lang="en-GB" dirty="0"/>
               <a:t>C</a:t>
             </a:r>
             <a:r>
-              <a:rPr lang="en-NO"/>
+              <a:rPr lang="en-NO" dirty="0"/>
               <a:t>ommon Serializers</a:t>
             </a:r>
           </a:p>
           <a:p>
             <a:pPr lvl="1"/>
             <a:r>
-              <a:rPr lang="en-NO"/>
+              <a:rPr lang="en-NO" dirty="0"/>
               <a:t>String(incl. JSON)</a:t>
             </a:r>
           </a:p>
           <a:p>
             <a:pPr lvl="1"/>
             <a:r>
-              <a:rPr lang="en-NO"/>
+              <a:rPr lang="en-NO" dirty="0"/>
               <a:t>Int,Float</a:t>
             </a:r>
           </a:p>
           <a:p>
             <a:pPr lvl="1"/>
             <a:r>
-              <a:rPr lang="en-NO"/>
+              <a:rPr lang="en-NO" dirty="0"/>
               <a:t>Avro</a:t>
             </a:r>
           </a:p>
           <a:p>
             <a:pPr lvl="1"/>
             <a:r>
-              <a:rPr lang="en-NO"/>
+              <a:rPr lang="en-NO" dirty="0"/>
               <a:t>Protobuf</a:t>
             </a:r>
           </a:p>
@@ -26723,10 +26544,10 @@
       </p:grpSpPr>
       <p:pic>
         <p:nvPicPr>
-          <p:cNvPr id="15362" name="Picture 2" descr="Kafka Consumers must use the same format for deserialization that was used by the producer when serializing the message. This daigram shows the deserialization process.">
+          <p:cNvPr id="4" name="Picture 2" descr="Kafka Consumers must use the same format for deserialization that was used by the producer when serializing the message. This daigram shows the deserialization process.">
             <a:extLst>
               <a:ext uri="{FF2B5EF4-FFF2-40B4-BE49-F238E27FC236}">
-                <a16:creationId xmlns:a16="http://schemas.microsoft.com/office/drawing/2014/main" id="{647493BA-1F48-4820-790B-99EB08EACA7C}"/>
+                <a16:creationId xmlns:a16="http://schemas.microsoft.com/office/drawing/2014/main" id="{B8E2C5BB-BBC7-31DC-9881-49BD7F768C56}"/>
               </a:ext>
             </a:extLst>
           </p:cNvPr>
@@ -26736,7 +26557,7 @@
           <p:nvPr/>
         </p:nvPicPr>
         <p:blipFill>
-          <a:blip>
+          <a:blip r:embed="rId2">
             <a:extLst>
               <a:ext uri="{28A0092B-C50C-407E-A947-70E740481C1C}">
                 <a14:useLocalDpi xmlns:a14="http://schemas.microsoft.com/office/drawing/2010/main" val="0"/>
@@ -26823,47 +26644,47 @@
           <a:lstStyle/>
           <a:p>
             <a:r>
-              <a:rPr lang="en-NO"/>
+              <a:rPr lang="en-NO" dirty="0"/>
               <a:t>Deserializer is used for value and key</a:t>
             </a:r>
           </a:p>
           <a:p>
             <a:r>
-              <a:rPr lang="en-NO"/>
+              <a:rPr lang="en-NO" dirty="0"/>
               <a:t>Common Deserializer</a:t>
             </a:r>
           </a:p>
           <a:p>
             <a:pPr lvl="1"/>
             <a:r>
-              <a:rPr lang="en-NO"/>
+              <a:rPr lang="en-NO" dirty="0"/>
               <a:t>String (incl. JSON)</a:t>
             </a:r>
           </a:p>
           <a:p>
             <a:pPr lvl="1"/>
             <a:r>
-              <a:rPr lang="en-NO"/>
+              <a:rPr lang="en-NO" dirty="0"/>
               <a:t>Int, Float</a:t>
             </a:r>
           </a:p>
           <a:p>
             <a:pPr lvl="1"/>
             <a:r>
-              <a:rPr lang="en-NO"/>
+              <a:rPr lang="en-NO" dirty="0"/>
               <a:t>Avro</a:t>
             </a:r>
           </a:p>
           <a:p>
             <a:pPr lvl="1"/>
             <a:r>
-              <a:rPr lang="en-NO"/>
+              <a:rPr lang="en-NO" dirty="0"/>
               <a:t>Protobuf</a:t>
             </a:r>
           </a:p>
           <a:p>
             <a:r>
-              <a:rPr lang="en-NO"/>
+              <a:rPr lang="en-NO" dirty="0"/>
               <a:t>The serialization / deserialization type must not change during a topic lifecycle (Create new instead)</a:t>
             </a:r>
           </a:p>
